--- a/Jour1/06 Forms/FORMS.pptx
+++ b/Jour1/06 Forms/FORMS.pptx
@@ -5,39 +5,36 @@
     <p:sldMasterId id="2147483648" r:id="rId1"/>
   </p:sldMasterIdLst>
   <p:notesMasterIdLst>
-    <p:notesMasterId r:id="rId29"/>
+    <p:notesMasterId r:id="rId26"/>
   </p:notesMasterIdLst>
   <p:handoutMasterIdLst>
-    <p:handoutMasterId r:id="rId30"/>
+    <p:handoutMasterId r:id="rId27"/>
   </p:handoutMasterIdLst>
   <p:sldIdLst>
     <p:sldId id="339" r:id="rId2"/>
-    <p:sldId id="379" r:id="rId3"/>
-    <p:sldId id="447" r:id="rId4"/>
-    <p:sldId id="448" r:id="rId5"/>
-    <p:sldId id="449" r:id="rId6"/>
-    <p:sldId id="453" r:id="rId7"/>
-    <p:sldId id="455" r:id="rId8"/>
-    <p:sldId id="435" r:id="rId9"/>
-    <p:sldId id="456" r:id="rId10"/>
-    <p:sldId id="450" r:id="rId11"/>
-    <p:sldId id="466" r:id="rId12"/>
-    <p:sldId id="434" r:id="rId13"/>
-    <p:sldId id="452" r:id="rId14"/>
-    <p:sldId id="471" r:id="rId15"/>
-    <p:sldId id="433" r:id="rId16"/>
-    <p:sldId id="457" r:id="rId17"/>
-    <p:sldId id="458" r:id="rId18"/>
-    <p:sldId id="470" r:id="rId19"/>
-    <p:sldId id="454" r:id="rId20"/>
-    <p:sldId id="436" r:id="rId21"/>
-    <p:sldId id="463" r:id="rId22"/>
-    <p:sldId id="464" r:id="rId23"/>
-    <p:sldId id="465" r:id="rId24"/>
-    <p:sldId id="474" r:id="rId25"/>
-    <p:sldId id="476" r:id="rId26"/>
-    <p:sldId id="475" r:id="rId27"/>
-    <p:sldId id="477" r:id="rId28"/>
+    <p:sldId id="447" r:id="rId3"/>
+    <p:sldId id="448" r:id="rId4"/>
+    <p:sldId id="449" r:id="rId5"/>
+    <p:sldId id="453" r:id="rId6"/>
+    <p:sldId id="455" r:id="rId7"/>
+    <p:sldId id="435" r:id="rId8"/>
+    <p:sldId id="450" r:id="rId9"/>
+    <p:sldId id="466" r:id="rId10"/>
+    <p:sldId id="434" r:id="rId11"/>
+    <p:sldId id="452" r:id="rId12"/>
+    <p:sldId id="471" r:id="rId13"/>
+    <p:sldId id="433" r:id="rId14"/>
+    <p:sldId id="458" r:id="rId15"/>
+    <p:sldId id="454" r:id="rId16"/>
+    <p:sldId id="436" r:id="rId17"/>
+    <p:sldId id="463" r:id="rId18"/>
+    <p:sldId id="464" r:id="rId19"/>
+    <p:sldId id="465" r:id="rId20"/>
+    <p:sldId id="474" r:id="rId21"/>
+    <p:sldId id="476" r:id="rId22"/>
+    <p:sldId id="475" r:id="rId23"/>
+    <p:sldId id="477" r:id="rId24"/>
+    <p:sldId id="478" r:id="rId25"/>
   </p:sldIdLst>
   <p:sldSz cx="9144000" cy="6858000" type="screen4x3"/>
   <p:notesSz cx="6797675" cy="9926638"/>
@@ -1144,7 +1141,7 @@
             <a:fld id="{305287CA-3E72-4A91-B59B-B69F40801570}" type="slidenum">
               <a:rPr lang="en-GB" sz="1100" smtClean="0"/>
               <a:pPr/>
-              <a:t>10</a:t>
+              <a:t>11</a:t>
             </a:fld>
             <a:endParaRPr lang="en-GB" sz="1100" dirty="0"/>
           </a:p>
@@ -1309,7 +1306,7 @@
     </p:spTree>
     <p:extLst>
       <p:ext uri="{BB962C8B-B14F-4D97-AF65-F5344CB8AC3E}">
-        <p14:creationId xmlns:p14="http://schemas.microsoft.com/office/powerpoint/2010/main" val="185757619"/>
+        <p14:creationId xmlns:p14="http://schemas.microsoft.com/office/powerpoint/2010/main" val="3755554488"/>
       </p:ext>
     </p:extLst>
   </p:cSld>
@@ -1573,7 +1570,7 @@
     </p:spTree>
     <p:extLst>
       <p:ext uri="{BB962C8B-B14F-4D97-AF65-F5344CB8AC3E}">
-        <p14:creationId xmlns:p14="http://schemas.microsoft.com/office/powerpoint/2010/main" val="3755554488"/>
+        <p14:creationId xmlns:p14="http://schemas.microsoft.com/office/powerpoint/2010/main" val="185757619"/>
       </p:ext>
     </p:extLst>
   </p:cSld>
@@ -1759,7 +1756,7 @@
           <a:bodyPr/>
           <a:lstStyle/>
           <a:p>
-            <a:endParaRPr lang="fr-FR"/>
+            <a:endParaRPr lang="fr-FR" dirty="0"/>
           </a:p>
         </p:txBody>
       </p:sp>
@@ -1804,7 +1801,7 @@
             <a:fld id="{305287CA-3E72-4A91-B59B-B69F40801570}" type="slidenum">
               <a:rPr lang="en-GB" sz="1100" smtClean="0"/>
               <a:pPr/>
-              <a:t>17</a:t>
+              <a:t>16</a:t>
             </a:fld>
             <a:endParaRPr lang="en-GB" sz="1100" dirty="0"/>
           </a:p>
@@ -1969,7 +1966,7 @@
     </p:spTree>
     <p:extLst>
       <p:ext uri="{BB962C8B-B14F-4D97-AF65-F5344CB8AC3E}">
-        <p14:creationId xmlns:p14="http://schemas.microsoft.com/office/powerpoint/2010/main" val="457493409"/>
+        <p14:creationId xmlns:p14="http://schemas.microsoft.com/office/powerpoint/2010/main" val="185757619"/>
       </p:ext>
     </p:extLst>
   </p:cSld>
@@ -2155,7 +2152,7 @@
           <a:bodyPr/>
           <a:lstStyle/>
           <a:p>
-            <a:endParaRPr lang="fr-FR" dirty="0"/>
+            <a:endParaRPr lang="fr-FR"/>
           </a:p>
         </p:txBody>
       </p:sp>
@@ -2233,7 +2230,7 @@
     </p:spTree>
     <p:extLst>
       <p:ext uri="{BB962C8B-B14F-4D97-AF65-F5344CB8AC3E}">
-        <p14:creationId xmlns:p14="http://schemas.microsoft.com/office/powerpoint/2010/main" val="185757619"/>
+        <p14:creationId xmlns:p14="http://schemas.microsoft.com/office/powerpoint/2010/main" val="1012287015"/>
       </p:ext>
     </p:extLst>
   </p:cSld>
@@ -2287,7 +2284,986 @@
           <a:bodyPr/>
           <a:lstStyle/>
           <a:p>
-            <a:endParaRPr lang="fr-FR"/>
+            <a:pPr marL="0" indent="0">
+              <a:buNone/>
+            </a:pPr>
+            <a:r>
+              <a:rPr lang="fr-FR" dirty="0"/>
+              <a:t>&lt;</a:t>
+            </a:r>
+            <a:r>
+              <a:rPr lang="fr-FR" sz="800" b="1" kern="1200" dirty="0">
+                <a:solidFill>
+                  <a:schemeClr val="tx1"/>
+                </a:solidFill>
+                <a:effectLst/>
+                <a:latin typeface="+mn-lt"/>
+                <a:ea typeface="+mn-ea"/>
+                <a:cs typeface="+mn-cs"/>
+              </a:rPr>
+              <a:t>div</a:t>
+            </a:r>
+            <a:r>
+              <a:rPr lang="fr-FR" dirty="0"/>
+              <a:t>&gt;</a:t>
+            </a:r>
+            <a:r>
+              <a:rPr lang="fr-FR" dirty="0" err="1"/>
+              <a:t>themeId</a:t>
+            </a:r>
+            <a:r>
+              <a:rPr lang="fr-FR" dirty="0"/>
+              <a:t> : {{</a:t>
+            </a:r>
+            <a:r>
+              <a:rPr lang="fr-FR" dirty="0" err="1"/>
+              <a:t>vm.filmFilterForm.themeId</a:t>
+            </a:r>
+            <a:r>
+              <a:rPr lang="fr-FR" dirty="0"/>
+              <a:t>}}&lt;/</a:t>
+            </a:r>
+            <a:r>
+              <a:rPr lang="fr-FR" sz="800" b="1" kern="1200" dirty="0">
+                <a:solidFill>
+                  <a:schemeClr val="tx1"/>
+                </a:solidFill>
+                <a:effectLst/>
+                <a:latin typeface="+mn-lt"/>
+                <a:ea typeface="+mn-ea"/>
+                <a:cs typeface="+mn-cs"/>
+              </a:rPr>
+              <a:t>div</a:t>
+            </a:r>
+            <a:r>
+              <a:rPr lang="fr-FR" dirty="0"/>
+              <a:t>&gt;</a:t>
+            </a:r>
+            <a:br>
+              <a:rPr lang="fr-FR" dirty="0"/>
+            </a:br>
+            <a:r>
+              <a:rPr lang="fr-FR" dirty="0"/>
+              <a:t>&lt;</a:t>
+            </a:r>
+            <a:r>
+              <a:rPr lang="fr-FR" sz="800" b="1" kern="1200" dirty="0">
+                <a:solidFill>
+                  <a:schemeClr val="tx1"/>
+                </a:solidFill>
+                <a:effectLst/>
+                <a:latin typeface="+mn-lt"/>
+                <a:ea typeface="+mn-ea"/>
+                <a:cs typeface="+mn-cs"/>
+              </a:rPr>
+              <a:t>div </a:t>
+            </a:r>
+            <a:r>
+              <a:rPr lang="fr-FR" dirty="0"/>
+              <a:t>class=</a:t>
+            </a:r>
+            <a:r>
+              <a:rPr lang="fr-FR" sz="800" b="1" kern="1200" dirty="0">
+                <a:solidFill>
+                  <a:schemeClr val="tx1"/>
+                </a:solidFill>
+                <a:effectLst/>
+                <a:latin typeface="+mn-lt"/>
+                <a:ea typeface="+mn-ea"/>
+                <a:cs typeface="+mn-cs"/>
+              </a:rPr>
+              <a:t>"</a:t>
+            </a:r>
+            <a:r>
+              <a:rPr lang="fr-FR" sz="800" b="1" kern="1200" dirty="0" err="1">
+                <a:solidFill>
+                  <a:schemeClr val="tx1"/>
+                </a:solidFill>
+                <a:effectLst/>
+                <a:latin typeface="+mn-lt"/>
+                <a:ea typeface="+mn-ea"/>
+                <a:cs typeface="+mn-cs"/>
+              </a:rPr>
+              <a:t>form</a:t>
+            </a:r>
+            <a:r>
+              <a:rPr lang="fr-FR" sz="800" b="1" kern="1200" dirty="0">
+                <a:solidFill>
+                  <a:schemeClr val="tx1"/>
+                </a:solidFill>
+                <a:effectLst/>
+                <a:latin typeface="+mn-lt"/>
+                <a:ea typeface="+mn-ea"/>
+                <a:cs typeface="+mn-cs"/>
+              </a:rPr>
+              <a:t>-group"</a:t>
+            </a:r>
+            <a:r>
+              <a:rPr lang="fr-FR" dirty="0"/>
+              <a:t>&gt;</a:t>
+            </a:r>
+            <a:br>
+              <a:rPr lang="fr-FR" dirty="0"/>
+            </a:br>
+            <a:r>
+              <a:rPr lang="fr-FR" dirty="0"/>
+              <a:t>    &lt;</a:t>
+            </a:r>
+            <a:r>
+              <a:rPr lang="fr-FR" sz="800" b="1" kern="1200" dirty="0">
+                <a:solidFill>
+                  <a:schemeClr val="tx1"/>
+                </a:solidFill>
+                <a:effectLst/>
+                <a:latin typeface="+mn-lt"/>
+                <a:ea typeface="+mn-ea"/>
+                <a:cs typeface="+mn-cs"/>
+              </a:rPr>
+              <a:t>select </a:t>
+            </a:r>
+            <a:r>
+              <a:rPr lang="fr-FR" dirty="0" err="1"/>
+              <a:t>name</a:t>
+            </a:r>
+            <a:r>
+              <a:rPr lang="fr-FR" dirty="0"/>
+              <a:t>=</a:t>
+            </a:r>
+            <a:r>
+              <a:rPr lang="fr-FR" sz="800" b="1" kern="1200" dirty="0">
+                <a:solidFill>
+                  <a:schemeClr val="tx1"/>
+                </a:solidFill>
+                <a:effectLst/>
+                <a:latin typeface="+mn-lt"/>
+                <a:ea typeface="+mn-ea"/>
+                <a:cs typeface="+mn-cs"/>
+              </a:rPr>
+              <a:t>"</a:t>
+            </a:r>
+            <a:r>
+              <a:rPr lang="fr-FR" sz="800" b="1" kern="1200" dirty="0" err="1">
+                <a:solidFill>
+                  <a:schemeClr val="tx1"/>
+                </a:solidFill>
+                <a:effectLst/>
+                <a:latin typeface="+mn-lt"/>
+                <a:ea typeface="+mn-ea"/>
+                <a:cs typeface="+mn-cs"/>
+              </a:rPr>
+              <a:t>theme</a:t>
+            </a:r>
+            <a:r>
+              <a:rPr lang="fr-FR" sz="800" b="1" kern="1200" dirty="0">
+                <a:solidFill>
+                  <a:schemeClr val="tx1"/>
+                </a:solidFill>
+                <a:effectLst/>
+                <a:latin typeface="+mn-lt"/>
+                <a:ea typeface="+mn-ea"/>
+                <a:cs typeface="+mn-cs"/>
+              </a:rPr>
+              <a:t>" </a:t>
+            </a:r>
+            <a:r>
+              <a:rPr lang="fr-FR" dirty="0" err="1"/>
+              <a:t>ng</a:t>
+            </a:r>
+            <a:r>
+              <a:rPr lang="fr-FR" dirty="0"/>
+              <a:t>-model=</a:t>
+            </a:r>
+            <a:r>
+              <a:rPr lang="fr-FR" sz="800" b="1" kern="1200" dirty="0">
+                <a:solidFill>
+                  <a:schemeClr val="tx1"/>
+                </a:solidFill>
+                <a:effectLst/>
+                <a:latin typeface="+mn-lt"/>
+                <a:ea typeface="+mn-ea"/>
+                <a:cs typeface="+mn-cs"/>
+              </a:rPr>
+              <a:t>"</a:t>
+            </a:r>
+            <a:r>
+              <a:rPr lang="fr-FR" sz="800" b="1" kern="1200" dirty="0" err="1">
+                <a:solidFill>
+                  <a:schemeClr val="tx1"/>
+                </a:solidFill>
+                <a:effectLst/>
+                <a:latin typeface="+mn-lt"/>
+                <a:ea typeface="+mn-ea"/>
+                <a:cs typeface="+mn-cs"/>
+              </a:rPr>
+              <a:t>vm.filmFilterForm.themeId</a:t>
+            </a:r>
+            <a:r>
+              <a:rPr lang="fr-FR" sz="800" b="1" kern="1200" dirty="0">
+                <a:solidFill>
+                  <a:schemeClr val="tx1"/>
+                </a:solidFill>
+                <a:effectLst/>
+                <a:latin typeface="+mn-lt"/>
+                <a:ea typeface="+mn-ea"/>
+                <a:cs typeface="+mn-cs"/>
+              </a:rPr>
+              <a:t>" </a:t>
+            </a:r>
+            <a:r>
+              <a:rPr lang="fr-FR" dirty="0"/>
+              <a:t>class=</a:t>
+            </a:r>
+            <a:r>
+              <a:rPr lang="fr-FR" sz="800" b="1" kern="1200" dirty="0">
+                <a:solidFill>
+                  <a:schemeClr val="tx1"/>
+                </a:solidFill>
+                <a:effectLst/>
+                <a:latin typeface="+mn-lt"/>
+                <a:ea typeface="+mn-ea"/>
+                <a:cs typeface="+mn-cs"/>
+              </a:rPr>
+              <a:t>"</a:t>
+            </a:r>
+            <a:r>
+              <a:rPr lang="fr-FR" sz="800" b="1" kern="1200" dirty="0" err="1">
+                <a:solidFill>
+                  <a:schemeClr val="tx1"/>
+                </a:solidFill>
+                <a:effectLst/>
+                <a:latin typeface="+mn-lt"/>
+                <a:ea typeface="+mn-ea"/>
+                <a:cs typeface="+mn-cs"/>
+              </a:rPr>
+              <a:t>form</a:t>
+            </a:r>
+            <a:r>
+              <a:rPr lang="fr-FR" sz="800" b="1" kern="1200" dirty="0">
+                <a:solidFill>
+                  <a:schemeClr val="tx1"/>
+                </a:solidFill>
+                <a:effectLst/>
+                <a:latin typeface="+mn-lt"/>
+                <a:ea typeface="+mn-ea"/>
+                <a:cs typeface="+mn-cs"/>
+              </a:rPr>
+              <a:t>-control"</a:t>
+            </a:r>
+            <a:br>
+              <a:rPr lang="fr-FR" sz="800" b="1" kern="1200" dirty="0">
+                <a:solidFill>
+                  <a:schemeClr val="tx1"/>
+                </a:solidFill>
+                <a:effectLst/>
+                <a:latin typeface="+mn-lt"/>
+                <a:ea typeface="+mn-ea"/>
+                <a:cs typeface="+mn-cs"/>
+              </a:rPr>
+            </a:br>
+            <a:r>
+              <a:rPr lang="fr-FR" sz="800" b="1" kern="1200" dirty="0">
+                <a:solidFill>
+                  <a:schemeClr val="tx1"/>
+                </a:solidFill>
+                <a:effectLst/>
+                <a:latin typeface="+mn-lt"/>
+                <a:ea typeface="+mn-ea"/>
+                <a:cs typeface="+mn-cs"/>
+              </a:rPr>
+              <a:t>            </a:t>
+            </a:r>
+            <a:r>
+              <a:rPr lang="fr-FR" dirty="0" err="1"/>
+              <a:t>ng</a:t>
+            </a:r>
+            <a:r>
+              <a:rPr lang="fr-FR" dirty="0"/>
+              <a:t>-options=</a:t>
+            </a:r>
+            <a:r>
+              <a:rPr lang="fr-FR" sz="800" b="1" kern="1200" dirty="0">
+                <a:solidFill>
+                  <a:schemeClr val="tx1"/>
+                </a:solidFill>
+                <a:effectLst/>
+                <a:latin typeface="+mn-lt"/>
+                <a:ea typeface="+mn-ea"/>
+                <a:cs typeface="+mn-cs"/>
+              </a:rPr>
+              <a:t>"t.id as </a:t>
+            </a:r>
+            <a:r>
+              <a:rPr lang="fr-FR" sz="800" b="1" kern="1200" dirty="0" err="1">
+                <a:solidFill>
+                  <a:schemeClr val="tx1"/>
+                </a:solidFill>
+                <a:effectLst/>
+                <a:latin typeface="+mn-lt"/>
+                <a:ea typeface="+mn-ea"/>
+                <a:cs typeface="+mn-cs"/>
+              </a:rPr>
+              <a:t>t.shortLabel</a:t>
+            </a:r>
+            <a:r>
+              <a:rPr lang="fr-FR" sz="800" b="1" kern="1200" dirty="0">
+                <a:solidFill>
+                  <a:schemeClr val="tx1"/>
+                </a:solidFill>
+                <a:effectLst/>
+                <a:latin typeface="+mn-lt"/>
+                <a:ea typeface="+mn-ea"/>
+                <a:cs typeface="+mn-cs"/>
+              </a:rPr>
+              <a:t> for t in </a:t>
+            </a:r>
+            <a:r>
+              <a:rPr lang="fr-FR" sz="800" b="1" kern="1200" dirty="0" err="1">
+                <a:solidFill>
+                  <a:schemeClr val="tx1"/>
+                </a:solidFill>
+                <a:effectLst/>
+                <a:latin typeface="+mn-lt"/>
+                <a:ea typeface="+mn-ea"/>
+                <a:cs typeface="+mn-cs"/>
+              </a:rPr>
+              <a:t>vm.themes</a:t>
+            </a:r>
+            <a:r>
+              <a:rPr lang="fr-FR" sz="800" b="1" kern="1200" dirty="0">
+                <a:solidFill>
+                  <a:schemeClr val="tx1"/>
+                </a:solidFill>
+                <a:effectLst/>
+                <a:latin typeface="+mn-lt"/>
+                <a:ea typeface="+mn-ea"/>
+                <a:cs typeface="+mn-cs"/>
+              </a:rPr>
+              <a:t> </a:t>
+            </a:r>
+            <a:r>
+              <a:rPr lang="fr-FR" sz="800" b="1" kern="1200" dirty="0" err="1">
+                <a:solidFill>
+                  <a:schemeClr val="tx1"/>
+                </a:solidFill>
+                <a:effectLst/>
+                <a:latin typeface="+mn-lt"/>
+                <a:ea typeface="+mn-ea"/>
+                <a:cs typeface="+mn-cs"/>
+              </a:rPr>
+              <a:t>track</a:t>
+            </a:r>
+            <a:r>
+              <a:rPr lang="fr-FR" sz="800" b="1" kern="1200" dirty="0">
+                <a:solidFill>
+                  <a:schemeClr val="tx1"/>
+                </a:solidFill>
+                <a:effectLst/>
+                <a:latin typeface="+mn-lt"/>
+                <a:ea typeface="+mn-ea"/>
+                <a:cs typeface="+mn-cs"/>
+              </a:rPr>
+              <a:t> by t.id"</a:t>
+            </a:r>
+            <a:r>
+              <a:rPr lang="fr-FR" dirty="0"/>
+              <a:t>&gt;</a:t>
+            </a:r>
+            <a:br>
+              <a:rPr lang="fr-FR" dirty="0"/>
+            </a:br>
+            <a:r>
+              <a:rPr lang="fr-FR" dirty="0"/>
+              <a:t>        &lt;</a:t>
+            </a:r>
+            <a:r>
+              <a:rPr lang="fr-FR" sz="800" b="1" kern="1200" dirty="0">
+                <a:solidFill>
+                  <a:schemeClr val="tx1"/>
+                </a:solidFill>
+                <a:effectLst/>
+                <a:latin typeface="+mn-lt"/>
+                <a:ea typeface="+mn-ea"/>
+                <a:cs typeface="+mn-cs"/>
+              </a:rPr>
+              <a:t>option </a:t>
+            </a:r>
+            <a:r>
+              <a:rPr lang="fr-FR" dirty="0"/>
+              <a:t>value=</a:t>
+            </a:r>
+            <a:r>
+              <a:rPr lang="fr-FR" sz="800" b="1" kern="1200" dirty="0">
+                <a:solidFill>
+                  <a:schemeClr val="tx1"/>
+                </a:solidFill>
+                <a:effectLst/>
+                <a:latin typeface="+mn-lt"/>
+                <a:ea typeface="+mn-ea"/>
+                <a:cs typeface="+mn-cs"/>
+              </a:rPr>
+              <a:t>""</a:t>
+            </a:r>
+            <a:r>
+              <a:rPr lang="fr-FR" dirty="0"/>
+              <a:t>&gt;&lt;/</a:t>
+            </a:r>
+            <a:r>
+              <a:rPr lang="fr-FR" sz="800" b="1" kern="1200" dirty="0">
+                <a:solidFill>
+                  <a:schemeClr val="tx1"/>
+                </a:solidFill>
+                <a:effectLst/>
+                <a:latin typeface="+mn-lt"/>
+                <a:ea typeface="+mn-ea"/>
+                <a:cs typeface="+mn-cs"/>
+              </a:rPr>
+              <a:t>option</a:t>
+            </a:r>
+            <a:r>
+              <a:rPr lang="fr-FR" dirty="0"/>
+              <a:t>&gt;</a:t>
+            </a:r>
+            <a:br>
+              <a:rPr lang="fr-FR" dirty="0"/>
+            </a:br>
+            <a:r>
+              <a:rPr lang="fr-FR" dirty="0"/>
+              <a:t>    &lt;/</a:t>
+            </a:r>
+            <a:r>
+              <a:rPr lang="fr-FR" sz="800" b="1" kern="1200" dirty="0">
+                <a:solidFill>
+                  <a:schemeClr val="tx1"/>
+                </a:solidFill>
+                <a:effectLst/>
+                <a:latin typeface="+mn-lt"/>
+                <a:ea typeface="+mn-ea"/>
+                <a:cs typeface="+mn-cs"/>
+              </a:rPr>
+              <a:t>select</a:t>
+            </a:r>
+            <a:r>
+              <a:rPr lang="fr-FR" dirty="0"/>
+              <a:t>&gt;</a:t>
+            </a:r>
+            <a:br>
+              <a:rPr lang="fr-FR" dirty="0"/>
+            </a:br>
+            <a:r>
+              <a:rPr lang="fr-FR" dirty="0"/>
+              <a:t>&lt;/</a:t>
+            </a:r>
+            <a:r>
+              <a:rPr lang="fr-FR" sz="800" b="1" kern="1200" dirty="0">
+                <a:solidFill>
+                  <a:schemeClr val="tx1"/>
+                </a:solidFill>
+                <a:effectLst/>
+                <a:latin typeface="+mn-lt"/>
+                <a:ea typeface="+mn-ea"/>
+                <a:cs typeface="+mn-cs"/>
+              </a:rPr>
+              <a:t>div</a:t>
+            </a:r>
+            <a:r>
+              <a:rPr lang="fr-FR" dirty="0"/>
+              <a:t>&gt;</a:t>
+            </a:r>
+          </a:p>
+          <a:p>
+            <a:pPr marL="0" indent="0">
+              <a:buNone/>
+            </a:pPr>
+            <a:endParaRPr lang="fr-FR" dirty="0"/>
+          </a:p>
+          <a:p>
+            <a:pPr marL="0" indent="0">
+              <a:buNone/>
+            </a:pPr>
+            <a:endParaRPr lang="fr-FR" dirty="0"/>
+          </a:p>
+          <a:p>
+            <a:pPr marL="0" indent="0">
+              <a:buNone/>
+            </a:pPr>
+            <a:r>
+              <a:rPr lang="fr-FR" dirty="0"/>
+              <a:t>REASON :</a:t>
+            </a:r>
+          </a:p>
+          <a:p>
+            <a:pPr marL="0" indent="0">
+              <a:buNone/>
+            </a:pPr>
+            <a:r>
+              <a:rPr lang="fr-FR" dirty="0"/>
+              <a:t>http://gurustop.net/blog/2014/01/28/common-problems-and-solutions-when-using-select-elements-with-angular-js-ng-options-initial-selection/</a:t>
+            </a:r>
+          </a:p>
+          <a:p>
+            <a:pPr marL="0" indent="0">
+              <a:buNone/>
+            </a:pPr>
+            <a:endParaRPr lang="fr-FR" dirty="0"/>
+          </a:p>
+          <a:p>
+            <a:pPr marL="0" indent="0">
+              <a:buNone/>
+            </a:pPr>
+            <a:endParaRPr lang="fr-FR" dirty="0"/>
+          </a:p>
+          <a:p>
+            <a:r>
+              <a:rPr lang="en-US" sz="800" b="0" i="0" u="none" strike="noStrike" kern="1200" baseline="0" dirty="0">
+                <a:solidFill>
+                  <a:schemeClr val="tx1"/>
+                </a:solidFill>
+                <a:latin typeface="+mn-lt"/>
+                <a:ea typeface="+mn-ea"/>
+                <a:cs typeface="+mn-cs"/>
+              </a:rPr>
+              <a:t>The track by syntax expects an object, with the property you use to track. It does</a:t>
+            </a:r>
+          </a:p>
+          <a:p>
+            <a:r>
+              <a:rPr lang="en-US" sz="800" b="0" i="0" u="none" strike="noStrike" kern="1200" baseline="0" dirty="0">
+                <a:solidFill>
+                  <a:schemeClr val="tx1"/>
+                </a:solidFill>
+                <a:latin typeface="+mn-lt"/>
+                <a:ea typeface="+mn-ea"/>
+                <a:cs typeface="+mn-cs"/>
+              </a:rPr>
+              <a:t>not honor the key part used in the key as text syntax (which in our example is</a:t>
+            </a:r>
+          </a:p>
+          <a:p>
+            <a:r>
+              <a:rPr lang="en-US" sz="800" b="0" i="0" u="none" strike="noStrike" kern="1200" baseline="0" dirty="0">
+                <a:solidFill>
+                  <a:schemeClr val="tx1"/>
+                </a:solidFill>
+                <a:latin typeface="+mn-lt"/>
+                <a:ea typeface="+mn-ea"/>
+                <a:cs typeface="+mn-cs"/>
+              </a:rPr>
+              <a:t>g.id as </a:t>
+            </a:r>
+            <a:r>
+              <a:rPr lang="en-US" sz="800" b="0" i="0" u="none" strike="noStrike" kern="1200" baseline="0" dirty="0" err="1">
+                <a:solidFill>
+                  <a:schemeClr val="tx1"/>
+                </a:solidFill>
+                <a:latin typeface="+mn-lt"/>
+                <a:ea typeface="+mn-ea"/>
+                <a:cs typeface="+mn-cs"/>
+              </a:rPr>
+              <a:t>g.text</a:t>
+            </a:r>
+            <a:r>
+              <a:rPr lang="en-US" sz="800" b="0" i="0" u="none" strike="noStrike" kern="1200" baseline="0" dirty="0">
+                <a:solidFill>
+                  <a:schemeClr val="tx1"/>
+                </a:solidFill>
+                <a:latin typeface="+mn-lt"/>
+                <a:ea typeface="+mn-ea"/>
+                <a:cs typeface="+mn-cs"/>
+              </a:rPr>
+              <a:t> ), so, it wants the ng‐model to point to an object with the tracked</a:t>
+            </a:r>
+          </a:p>
+          <a:p>
+            <a:r>
+              <a:rPr lang="fr-FR" sz="800" b="0" i="0" u="none" strike="noStrike" kern="1200" baseline="0" dirty="0" err="1">
+                <a:solidFill>
+                  <a:schemeClr val="tx1"/>
+                </a:solidFill>
+                <a:latin typeface="+mn-lt"/>
+                <a:ea typeface="+mn-ea"/>
+                <a:cs typeface="+mn-cs"/>
+              </a:rPr>
+              <a:t>Root</a:t>
+            </a:r>
+            <a:r>
+              <a:rPr lang="fr-FR" sz="800" b="0" i="0" u="none" strike="noStrike" kern="1200" baseline="0" dirty="0">
+                <a:solidFill>
+                  <a:schemeClr val="tx1"/>
+                </a:solidFill>
+                <a:latin typeface="+mn-lt"/>
+                <a:ea typeface="+mn-ea"/>
+                <a:cs typeface="+mn-cs"/>
+              </a:rPr>
+              <a:t> Cause</a:t>
+            </a:r>
+          </a:p>
+          <a:p>
+            <a:r>
+              <a:rPr lang="fr-FR" sz="800" b="0" i="0" u="none" strike="noStrike" kern="1200" baseline="0" dirty="0">
+                <a:solidFill>
+                  <a:schemeClr val="tx1"/>
+                </a:solidFill>
+                <a:latin typeface="+mn-lt"/>
+                <a:ea typeface="+mn-ea"/>
+                <a:cs typeface="+mn-cs"/>
+              </a:rPr>
+              <a:t>Solution</a:t>
+            </a:r>
+          </a:p>
+          <a:p>
+            <a:r>
+              <a:rPr lang="en-US" sz="800" b="0" i="0" u="none" strike="noStrike" kern="1200" baseline="0" dirty="0">
+                <a:solidFill>
+                  <a:schemeClr val="tx1"/>
+                </a:solidFill>
+                <a:latin typeface="+mn-lt"/>
+                <a:ea typeface="+mn-ea"/>
+                <a:cs typeface="+mn-cs"/>
+              </a:rPr>
+              <a:t>Simple Properties Scenario </a:t>
+            </a:r>
+            <a:r>
+              <a:rPr lang="en-US" sz="800" b="0" i="1" u="none" strike="noStrike" kern="1200" baseline="0" dirty="0">
+                <a:solidFill>
+                  <a:schemeClr val="tx1"/>
+                </a:solidFill>
+                <a:latin typeface="+mn-lt"/>
+                <a:ea typeface="+mn-ea"/>
+                <a:cs typeface="+mn-cs"/>
+              </a:rPr>
+              <a:t>When </a:t>
+            </a:r>
+            <a:r>
+              <a:rPr lang="en-US" sz="800" b="0" i="0" u="none" strike="noStrike" kern="1200" baseline="0" dirty="0">
+                <a:solidFill>
+                  <a:schemeClr val="tx1"/>
+                </a:solidFill>
+                <a:latin typeface="+mn-lt"/>
+                <a:ea typeface="+mn-ea"/>
+                <a:cs typeface="+mn-cs"/>
+              </a:rPr>
+              <a:t>Combined With Server-Side</a:t>
+            </a:r>
+          </a:p>
+          <a:p>
+            <a:r>
+              <a:rPr lang="fr-FR" sz="800" b="0" i="0" u="none" strike="noStrike" kern="1200" baseline="0" dirty="0" err="1">
+                <a:solidFill>
+                  <a:schemeClr val="tx1"/>
+                </a:solidFill>
+                <a:latin typeface="+mn-lt"/>
+                <a:ea typeface="+mn-ea"/>
+                <a:cs typeface="+mn-cs"/>
+              </a:rPr>
+              <a:t>Submit</a:t>
+            </a:r>
+            <a:endParaRPr lang="fr-FR" sz="800" b="0" i="0" u="none" strike="noStrike" kern="1200" baseline="0" dirty="0">
+              <a:solidFill>
+                <a:schemeClr val="tx1"/>
+              </a:solidFill>
+              <a:latin typeface="+mn-lt"/>
+              <a:ea typeface="+mn-ea"/>
+              <a:cs typeface="+mn-cs"/>
+            </a:endParaRPr>
+          </a:p>
+          <a:p>
+            <a:r>
+              <a:rPr lang="fr-FR" sz="800" b="0" i="0" u="none" strike="noStrike" kern="1200" baseline="0" dirty="0" err="1">
+                <a:solidFill>
+                  <a:schemeClr val="tx1"/>
+                </a:solidFill>
+                <a:latin typeface="+mn-lt"/>
+                <a:ea typeface="+mn-ea"/>
+                <a:cs typeface="+mn-cs"/>
+              </a:rPr>
+              <a:t>Root</a:t>
+            </a:r>
+            <a:r>
+              <a:rPr lang="fr-FR" sz="800" b="0" i="0" u="none" strike="noStrike" kern="1200" baseline="0" dirty="0">
+                <a:solidFill>
+                  <a:schemeClr val="tx1"/>
+                </a:solidFill>
+                <a:latin typeface="+mn-lt"/>
+                <a:ea typeface="+mn-ea"/>
+                <a:cs typeface="+mn-cs"/>
+              </a:rPr>
+              <a:t> Cause</a:t>
+            </a:r>
+          </a:p>
+          <a:p>
+            <a:r>
+              <a:rPr lang="fr-FR" sz="800" b="0" i="0" u="none" strike="noStrike" kern="1200" baseline="0" dirty="0">
+                <a:solidFill>
+                  <a:schemeClr val="tx1"/>
+                </a:solidFill>
+                <a:latin typeface="+mn-lt"/>
+                <a:ea typeface="+mn-ea"/>
+                <a:cs typeface="+mn-cs"/>
+              </a:rPr>
+              <a:t>12345</a:t>
+            </a:r>
+          </a:p>
+          <a:p>
+            <a:r>
+              <a:rPr lang="fr-FR" sz="800" b="0" i="0" u="none" strike="noStrike" kern="1200" baseline="0" dirty="0">
+                <a:solidFill>
+                  <a:schemeClr val="tx1"/>
+                </a:solidFill>
+                <a:latin typeface="+mn-lt"/>
+                <a:ea typeface="+mn-ea"/>
+                <a:cs typeface="+mn-cs"/>
+              </a:rPr>
+              <a:t>&lt;select</a:t>
+            </a:r>
+          </a:p>
+          <a:p>
+            <a:r>
+              <a:rPr lang="fr-FR" sz="800" b="0" i="0" u="none" strike="noStrike" kern="1200" baseline="0" dirty="0" err="1">
+                <a:solidFill>
+                  <a:schemeClr val="tx1"/>
+                </a:solidFill>
+                <a:latin typeface="+mn-lt"/>
+                <a:ea typeface="+mn-ea"/>
+                <a:cs typeface="+mn-cs"/>
+              </a:rPr>
+              <a:t>ngmodel</a:t>
+            </a:r>
+            <a:r>
+              <a:rPr lang="fr-FR" sz="800" b="0" i="0" u="none" strike="noStrike" kern="1200" baseline="0" dirty="0">
+                <a:solidFill>
+                  <a:schemeClr val="tx1"/>
+                </a:solidFill>
+                <a:latin typeface="+mn-lt"/>
+                <a:ea typeface="+mn-ea"/>
+                <a:cs typeface="+mn-cs"/>
+              </a:rPr>
+              <a:t>="</a:t>
+            </a:r>
+          </a:p>
+          <a:p>
+            <a:r>
+              <a:rPr lang="fr-FR" sz="800" b="0" i="0" u="none" strike="noStrike" kern="1200" baseline="0" dirty="0" err="1">
+                <a:solidFill>
+                  <a:schemeClr val="tx1"/>
+                </a:solidFill>
+                <a:latin typeface="+mn-lt"/>
+                <a:ea typeface="+mn-ea"/>
+                <a:cs typeface="+mn-cs"/>
+              </a:rPr>
+              <a:t>person.genderId</a:t>
+            </a:r>
+            <a:r>
+              <a:rPr lang="fr-FR" sz="800" b="0" i="0" u="none" strike="noStrike" kern="1200" baseline="0" dirty="0">
+                <a:solidFill>
+                  <a:schemeClr val="tx1"/>
+                </a:solidFill>
+                <a:latin typeface="+mn-lt"/>
+                <a:ea typeface="+mn-ea"/>
+                <a:cs typeface="+mn-cs"/>
+              </a:rPr>
+              <a:t>"</a:t>
+            </a:r>
+          </a:p>
+          <a:p>
+            <a:r>
+              <a:rPr lang="fr-FR" sz="800" b="0" i="0" u="none" strike="noStrike" kern="1200" baseline="0" dirty="0" err="1">
+                <a:solidFill>
+                  <a:schemeClr val="tx1"/>
+                </a:solidFill>
+                <a:latin typeface="+mn-lt"/>
+                <a:ea typeface="+mn-ea"/>
+                <a:cs typeface="+mn-cs"/>
+              </a:rPr>
+              <a:t>ngoptions</a:t>
+            </a:r>
+            <a:r>
+              <a:rPr lang="fr-FR" sz="800" b="0" i="0" u="none" strike="noStrike" kern="1200" baseline="0" dirty="0">
+                <a:solidFill>
+                  <a:schemeClr val="tx1"/>
+                </a:solidFill>
+                <a:latin typeface="+mn-lt"/>
+                <a:ea typeface="+mn-ea"/>
+                <a:cs typeface="+mn-cs"/>
+              </a:rPr>
+              <a:t>="</a:t>
+            </a:r>
+          </a:p>
+          <a:p>
+            <a:r>
+              <a:rPr lang="fr-FR" sz="800" b="0" i="0" u="none" strike="noStrike" kern="1200" baseline="0" dirty="0">
+                <a:solidFill>
+                  <a:schemeClr val="tx1"/>
+                </a:solidFill>
+                <a:latin typeface="+mn-lt"/>
+                <a:ea typeface="+mn-ea"/>
+                <a:cs typeface="+mn-cs"/>
+              </a:rPr>
+              <a:t>gender.id as </a:t>
+            </a:r>
+            <a:r>
+              <a:rPr lang="fr-FR" sz="800" b="0" i="0" u="none" strike="noStrike" kern="1200" baseline="0" dirty="0" err="1">
+                <a:solidFill>
+                  <a:schemeClr val="tx1"/>
+                </a:solidFill>
+                <a:latin typeface="+mn-lt"/>
+                <a:ea typeface="+mn-ea"/>
+                <a:cs typeface="+mn-cs"/>
+              </a:rPr>
+              <a:t>gender.text</a:t>
+            </a:r>
+            <a:r>
+              <a:rPr lang="fr-FR" sz="800" b="0" i="0" u="none" strike="noStrike" kern="1200" baseline="0" dirty="0">
+                <a:solidFill>
+                  <a:schemeClr val="tx1"/>
+                </a:solidFill>
+                <a:latin typeface="+mn-lt"/>
+                <a:ea typeface="+mn-ea"/>
+                <a:cs typeface="+mn-cs"/>
+              </a:rPr>
+              <a:t> for </a:t>
+            </a:r>
+            <a:r>
+              <a:rPr lang="fr-FR" sz="800" b="0" i="0" u="none" strike="noStrike" kern="1200" baseline="0" dirty="0" err="1">
+                <a:solidFill>
+                  <a:schemeClr val="tx1"/>
+                </a:solidFill>
+                <a:latin typeface="+mn-lt"/>
+                <a:ea typeface="+mn-ea"/>
+                <a:cs typeface="+mn-cs"/>
+              </a:rPr>
+              <a:t>gender</a:t>
+            </a:r>
+            <a:r>
+              <a:rPr lang="fr-FR" sz="800" b="0" i="0" u="none" strike="noStrike" kern="1200" baseline="0" dirty="0">
+                <a:solidFill>
+                  <a:schemeClr val="tx1"/>
+                </a:solidFill>
+                <a:latin typeface="+mn-lt"/>
+                <a:ea typeface="+mn-ea"/>
+                <a:cs typeface="+mn-cs"/>
+              </a:rPr>
+              <a:t> in </a:t>
+            </a:r>
+            <a:r>
+              <a:rPr lang="fr-FR" sz="800" b="0" i="0" u="none" strike="noStrike" kern="1200" baseline="0" dirty="0" err="1">
+                <a:solidFill>
+                  <a:schemeClr val="tx1"/>
+                </a:solidFill>
+                <a:latin typeface="+mn-lt"/>
+                <a:ea typeface="+mn-ea"/>
+                <a:cs typeface="+mn-cs"/>
+              </a:rPr>
+              <a:t>genders</a:t>
+            </a:r>
+            <a:r>
+              <a:rPr lang="fr-FR" sz="800" b="0" i="0" u="none" strike="noStrike" kern="1200" baseline="0" dirty="0">
+                <a:solidFill>
+                  <a:schemeClr val="tx1"/>
+                </a:solidFill>
+                <a:latin typeface="+mn-lt"/>
+                <a:ea typeface="+mn-ea"/>
+                <a:cs typeface="+mn-cs"/>
+              </a:rPr>
+              <a:t>"&gt;</a:t>
+            </a:r>
+          </a:p>
+          <a:p>
+            <a:r>
+              <a:rPr lang="fr-FR" sz="800" b="0" i="0" u="none" strike="noStrike" kern="1200" baseline="0" dirty="0">
+                <a:solidFill>
+                  <a:schemeClr val="tx1"/>
+                </a:solidFill>
+                <a:latin typeface="+mn-lt"/>
+                <a:ea typeface="+mn-ea"/>
+                <a:cs typeface="+mn-cs"/>
+              </a:rPr>
+              <a:t>&lt;/select&gt;</a:t>
+            </a:r>
+          </a:p>
+          <a:p>
+            <a:r>
+              <a:rPr lang="en-US" sz="800" b="0" i="0" u="none" strike="noStrike" kern="1200" baseline="0" dirty="0">
+                <a:solidFill>
+                  <a:schemeClr val="tx1"/>
+                </a:solidFill>
+                <a:latin typeface="+mn-lt"/>
+                <a:ea typeface="+mn-ea"/>
+                <a:cs typeface="+mn-cs"/>
+              </a:rPr>
+              <a:t>7/9/2015 How to set the initial selected value of a select element using Angular.JS </a:t>
+            </a:r>
+            <a:r>
+              <a:rPr lang="en-US" sz="800" b="0" i="0" u="none" strike="noStrike" kern="1200" baseline="0" dirty="0" err="1">
+                <a:solidFill>
+                  <a:schemeClr val="tx1"/>
+                </a:solidFill>
+                <a:latin typeface="+mn-lt"/>
+                <a:ea typeface="+mn-ea"/>
+                <a:cs typeface="+mn-cs"/>
+              </a:rPr>
+              <a:t>ngoptions</a:t>
+            </a:r>
+            <a:endParaRPr lang="en-US" sz="800" b="0" i="0" u="none" strike="noStrike" kern="1200" baseline="0" dirty="0">
+              <a:solidFill>
+                <a:schemeClr val="tx1"/>
+              </a:solidFill>
+              <a:latin typeface="+mn-lt"/>
+              <a:ea typeface="+mn-ea"/>
+              <a:cs typeface="+mn-cs"/>
+            </a:endParaRPr>
+          </a:p>
+          <a:p>
+            <a:r>
+              <a:rPr lang="en-US" sz="800" b="0" i="0" u="none" strike="noStrike" kern="1200" baseline="0" dirty="0">
+                <a:solidFill>
+                  <a:schemeClr val="tx1"/>
+                </a:solidFill>
+                <a:latin typeface="+mn-lt"/>
+                <a:ea typeface="+mn-ea"/>
+                <a:cs typeface="+mn-cs"/>
+              </a:rPr>
+              <a:t>&amp; track by / (AngularJS &amp; ASP.NET MVC) Gurustop.NET By @...</a:t>
+            </a:r>
+          </a:p>
+          <a:p>
+            <a:r>
+              <a:rPr lang="fr-FR" sz="800" b="0" i="0" u="none" strike="noStrike" kern="1200" baseline="0" dirty="0">
+                <a:solidFill>
+                  <a:schemeClr val="tx1"/>
+                </a:solidFill>
+                <a:latin typeface="+mn-lt"/>
+                <a:ea typeface="+mn-ea"/>
+                <a:cs typeface="+mn-cs"/>
+              </a:rPr>
+              <a:t>http://gurustop.net/blog/2014/01/28/commonproblemsandsolutionswhenusingselectelementswithangularjsngoptionsinitialselection/</a:t>
+            </a:r>
+          </a:p>
+          <a:p>
+            <a:r>
+              <a:rPr lang="fr-FR" sz="800" b="0" i="0" u="none" strike="noStrike" kern="1200" baseline="0" dirty="0">
+                <a:solidFill>
+                  <a:schemeClr val="tx1"/>
+                </a:solidFill>
+                <a:latin typeface="+mn-lt"/>
+                <a:ea typeface="+mn-ea"/>
+                <a:cs typeface="+mn-cs"/>
+              </a:rPr>
+              <a:t>4/18</a:t>
+            </a:r>
+          </a:p>
+          <a:p>
+            <a:r>
+              <a:rPr lang="en-US" sz="800" b="0" i="0" u="none" strike="noStrike" kern="1200" baseline="0" dirty="0">
+                <a:solidFill>
+                  <a:schemeClr val="tx1"/>
+                </a:solidFill>
+                <a:latin typeface="+mn-lt"/>
+                <a:ea typeface="+mn-ea"/>
+                <a:cs typeface="+mn-cs"/>
+              </a:rPr>
+              <a:t>property, it cannot be the key itself directly.</a:t>
+            </a:r>
+            <a:endParaRPr lang="fr-FR" dirty="0"/>
           </a:p>
         </p:txBody>
       </p:sp>
@@ -2332,7 +3308,7 @@
             <a:fld id="{305287CA-3E72-4A91-B59B-B69F40801570}" type="slidenum">
               <a:rPr lang="en-GB" sz="1100" smtClean="0"/>
               <a:pPr/>
-              <a:t>22</a:t>
+              <a:t>21</a:t>
             </a:fld>
             <a:endParaRPr lang="en-GB" sz="1100" dirty="0"/>
           </a:p>
@@ -2365,7 +3341,7 @@
     </p:spTree>
     <p:extLst>
       <p:ext uri="{BB962C8B-B14F-4D97-AF65-F5344CB8AC3E}">
-        <p14:creationId xmlns:p14="http://schemas.microsoft.com/office/powerpoint/2010/main" val="185757619"/>
+        <p14:creationId xmlns:p14="http://schemas.microsoft.com/office/powerpoint/2010/main" val="1684349951"/>
       </p:ext>
     </p:extLst>
   </p:cSld>
@@ -2419,7 +3395,224 @@
           <a:bodyPr/>
           <a:lstStyle/>
           <a:p>
-            <a:endParaRPr lang="fr-FR"/>
+            <a:r>
+              <a:rPr lang="fr-FR" dirty="0"/>
+              <a:t>on the </a:t>
+            </a:r>
+            <a:r>
+              <a:rPr lang="fr-FR" dirty="0" err="1"/>
+              <a:t>plunk</a:t>
+            </a:r>
+            <a:r>
+              <a:rPr lang="fr-FR" baseline="0" dirty="0"/>
+              <a:t> </a:t>
+            </a:r>
+          </a:p>
+          <a:p>
+            <a:r>
+              <a:rPr lang="fr-FR" baseline="0" dirty="0" err="1"/>
+              <a:t>We</a:t>
+            </a:r>
+            <a:r>
+              <a:rPr lang="fr-FR" baseline="0" dirty="0"/>
+              <a:t> </a:t>
+            </a:r>
+            <a:r>
+              <a:rPr lang="fr-FR" baseline="0" dirty="0" err="1"/>
+              <a:t>see</a:t>
+            </a:r>
+            <a:r>
+              <a:rPr lang="fr-FR" baseline="0" dirty="0"/>
+              <a:t> how to use the </a:t>
+            </a:r>
+            <a:r>
+              <a:rPr lang="fr-FR" sz="800" b="0" i="0" kern="1200" dirty="0" err="1">
+                <a:solidFill>
+                  <a:schemeClr val="tx1"/>
+                </a:solidFill>
+                <a:latin typeface="+mn-lt"/>
+                <a:ea typeface="+mn-ea"/>
+                <a:cs typeface="+mn-cs"/>
+              </a:rPr>
+              <a:t>ng</a:t>
+            </a:r>
+            <a:r>
+              <a:rPr lang="fr-FR" sz="800" b="0" i="0" kern="1200" dirty="0">
+                <a:solidFill>
+                  <a:schemeClr val="tx1"/>
+                </a:solidFill>
+                <a:latin typeface="+mn-lt"/>
+                <a:ea typeface="+mn-ea"/>
+                <a:cs typeface="+mn-cs"/>
+              </a:rPr>
+              <a:t>-</a:t>
+            </a:r>
+            <a:r>
+              <a:rPr lang="fr-FR" sz="800" b="0" i="0" kern="1200" dirty="0" err="1">
+                <a:solidFill>
+                  <a:schemeClr val="tx1"/>
+                </a:solidFill>
+                <a:latin typeface="+mn-lt"/>
+                <a:ea typeface="+mn-ea"/>
+                <a:cs typeface="+mn-cs"/>
+              </a:rPr>
+              <a:t>valid</a:t>
+            </a:r>
+            <a:r>
+              <a:rPr lang="fr-FR" sz="800" b="0" i="0" kern="1200" dirty="0">
+                <a:solidFill>
+                  <a:schemeClr val="tx1"/>
+                </a:solidFill>
+                <a:latin typeface="+mn-lt"/>
+                <a:ea typeface="+mn-ea"/>
+                <a:cs typeface="+mn-cs"/>
+              </a:rPr>
+              <a:t>   </a:t>
+            </a:r>
+            <a:r>
+              <a:rPr lang="fr-FR" sz="800" b="0" i="0" kern="1200" dirty="0" err="1">
+                <a:solidFill>
+                  <a:schemeClr val="tx1"/>
+                </a:solidFill>
+                <a:latin typeface="+mn-lt"/>
+                <a:ea typeface="+mn-ea"/>
+                <a:cs typeface="+mn-cs"/>
+              </a:rPr>
+              <a:t>ng</a:t>
+            </a:r>
+            <a:r>
+              <a:rPr lang="fr-FR" sz="800" b="0" i="0" kern="1200" dirty="0">
+                <a:solidFill>
+                  <a:schemeClr val="tx1"/>
+                </a:solidFill>
+                <a:latin typeface="+mn-lt"/>
+                <a:ea typeface="+mn-ea"/>
+                <a:cs typeface="+mn-cs"/>
+              </a:rPr>
+              <a:t>-</a:t>
+            </a:r>
+            <a:r>
+              <a:rPr lang="fr-FR" sz="800" b="0" i="0" kern="1200" dirty="0" err="1">
+                <a:solidFill>
+                  <a:schemeClr val="tx1"/>
+                </a:solidFill>
+                <a:latin typeface="+mn-lt"/>
+                <a:ea typeface="+mn-ea"/>
+                <a:cs typeface="+mn-cs"/>
+              </a:rPr>
+              <a:t>invalid</a:t>
+            </a:r>
+            <a:r>
+              <a:rPr lang="fr-FR" sz="800" b="0" i="0" kern="1200" dirty="0">
+                <a:solidFill>
+                  <a:schemeClr val="tx1"/>
+                </a:solidFill>
+                <a:latin typeface="+mn-lt"/>
+                <a:ea typeface="+mn-ea"/>
+                <a:cs typeface="+mn-cs"/>
+              </a:rPr>
+              <a:t>  </a:t>
+            </a:r>
+            <a:r>
+              <a:rPr lang="fr-FR" sz="800" b="0" i="0" kern="1200" dirty="0" err="1">
+                <a:solidFill>
+                  <a:schemeClr val="tx1"/>
+                </a:solidFill>
+                <a:latin typeface="+mn-lt"/>
+                <a:ea typeface="+mn-ea"/>
+                <a:cs typeface="+mn-cs"/>
+              </a:rPr>
+              <a:t>ng</a:t>
+            </a:r>
+            <a:r>
+              <a:rPr lang="fr-FR" sz="800" b="0" i="0" kern="1200" dirty="0">
+                <a:solidFill>
+                  <a:schemeClr val="tx1"/>
+                </a:solidFill>
+                <a:latin typeface="+mn-lt"/>
+                <a:ea typeface="+mn-ea"/>
+                <a:cs typeface="+mn-cs"/>
+              </a:rPr>
+              <a:t>-</a:t>
+            </a:r>
+            <a:r>
+              <a:rPr lang="fr-FR" sz="800" b="0" i="0" kern="1200" dirty="0" err="1">
+                <a:solidFill>
+                  <a:schemeClr val="tx1"/>
+                </a:solidFill>
+                <a:latin typeface="+mn-lt"/>
+                <a:ea typeface="+mn-ea"/>
+                <a:cs typeface="+mn-cs"/>
+              </a:rPr>
+              <a:t>touched</a:t>
+            </a:r>
+            <a:r>
+              <a:rPr lang="fr-FR" sz="800" b="0" i="0" kern="1200" dirty="0">
+                <a:solidFill>
+                  <a:schemeClr val="tx1"/>
+                </a:solidFill>
+                <a:latin typeface="+mn-lt"/>
+                <a:ea typeface="+mn-ea"/>
+                <a:cs typeface="+mn-cs"/>
+              </a:rPr>
+              <a:t> </a:t>
+            </a:r>
+            <a:r>
+              <a:rPr lang="fr-FR" sz="800" b="0" i="0" kern="1200" dirty="0" err="1">
+                <a:solidFill>
+                  <a:schemeClr val="tx1"/>
+                </a:solidFill>
+                <a:latin typeface="+mn-lt"/>
+                <a:ea typeface="+mn-ea"/>
+                <a:cs typeface="+mn-cs"/>
+              </a:rPr>
+              <a:t>etc</a:t>
+            </a:r>
+            <a:r>
+              <a:rPr lang="fr-FR" sz="800" b="0" i="0" kern="1200" dirty="0">
+                <a:solidFill>
+                  <a:schemeClr val="tx1"/>
+                </a:solidFill>
+                <a:latin typeface="+mn-lt"/>
+                <a:ea typeface="+mn-ea"/>
+                <a:cs typeface="+mn-cs"/>
+              </a:rPr>
+              <a:t> class </a:t>
+            </a:r>
+            <a:r>
+              <a:rPr lang="fr-FR" sz="800" b="0" i="0" kern="1200" dirty="0" err="1">
+                <a:solidFill>
+                  <a:schemeClr val="tx1"/>
+                </a:solidFill>
+                <a:latin typeface="+mn-lt"/>
+                <a:ea typeface="+mn-ea"/>
+                <a:cs typeface="+mn-cs"/>
+              </a:rPr>
+              <a:t>that</a:t>
+            </a:r>
+            <a:r>
+              <a:rPr lang="fr-FR" sz="800" b="0" i="0" kern="1200" dirty="0">
+                <a:solidFill>
+                  <a:schemeClr val="tx1"/>
+                </a:solidFill>
+                <a:latin typeface="+mn-lt"/>
+                <a:ea typeface="+mn-ea"/>
+                <a:cs typeface="+mn-cs"/>
+              </a:rPr>
+              <a:t> NG sets on the </a:t>
+            </a:r>
+            <a:r>
+              <a:rPr lang="fr-FR" sz="800" b="0" i="0" kern="1200" dirty="0" err="1">
+                <a:solidFill>
+                  <a:schemeClr val="tx1"/>
+                </a:solidFill>
+                <a:latin typeface="+mn-lt"/>
+                <a:ea typeface="+mn-ea"/>
+                <a:cs typeface="+mn-cs"/>
+              </a:rPr>
+              <a:t>fields</a:t>
+            </a:r>
+            <a:endParaRPr lang="fr-FR" dirty="0"/>
           </a:p>
         </p:txBody>
       </p:sp>
@@ -2551,7 +3744,579 @@
           <a:bodyPr/>
           <a:lstStyle/>
           <a:p>
-            <a:endParaRPr lang="fr-FR"/>
+            <a:pPr marL="0" indent="0">
+              <a:buNone/>
+            </a:pPr>
+            <a:r>
+              <a:rPr lang="fr-FR" dirty="0"/>
+              <a:t>&lt;</a:t>
+            </a:r>
+            <a:r>
+              <a:rPr lang="fr-FR" sz="800" b="1" kern="1200" dirty="0">
+                <a:solidFill>
+                  <a:schemeClr val="tx1"/>
+                </a:solidFill>
+                <a:effectLst/>
+                <a:latin typeface="+mn-lt"/>
+                <a:ea typeface="+mn-ea"/>
+                <a:cs typeface="+mn-cs"/>
+              </a:rPr>
+              <a:t>div</a:t>
+            </a:r>
+            <a:r>
+              <a:rPr lang="fr-FR" dirty="0"/>
+              <a:t>&gt;PIPO : {{</a:t>
+            </a:r>
+            <a:r>
+              <a:rPr lang="fr-FR" dirty="0" err="1"/>
+              <a:t>vm.filmFilterForm.themeId</a:t>
+            </a:r>
+            <a:r>
+              <a:rPr lang="fr-FR" dirty="0"/>
+              <a:t>}}&lt;/</a:t>
+            </a:r>
+            <a:r>
+              <a:rPr lang="fr-FR" sz="800" b="1" kern="1200" dirty="0">
+                <a:solidFill>
+                  <a:schemeClr val="tx1"/>
+                </a:solidFill>
+                <a:effectLst/>
+                <a:latin typeface="+mn-lt"/>
+                <a:ea typeface="+mn-ea"/>
+                <a:cs typeface="+mn-cs"/>
+              </a:rPr>
+              <a:t>div</a:t>
+            </a:r>
+            <a:r>
+              <a:rPr lang="fr-FR" dirty="0"/>
+              <a:t>&gt;</a:t>
+            </a:r>
+            <a:br>
+              <a:rPr lang="fr-FR" dirty="0"/>
+            </a:br>
+            <a:r>
+              <a:rPr lang="fr-FR" dirty="0"/>
+              <a:t>&lt;</a:t>
+            </a:r>
+            <a:r>
+              <a:rPr lang="fr-FR" sz="800" b="1" kern="1200" dirty="0">
+                <a:solidFill>
+                  <a:schemeClr val="tx1"/>
+                </a:solidFill>
+                <a:effectLst/>
+                <a:latin typeface="+mn-lt"/>
+                <a:ea typeface="+mn-ea"/>
+                <a:cs typeface="+mn-cs"/>
+              </a:rPr>
+              <a:t>div </a:t>
+            </a:r>
+            <a:r>
+              <a:rPr lang="fr-FR" dirty="0"/>
+              <a:t>class=</a:t>
+            </a:r>
+            <a:r>
+              <a:rPr lang="fr-FR" sz="800" b="1" kern="1200" dirty="0">
+                <a:solidFill>
+                  <a:schemeClr val="tx1"/>
+                </a:solidFill>
+                <a:effectLst/>
+                <a:latin typeface="+mn-lt"/>
+                <a:ea typeface="+mn-ea"/>
+                <a:cs typeface="+mn-cs"/>
+              </a:rPr>
+              <a:t>"</a:t>
+            </a:r>
+            <a:r>
+              <a:rPr lang="fr-FR" sz="800" b="1" kern="1200" dirty="0" err="1">
+                <a:solidFill>
+                  <a:schemeClr val="tx1"/>
+                </a:solidFill>
+                <a:effectLst/>
+                <a:latin typeface="+mn-lt"/>
+                <a:ea typeface="+mn-ea"/>
+                <a:cs typeface="+mn-cs"/>
+              </a:rPr>
+              <a:t>form</a:t>
+            </a:r>
+            <a:r>
+              <a:rPr lang="fr-FR" sz="800" b="1" kern="1200" dirty="0">
+                <a:solidFill>
+                  <a:schemeClr val="tx1"/>
+                </a:solidFill>
+                <a:effectLst/>
+                <a:latin typeface="+mn-lt"/>
+                <a:ea typeface="+mn-ea"/>
+                <a:cs typeface="+mn-cs"/>
+              </a:rPr>
+              <a:t>-group"</a:t>
+            </a:r>
+            <a:r>
+              <a:rPr lang="fr-FR" dirty="0"/>
+              <a:t>&gt;</a:t>
+            </a:r>
+            <a:br>
+              <a:rPr lang="fr-FR" dirty="0"/>
+            </a:br>
+            <a:r>
+              <a:rPr lang="fr-FR" dirty="0"/>
+              <a:t>    &lt;</a:t>
+            </a:r>
+            <a:r>
+              <a:rPr lang="fr-FR" sz="800" b="1" kern="1200" dirty="0">
+                <a:solidFill>
+                  <a:schemeClr val="tx1"/>
+                </a:solidFill>
+                <a:effectLst/>
+                <a:latin typeface="+mn-lt"/>
+                <a:ea typeface="+mn-ea"/>
+                <a:cs typeface="+mn-cs"/>
+              </a:rPr>
+              <a:t>select </a:t>
+            </a:r>
+            <a:r>
+              <a:rPr lang="fr-FR" dirty="0" err="1"/>
+              <a:t>name</a:t>
+            </a:r>
+            <a:r>
+              <a:rPr lang="fr-FR" dirty="0"/>
+              <a:t>=</a:t>
+            </a:r>
+            <a:r>
+              <a:rPr lang="fr-FR" sz="800" b="1" kern="1200" dirty="0">
+                <a:solidFill>
+                  <a:schemeClr val="tx1"/>
+                </a:solidFill>
+                <a:effectLst/>
+                <a:latin typeface="+mn-lt"/>
+                <a:ea typeface="+mn-ea"/>
+                <a:cs typeface="+mn-cs"/>
+              </a:rPr>
+              <a:t>"</a:t>
+            </a:r>
+            <a:r>
+              <a:rPr lang="fr-FR" sz="800" b="1" kern="1200" dirty="0" err="1">
+                <a:solidFill>
+                  <a:schemeClr val="tx1"/>
+                </a:solidFill>
+                <a:effectLst/>
+                <a:latin typeface="+mn-lt"/>
+                <a:ea typeface="+mn-ea"/>
+                <a:cs typeface="+mn-cs"/>
+              </a:rPr>
+              <a:t>theme</a:t>
+            </a:r>
+            <a:r>
+              <a:rPr lang="fr-FR" sz="800" b="1" kern="1200" dirty="0">
+                <a:solidFill>
+                  <a:schemeClr val="tx1"/>
+                </a:solidFill>
+                <a:effectLst/>
+                <a:latin typeface="+mn-lt"/>
+                <a:ea typeface="+mn-ea"/>
+                <a:cs typeface="+mn-cs"/>
+              </a:rPr>
+              <a:t>"  </a:t>
+            </a:r>
+            <a:r>
+              <a:rPr lang="fr-FR" dirty="0"/>
+              <a:t>class=</a:t>
+            </a:r>
+            <a:r>
+              <a:rPr lang="fr-FR" sz="800" b="1" kern="1200" dirty="0">
+                <a:solidFill>
+                  <a:schemeClr val="tx1"/>
+                </a:solidFill>
+                <a:effectLst/>
+                <a:latin typeface="+mn-lt"/>
+                <a:ea typeface="+mn-ea"/>
+                <a:cs typeface="+mn-cs"/>
+              </a:rPr>
+              <a:t>"</a:t>
+            </a:r>
+            <a:r>
+              <a:rPr lang="fr-FR" sz="800" b="1" kern="1200" dirty="0" err="1">
+                <a:solidFill>
+                  <a:schemeClr val="tx1"/>
+                </a:solidFill>
+                <a:effectLst/>
+                <a:latin typeface="+mn-lt"/>
+                <a:ea typeface="+mn-ea"/>
+                <a:cs typeface="+mn-cs"/>
+              </a:rPr>
+              <a:t>form</a:t>
+            </a:r>
+            <a:r>
+              <a:rPr lang="fr-FR" sz="800" b="1" kern="1200" dirty="0">
+                <a:solidFill>
+                  <a:schemeClr val="tx1"/>
+                </a:solidFill>
+                <a:effectLst/>
+                <a:latin typeface="+mn-lt"/>
+                <a:ea typeface="+mn-ea"/>
+                <a:cs typeface="+mn-cs"/>
+              </a:rPr>
+              <a:t>-control"</a:t>
+            </a:r>
+            <a:br>
+              <a:rPr lang="fr-FR" sz="800" b="1" kern="1200" dirty="0">
+                <a:solidFill>
+                  <a:schemeClr val="tx1"/>
+                </a:solidFill>
+                <a:effectLst/>
+                <a:latin typeface="+mn-lt"/>
+                <a:ea typeface="+mn-ea"/>
+                <a:cs typeface="+mn-cs"/>
+              </a:rPr>
+            </a:br>
+            <a:r>
+              <a:rPr lang="fr-FR" sz="800" b="1" kern="1200" dirty="0">
+                <a:solidFill>
+                  <a:schemeClr val="tx1"/>
+                </a:solidFill>
+                <a:effectLst/>
+                <a:latin typeface="+mn-lt"/>
+                <a:ea typeface="+mn-ea"/>
+                <a:cs typeface="+mn-cs"/>
+              </a:rPr>
+              <a:t>            </a:t>
+            </a:r>
+            <a:r>
+              <a:rPr lang="fr-FR" dirty="0" err="1"/>
+              <a:t>ng</a:t>
+            </a:r>
+            <a:r>
+              <a:rPr lang="fr-FR" dirty="0"/>
+              <a:t>-model=</a:t>
+            </a:r>
+            <a:r>
+              <a:rPr lang="fr-FR" sz="800" b="1" kern="1200" dirty="0">
+                <a:solidFill>
+                  <a:schemeClr val="tx1"/>
+                </a:solidFill>
+                <a:effectLst/>
+                <a:latin typeface="+mn-lt"/>
+                <a:ea typeface="+mn-ea"/>
+                <a:cs typeface="+mn-cs"/>
+              </a:rPr>
+              <a:t>"</a:t>
+            </a:r>
+            <a:r>
+              <a:rPr lang="fr-FR" sz="800" b="1" kern="1200" dirty="0" err="1">
+                <a:solidFill>
+                  <a:schemeClr val="tx1"/>
+                </a:solidFill>
+                <a:effectLst/>
+                <a:latin typeface="+mn-lt"/>
+                <a:ea typeface="+mn-ea"/>
+                <a:cs typeface="+mn-cs"/>
+              </a:rPr>
+              <a:t>vm.filmFilterForm.themeId</a:t>
+            </a:r>
+            <a:r>
+              <a:rPr lang="fr-FR" sz="800" b="1" kern="1200" dirty="0">
+                <a:solidFill>
+                  <a:schemeClr val="tx1"/>
+                </a:solidFill>
+                <a:effectLst/>
+                <a:latin typeface="+mn-lt"/>
+                <a:ea typeface="+mn-ea"/>
+                <a:cs typeface="+mn-cs"/>
+              </a:rPr>
+              <a:t>"</a:t>
+            </a:r>
+            <a:r>
+              <a:rPr lang="fr-FR" dirty="0"/>
+              <a:t>&gt;</a:t>
+            </a:r>
+            <a:br>
+              <a:rPr lang="fr-FR" dirty="0"/>
+            </a:br>
+            <a:r>
+              <a:rPr lang="fr-FR" dirty="0"/>
+              <a:t>        &lt;</a:t>
+            </a:r>
+            <a:r>
+              <a:rPr lang="fr-FR" sz="800" b="1" kern="1200" dirty="0">
+                <a:solidFill>
+                  <a:schemeClr val="tx1"/>
+                </a:solidFill>
+                <a:effectLst/>
+                <a:latin typeface="+mn-lt"/>
+                <a:ea typeface="+mn-ea"/>
+                <a:cs typeface="+mn-cs"/>
+              </a:rPr>
+              <a:t>option </a:t>
+            </a:r>
+            <a:r>
+              <a:rPr lang="fr-FR" dirty="0"/>
+              <a:t>value=</a:t>
+            </a:r>
+            <a:r>
+              <a:rPr lang="fr-FR" sz="800" b="1" kern="1200" dirty="0">
+                <a:solidFill>
+                  <a:schemeClr val="tx1"/>
+                </a:solidFill>
+                <a:effectLst/>
+                <a:latin typeface="+mn-lt"/>
+                <a:ea typeface="+mn-ea"/>
+                <a:cs typeface="+mn-cs"/>
+              </a:rPr>
+              <a:t>""</a:t>
+            </a:r>
+            <a:r>
+              <a:rPr lang="fr-FR" dirty="0"/>
+              <a:t>&gt;&lt;/</a:t>
+            </a:r>
+            <a:r>
+              <a:rPr lang="fr-FR" sz="800" b="1" kern="1200" dirty="0">
+                <a:solidFill>
+                  <a:schemeClr val="tx1"/>
+                </a:solidFill>
+                <a:effectLst/>
+                <a:latin typeface="+mn-lt"/>
+                <a:ea typeface="+mn-ea"/>
+                <a:cs typeface="+mn-cs"/>
+              </a:rPr>
+              <a:t>option</a:t>
+            </a:r>
+            <a:r>
+              <a:rPr lang="fr-FR" dirty="0"/>
+              <a:t>&gt;</a:t>
+            </a:r>
+            <a:br>
+              <a:rPr lang="fr-FR" dirty="0"/>
+            </a:br>
+            <a:r>
+              <a:rPr lang="fr-FR" dirty="0"/>
+              <a:t>        &lt;</a:t>
+            </a:r>
+            <a:r>
+              <a:rPr lang="fr-FR" sz="800" b="1" kern="1200" dirty="0">
+                <a:solidFill>
+                  <a:schemeClr val="tx1"/>
+                </a:solidFill>
+                <a:effectLst/>
+                <a:latin typeface="+mn-lt"/>
+                <a:ea typeface="+mn-ea"/>
+                <a:cs typeface="+mn-cs"/>
+              </a:rPr>
+              <a:t>option </a:t>
+            </a:r>
+            <a:r>
+              <a:rPr lang="fr-FR" dirty="0" err="1"/>
+              <a:t>ng-repeat</a:t>
+            </a:r>
+            <a:r>
+              <a:rPr lang="fr-FR" dirty="0"/>
+              <a:t>=</a:t>
+            </a:r>
+            <a:r>
+              <a:rPr lang="fr-FR" sz="800" b="1" kern="1200" dirty="0">
+                <a:solidFill>
+                  <a:schemeClr val="tx1"/>
+                </a:solidFill>
+                <a:effectLst/>
+                <a:latin typeface="+mn-lt"/>
+                <a:ea typeface="+mn-ea"/>
+                <a:cs typeface="+mn-cs"/>
+              </a:rPr>
+              <a:t>"t in </a:t>
+            </a:r>
+            <a:r>
+              <a:rPr lang="fr-FR" sz="800" b="1" kern="1200" dirty="0" err="1">
+                <a:solidFill>
+                  <a:schemeClr val="tx1"/>
+                </a:solidFill>
+                <a:effectLst/>
+                <a:latin typeface="+mn-lt"/>
+                <a:ea typeface="+mn-ea"/>
+                <a:cs typeface="+mn-cs"/>
+              </a:rPr>
+              <a:t>vm.themes</a:t>
+            </a:r>
+            <a:r>
+              <a:rPr lang="fr-FR" sz="800" b="1" kern="1200" dirty="0">
+                <a:solidFill>
+                  <a:schemeClr val="tx1"/>
+                </a:solidFill>
+                <a:effectLst/>
+                <a:latin typeface="+mn-lt"/>
+                <a:ea typeface="+mn-ea"/>
+                <a:cs typeface="+mn-cs"/>
+              </a:rPr>
+              <a:t>" </a:t>
+            </a:r>
+            <a:r>
+              <a:rPr lang="fr-FR" dirty="0"/>
+              <a:t>value=</a:t>
+            </a:r>
+            <a:r>
+              <a:rPr lang="fr-FR" sz="800" b="1" kern="1200" dirty="0">
+                <a:solidFill>
+                  <a:schemeClr val="tx1"/>
+                </a:solidFill>
+                <a:effectLst/>
+                <a:latin typeface="+mn-lt"/>
+                <a:ea typeface="+mn-ea"/>
+                <a:cs typeface="+mn-cs"/>
+              </a:rPr>
+              <a:t>"{{t.id}}"</a:t>
+            </a:r>
+            <a:br>
+              <a:rPr lang="fr-FR" sz="800" b="1" kern="1200" dirty="0">
+                <a:solidFill>
+                  <a:schemeClr val="tx1"/>
+                </a:solidFill>
+                <a:effectLst/>
+                <a:latin typeface="+mn-lt"/>
+                <a:ea typeface="+mn-ea"/>
+                <a:cs typeface="+mn-cs"/>
+              </a:rPr>
+            </a:br>
+            <a:r>
+              <a:rPr lang="fr-FR" sz="800" b="1" kern="1200" dirty="0">
+                <a:solidFill>
+                  <a:schemeClr val="tx1"/>
+                </a:solidFill>
+                <a:effectLst/>
+                <a:latin typeface="+mn-lt"/>
+                <a:ea typeface="+mn-ea"/>
+                <a:cs typeface="+mn-cs"/>
+              </a:rPr>
+              <a:t>                </a:t>
+            </a:r>
+            <a:r>
+              <a:rPr lang="fr-FR" dirty="0" err="1"/>
+              <a:t>ng-selected</a:t>
+            </a:r>
+            <a:r>
+              <a:rPr lang="fr-FR" dirty="0"/>
+              <a:t>=</a:t>
+            </a:r>
+            <a:r>
+              <a:rPr lang="fr-FR" sz="800" b="1" kern="1200" dirty="0">
+                <a:solidFill>
+                  <a:schemeClr val="tx1"/>
+                </a:solidFill>
+                <a:effectLst/>
+                <a:latin typeface="+mn-lt"/>
+                <a:ea typeface="+mn-ea"/>
+                <a:cs typeface="+mn-cs"/>
+              </a:rPr>
+              <a:t>"{{ t.id == </a:t>
+            </a:r>
+            <a:r>
+              <a:rPr lang="fr-FR" sz="800" b="1" kern="1200" dirty="0" err="1">
+                <a:solidFill>
+                  <a:schemeClr val="tx1"/>
+                </a:solidFill>
+                <a:effectLst/>
+                <a:latin typeface="+mn-lt"/>
+                <a:ea typeface="+mn-ea"/>
+                <a:cs typeface="+mn-cs"/>
+              </a:rPr>
+              <a:t>vm.filmFilterForm.themeId</a:t>
+            </a:r>
+            <a:r>
+              <a:rPr lang="fr-FR" sz="800" b="1" kern="1200" dirty="0">
+                <a:solidFill>
+                  <a:schemeClr val="tx1"/>
+                </a:solidFill>
+                <a:effectLst/>
+                <a:latin typeface="+mn-lt"/>
+                <a:ea typeface="+mn-ea"/>
+                <a:cs typeface="+mn-cs"/>
+              </a:rPr>
+              <a:t> }}"</a:t>
+            </a:r>
+            <a:r>
+              <a:rPr lang="fr-FR" dirty="0"/>
+              <a:t>&gt;</a:t>
+            </a:r>
+            <a:br>
+              <a:rPr lang="fr-FR" dirty="0"/>
+            </a:br>
+            <a:r>
+              <a:rPr lang="fr-FR" dirty="0"/>
+              <a:t>            {{</a:t>
+            </a:r>
+            <a:r>
+              <a:rPr lang="fr-FR" dirty="0" err="1"/>
+              <a:t>t.shortLabel</a:t>
+            </a:r>
+            <a:r>
+              <a:rPr lang="fr-FR" dirty="0"/>
+              <a:t>}}</a:t>
+            </a:r>
+            <a:br>
+              <a:rPr lang="fr-FR" dirty="0"/>
+            </a:br>
+            <a:r>
+              <a:rPr lang="fr-FR" dirty="0"/>
+              <a:t>        &lt;/</a:t>
+            </a:r>
+            <a:r>
+              <a:rPr lang="fr-FR" sz="800" b="1" kern="1200" dirty="0">
+                <a:solidFill>
+                  <a:schemeClr val="tx1"/>
+                </a:solidFill>
+                <a:effectLst/>
+                <a:latin typeface="+mn-lt"/>
+                <a:ea typeface="+mn-ea"/>
+                <a:cs typeface="+mn-cs"/>
+              </a:rPr>
+              <a:t>option</a:t>
+            </a:r>
+            <a:r>
+              <a:rPr lang="fr-FR" dirty="0"/>
+              <a:t>&gt;</a:t>
+            </a:r>
+            <a:br>
+              <a:rPr lang="fr-FR" dirty="0"/>
+            </a:br>
+            <a:r>
+              <a:rPr lang="fr-FR" dirty="0"/>
+              <a:t>    &lt;/</a:t>
+            </a:r>
+            <a:r>
+              <a:rPr lang="fr-FR" sz="800" b="1" kern="1200" dirty="0">
+                <a:solidFill>
+                  <a:schemeClr val="tx1"/>
+                </a:solidFill>
+                <a:effectLst/>
+                <a:latin typeface="+mn-lt"/>
+                <a:ea typeface="+mn-ea"/>
+                <a:cs typeface="+mn-cs"/>
+              </a:rPr>
+              <a:t>select</a:t>
+            </a:r>
+            <a:r>
+              <a:rPr lang="fr-FR" dirty="0"/>
+              <a:t>&gt;</a:t>
+            </a:r>
+            <a:br>
+              <a:rPr lang="fr-FR" dirty="0"/>
+            </a:br>
+            <a:r>
+              <a:rPr lang="fr-FR" dirty="0"/>
+              <a:t>&lt;/</a:t>
+            </a:r>
+            <a:r>
+              <a:rPr lang="fr-FR" sz="800" b="1" kern="1200" dirty="0">
+                <a:solidFill>
+                  <a:schemeClr val="tx1"/>
+                </a:solidFill>
+                <a:effectLst/>
+                <a:latin typeface="+mn-lt"/>
+                <a:ea typeface="+mn-ea"/>
+                <a:cs typeface="+mn-cs"/>
+              </a:rPr>
+              <a:t>div</a:t>
+            </a:r>
+            <a:r>
+              <a:rPr lang="fr-FR" dirty="0"/>
+              <a:t>&gt;</a:t>
+            </a:r>
           </a:p>
         </p:txBody>
       </p:sp>
@@ -2596,7 +4361,7 @@
             <a:fld id="{305287CA-3E72-4A91-B59B-B69F40801570}" type="slidenum">
               <a:rPr lang="en-GB" sz="1100" smtClean="0"/>
               <a:pPr/>
-              <a:t>23</a:t>
+              <a:t>22</a:t>
             </a:fld>
             <a:endParaRPr lang="en-GB" sz="1100" dirty="0"/>
           </a:p>
@@ -2629,7 +4394,7 @@
     </p:spTree>
     <p:extLst>
       <p:ext uri="{BB962C8B-B14F-4D97-AF65-F5344CB8AC3E}">
-        <p14:creationId xmlns:p14="http://schemas.microsoft.com/office/powerpoint/2010/main" val="185757619"/>
+        <p14:creationId xmlns:p14="http://schemas.microsoft.com/office/powerpoint/2010/main" val="3121895009"/>
       </p:ext>
     </p:extLst>
   </p:cSld>
@@ -2683,7 +4448,720 @@
           <a:bodyPr/>
           <a:lstStyle/>
           <a:p>
-            <a:endParaRPr lang="fr-FR"/>
+            <a:pPr marL="0" indent="0">
+              <a:buNone/>
+            </a:pPr>
+            <a:r>
+              <a:rPr lang="fr-FR" dirty="0"/>
+              <a:t>&lt;</a:t>
+            </a:r>
+            <a:r>
+              <a:rPr lang="fr-FR" sz="800" b="1" kern="1200" dirty="0">
+                <a:solidFill>
+                  <a:schemeClr val="tx1"/>
+                </a:solidFill>
+                <a:effectLst/>
+                <a:latin typeface="+mn-lt"/>
+                <a:ea typeface="+mn-ea"/>
+                <a:cs typeface="+mn-cs"/>
+              </a:rPr>
+              <a:t>div</a:t>
+            </a:r>
+            <a:r>
+              <a:rPr lang="fr-FR" dirty="0"/>
+              <a:t>&gt;</a:t>
+            </a:r>
+            <a:r>
+              <a:rPr lang="fr-FR" dirty="0" err="1"/>
+              <a:t>themeId</a:t>
+            </a:r>
+            <a:r>
+              <a:rPr lang="fr-FR" dirty="0"/>
+              <a:t> : {{</a:t>
+            </a:r>
+            <a:r>
+              <a:rPr lang="fr-FR" dirty="0" err="1"/>
+              <a:t>vm.filmFilterForm.themeId</a:t>
+            </a:r>
+            <a:r>
+              <a:rPr lang="fr-FR" dirty="0"/>
+              <a:t>}}&lt;/</a:t>
+            </a:r>
+            <a:r>
+              <a:rPr lang="fr-FR" sz="800" b="1" kern="1200" dirty="0">
+                <a:solidFill>
+                  <a:schemeClr val="tx1"/>
+                </a:solidFill>
+                <a:effectLst/>
+                <a:latin typeface="+mn-lt"/>
+                <a:ea typeface="+mn-ea"/>
+                <a:cs typeface="+mn-cs"/>
+              </a:rPr>
+              <a:t>div</a:t>
+            </a:r>
+            <a:r>
+              <a:rPr lang="fr-FR" dirty="0"/>
+              <a:t>&gt;</a:t>
+            </a:r>
+            <a:br>
+              <a:rPr lang="fr-FR" dirty="0"/>
+            </a:br>
+            <a:r>
+              <a:rPr lang="fr-FR" dirty="0"/>
+              <a:t>&lt;</a:t>
+            </a:r>
+            <a:r>
+              <a:rPr lang="fr-FR" sz="800" b="1" kern="1200" dirty="0">
+                <a:solidFill>
+                  <a:schemeClr val="tx1"/>
+                </a:solidFill>
+                <a:effectLst/>
+                <a:latin typeface="+mn-lt"/>
+                <a:ea typeface="+mn-ea"/>
+                <a:cs typeface="+mn-cs"/>
+              </a:rPr>
+              <a:t>div </a:t>
+            </a:r>
+            <a:r>
+              <a:rPr lang="fr-FR" dirty="0"/>
+              <a:t>class=</a:t>
+            </a:r>
+            <a:r>
+              <a:rPr lang="fr-FR" sz="800" b="1" kern="1200" dirty="0">
+                <a:solidFill>
+                  <a:schemeClr val="tx1"/>
+                </a:solidFill>
+                <a:effectLst/>
+                <a:latin typeface="+mn-lt"/>
+                <a:ea typeface="+mn-ea"/>
+                <a:cs typeface="+mn-cs"/>
+              </a:rPr>
+              <a:t>"</a:t>
+            </a:r>
+            <a:r>
+              <a:rPr lang="fr-FR" sz="800" b="1" kern="1200" dirty="0" err="1">
+                <a:solidFill>
+                  <a:schemeClr val="tx1"/>
+                </a:solidFill>
+                <a:effectLst/>
+                <a:latin typeface="+mn-lt"/>
+                <a:ea typeface="+mn-ea"/>
+                <a:cs typeface="+mn-cs"/>
+              </a:rPr>
+              <a:t>form</a:t>
+            </a:r>
+            <a:r>
+              <a:rPr lang="fr-FR" sz="800" b="1" kern="1200" dirty="0">
+                <a:solidFill>
+                  <a:schemeClr val="tx1"/>
+                </a:solidFill>
+                <a:effectLst/>
+                <a:latin typeface="+mn-lt"/>
+                <a:ea typeface="+mn-ea"/>
+                <a:cs typeface="+mn-cs"/>
+              </a:rPr>
+              <a:t>-group"</a:t>
+            </a:r>
+            <a:r>
+              <a:rPr lang="fr-FR" dirty="0"/>
+              <a:t>&gt;</a:t>
+            </a:r>
+            <a:br>
+              <a:rPr lang="fr-FR" dirty="0"/>
+            </a:br>
+            <a:r>
+              <a:rPr lang="fr-FR" dirty="0"/>
+              <a:t>    &lt;</a:t>
+            </a:r>
+            <a:r>
+              <a:rPr lang="fr-FR" sz="800" b="1" kern="1200" dirty="0">
+                <a:solidFill>
+                  <a:schemeClr val="tx1"/>
+                </a:solidFill>
+                <a:effectLst/>
+                <a:latin typeface="+mn-lt"/>
+                <a:ea typeface="+mn-ea"/>
+                <a:cs typeface="+mn-cs"/>
+              </a:rPr>
+              <a:t>select </a:t>
+            </a:r>
+            <a:r>
+              <a:rPr lang="fr-FR" dirty="0" err="1"/>
+              <a:t>name</a:t>
+            </a:r>
+            <a:r>
+              <a:rPr lang="fr-FR" dirty="0"/>
+              <a:t>=</a:t>
+            </a:r>
+            <a:r>
+              <a:rPr lang="fr-FR" sz="800" b="1" kern="1200" dirty="0">
+                <a:solidFill>
+                  <a:schemeClr val="tx1"/>
+                </a:solidFill>
+                <a:effectLst/>
+                <a:latin typeface="+mn-lt"/>
+                <a:ea typeface="+mn-ea"/>
+                <a:cs typeface="+mn-cs"/>
+              </a:rPr>
+              <a:t>"</a:t>
+            </a:r>
+            <a:r>
+              <a:rPr lang="fr-FR" sz="800" b="1" kern="1200" dirty="0" err="1">
+                <a:solidFill>
+                  <a:schemeClr val="tx1"/>
+                </a:solidFill>
+                <a:effectLst/>
+                <a:latin typeface="+mn-lt"/>
+                <a:ea typeface="+mn-ea"/>
+                <a:cs typeface="+mn-cs"/>
+              </a:rPr>
+              <a:t>theme</a:t>
+            </a:r>
+            <a:r>
+              <a:rPr lang="fr-FR" sz="800" b="1" kern="1200" dirty="0">
+                <a:solidFill>
+                  <a:schemeClr val="tx1"/>
+                </a:solidFill>
+                <a:effectLst/>
+                <a:latin typeface="+mn-lt"/>
+                <a:ea typeface="+mn-ea"/>
+                <a:cs typeface="+mn-cs"/>
+              </a:rPr>
+              <a:t>" </a:t>
+            </a:r>
+            <a:r>
+              <a:rPr lang="fr-FR" dirty="0"/>
+              <a:t>class=</a:t>
+            </a:r>
+            <a:r>
+              <a:rPr lang="fr-FR" sz="800" b="1" kern="1200" dirty="0">
+                <a:solidFill>
+                  <a:schemeClr val="tx1"/>
+                </a:solidFill>
+                <a:effectLst/>
+                <a:latin typeface="+mn-lt"/>
+                <a:ea typeface="+mn-ea"/>
+                <a:cs typeface="+mn-cs"/>
+              </a:rPr>
+              <a:t>"</a:t>
+            </a:r>
+            <a:r>
+              <a:rPr lang="fr-FR" sz="800" b="1" kern="1200" dirty="0" err="1">
+                <a:solidFill>
+                  <a:schemeClr val="tx1"/>
+                </a:solidFill>
+                <a:effectLst/>
+                <a:latin typeface="+mn-lt"/>
+                <a:ea typeface="+mn-ea"/>
+                <a:cs typeface="+mn-cs"/>
+              </a:rPr>
+              <a:t>form</a:t>
+            </a:r>
+            <a:r>
+              <a:rPr lang="fr-FR" sz="800" b="1" kern="1200" dirty="0">
+                <a:solidFill>
+                  <a:schemeClr val="tx1"/>
+                </a:solidFill>
+                <a:effectLst/>
+                <a:latin typeface="+mn-lt"/>
+                <a:ea typeface="+mn-ea"/>
+                <a:cs typeface="+mn-cs"/>
+              </a:rPr>
+              <a:t>-control"</a:t>
+            </a:r>
+            <a:br>
+              <a:rPr lang="fr-FR" sz="800" b="1" kern="1200" dirty="0">
+                <a:solidFill>
+                  <a:schemeClr val="tx1"/>
+                </a:solidFill>
+                <a:effectLst/>
+                <a:latin typeface="+mn-lt"/>
+                <a:ea typeface="+mn-ea"/>
+                <a:cs typeface="+mn-cs"/>
+              </a:rPr>
+            </a:br>
+            <a:r>
+              <a:rPr lang="fr-FR" sz="800" b="1" kern="1200" dirty="0">
+                <a:solidFill>
+                  <a:schemeClr val="tx1"/>
+                </a:solidFill>
+                <a:effectLst/>
+                <a:latin typeface="+mn-lt"/>
+                <a:ea typeface="+mn-ea"/>
+                <a:cs typeface="+mn-cs"/>
+              </a:rPr>
+              <a:t>            </a:t>
+            </a:r>
+            <a:r>
+              <a:rPr lang="fr-FR" dirty="0" err="1"/>
+              <a:t>ng</a:t>
+            </a:r>
+            <a:r>
+              <a:rPr lang="fr-FR" dirty="0"/>
+              <a:t>-model=</a:t>
+            </a:r>
+            <a:r>
+              <a:rPr lang="fr-FR" sz="800" b="1" kern="1200" dirty="0">
+                <a:solidFill>
+                  <a:schemeClr val="tx1"/>
+                </a:solidFill>
+                <a:effectLst/>
+                <a:latin typeface="+mn-lt"/>
+                <a:ea typeface="+mn-ea"/>
+                <a:cs typeface="+mn-cs"/>
+              </a:rPr>
+              <a:t>"vm.</a:t>
+            </a:r>
+            <a:r>
+              <a:rPr lang="fr-FR" sz="800" b="1" kern="1200" dirty="0" err="1">
+                <a:solidFill>
+                  <a:schemeClr val="tx1"/>
+                </a:solidFill>
+                <a:effectLst/>
+                <a:latin typeface="+mn-lt"/>
+                <a:ea typeface="+mn-ea"/>
+                <a:cs typeface="+mn-cs"/>
+              </a:rPr>
+              <a:t>filterFacade</a:t>
+            </a:r>
+            <a:r>
+              <a:rPr lang="fr-FR" sz="800" b="1" kern="1200" dirty="0">
+                <a:solidFill>
+                  <a:schemeClr val="tx1"/>
+                </a:solidFill>
+                <a:effectLst/>
+                <a:latin typeface="+mn-lt"/>
+                <a:ea typeface="+mn-ea"/>
+                <a:cs typeface="+mn-cs"/>
+              </a:rPr>
+              <a:t>._</a:t>
+            </a:r>
+            <a:r>
+              <a:rPr lang="fr-FR" sz="800" b="1" kern="1200" dirty="0" err="1">
+                <a:solidFill>
+                  <a:schemeClr val="tx1"/>
+                </a:solidFill>
+                <a:effectLst/>
+                <a:latin typeface="+mn-lt"/>
+                <a:ea typeface="+mn-ea"/>
+                <a:cs typeface="+mn-cs"/>
+              </a:rPr>
+              <a:t>theme</a:t>
+            </a:r>
+            <a:r>
+              <a:rPr lang="fr-FR" sz="800" b="1" kern="1200" dirty="0">
+                <a:solidFill>
+                  <a:schemeClr val="tx1"/>
+                </a:solidFill>
+                <a:effectLst/>
+                <a:latin typeface="+mn-lt"/>
+                <a:ea typeface="+mn-ea"/>
+                <a:cs typeface="+mn-cs"/>
+              </a:rPr>
+              <a:t>"</a:t>
+            </a:r>
+            <a:br>
+              <a:rPr lang="fr-FR" sz="800" b="1" kern="1200" dirty="0">
+                <a:solidFill>
+                  <a:schemeClr val="tx1"/>
+                </a:solidFill>
+                <a:effectLst/>
+                <a:latin typeface="+mn-lt"/>
+                <a:ea typeface="+mn-ea"/>
+                <a:cs typeface="+mn-cs"/>
+              </a:rPr>
+            </a:br>
+            <a:r>
+              <a:rPr lang="fr-FR" sz="800" b="1" kern="1200" dirty="0">
+                <a:solidFill>
+                  <a:schemeClr val="tx1"/>
+                </a:solidFill>
+                <a:effectLst/>
+                <a:latin typeface="+mn-lt"/>
+                <a:ea typeface="+mn-ea"/>
+                <a:cs typeface="+mn-cs"/>
+              </a:rPr>
+              <a:t>            </a:t>
+            </a:r>
+            <a:r>
+              <a:rPr lang="fr-FR" dirty="0" err="1"/>
+              <a:t>ng-init</a:t>
+            </a:r>
+            <a:r>
+              <a:rPr lang="fr-FR" dirty="0"/>
+              <a:t>=</a:t>
+            </a:r>
+            <a:r>
+              <a:rPr lang="fr-FR" sz="800" b="1" kern="1200" dirty="0">
+                <a:solidFill>
+                  <a:schemeClr val="tx1"/>
+                </a:solidFill>
+                <a:effectLst/>
+                <a:latin typeface="+mn-lt"/>
+                <a:ea typeface="+mn-ea"/>
+                <a:cs typeface="+mn-cs"/>
+              </a:rPr>
+              <a:t>"vm.</a:t>
+            </a:r>
+            <a:r>
+              <a:rPr lang="fr-FR" sz="800" b="1" kern="1200" dirty="0" err="1">
+                <a:solidFill>
+                  <a:schemeClr val="tx1"/>
+                </a:solidFill>
+                <a:effectLst/>
+                <a:latin typeface="+mn-lt"/>
+                <a:ea typeface="+mn-ea"/>
+                <a:cs typeface="+mn-cs"/>
+              </a:rPr>
+              <a:t>filterFacade</a:t>
+            </a:r>
+            <a:r>
+              <a:rPr lang="fr-FR" sz="800" b="1" kern="1200" dirty="0">
+                <a:solidFill>
+                  <a:schemeClr val="tx1"/>
+                </a:solidFill>
+                <a:effectLst/>
+                <a:latin typeface="+mn-lt"/>
+                <a:ea typeface="+mn-ea"/>
+                <a:cs typeface="+mn-cs"/>
+              </a:rPr>
+              <a:t>._</a:t>
+            </a:r>
+            <a:r>
+              <a:rPr lang="fr-FR" sz="800" b="1" kern="1200" dirty="0" err="1">
+                <a:solidFill>
+                  <a:schemeClr val="tx1"/>
+                </a:solidFill>
+                <a:effectLst/>
+                <a:latin typeface="+mn-lt"/>
+                <a:ea typeface="+mn-ea"/>
+                <a:cs typeface="+mn-cs"/>
+              </a:rPr>
+              <a:t>theme</a:t>
+            </a:r>
+            <a:r>
+              <a:rPr lang="fr-FR" sz="800" b="1" kern="1200" dirty="0">
+                <a:solidFill>
+                  <a:schemeClr val="tx1"/>
+                </a:solidFill>
+                <a:effectLst/>
+                <a:latin typeface="+mn-lt"/>
+                <a:ea typeface="+mn-ea"/>
+                <a:cs typeface="+mn-cs"/>
+              </a:rPr>
+              <a:t> = {id: </a:t>
+            </a:r>
+            <a:r>
+              <a:rPr lang="fr-FR" sz="800" b="1" kern="1200" dirty="0" err="1">
+                <a:solidFill>
+                  <a:schemeClr val="tx1"/>
+                </a:solidFill>
+                <a:effectLst/>
+                <a:latin typeface="+mn-lt"/>
+                <a:ea typeface="+mn-ea"/>
+                <a:cs typeface="+mn-cs"/>
+              </a:rPr>
+              <a:t>vm.filmFilterForm.themeId</a:t>
+            </a:r>
+            <a:r>
+              <a:rPr lang="fr-FR" sz="800" b="1" kern="1200" dirty="0">
+                <a:solidFill>
+                  <a:schemeClr val="tx1"/>
+                </a:solidFill>
+                <a:effectLst/>
+                <a:latin typeface="+mn-lt"/>
+                <a:ea typeface="+mn-ea"/>
+                <a:cs typeface="+mn-cs"/>
+              </a:rPr>
+              <a:t>}"</a:t>
+            </a:r>
+            <a:br>
+              <a:rPr lang="fr-FR" sz="800" b="1" kern="1200" dirty="0">
+                <a:solidFill>
+                  <a:schemeClr val="tx1"/>
+                </a:solidFill>
+                <a:effectLst/>
+                <a:latin typeface="+mn-lt"/>
+                <a:ea typeface="+mn-ea"/>
+                <a:cs typeface="+mn-cs"/>
+              </a:rPr>
+            </a:br>
+            <a:r>
+              <a:rPr lang="fr-FR" sz="800" b="1" kern="1200" dirty="0">
+                <a:solidFill>
+                  <a:schemeClr val="tx1"/>
+                </a:solidFill>
+                <a:effectLst/>
+                <a:latin typeface="+mn-lt"/>
+                <a:ea typeface="+mn-ea"/>
+                <a:cs typeface="+mn-cs"/>
+              </a:rPr>
+              <a:t>            </a:t>
+            </a:r>
+            <a:r>
+              <a:rPr lang="fr-FR" dirty="0" err="1"/>
+              <a:t>ng</a:t>
+            </a:r>
+            <a:r>
+              <a:rPr lang="fr-FR" dirty="0"/>
+              <a:t>-change=</a:t>
+            </a:r>
+            <a:r>
+              <a:rPr lang="fr-FR" sz="800" b="1" kern="1200" dirty="0">
+                <a:solidFill>
+                  <a:schemeClr val="tx1"/>
+                </a:solidFill>
+                <a:effectLst/>
+                <a:latin typeface="+mn-lt"/>
+                <a:ea typeface="+mn-ea"/>
+                <a:cs typeface="+mn-cs"/>
+              </a:rPr>
+              <a:t>"</a:t>
+            </a:r>
+            <a:r>
+              <a:rPr lang="fr-FR" sz="800" b="1" kern="1200" dirty="0" err="1">
+                <a:solidFill>
+                  <a:schemeClr val="tx1"/>
+                </a:solidFill>
+                <a:effectLst/>
+                <a:latin typeface="+mn-lt"/>
+                <a:ea typeface="+mn-ea"/>
+                <a:cs typeface="+mn-cs"/>
+              </a:rPr>
+              <a:t>vm.filmFilterForm.themeId</a:t>
+            </a:r>
+            <a:r>
+              <a:rPr lang="fr-FR" sz="800" b="1" kern="1200" dirty="0">
+                <a:solidFill>
+                  <a:schemeClr val="tx1"/>
+                </a:solidFill>
+                <a:effectLst/>
+                <a:latin typeface="+mn-lt"/>
+                <a:ea typeface="+mn-ea"/>
+                <a:cs typeface="+mn-cs"/>
+              </a:rPr>
+              <a:t> = vm.filterFacade._theme.id"</a:t>
+            </a:r>
+            <a:br>
+              <a:rPr lang="fr-FR" sz="800" b="1" kern="1200" dirty="0">
+                <a:solidFill>
+                  <a:schemeClr val="tx1"/>
+                </a:solidFill>
+                <a:effectLst/>
+                <a:latin typeface="+mn-lt"/>
+                <a:ea typeface="+mn-ea"/>
+                <a:cs typeface="+mn-cs"/>
+              </a:rPr>
+            </a:br>
+            <a:r>
+              <a:rPr lang="fr-FR" sz="800" b="1" kern="1200" dirty="0">
+                <a:solidFill>
+                  <a:schemeClr val="tx1"/>
+                </a:solidFill>
+                <a:effectLst/>
+                <a:latin typeface="+mn-lt"/>
+                <a:ea typeface="+mn-ea"/>
+                <a:cs typeface="+mn-cs"/>
+              </a:rPr>
+              <a:t>            </a:t>
+            </a:r>
+            <a:r>
+              <a:rPr lang="fr-FR" dirty="0" err="1"/>
+              <a:t>ng</a:t>
+            </a:r>
+            <a:r>
+              <a:rPr lang="fr-FR" dirty="0"/>
+              <a:t>-options=</a:t>
+            </a:r>
+            <a:r>
+              <a:rPr lang="fr-FR" sz="800" b="1" kern="1200" dirty="0">
+                <a:solidFill>
+                  <a:schemeClr val="tx1"/>
+                </a:solidFill>
+                <a:effectLst/>
+                <a:latin typeface="+mn-lt"/>
+                <a:ea typeface="+mn-ea"/>
+                <a:cs typeface="+mn-cs"/>
+              </a:rPr>
+              <a:t>"</a:t>
+            </a:r>
+            <a:r>
+              <a:rPr lang="fr-FR" sz="800" b="1" kern="1200" dirty="0" err="1">
+                <a:solidFill>
+                  <a:schemeClr val="tx1"/>
+                </a:solidFill>
+                <a:effectLst/>
+                <a:latin typeface="+mn-lt"/>
+                <a:ea typeface="+mn-ea"/>
+                <a:cs typeface="+mn-cs"/>
+              </a:rPr>
+              <a:t>t.shortLabel</a:t>
+            </a:r>
+            <a:r>
+              <a:rPr lang="fr-FR" sz="800" b="1" kern="1200" dirty="0">
+                <a:solidFill>
+                  <a:schemeClr val="tx1"/>
+                </a:solidFill>
+                <a:effectLst/>
+                <a:latin typeface="+mn-lt"/>
+                <a:ea typeface="+mn-ea"/>
+                <a:cs typeface="+mn-cs"/>
+              </a:rPr>
+              <a:t> for t in </a:t>
+            </a:r>
+            <a:r>
+              <a:rPr lang="fr-FR" sz="800" b="1" kern="1200" dirty="0" err="1">
+                <a:solidFill>
+                  <a:schemeClr val="tx1"/>
+                </a:solidFill>
+                <a:effectLst/>
+                <a:latin typeface="+mn-lt"/>
+                <a:ea typeface="+mn-ea"/>
+                <a:cs typeface="+mn-cs"/>
+              </a:rPr>
+              <a:t>vm.themes</a:t>
+            </a:r>
+            <a:r>
+              <a:rPr lang="fr-FR" sz="800" b="1" kern="1200" dirty="0">
+                <a:solidFill>
+                  <a:schemeClr val="tx1"/>
+                </a:solidFill>
+                <a:effectLst/>
+                <a:latin typeface="+mn-lt"/>
+                <a:ea typeface="+mn-ea"/>
+                <a:cs typeface="+mn-cs"/>
+              </a:rPr>
+              <a:t> </a:t>
+            </a:r>
+            <a:r>
+              <a:rPr lang="fr-FR" sz="800" b="1" kern="1200" dirty="0" err="1">
+                <a:solidFill>
+                  <a:schemeClr val="tx1"/>
+                </a:solidFill>
+                <a:effectLst/>
+                <a:latin typeface="+mn-lt"/>
+                <a:ea typeface="+mn-ea"/>
+                <a:cs typeface="+mn-cs"/>
+              </a:rPr>
+              <a:t>track</a:t>
+            </a:r>
+            <a:r>
+              <a:rPr lang="fr-FR" sz="800" b="1" kern="1200" dirty="0">
+                <a:solidFill>
+                  <a:schemeClr val="tx1"/>
+                </a:solidFill>
+                <a:effectLst/>
+                <a:latin typeface="+mn-lt"/>
+                <a:ea typeface="+mn-ea"/>
+                <a:cs typeface="+mn-cs"/>
+              </a:rPr>
+              <a:t> by t.id"</a:t>
+            </a:r>
+            <a:r>
+              <a:rPr lang="fr-FR" dirty="0"/>
+              <a:t>&gt;</a:t>
+            </a:r>
+            <a:br>
+              <a:rPr lang="fr-FR" dirty="0"/>
+            </a:br>
+            <a:r>
+              <a:rPr lang="fr-FR" dirty="0"/>
+              <a:t>        &lt;</a:t>
+            </a:r>
+            <a:r>
+              <a:rPr lang="fr-FR" sz="800" b="1" kern="1200" dirty="0">
+                <a:solidFill>
+                  <a:schemeClr val="tx1"/>
+                </a:solidFill>
+                <a:effectLst/>
+                <a:latin typeface="+mn-lt"/>
+                <a:ea typeface="+mn-ea"/>
+                <a:cs typeface="+mn-cs"/>
+              </a:rPr>
+              <a:t>option </a:t>
+            </a:r>
+            <a:r>
+              <a:rPr lang="fr-FR" dirty="0"/>
+              <a:t>value=</a:t>
+            </a:r>
+            <a:r>
+              <a:rPr lang="fr-FR" sz="800" b="1" kern="1200" dirty="0">
+                <a:solidFill>
+                  <a:schemeClr val="tx1"/>
+                </a:solidFill>
+                <a:effectLst/>
+                <a:latin typeface="+mn-lt"/>
+                <a:ea typeface="+mn-ea"/>
+                <a:cs typeface="+mn-cs"/>
+              </a:rPr>
+              <a:t>""</a:t>
+            </a:r>
+            <a:r>
+              <a:rPr lang="fr-FR" dirty="0"/>
+              <a:t>&gt;&lt;/</a:t>
+            </a:r>
+            <a:r>
+              <a:rPr lang="fr-FR" sz="800" b="1" kern="1200" dirty="0">
+                <a:solidFill>
+                  <a:schemeClr val="tx1"/>
+                </a:solidFill>
+                <a:effectLst/>
+                <a:latin typeface="+mn-lt"/>
+                <a:ea typeface="+mn-ea"/>
+                <a:cs typeface="+mn-cs"/>
+              </a:rPr>
+              <a:t>option</a:t>
+            </a:r>
+            <a:r>
+              <a:rPr lang="fr-FR" dirty="0"/>
+              <a:t>&gt;</a:t>
+            </a:r>
+            <a:br>
+              <a:rPr lang="fr-FR" dirty="0"/>
+            </a:br>
+            <a:r>
+              <a:rPr lang="fr-FR" dirty="0"/>
+              <a:t>    &lt;/</a:t>
+            </a:r>
+            <a:r>
+              <a:rPr lang="fr-FR" sz="800" b="1" kern="1200" dirty="0">
+                <a:solidFill>
+                  <a:schemeClr val="tx1"/>
+                </a:solidFill>
+                <a:effectLst/>
+                <a:latin typeface="+mn-lt"/>
+                <a:ea typeface="+mn-ea"/>
+                <a:cs typeface="+mn-cs"/>
+              </a:rPr>
+              <a:t>select</a:t>
+            </a:r>
+            <a:r>
+              <a:rPr lang="fr-FR" dirty="0"/>
+              <a:t>&gt;</a:t>
+            </a:r>
+            <a:br>
+              <a:rPr lang="fr-FR" dirty="0"/>
+            </a:br>
+            <a:r>
+              <a:rPr lang="fr-FR" dirty="0"/>
+              <a:t>&lt;/</a:t>
+            </a:r>
+            <a:r>
+              <a:rPr lang="fr-FR" sz="800" b="1" kern="1200" dirty="0">
+                <a:solidFill>
+                  <a:schemeClr val="tx1"/>
+                </a:solidFill>
+                <a:effectLst/>
+                <a:latin typeface="+mn-lt"/>
+                <a:ea typeface="+mn-ea"/>
+                <a:cs typeface="+mn-cs"/>
+              </a:rPr>
+              <a:t>div</a:t>
+            </a:r>
+            <a:r>
+              <a:rPr lang="fr-FR" dirty="0"/>
+              <a:t>&gt;</a:t>
+            </a:r>
           </a:p>
         </p:txBody>
       </p:sp>
@@ -2728,7 +5206,7 @@
             <a:fld id="{305287CA-3E72-4A91-B59B-B69F40801570}" type="slidenum">
               <a:rPr lang="en-GB" sz="1100" smtClean="0"/>
               <a:pPr/>
-              <a:t>24</a:t>
+              <a:t>23</a:t>
             </a:fld>
             <a:endParaRPr lang="en-GB" sz="1100" dirty="0"/>
           </a:p>
@@ -2761,7 +5239,7 @@
     </p:spTree>
     <p:extLst>
       <p:ext uri="{BB962C8B-B14F-4D97-AF65-F5344CB8AC3E}">
-        <p14:creationId xmlns:p14="http://schemas.microsoft.com/office/powerpoint/2010/main" val="1012287015"/>
+        <p14:creationId xmlns:p14="http://schemas.microsoft.com/office/powerpoint/2010/main" val="2302474330"/>
       </p:ext>
     </p:extLst>
   </p:cSld>
@@ -2815,986 +5293,7 @@
           <a:bodyPr/>
           <a:lstStyle/>
           <a:p>
-            <a:pPr marL="0" indent="0">
-              <a:buNone/>
-            </a:pPr>
-            <a:r>
-              <a:rPr lang="fr-FR" dirty="0"/>
-              <a:t>&lt;</a:t>
-            </a:r>
-            <a:r>
-              <a:rPr lang="fr-FR" sz="800" b="1" kern="1200" dirty="0">
-                <a:solidFill>
-                  <a:schemeClr val="tx1"/>
-                </a:solidFill>
-                <a:effectLst/>
-                <a:latin typeface="+mn-lt"/>
-                <a:ea typeface="+mn-ea"/>
-                <a:cs typeface="+mn-cs"/>
-              </a:rPr>
-              <a:t>div</a:t>
-            </a:r>
-            <a:r>
-              <a:rPr lang="fr-FR" dirty="0"/>
-              <a:t>&gt;</a:t>
-            </a:r>
-            <a:r>
-              <a:rPr lang="fr-FR" dirty="0" err="1"/>
-              <a:t>themeId</a:t>
-            </a:r>
-            <a:r>
-              <a:rPr lang="fr-FR" dirty="0"/>
-              <a:t> : {{</a:t>
-            </a:r>
-            <a:r>
-              <a:rPr lang="fr-FR" dirty="0" err="1"/>
-              <a:t>vm.filmFilterForm.themeId</a:t>
-            </a:r>
-            <a:r>
-              <a:rPr lang="fr-FR" dirty="0"/>
-              <a:t>}}&lt;/</a:t>
-            </a:r>
-            <a:r>
-              <a:rPr lang="fr-FR" sz="800" b="1" kern="1200" dirty="0">
-                <a:solidFill>
-                  <a:schemeClr val="tx1"/>
-                </a:solidFill>
-                <a:effectLst/>
-                <a:latin typeface="+mn-lt"/>
-                <a:ea typeface="+mn-ea"/>
-                <a:cs typeface="+mn-cs"/>
-              </a:rPr>
-              <a:t>div</a:t>
-            </a:r>
-            <a:r>
-              <a:rPr lang="fr-FR" dirty="0"/>
-              <a:t>&gt;</a:t>
-            </a:r>
-            <a:br>
-              <a:rPr lang="fr-FR" dirty="0"/>
-            </a:br>
-            <a:r>
-              <a:rPr lang="fr-FR" dirty="0"/>
-              <a:t>&lt;</a:t>
-            </a:r>
-            <a:r>
-              <a:rPr lang="fr-FR" sz="800" b="1" kern="1200" dirty="0">
-                <a:solidFill>
-                  <a:schemeClr val="tx1"/>
-                </a:solidFill>
-                <a:effectLst/>
-                <a:latin typeface="+mn-lt"/>
-                <a:ea typeface="+mn-ea"/>
-                <a:cs typeface="+mn-cs"/>
-              </a:rPr>
-              <a:t>div </a:t>
-            </a:r>
-            <a:r>
-              <a:rPr lang="fr-FR" dirty="0"/>
-              <a:t>class=</a:t>
-            </a:r>
-            <a:r>
-              <a:rPr lang="fr-FR" sz="800" b="1" kern="1200" dirty="0">
-                <a:solidFill>
-                  <a:schemeClr val="tx1"/>
-                </a:solidFill>
-                <a:effectLst/>
-                <a:latin typeface="+mn-lt"/>
-                <a:ea typeface="+mn-ea"/>
-                <a:cs typeface="+mn-cs"/>
-              </a:rPr>
-              <a:t>"</a:t>
-            </a:r>
-            <a:r>
-              <a:rPr lang="fr-FR" sz="800" b="1" kern="1200" dirty="0" err="1">
-                <a:solidFill>
-                  <a:schemeClr val="tx1"/>
-                </a:solidFill>
-                <a:effectLst/>
-                <a:latin typeface="+mn-lt"/>
-                <a:ea typeface="+mn-ea"/>
-                <a:cs typeface="+mn-cs"/>
-              </a:rPr>
-              <a:t>form</a:t>
-            </a:r>
-            <a:r>
-              <a:rPr lang="fr-FR" sz="800" b="1" kern="1200" dirty="0">
-                <a:solidFill>
-                  <a:schemeClr val="tx1"/>
-                </a:solidFill>
-                <a:effectLst/>
-                <a:latin typeface="+mn-lt"/>
-                <a:ea typeface="+mn-ea"/>
-                <a:cs typeface="+mn-cs"/>
-              </a:rPr>
-              <a:t>-group"</a:t>
-            </a:r>
-            <a:r>
-              <a:rPr lang="fr-FR" dirty="0"/>
-              <a:t>&gt;</a:t>
-            </a:r>
-            <a:br>
-              <a:rPr lang="fr-FR" dirty="0"/>
-            </a:br>
-            <a:r>
-              <a:rPr lang="fr-FR" dirty="0"/>
-              <a:t>    &lt;</a:t>
-            </a:r>
-            <a:r>
-              <a:rPr lang="fr-FR" sz="800" b="1" kern="1200" dirty="0">
-                <a:solidFill>
-                  <a:schemeClr val="tx1"/>
-                </a:solidFill>
-                <a:effectLst/>
-                <a:latin typeface="+mn-lt"/>
-                <a:ea typeface="+mn-ea"/>
-                <a:cs typeface="+mn-cs"/>
-              </a:rPr>
-              <a:t>select </a:t>
-            </a:r>
-            <a:r>
-              <a:rPr lang="fr-FR" dirty="0" err="1"/>
-              <a:t>name</a:t>
-            </a:r>
-            <a:r>
-              <a:rPr lang="fr-FR" dirty="0"/>
-              <a:t>=</a:t>
-            </a:r>
-            <a:r>
-              <a:rPr lang="fr-FR" sz="800" b="1" kern="1200" dirty="0">
-                <a:solidFill>
-                  <a:schemeClr val="tx1"/>
-                </a:solidFill>
-                <a:effectLst/>
-                <a:latin typeface="+mn-lt"/>
-                <a:ea typeface="+mn-ea"/>
-                <a:cs typeface="+mn-cs"/>
-              </a:rPr>
-              <a:t>"</a:t>
-            </a:r>
-            <a:r>
-              <a:rPr lang="fr-FR" sz="800" b="1" kern="1200" dirty="0" err="1">
-                <a:solidFill>
-                  <a:schemeClr val="tx1"/>
-                </a:solidFill>
-                <a:effectLst/>
-                <a:latin typeface="+mn-lt"/>
-                <a:ea typeface="+mn-ea"/>
-                <a:cs typeface="+mn-cs"/>
-              </a:rPr>
-              <a:t>theme</a:t>
-            </a:r>
-            <a:r>
-              <a:rPr lang="fr-FR" sz="800" b="1" kern="1200" dirty="0">
-                <a:solidFill>
-                  <a:schemeClr val="tx1"/>
-                </a:solidFill>
-                <a:effectLst/>
-                <a:latin typeface="+mn-lt"/>
-                <a:ea typeface="+mn-ea"/>
-                <a:cs typeface="+mn-cs"/>
-              </a:rPr>
-              <a:t>" </a:t>
-            </a:r>
-            <a:r>
-              <a:rPr lang="fr-FR" dirty="0" err="1"/>
-              <a:t>ng</a:t>
-            </a:r>
-            <a:r>
-              <a:rPr lang="fr-FR" dirty="0"/>
-              <a:t>-model=</a:t>
-            </a:r>
-            <a:r>
-              <a:rPr lang="fr-FR" sz="800" b="1" kern="1200" dirty="0">
-                <a:solidFill>
-                  <a:schemeClr val="tx1"/>
-                </a:solidFill>
-                <a:effectLst/>
-                <a:latin typeface="+mn-lt"/>
-                <a:ea typeface="+mn-ea"/>
-                <a:cs typeface="+mn-cs"/>
-              </a:rPr>
-              <a:t>"</a:t>
-            </a:r>
-            <a:r>
-              <a:rPr lang="fr-FR" sz="800" b="1" kern="1200" dirty="0" err="1">
-                <a:solidFill>
-                  <a:schemeClr val="tx1"/>
-                </a:solidFill>
-                <a:effectLst/>
-                <a:latin typeface="+mn-lt"/>
-                <a:ea typeface="+mn-ea"/>
-                <a:cs typeface="+mn-cs"/>
-              </a:rPr>
-              <a:t>vm.filmFilterForm.themeId</a:t>
-            </a:r>
-            <a:r>
-              <a:rPr lang="fr-FR" sz="800" b="1" kern="1200" dirty="0">
-                <a:solidFill>
-                  <a:schemeClr val="tx1"/>
-                </a:solidFill>
-                <a:effectLst/>
-                <a:latin typeface="+mn-lt"/>
-                <a:ea typeface="+mn-ea"/>
-                <a:cs typeface="+mn-cs"/>
-              </a:rPr>
-              <a:t>" </a:t>
-            </a:r>
-            <a:r>
-              <a:rPr lang="fr-FR" dirty="0"/>
-              <a:t>class=</a:t>
-            </a:r>
-            <a:r>
-              <a:rPr lang="fr-FR" sz="800" b="1" kern="1200" dirty="0">
-                <a:solidFill>
-                  <a:schemeClr val="tx1"/>
-                </a:solidFill>
-                <a:effectLst/>
-                <a:latin typeface="+mn-lt"/>
-                <a:ea typeface="+mn-ea"/>
-                <a:cs typeface="+mn-cs"/>
-              </a:rPr>
-              <a:t>"</a:t>
-            </a:r>
-            <a:r>
-              <a:rPr lang="fr-FR" sz="800" b="1" kern="1200" dirty="0" err="1">
-                <a:solidFill>
-                  <a:schemeClr val="tx1"/>
-                </a:solidFill>
-                <a:effectLst/>
-                <a:latin typeface="+mn-lt"/>
-                <a:ea typeface="+mn-ea"/>
-                <a:cs typeface="+mn-cs"/>
-              </a:rPr>
-              <a:t>form</a:t>
-            </a:r>
-            <a:r>
-              <a:rPr lang="fr-FR" sz="800" b="1" kern="1200" dirty="0">
-                <a:solidFill>
-                  <a:schemeClr val="tx1"/>
-                </a:solidFill>
-                <a:effectLst/>
-                <a:latin typeface="+mn-lt"/>
-                <a:ea typeface="+mn-ea"/>
-                <a:cs typeface="+mn-cs"/>
-              </a:rPr>
-              <a:t>-control"</a:t>
-            </a:r>
-            <a:br>
-              <a:rPr lang="fr-FR" sz="800" b="1" kern="1200" dirty="0">
-                <a:solidFill>
-                  <a:schemeClr val="tx1"/>
-                </a:solidFill>
-                <a:effectLst/>
-                <a:latin typeface="+mn-lt"/>
-                <a:ea typeface="+mn-ea"/>
-                <a:cs typeface="+mn-cs"/>
-              </a:rPr>
-            </a:br>
-            <a:r>
-              <a:rPr lang="fr-FR" sz="800" b="1" kern="1200" dirty="0">
-                <a:solidFill>
-                  <a:schemeClr val="tx1"/>
-                </a:solidFill>
-                <a:effectLst/>
-                <a:latin typeface="+mn-lt"/>
-                <a:ea typeface="+mn-ea"/>
-                <a:cs typeface="+mn-cs"/>
-              </a:rPr>
-              <a:t>            </a:t>
-            </a:r>
-            <a:r>
-              <a:rPr lang="fr-FR" dirty="0" err="1"/>
-              <a:t>ng</a:t>
-            </a:r>
-            <a:r>
-              <a:rPr lang="fr-FR" dirty="0"/>
-              <a:t>-options=</a:t>
-            </a:r>
-            <a:r>
-              <a:rPr lang="fr-FR" sz="800" b="1" kern="1200" dirty="0">
-                <a:solidFill>
-                  <a:schemeClr val="tx1"/>
-                </a:solidFill>
-                <a:effectLst/>
-                <a:latin typeface="+mn-lt"/>
-                <a:ea typeface="+mn-ea"/>
-                <a:cs typeface="+mn-cs"/>
-              </a:rPr>
-              <a:t>"t.id as </a:t>
-            </a:r>
-            <a:r>
-              <a:rPr lang="fr-FR" sz="800" b="1" kern="1200" dirty="0" err="1">
-                <a:solidFill>
-                  <a:schemeClr val="tx1"/>
-                </a:solidFill>
-                <a:effectLst/>
-                <a:latin typeface="+mn-lt"/>
-                <a:ea typeface="+mn-ea"/>
-                <a:cs typeface="+mn-cs"/>
-              </a:rPr>
-              <a:t>t.shortLabel</a:t>
-            </a:r>
-            <a:r>
-              <a:rPr lang="fr-FR" sz="800" b="1" kern="1200" dirty="0">
-                <a:solidFill>
-                  <a:schemeClr val="tx1"/>
-                </a:solidFill>
-                <a:effectLst/>
-                <a:latin typeface="+mn-lt"/>
-                <a:ea typeface="+mn-ea"/>
-                <a:cs typeface="+mn-cs"/>
-              </a:rPr>
-              <a:t> for t in </a:t>
-            </a:r>
-            <a:r>
-              <a:rPr lang="fr-FR" sz="800" b="1" kern="1200" dirty="0" err="1">
-                <a:solidFill>
-                  <a:schemeClr val="tx1"/>
-                </a:solidFill>
-                <a:effectLst/>
-                <a:latin typeface="+mn-lt"/>
-                <a:ea typeface="+mn-ea"/>
-                <a:cs typeface="+mn-cs"/>
-              </a:rPr>
-              <a:t>vm.themes</a:t>
-            </a:r>
-            <a:r>
-              <a:rPr lang="fr-FR" sz="800" b="1" kern="1200" dirty="0">
-                <a:solidFill>
-                  <a:schemeClr val="tx1"/>
-                </a:solidFill>
-                <a:effectLst/>
-                <a:latin typeface="+mn-lt"/>
-                <a:ea typeface="+mn-ea"/>
-                <a:cs typeface="+mn-cs"/>
-              </a:rPr>
-              <a:t> </a:t>
-            </a:r>
-            <a:r>
-              <a:rPr lang="fr-FR" sz="800" b="1" kern="1200" dirty="0" err="1">
-                <a:solidFill>
-                  <a:schemeClr val="tx1"/>
-                </a:solidFill>
-                <a:effectLst/>
-                <a:latin typeface="+mn-lt"/>
-                <a:ea typeface="+mn-ea"/>
-                <a:cs typeface="+mn-cs"/>
-              </a:rPr>
-              <a:t>track</a:t>
-            </a:r>
-            <a:r>
-              <a:rPr lang="fr-FR" sz="800" b="1" kern="1200" dirty="0">
-                <a:solidFill>
-                  <a:schemeClr val="tx1"/>
-                </a:solidFill>
-                <a:effectLst/>
-                <a:latin typeface="+mn-lt"/>
-                <a:ea typeface="+mn-ea"/>
-                <a:cs typeface="+mn-cs"/>
-              </a:rPr>
-              <a:t> by t.id"</a:t>
-            </a:r>
-            <a:r>
-              <a:rPr lang="fr-FR" dirty="0"/>
-              <a:t>&gt;</a:t>
-            </a:r>
-            <a:br>
-              <a:rPr lang="fr-FR" dirty="0"/>
-            </a:br>
-            <a:r>
-              <a:rPr lang="fr-FR" dirty="0"/>
-              <a:t>        &lt;</a:t>
-            </a:r>
-            <a:r>
-              <a:rPr lang="fr-FR" sz="800" b="1" kern="1200" dirty="0">
-                <a:solidFill>
-                  <a:schemeClr val="tx1"/>
-                </a:solidFill>
-                <a:effectLst/>
-                <a:latin typeface="+mn-lt"/>
-                <a:ea typeface="+mn-ea"/>
-                <a:cs typeface="+mn-cs"/>
-              </a:rPr>
-              <a:t>option </a:t>
-            </a:r>
-            <a:r>
-              <a:rPr lang="fr-FR" dirty="0"/>
-              <a:t>value=</a:t>
-            </a:r>
-            <a:r>
-              <a:rPr lang="fr-FR" sz="800" b="1" kern="1200" dirty="0">
-                <a:solidFill>
-                  <a:schemeClr val="tx1"/>
-                </a:solidFill>
-                <a:effectLst/>
-                <a:latin typeface="+mn-lt"/>
-                <a:ea typeface="+mn-ea"/>
-                <a:cs typeface="+mn-cs"/>
-              </a:rPr>
-              <a:t>""</a:t>
-            </a:r>
-            <a:r>
-              <a:rPr lang="fr-FR" dirty="0"/>
-              <a:t>&gt;&lt;/</a:t>
-            </a:r>
-            <a:r>
-              <a:rPr lang="fr-FR" sz="800" b="1" kern="1200" dirty="0">
-                <a:solidFill>
-                  <a:schemeClr val="tx1"/>
-                </a:solidFill>
-                <a:effectLst/>
-                <a:latin typeface="+mn-lt"/>
-                <a:ea typeface="+mn-ea"/>
-                <a:cs typeface="+mn-cs"/>
-              </a:rPr>
-              <a:t>option</a:t>
-            </a:r>
-            <a:r>
-              <a:rPr lang="fr-FR" dirty="0"/>
-              <a:t>&gt;</a:t>
-            </a:r>
-            <a:br>
-              <a:rPr lang="fr-FR" dirty="0"/>
-            </a:br>
-            <a:r>
-              <a:rPr lang="fr-FR" dirty="0"/>
-              <a:t>    &lt;/</a:t>
-            </a:r>
-            <a:r>
-              <a:rPr lang="fr-FR" sz="800" b="1" kern="1200" dirty="0">
-                <a:solidFill>
-                  <a:schemeClr val="tx1"/>
-                </a:solidFill>
-                <a:effectLst/>
-                <a:latin typeface="+mn-lt"/>
-                <a:ea typeface="+mn-ea"/>
-                <a:cs typeface="+mn-cs"/>
-              </a:rPr>
-              <a:t>select</a:t>
-            </a:r>
-            <a:r>
-              <a:rPr lang="fr-FR" dirty="0"/>
-              <a:t>&gt;</a:t>
-            </a:r>
-            <a:br>
-              <a:rPr lang="fr-FR" dirty="0"/>
-            </a:br>
-            <a:r>
-              <a:rPr lang="fr-FR" dirty="0"/>
-              <a:t>&lt;/</a:t>
-            </a:r>
-            <a:r>
-              <a:rPr lang="fr-FR" sz="800" b="1" kern="1200" dirty="0">
-                <a:solidFill>
-                  <a:schemeClr val="tx1"/>
-                </a:solidFill>
-                <a:effectLst/>
-                <a:latin typeface="+mn-lt"/>
-                <a:ea typeface="+mn-ea"/>
-                <a:cs typeface="+mn-cs"/>
-              </a:rPr>
-              <a:t>div</a:t>
-            </a:r>
-            <a:r>
-              <a:rPr lang="fr-FR" dirty="0"/>
-              <a:t>&gt;</a:t>
-            </a:r>
-          </a:p>
-          <a:p>
-            <a:pPr marL="0" indent="0">
-              <a:buNone/>
-            </a:pPr>
-            <a:endParaRPr lang="fr-FR" dirty="0"/>
-          </a:p>
-          <a:p>
-            <a:pPr marL="0" indent="0">
-              <a:buNone/>
-            </a:pPr>
-            <a:endParaRPr lang="fr-FR" dirty="0"/>
-          </a:p>
-          <a:p>
-            <a:pPr marL="0" indent="0">
-              <a:buNone/>
-            </a:pPr>
-            <a:r>
-              <a:rPr lang="fr-FR" dirty="0"/>
-              <a:t>REASON :</a:t>
-            </a:r>
-          </a:p>
-          <a:p>
-            <a:pPr marL="0" indent="0">
-              <a:buNone/>
-            </a:pPr>
-            <a:r>
-              <a:rPr lang="fr-FR" dirty="0"/>
-              <a:t>http://gurustop.net/blog/2014/01/28/common-problems-and-solutions-when-using-select-elements-with-angular-js-ng-options-initial-selection/</a:t>
-            </a:r>
-          </a:p>
-          <a:p>
-            <a:pPr marL="0" indent="0">
-              <a:buNone/>
-            </a:pPr>
-            <a:endParaRPr lang="fr-FR" dirty="0"/>
-          </a:p>
-          <a:p>
-            <a:pPr marL="0" indent="0">
-              <a:buNone/>
-            </a:pPr>
-            <a:endParaRPr lang="fr-FR" dirty="0"/>
-          </a:p>
-          <a:p>
-            <a:r>
-              <a:rPr lang="en-US" sz="800" b="0" i="0" u="none" strike="noStrike" kern="1200" baseline="0" dirty="0">
-                <a:solidFill>
-                  <a:schemeClr val="tx1"/>
-                </a:solidFill>
-                <a:latin typeface="+mn-lt"/>
-                <a:ea typeface="+mn-ea"/>
-                <a:cs typeface="+mn-cs"/>
-              </a:rPr>
-              <a:t>The track by syntax expects an object, with the property you use to track. It does</a:t>
-            </a:r>
-          </a:p>
-          <a:p>
-            <a:r>
-              <a:rPr lang="en-US" sz="800" b="0" i="0" u="none" strike="noStrike" kern="1200" baseline="0" dirty="0">
-                <a:solidFill>
-                  <a:schemeClr val="tx1"/>
-                </a:solidFill>
-                <a:latin typeface="+mn-lt"/>
-                <a:ea typeface="+mn-ea"/>
-                <a:cs typeface="+mn-cs"/>
-              </a:rPr>
-              <a:t>not honor the key part used in the key as text syntax (which in our example is</a:t>
-            </a:r>
-          </a:p>
-          <a:p>
-            <a:r>
-              <a:rPr lang="en-US" sz="800" b="0" i="0" u="none" strike="noStrike" kern="1200" baseline="0" dirty="0">
-                <a:solidFill>
-                  <a:schemeClr val="tx1"/>
-                </a:solidFill>
-                <a:latin typeface="+mn-lt"/>
-                <a:ea typeface="+mn-ea"/>
-                <a:cs typeface="+mn-cs"/>
-              </a:rPr>
-              <a:t>g.id as </a:t>
-            </a:r>
-            <a:r>
-              <a:rPr lang="en-US" sz="800" b="0" i="0" u="none" strike="noStrike" kern="1200" baseline="0" dirty="0" err="1">
-                <a:solidFill>
-                  <a:schemeClr val="tx1"/>
-                </a:solidFill>
-                <a:latin typeface="+mn-lt"/>
-                <a:ea typeface="+mn-ea"/>
-                <a:cs typeface="+mn-cs"/>
-              </a:rPr>
-              <a:t>g.text</a:t>
-            </a:r>
-            <a:r>
-              <a:rPr lang="en-US" sz="800" b="0" i="0" u="none" strike="noStrike" kern="1200" baseline="0" dirty="0">
-                <a:solidFill>
-                  <a:schemeClr val="tx1"/>
-                </a:solidFill>
-                <a:latin typeface="+mn-lt"/>
-                <a:ea typeface="+mn-ea"/>
-                <a:cs typeface="+mn-cs"/>
-              </a:rPr>
-              <a:t> ), so, it wants the ng‐model to point to an object with the tracked</a:t>
-            </a:r>
-          </a:p>
-          <a:p>
-            <a:r>
-              <a:rPr lang="fr-FR" sz="800" b="0" i="0" u="none" strike="noStrike" kern="1200" baseline="0" dirty="0" err="1">
-                <a:solidFill>
-                  <a:schemeClr val="tx1"/>
-                </a:solidFill>
-                <a:latin typeface="+mn-lt"/>
-                <a:ea typeface="+mn-ea"/>
-                <a:cs typeface="+mn-cs"/>
-              </a:rPr>
-              <a:t>Root</a:t>
-            </a:r>
-            <a:r>
-              <a:rPr lang="fr-FR" sz="800" b="0" i="0" u="none" strike="noStrike" kern="1200" baseline="0" dirty="0">
-                <a:solidFill>
-                  <a:schemeClr val="tx1"/>
-                </a:solidFill>
-                <a:latin typeface="+mn-lt"/>
-                <a:ea typeface="+mn-ea"/>
-                <a:cs typeface="+mn-cs"/>
-              </a:rPr>
-              <a:t> Cause</a:t>
-            </a:r>
-          </a:p>
-          <a:p>
-            <a:r>
-              <a:rPr lang="fr-FR" sz="800" b="0" i="0" u="none" strike="noStrike" kern="1200" baseline="0" dirty="0">
-                <a:solidFill>
-                  <a:schemeClr val="tx1"/>
-                </a:solidFill>
-                <a:latin typeface="+mn-lt"/>
-                <a:ea typeface="+mn-ea"/>
-                <a:cs typeface="+mn-cs"/>
-              </a:rPr>
-              <a:t>Solution</a:t>
-            </a:r>
-          </a:p>
-          <a:p>
-            <a:r>
-              <a:rPr lang="en-US" sz="800" b="0" i="0" u="none" strike="noStrike" kern="1200" baseline="0" dirty="0">
-                <a:solidFill>
-                  <a:schemeClr val="tx1"/>
-                </a:solidFill>
-                <a:latin typeface="+mn-lt"/>
-                <a:ea typeface="+mn-ea"/>
-                <a:cs typeface="+mn-cs"/>
-              </a:rPr>
-              <a:t>Simple Properties Scenario </a:t>
-            </a:r>
-            <a:r>
-              <a:rPr lang="en-US" sz="800" b="0" i="1" u="none" strike="noStrike" kern="1200" baseline="0" dirty="0">
-                <a:solidFill>
-                  <a:schemeClr val="tx1"/>
-                </a:solidFill>
-                <a:latin typeface="+mn-lt"/>
-                <a:ea typeface="+mn-ea"/>
-                <a:cs typeface="+mn-cs"/>
-              </a:rPr>
-              <a:t>When </a:t>
-            </a:r>
-            <a:r>
-              <a:rPr lang="en-US" sz="800" b="0" i="0" u="none" strike="noStrike" kern="1200" baseline="0" dirty="0">
-                <a:solidFill>
-                  <a:schemeClr val="tx1"/>
-                </a:solidFill>
-                <a:latin typeface="+mn-lt"/>
-                <a:ea typeface="+mn-ea"/>
-                <a:cs typeface="+mn-cs"/>
-              </a:rPr>
-              <a:t>Combined With Server-Side</a:t>
-            </a:r>
-          </a:p>
-          <a:p>
-            <a:r>
-              <a:rPr lang="fr-FR" sz="800" b="0" i="0" u="none" strike="noStrike" kern="1200" baseline="0" dirty="0" err="1">
-                <a:solidFill>
-                  <a:schemeClr val="tx1"/>
-                </a:solidFill>
-                <a:latin typeface="+mn-lt"/>
-                <a:ea typeface="+mn-ea"/>
-                <a:cs typeface="+mn-cs"/>
-              </a:rPr>
-              <a:t>Submit</a:t>
-            </a:r>
-            <a:endParaRPr lang="fr-FR" sz="800" b="0" i="0" u="none" strike="noStrike" kern="1200" baseline="0" dirty="0">
-              <a:solidFill>
-                <a:schemeClr val="tx1"/>
-              </a:solidFill>
-              <a:latin typeface="+mn-lt"/>
-              <a:ea typeface="+mn-ea"/>
-              <a:cs typeface="+mn-cs"/>
-            </a:endParaRPr>
-          </a:p>
-          <a:p>
-            <a:r>
-              <a:rPr lang="fr-FR" sz="800" b="0" i="0" u="none" strike="noStrike" kern="1200" baseline="0" dirty="0" err="1">
-                <a:solidFill>
-                  <a:schemeClr val="tx1"/>
-                </a:solidFill>
-                <a:latin typeface="+mn-lt"/>
-                <a:ea typeface="+mn-ea"/>
-                <a:cs typeface="+mn-cs"/>
-              </a:rPr>
-              <a:t>Root</a:t>
-            </a:r>
-            <a:r>
-              <a:rPr lang="fr-FR" sz="800" b="0" i="0" u="none" strike="noStrike" kern="1200" baseline="0" dirty="0">
-                <a:solidFill>
-                  <a:schemeClr val="tx1"/>
-                </a:solidFill>
-                <a:latin typeface="+mn-lt"/>
-                <a:ea typeface="+mn-ea"/>
-                <a:cs typeface="+mn-cs"/>
-              </a:rPr>
-              <a:t> Cause</a:t>
-            </a:r>
-          </a:p>
-          <a:p>
-            <a:r>
-              <a:rPr lang="fr-FR" sz="800" b="0" i="0" u="none" strike="noStrike" kern="1200" baseline="0" dirty="0">
-                <a:solidFill>
-                  <a:schemeClr val="tx1"/>
-                </a:solidFill>
-                <a:latin typeface="+mn-lt"/>
-                <a:ea typeface="+mn-ea"/>
-                <a:cs typeface="+mn-cs"/>
-              </a:rPr>
-              <a:t>12345</a:t>
-            </a:r>
-          </a:p>
-          <a:p>
-            <a:r>
-              <a:rPr lang="fr-FR" sz="800" b="0" i="0" u="none" strike="noStrike" kern="1200" baseline="0" dirty="0">
-                <a:solidFill>
-                  <a:schemeClr val="tx1"/>
-                </a:solidFill>
-                <a:latin typeface="+mn-lt"/>
-                <a:ea typeface="+mn-ea"/>
-                <a:cs typeface="+mn-cs"/>
-              </a:rPr>
-              <a:t>&lt;select</a:t>
-            </a:r>
-          </a:p>
-          <a:p>
-            <a:r>
-              <a:rPr lang="fr-FR" sz="800" b="0" i="0" u="none" strike="noStrike" kern="1200" baseline="0" dirty="0" err="1">
-                <a:solidFill>
-                  <a:schemeClr val="tx1"/>
-                </a:solidFill>
-                <a:latin typeface="+mn-lt"/>
-                <a:ea typeface="+mn-ea"/>
-                <a:cs typeface="+mn-cs"/>
-              </a:rPr>
-              <a:t>ngmodel</a:t>
-            </a:r>
-            <a:r>
-              <a:rPr lang="fr-FR" sz="800" b="0" i="0" u="none" strike="noStrike" kern="1200" baseline="0" dirty="0">
-                <a:solidFill>
-                  <a:schemeClr val="tx1"/>
-                </a:solidFill>
-                <a:latin typeface="+mn-lt"/>
-                <a:ea typeface="+mn-ea"/>
-                <a:cs typeface="+mn-cs"/>
-              </a:rPr>
-              <a:t>="</a:t>
-            </a:r>
-          </a:p>
-          <a:p>
-            <a:r>
-              <a:rPr lang="fr-FR" sz="800" b="0" i="0" u="none" strike="noStrike" kern="1200" baseline="0" dirty="0" err="1">
-                <a:solidFill>
-                  <a:schemeClr val="tx1"/>
-                </a:solidFill>
-                <a:latin typeface="+mn-lt"/>
-                <a:ea typeface="+mn-ea"/>
-                <a:cs typeface="+mn-cs"/>
-              </a:rPr>
-              <a:t>person.genderId</a:t>
-            </a:r>
-            <a:r>
-              <a:rPr lang="fr-FR" sz="800" b="0" i="0" u="none" strike="noStrike" kern="1200" baseline="0" dirty="0">
-                <a:solidFill>
-                  <a:schemeClr val="tx1"/>
-                </a:solidFill>
-                <a:latin typeface="+mn-lt"/>
-                <a:ea typeface="+mn-ea"/>
-                <a:cs typeface="+mn-cs"/>
-              </a:rPr>
-              <a:t>"</a:t>
-            </a:r>
-          </a:p>
-          <a:p>
-            <a:r>
-              <a:rPr lang="fr-FR" sz="800" b="0" i="0" u="none" strike="noStrike" kern="1200" baseline="0" dirty="0" err="1">
-                <a:solidFill>
-                  <a:schemeClr val="tx1"/>
-                </a:solidFill>
-                <a:latin typeface="+mn-lt"/>
-                <a:ea typeface="+mn-ea"/>
-                <a:cs typeface="+mn-cs"/>
-              </a:rPr>
-              <a:t>ngoptions</a:t>
-            </a:r>
-            <a:r>
-              <a:rPr lang="fr-FR" sz="800" b="0" i="0" u="none" strike="noStrike" kern="1200" baseline="0" dirty="0">
-                <a:solidFill>
-                  <a:schemeClr val="tx1"/>
-                </a:solidFill>
-                <a:latin typeface="+mn-lt"/>
-                <a:ea typeface="+mn-ea"/>
-                <a:cs typeface="+mn-cs"/>
-              </a:rPr>
-              <a:t>="</a:t>
-            </a:r>
-          </a:p>
-          <a:p>
-            <a:r>
-              <a:rPr lang="fr-FR" sz="800" b="0" i="0" u="none" strike="noStrike" kern="1200" baseline="0" dirty="0">
-                <a:solidFill>
-                  <a:schemeClr val="tx1"/>
-                </a:solidFill>
-                <a:latin typeface="+mn-lt"/>
-                <a:ea typeface="+mn-ea"/>
-                <a:cs typeface="+mn-cs"/>
-              </a:rPr>
-              <a:t>gender.id as </a:t>
-            </a:r>
-            <a:r>
-              <a:rPr lang="fr-FR" sz="800" b="0" i="0" u="none" strike="noStrike" kern="1200" baseline="0" dirty="0" err="1">
-                <a:solidFill>
-                  <a:schemeClr val="tx1"/>
-                </a:solidFill>
-                <a:latin typeface="+mn-lt"/>
-                <a:ea typeface="+mn-ea"/>
-                <a:cs typeface="+mn-cs"/>
-              </a:rPr>
-              <a:t>gender.text</a:t>
-            </a:r>
-            <a:r>
-              <a:rPr lang="fr-FR" sz="800" b="0" i="0" u="none" strike="noStrike" kern="1200" baseline="0" dirty="0">
-                <a:solidFill>
-                  <a:schemeClr val="tx1"/>
-                </a:solidFill>
-                <a:latin typeface="+mn-lt"/>
-                <a:ea typeface="+mn-ea"/>
-                <a:cs typeface="+mn-cs"/>
-              </a:rPr>
-              <a:t> for </a:t>
-            </a:r>
-            <a:r>
-              <a:rPr lang="fr-FR" sz="800" b="0" i="0" u="none" strike="noStrike" kern="1200" baseline="0" dirty="0" err="1">
-                <a:solidFill>
-                  <a:schemeClr val="tx1"/>
-                </a:solidFill>
-                <a:latin typeface="+mn-lt"/>
-                <a:ea typeface="+mn-ea"/>
-                <a:cs typeface="+mn-cs"/>
-              </a:rPr>
-              <a:t>gender</a:t>
-            </a:r>
-            <a:r>
-              <a:rPr lang="fr-FR" sz="800" b="0" i="0" u="none" strike="noStrike" kern="1200" baseline="0" dirty="0">
-                <a:solidFill>
-                  <a:schemeClr val="tx1"/>
-                </a:solidFill>
-                <a:latin typeface="+mn-lt"/>
-                <a:ea typeface="+mn-ea"/>
-                <a:cs typeface="+mn-cs"/>
-              </a:rPr>
-              <a:t> in </a:t>
-            </a:r>
-            <a:r>
-              <a:rPr lang="fr-FR" sz="800" b="0" i="0" u="none" strike="noStrike" kern="1200" baseline="0" dirty="0" err="1">
-                <a:solidFill>
-                  <a:schemeClr val="tx1"/>
-                </a:solidFill>
-                <a:latin typeface="+mn-lt"/>
-                <a:ea typeface="+mn-ea"/>
-                <a:cs typeface="+mn-cs"/>
-              </a:rPr>
-              <a:t>genders</a:t>
-            </a:r>
-            <a:r>
-              <a:rPr lang="fr-FR" sz="800" b="0" i="0" u="none" strike="noStrike" kern="1200" baseline="0" dirty="0">
-                <a:solidFill>
-                  <a:schemeClr val="tx1"/>
-                </a:solidFill>
-                <a:latin typeface="+mn-lt"/>
-                <a:ea typeface="+mn-ea"/>
-                <a:cs typeface="+mn-cs"/>
-              </a:rPr>
-              <a:t>"&gt;</a:t>
-            </a:r>
-          </a:p>
-          <a:p>
-            <a:r>
-              <a:rPr lang="fr-FR" sz="800" b="0" i="0" u="none" strike="noStrike" kern="1200" baseline="0" dirty="0">
-                <a:solidFill>
-                  <a:schemeClr val="tx1"/>
-                </a:solidFill>
-                <a:latin typeface="+mn-lt"/>
-                <a:ea typeface="+mn-ea"/>
-                <a:cs typeface="+mn-cs"/>
-              </a:rPr>
-              <a:t>&lt;/select&gt;</a:t>
-            </a:r>
-          </a:p>
-          <a:p>
-            <a:r>
-              <a:rPr lang="en-US" sz="800" b="0" i="0" u="none" strike="noStrike" kern="1200" baseline="0" dirty="0">
-                <a:solidFill>
-                  <a:schemeClr val="tx1"/>
-                </a:solidFill>
-                <a:latin typeface="+mn-lt"/>
-                <a:ea typeface="+mn-ea"/>
-                <a:cs typeface="+mn-cs"/>
-              </a:rPr>
-              <a:t>7/9/2015 How to set the initial selected value of a select element using Angular.JS </a:t>
-            </a:r>
-            <a:r>
-              <a:rPr lang="en-US" sz="800" b="0" i="0" u="none" strike="noStrike" kern="1200" baseline="0" dirty="0" err="1">
-                <a:solidFill>
-                  <a:schemeClr val="tx1"/>
-                </a:solidFill>
-                <a:latin typeface="+mn-lt"/>
-                <a:ea typeface="+mn-ea"/>
-                <a:cs typeface="+mn-cs"/>
-              </a:rPr>
-              <a:t>ngoptions</a:t>
-            </a:r>
-            <a:endParaRPr lang="en-US" sz="800" b="0" i="0" u="none" strike="noStrike" kern="1200" baseline="0" dirty="0">
-              <a:solidFill>
-                <a:schemeClr val="tx1"/>
-              </a:solidFill>
-              <a:latin typeface="+mn-lt"/>
-              <a:ea typeface="+mn-ea"/>
-              <a:cs typeface="+mn-cs"/>
-            </a:endParaRPr>
-          </a:p>
-          <a:p>
-            <a:r>
-              <a:rPr lang="en-US" sz="800" b="0" i="0" u="none" strike="noStrike" kern="1200" baseline="0" dirty="0">
-                <a:solidFill>
-                  <a:schemeClr val="tx1"/>
-                </a:solidFill>
-                <a:latin typeface="+mn-lt"/>
-                <a:ea typeface="+mn-ea"/>
-                <a:cs typeface="+mn-cs"/>
-              </a:rPr>
-              <a:t>&amp; track by / (AngularJS &amp; ASP.NET MVC) Gurustop.NET By @...</a:t>
-            </a:r>
-          </a:p>
-          <a:p>
-            <a:r>
-              <a:rPr lang="fr-FR" sz="800" b="0" i="0" u="none" strike="noStrike" kern="1200" baseline="0" dirty="0">
-                <a:solidFill>
-                  <a:schemeClr val="tx1"/>
-                </a:solidFill>
-                <a:latin typeface="+mn-lt"/>
-                <a:ea typeface="+mn-ea"/>
-                <a:cs typeface="+mn-cs"/>
-              </a:rPr>
-              <a:t>http://gurustop.net/blog/2014/01/28/commonproblemsandsolutionswhenusingselectelementswithangularjsngoptionsinitialselection/</a:t>
-            </a:r>
-          </a:p>
-          <a:p>
-            <a:r>
-              <a:rPr lang="fr-FR" sz="800" b="0" i="0" u="none" strike="noStrike" kern="1200" baseline="0" dirty="0">
-                <a:solidFill>
-                  <a:schemeClr val="tx1"/>
-                </a:solidFill>
-                <a:latin typeface="+mn-lt"/>
-                <a:ea typeface="+mn-ea"/>
-                <a:cs typeface="+mn-cs"/>
-              </a:rPr>
-              <a:t>4/18</a:t>
-            </a:r>
-          </a:p>
-          <a:p>
-            <a:r>
-              <a:rPr lang="en-US" sz="800" b="0" i="0" u="none" strike="noStrike" kern="1200" baseline="0" dirty="0">
-                <a:solidFill>
-                  <a:schemeClr val="tx1"/>
-                </a:solidFill>
-                <a:latin typeface="+mn-lt"/>
-                <a:ea typeface="+mn-ea"/>
-                <a:cs typeface="+mn-cs"/>
-              </a:rPr>
-              <a:t>property, it cannot be the key itself directly.</a:t>
-            </a:r>
-            <a:endParaRPr lang="fr-FR" dirty="0"/>
+            <a:endParaRPr lang="fr-FR"/>
           </a:p>
         </p:txBody>
       </p:sp>
@@ -3839,7 +5338,7 @@
             <a:fld id="{305287CA-3E72-4A91-B59B-B69F40801570}" type="slidenum">
               <a:rPr lang="en-GB" sz="1100" smtClean="0"/>
               <a:pPr/>
-              <a:t>25</a:t>
+              <a:t>24</a:t>
             </a:fld>
             <a:endParaRPr lang="en-GB" sz="1100" dirty="0"/>
           </a:p>
@@ -3872,1556 +5371,7 @@
     </p:spTree>
     <p:extLst>
       <p:ext uri="{BB962C8B-B14F-4D97-AF65-F5344CB8AC3E}">
-        <p14:creationId xmlns:p14="http://schemas.microsoft.com/office/powerpoint/2010/main" val="1684349951"/>
-      </p:ext>
-    </p:extLst>
-  </p:cSld>
-  <p:clrMapOvr>
-    <a:masterClrMapping/>
-  </p:clrMapOvr>
-</p:notes>
-</file>
-
-<file path=ppt/notesSlides/notesSlide23.xml><?xml version="1.0" encoding="utf-8"?>
-<p:notes xmlns:a="http://schemas.openxmlformats.org/drawingml/2006/main" xmlns:r="http://schemas.openxmlformats.org/officeDocument/2006/relationships" xmlns:p="http://schemas.openxmlformats.org/presentationml/2006/main">
-  <p:cSld>
-    <p:spTree>
-      <p:nvGrpSpPr>
-        <p:cNvPr id="1" name=""/>
-        <p:cNvGrpSpPr/>
-        <p:nvPr/>
-      </p:nvGrpSpPr>
-      <p:grpSpPr>
-        <a:xfrm>
-          <a:off x="0" y="0"/>
-          <a:ext cx="0" cy="0"/>
-          <a:chOff x="0" y="0"/>
-          <a:chExt cx="0" cy="0"/>
-        </a:xfrm>
-      </p:grpSpPr>
-      <p:sp>
-        <p:nvSpPr>
-          <p:cNvPr id="10" name="Espace réservé de l'image des diapositives 9"/>
-          <p:cNvSpPr>
-            <a:spLocks noGrp="1" noRot="1" noChangeAspect="1"/>
-          </p:cNvSpPr>
-          <p:nvPr>
-            <p:ph type="sldImg"/>
-          </p:nvPr>
-        </p:nvSpPr>
-        <p:spPr/>
-      </p:sp>
-      <p:sp>
-        <p:nvSpPr>
-          <p:cNvPr id="11" name="Espace réservé des commentaires 10"/>
-          <p:cNvSpPr>
-            <a:spLocks noGrp="1"/>
-          </p:cNvSpPr>
-          <p:nvPr>
-            <p:ph type="body" idx="1"/>
-          </p:nvPr>
-        </p:nvSpPr>
-        <p:spPr/>
-        <p:txBody>
-          <a:bodyPr/>
-          <a:lstStyle/>
-          <a:p>
-            <a:pPr marL="0" indent="0">
-              <a:buNone/>
-            </a:pPr>
-            <a:r>
-              <a:rPr lang="fr-FR" dirty="0"/>
-              <a:t>&lt;</a:t>
-            </a:r>
-            <a:r>
-              <a:rPr lang="fr-FR" sz="800" b="1" kern="1200" dirty="0">
-                <a:solidFill>
-                  <a:schemeClr val="tx1"/>
-                </a:solidFill>
-                <a:effectLst/>
-                <a:latin typeface="+mn-lt"/>
-                <a:ea typeface="+mn-ea"/>
-                <a:cs typeface="+mn-cs"/>
-              </a:rPr>
-              <a:t>div</a:t>
-            </a:r>
-            <a:r>
-              <a:rPr lang="fr-FR" dirty="0"/>
-              <a:t>&gt;PIPO : {{</a:t>
-            </a:r>
-            <a:r>
-              <a:rPr lang="fr-FR" dirty="0" err="1"/>
-              <a:t>vm.filmFilterForm.themeId</a:t>
-            </a:r>
-            <a:r>
-              <a:rPr lang="fr-FR" dirty="0"/>
-              <a:t>}}&lt;/</a:t>
-            </a:r>
-            <a:r>
-              <a:rPr lang="fr-FR" sz="800" b="1" kern="1200" dirty="0">
-                <a:solidFill>
-                  <a:schemeClr val="tx1"/>
-                </a:solidFill>
-                <a:effectLst/>
-                <a:latin typeface="+mn-lt"/>
-                <a:ea typeface="+mn-ea"/>
-                <a:cs typeface="+mn-cs"/>
-              </a:rPr>
-              <a:t>div</a:t>
-            </a:r>
-            <a:r>
-              <a:rPr lang="fr-FR" dirty="0"/>
-              <a:t>&gt;</a:t>
-            </a:r>
-            <a:br>
-              <a:rPr lang="fr-FR" dirty="0"/>
-            </a:br>
-            <a:r>
-              <a:rPr lang="fr-FR" dirty="0"/>
-              <a:t>&lt;</a:t>
-            </a:r>
-            <a:r>
-              <a:rPr lang="fr-FR" sz="800" b="1" kern="1200" dirty="0">
-                <a:solidFill>
-                  <a:schemeClr val="tx1"/>
-                </a:solidFill>
-                <a:effectLst/>
-                <a:latin typeface="+mn-lt"/>
-                <a:ea typeface="+mn-ea"/>
-                <a:cs typeface="+mn-cs"/>
-              </a:rPr>
-              <a:t>div </a:t>
-            </a:r>
-            <a:r>
-              <a:rPr lang="fr-FR" dirty="0"/>
-              <a:t>class=</a:t>
-            </a:r>
-            <a:r>
-              <a:rPr lang="fr-FR" sz="800" b="1" kern="1200" dirty="0">
-                <a:solidFill>
-                  <a:schemeClr val="tx1"/>
-                </a:solidFill>
-                <a:effectLst/>
-                <a:latin typeface="+mn-lt"/>
-                <a:ea typeface="+mn-ea"/>
-                <a:cs typeface="+mn-cs"/>
-              </a:rPr>
-              <a:t>"</a:t>
-            </a:r>
-            <a:r>
-              <a:rPr lang="fr-FR" sz="800" b="1" kern="1200" dirty="0" err="1">
-                <a:solidFill>
-                  <a:schemeClr val="tx1"/>
-                </a:solidFill>
-                <a:effectLst/>
-                <a:latin typeface="+mn-lt"/>
-                <a:ea typeface="+mn-ea"/>
-                <a:cs typeface="+mn-cs"/>
-              </a:rPr>
-              <a:t>form</a:t>
-            </a:r>
-            <a:r>
-              <a:rPr lang="fr-FR" sz="800" b="1" kern="1200" dirty="0">
-                <a:solidFill>
-                  <a:schemeClr val="tx1"/>
-                </a:solidFill>
-                <a:effectLst/>
-                <a:latin typeface="+mn-lt"/>
-                <a:ea typeface="+mn-ea"/>
-                <a:cs typeface="+mn-cs"/>
-              </a:rPr>
-              <a:t>-group"</a:t>
-            </a:r>
-            <a:r>
-              <a:rPr lang="fr-FR" dirty="0"/>
-              <a:t>&gt;</a:t>
-            </a:r>
-            <a:br>
-              <a:rPr lang="fr-FR" dirty="0"/>
-            </a:br>
-            <a:r>
-              <a:rPr lang="fr-FR" dirty="0"/>
-              <a:t>    &lt;</a:t>
-            </a:r>
-            <a:r>
-              <a:rPr lang="fr-FR" sz="800" b="1" kern="1200" dirty="0">
-                <a:solidFill>
-                  <a:schemeClr val="tx1"/>
-                </a:solidFill>
-                <a:effectLst/>
-                <a:latin typeface="+mn-lt"/>
-                <a:ea typeface="+mn-ea"/>
-                <a:cs typeface="+mn-cs"/>
-              </a:rPr>
-              <a:t>select </a:t>
-            </a:r>
-            <a:r>
-              <a:rPr lang="fr-FR" dirty="0" err="1"/>
-              <a:t>name</a:t>
-            </a:r>
-            <a:r>
-              <a:rPr lang="fr-FR" dirty="0"/>
-              <a:t>=</a:t>
-            </a:r>
-            <a:r>
-              <a:rPr lang="fr-FR" sz="800" b="1" kern="1200" dirty="0">
-                <a:solidFill>
-                  <a:schemeClr val="tx1"/>
-                </a:solidFill>
-                <a:effectLst/>
-                <a:latin typeface="+mn-lt"/>
-                <a:ea typeface="+mn-ea"/>
-                <a:cs typeface="+mn-cs"/>
-              </a:rPr>
-              <a:t>"</a:t>
-            </a:r>
-            <a:r>
-              <a:rPr lang="fr-FR" sz="800" b="1" kern="1200" dirty="0" err="1">
-                <a:solidFill>
-                  <a:schemeClr val="tx1"/>
-                </a:solidFill>
-                <a:effectLst/>
-                <a:latin typeface="+mn-lt"/>
-                <a:ea typeface="+mn-ea"/>
-                <a:cs typeface="+mn-cs"/>
-              </a:rPr>
-              <a:t>theme</a:t>
-            </a:r>
-            <a:r>
-              <a:rPr lang="fr-FR" sz="800" b="1" kern="1200" dirty="0">
-                <a:solidFill>
-                  <a:schemeClr val="tx1"/>
-                </a:solidFill>
-                <a:effectLst/>
-                <a:latin typeface="+mn-lt"/>
-                <a:ea typeface="+mn-ea"/>
-                <a:cs typeface="+mn-cs"/>
-              </a:rPr>
-              <a:t>"  </a:t>
-            </a:r>
-            <a:r>
-              <a:rPr lang="fr-FR" dirty="0"/>
-              <a:t>class=</a:t>
-            </a:r>
-            <a:r>
-              <a:rPr lang="fr-FR" sz="800" b="1" kern="1200" dirty="0">
-                <a:solidFill>
-                  <a:schemeClr val="tx1"/>
-                </a:solidFill>
-                <a:effectLst/>
-                <a:latin typeface="+mn-lt"/>
-                <a:ea typeface="+mn-ea"/>
-                <a:cs typeface="+mn-cs"/>
-              </a:rPr>
-              <a:t>"</a:t>
-            </a:r>
-            <a:r>
-              <a:rPr lang="fr-FR" sz="800" b="1" kern="1200" dirty="0" err="1">
-                <a:solidFill>
-                  <a:schemeClr val="tx1"/>
-                </a:solidFill>
-                <a:effectLst/>
-                <a:latin typeface="+mn-lt"/>
-                <a:ea typeface="+mn-ea"/>
-                <a:cs typeface="+mn-cs"/>
-              </a:rPr>
-              <a:t>form</a:t>
-            </a:r>
-            <a:r>
-              <a:rPr lang="fr-FR" sz="800" b="1" kern="1200" dirty="0">
-                <a:solidFill>
-                  <a:schemeClr val="tx1"/>
-                </a:solidFill>
-                <a:effectLst/>
-                <a:latin typeface="+mn-lt"/>
-                <a:ea typeface="+mn-ea"/>
-                <a:cs typeface="+mn-cs"/>
-              </a:rPr>
-              <a:t>-control"</a:t>
-            </a:r>
-            <a:br>
-              <a:rPr lang="fr-FR" sz="800" b="1" kern="1200" dirty="0">
-                <a:solidFill>
-                  <a:schemeClr val="tx1"/>
-                </a:solidFill>
-                <a:effectLst/>
-                <a:latin typeface="+mn-lt"/>
-                <a:ea typeface="+mn-ea"/>
-                <a:cs typeface="+mn-cs"/>
-              </a:rPr>
-            </a:br>
-            <a:r>
-              <a:rPr lang="fr-FR" sz="800" b="1" kern="1200" dirty="0">
-                <a:solidFill>
-                  <a:schemeClr val="tx1"/>
-                </a:solidFill>
-                <a:effectLst/>
-                <a:latin typeface="+mn-lt"/>
-                <a:ea typeface="+mn-ea"/>
-                <a:cs typeface="+mn-cs"/>
-              </a:rPr>
-              <a:t>            </a:t>
-            </a:r>
-            <a:r>
-              <a:rPr lang="fr-FR" dirty="0" err="1"/>
-              <a:t>ng</a:t>
-            </a:r>
-            <a:r>
-              <a:rPr lang="fr-FR" dirty="0"/>
-              <a:t>-model=</a:t>
-            </a:r>
-            <a:r>
-              <a:rPr lang="fr-FR" sz="800" b="1" kern="1200" dirty="0">
-                <a:solidFill>
-                  <a:schemeClr val="tx1"/>
-                </a:solidFill>
-                <a:effectLst/>
-                <a:latin typeface="+mn-lt"/>
-                <a:ea typeface="+mn-ea"/>
-                <a:cs typeface="+mn-cs"/>
-              </a:rPr>
-              <a:t>"</a:t>
-            </a:r>
-            <a:r>
-              <a:rPr lang="fr-FR" sz="800" b="1" kern="1200" dirty="0" err="1">
-                <a:solidFill>
-                  <a:schemeClr val="tx1"/>
-                </a:solidFill>
-                <a:effectLst/>
-                <a:latin typeface="+mn-lt"/>
-                <a:ea typeface="+mn-ea"/>
-                <a:cs typeface="+mn-cs"/>
-              </a:rPr>
-              <a:t>vm.filmFilterForm.themeId</a:t>
-            </a:r>
-            <a:r>
-              <a:rPr lang="fr-FR" sz="800" b="1" kern="1200" dirty="0">
-                <a:solidFill>
-                  <a:schemeClr val="tx1"/>
-                </a:solidFill>
-                <a:effectLst/>
-                <a:latin typeface="+mn-lt"/>
-                <a:ea typeface="+mn-ea"/>
-                <a:cs typeface="+mn-cs"/>
-              </a:rPr>
-              <a:t>"</a:t>
-            </a:r>
-            <a:r>
-              <a:rPr lang="fr-FR" dirty="0"/>
-              <a:t>&gt;</a:t>
-            </a:r>
-            <a:br>
-              <a:rPr lang="fr-FR" dirty="0"/>
-            </a:br>
-            <a:r>
-              <a:rPr lang="fr-FR" dirty="0"/>
-              <a:t>        &lt;</a:t>
-            </a:r>
-            <a:r>
-              <a:rPr lang="fr-FR" sz="800" b="1" kern="1200" dirty="0">
-                <a:solidFill>
-                  <a:schemeClr val="tx1"/>
-                </a:solidFill>
-                <a:effectLst/>
-                <a:latin typeface="+mn-lt"/>
-                <a:ea typeface="+mn-ea"/>
-                <a:cs typeface="+mn-cs"/>
-              </a:rPr>
-              <a:t>option </a:t>
-            </a:r>
-            <a:r>
-              <a:rPr lang="fr-FR" dirty="0"/>
-              <a:t>value=</a:t>
-            </a:r>
-            <a:r>
-              <a:rPr lang="fr-FR" sz="800" b="1" kern="1200" dirty="0">
-                <a:solidFill>
-                  <a:schemeClr val="tx1"/>
-                </a:solidFill>
-                <a:effectLst/>
-                <a:latin typeface="+mn-lt"/>
-                <a:ea typeface="+mn-ea"/>
-                <a:cs typeface="+mn-cs"/>
-              </a:rPr>
-              <a:t>""</a:t>
-            </a:r>
-            <a:r>
-              <a:rPr lang="fr-FR" dirty="0"/>
-              <a:t>&gt;&lt;/</a:t>
-            </a:r>
-            <a:r>
-              <a:rPr lang="fr-FR" sz="800" b="1" kern="1200" dirty="0">
-                <a:solidFill>
-                  <a:schemeClr val="tx1"/>
-                </a:solidFill>
-                <a:effectLst/>
-                <a:latin typeface="+mn-lt"/>
-                <a:ea typeface="+mn-ea"/>
-                <a:cs typeface="+mn-cs"/>
-              </a:rPr>
-              <a:t>option</a:t>
-            </a:r>
-            <a:r>
-              <a:rPr lang="fr-FR" dirty="0"/>
-              <a:t>&gt;</a:t>
-            </a:r>
-            <a:br>
-              <a:rPr lang="fr-FR" dirty="0"/>
-            </a:br>
-            <a:r>
-              <a:rPr lang="fr-FR" dirty="0"/>
-              <a:t>        &lt;</a:t>
-            </a:r>
-            <a:r>
-              <a:rPr lang="fr-FR" sz="800" b="1" kern="1200" dirty="0">
-                <a:solidFill>
-                  <a:schemeClr val="tx1"/>
-                </a:solidFill>
-                <a:effectLst/>
-                <a:latin typeface="+mn-lt"/>
-                <a:ea typeface="+mn-ea"/>
-                <a:cs typeface="+mn-cs"/>
-              </a:rPr>
-              <a:t>option </a:t>
-            </a:r>
-            <a:r>
-              <a:rPr lang="fr-FR" dirty="0" err="1"/>
-              <a:t>ng-repeat</a:t>
-            </a:r>
-            <a:r>
-              <a:rPr lang="fr-FR" dirty="0"/>
-              <a:t>=</a:t>
-            </a:r>
-            <a:r>
-              <a:rPr lang="fr-FR" sz="800" b="1" kern="1200" dirty="0">
-                <a:solidFill>
-                  <a:schemeClr val="tx1"/>
-                </a:solidFill>
-                <a:effectLst/>
-                <a:latin typeface="+mn-lt"/>
-                <a:ea typeface="+mn-ea"/>
-                <a:cs typeface="+mn-cs"/>
-              </a:rPr>
-              <a:t>"t in </a:t>
-            </a:r>
-            <a:r>
-              <a:rPr lang="fr-FR" sz="800" b="1" kern="1200" dirty="0" err="1">
-                <a:solidFill>
-                  <a:schemeClr val="tx1"/>
-                </a:solidFill>
-                <a:effectLst/>
-                <a:latin typeface="+mn-lt"/>
-                <a:ea typeface="+mn-ea"/>
-                <a:cs typeface="+mn-cs"/>
-              </a:rPr>
-              <a:t>vm.themes</a:t>
-            </a:r>
-            <a:r>
-              <a:rPr lang="fr-FR" sz="800" b="1" kern="1200" dirty="0">
-                <a:solidFill>
-                  <a:schemeClr val="tx1"/>
-                </a:solidFill>
-                <a:effectLst/>
-                <a:latin typeface="+mn-lt"/>
-                <a:ea typeface="+mn-ea"/>
-                <a:cs typeface="+mn-cs"/>
-              </a:rPr>
-              <a:t>" </a:t>
-            </a:r>
-            <a:r>
-              <a:rPr lang="fr-FR" dirty="0"/>
-              <a:t>value=</a:t>
-            </a:r>
-            <a:r>
-              <a:rPr lang="fr-FR" sz="800" b="1" kern="1200" dirty="0">
-                <a:solidFill>
-                  <a:schemeClr val="tx1"/>
-                </a:solidFill>
-                <a:effectLst/>
-                <a:latin typeface="+mn-lt"/>
-                <a:ea typeface="+mn-ea"/>
-                <a:cs typeface="+mn-cs"/>
-              </a:rPr>
-              <a:t>"{{t.id}}"</a:t>
-            </a:r>
-            <a:br>
-              <a:rPr lang="fr-FR" sz="800" b="1" kern="1200" dirty="0">
-                <a:solidFill>
-                  <a:schemeClr val="tx1"/>
-                </a:solidFill>
-                <a:effectLst/>
-                <a:latin typeface="+mn-lt"/>
-                <a:ea typeface="+mn-ea"/>
-                <a:cs typeface="+mn-cs"/>
-              </a:rPr>
-            </a:br>
-            <a:r>
-              <a:rPr lang="fr-FR" sz="800" b="1" kern="1200" dirty="0">
-                <a:solidFill>
-                  <a:schemeClr val="tx1"/>
-                </a:solidFill>
-                <a:effectLst/>
-                <a:latin typeface="+mn-lt"/>
-                <a:ea typeface="+mn-ea"/>
-                <a:cs typeface="+mn-cs"/>
-              </a:rPr>
-              <a:t>                </a:t>
-            </a:r>
-            <a:r>
-              <a:rPr lang="fr-FR" dirty="0" err="1"/>
-              <a:t>ng-selected</a:t>
-            </a:r>
-            <a:r>
-              <a:rPr lang="fr-FR" dirty="0"/>
-              <a:t>=</a:t>
-            </a:r>
-            <a:r>
-              <a:rPr lang="fr-FR" sz="800" b="1" kern="1200" dirty="0">
-                <a:solidFill>
-                  <a:schemeClr val="tx1"/>
-                </a:solidFill>
-                <a:effectLst/>
-                <a:latin typeface="+mn-lt"/>
-                <a:ea typeface="+mn-ea"/>
-                <a:cs typeface="+mn-cs"/>
-              </a:rPr>
-              <a:t>"{{ t.id == </a:t>
-            </a:r>
-            <a:r>
-              <a:rPr lang="fr-FR" sz="800" b="1" kern="1200" dirty="0" err="1">
-                <a:solidFill>
-                  <a:schemeClr val="tx1"/>
-                </a:solidFill>
-                <a:effectLst/>
-                <a:latin typeface="+mn-lt"/>
-                <a:ea typeface="+mn-ea"/>
-                <a:cs typeface="+mn-cs"/>
-              </a:rPr>
-              <a:t>vm.filmFilterForm.themeId</a:t>
-            </a:r>
-            <a:r>
-              <a:rPr lang="fr-FR" sz="800" b="1" kern="1200" dirty="0">
-                <a:solidFill>
-                  <a:schemeClr val="tx1"/>
-                </a:solidFill>
-                <a:effectLst/>
-                <a:latin typeface="+mn-lt"/>
-                <a:ea typeface="+mn-ea"/>
-                <a:cs typeface="+mn-cs"/>
-              </a:rPr>
-              <a:t> }}"</a:t>
-            </a:r>
-            <a:r>
-              <a:rPr lang="fr-FR" dirty="0"/>
-              <a:t>&gt;</a:t>
-            </a:r>
-            <a:br>
-              <a:rPr lang="fr-FR" dirty="0"/>
-            </a:br>
-            <a:r>
-              <a:rPr lang="fr-FR" dirty="0"/>
-              <a:t>            {{</a:t>
-            </a:r>
-            <a:r>
-              <a:rPr lang="fr-FR" dirty="0" err="1"/>
-              <a:t>t.shortLabel</a:t>
-            </a:r>
-            <a:r>
-              <a:rPr lang="fr-FR" dirty="0"/>
-              <a:t>}}</a:t>
-            </a:r>
-            <a:br>
-              <a:rPr lang="fr-FR" dirty="0"/>
-            </a:br>
-            <a:r>
-              <a:rPr lang="fr-FR" dirty="0"/>
-              <a:t>        &lt;/</a:t>
-            </a:r>
-            <a:r>
-              <a:rPr lang="fr-FR" sz="800" b="1" kern="1200" dirty="0">
-                <a:solidFill>
-                  <a:schemeClr val="tx1"/>
-                </a:solidFill>
-                <a:effectLst/>
-                <a:latin typeface="+mn-lt"/>
-                <a:ea typeface="+mn-ea"/>
-                <a:cs typeface="+mn-cs"/>
-              </a:rPr>
-              <a:t>option</a:t>
-            </a:r>
-            <a:r>
-              <a:rPr lang="fr-FR" dirty="0"/>
-              <a:t>&gt;</a:t>
-            </a:r>
-            <a:br>
-              <a:rPr lang="fr-FR" dirty="0"/>
-            </a:br>
-            <a:r>
-              <a:rPr lang="fr-FR" dirty="0"/>
-              <a:t>    &lt;/</a:t>
-            </a:r>
-            <a:r>
-              <a:rPr lang="fr-FR" sz="800" b="1" kern="1200" dirty="0">
-                <a:solidFill>
-                  <a:schemeClr val="tx1"/>
-                </a:solidFill>
-                <a:effectLst/>
-                <a:latin typeface="+mn-lt"/>
-                <a:ea typeface="+mn-ea"/>
-                <a:cs typeface="+mn-cs"/>
-              </a:rPr>
-              <a:t>select</a:t>
-            </a:r>
-            <a:r>
-              <a:rPr lang="fr-FR" dirty="0"/>
-              <a:t>&gt;</a:t>
-            </a:r>
-            <a:br>
-              <a:rPr lang="fr-FR" dirty="0"/>
-            </a:br>
-            <a:r>
-              <a:rPr lang="fr-FR" dirty="0"/>
-              <a:t>&lt;/</a:t>
-            </a:r>
-            <a:r>
-              <a:rPr lang="fr-FR" sz="800" b="1" kern="1200" dirty="0">
-                <a:solidFill>
-                  <a:schemeClr val="tx1"/>
-                </a:solidFill>
-                <a:effectLst/>
-                <a:latin typeface="+mn-lt"/>
-                <a:ea typeface="+mn-ea"/>
-                <a:cs typeface="+mn-cs"/>
-              </a:rPr>
-              <a:t>div</a:t>
-            </a:r>
-            <a:r>
-              <a:rPr lang="fr-FR" dirty="0"/>
-              <a:t>&gt;</a:t>
-            </a:r>
-          </a:p>
-        </p:txBody>
-      </p:sp>
-      <p:sp>
-        <p:nvSpPr>
-          <p:cNvPr id="14" name="Espace réservé du pied de page 13"/>
-          <p:cNvSpPr>
-            <a:spLocks noGrp="1"/>
-          </p:cNvSpPr>
-          <p:nvPr>
-            <p:ph type="ftr" sz="quarter" idx="12"/>
-          </p:nvPr>
-        </p:nvSpPr>
-        <p:spPr/>
-        <p:txBody>
-          <a:bodyPr/>
-          <a:lstStyle/>
-          <a:p>
-            <a:r>
-              <a:rPr lang="en-GB" sz="1100"/>
-              <a:t>Titre de la présentation</a:t>
-            </a:r>
-            <a:endParaRPr lang="en-GB" sz="1100" dirty="0"/>
-          </a:p>
-        </p:txBody>
-      </p:sp>
-      <p:sp>
-        <p:nvSpPr>
-          <p:cNvPr id="15" name="Espace réservé du numéro de diapositive 14"/>
-          <p:cNvSpPr>
-            <a:spLocks noGrp="1"/>
-          </p:cNvSpPr>
-          <p:nvPr>
-            <p:ph type="sldNum" sz="quarter" idx="13"/>
-          </p:nvPr>
-        </p:nvSpPr>
-        <p:spPr/>
-        <p:txBody>
-          <a:bodyPr/>
-          <a:lstStyle/>
-          <a:p>
-            <a:fld id="{305287CA-3E72-4A91-B59B-B69F40801570}" type="slidenum">
-              <a:rPr lang="en-GB" sz="1100" smtClean="0"/>
-              <a:pPr/>
-              <a:t>26</a:t>
-            </a:fld>
-            <a:endParaRPr lang="en-GB" sz="1100" dirty="0"/>
-          </a:p>
-        </p:txBody>
-      </p:sp>
-      <p:sp>
-        <p:nvSpPr>
-          <p:cNvPr id="2" name="Espace réservé de la date 1"/>
-          <p:cNvSpPr>
-            <a:spLocks noGrp="1"/>
-          </p:cNvSpPr>
-          <p:nvPr>
-            <p:ph type="dt" idx="14"/>
-          </p:nvPr>
-        </p:nvSpPr>
-        <p:spPr/>
-        <p:txBody>
-          <a:bodyPr/>
-          <a:lstStyle/>
-          <a:p>
-            <a:fld id="{973B10A7-8A2B-4F39-8160-83B51E5E9C07}" type="datetime1">
-              <a:rPr lang="fr-FR" smtClean="0"/>
-              <a:pPr/>
-              <a:t>16/11/2016</a:t>
-            </a:fld>
-            <a:endParaRPr lang="fr-FR"/>
-          </a:p>
-        </p:txBody>
-      </p:sp>
-    </p:spTree>
-    <p:extLst>
-      <p:ext uri="{BB962C8B-B14F-4D97-AF65-F5344CB8AC3E}">
-        <p14:creationId xmlns:p14="http://schemas.microsoft.com/office/powerpoint/2010/main" val="3121895009"/>
-      </p:ext>
-    </p:extLst>
-  </p:cSld>
-  <p:clrMapOvr>
-    <a:masterClrMapping/>
-  </p:clrMapOvr>
-</p:notes>
-</file>
-
-<file path=ppt/notesSlides/notesSlide24.xml><?xml version="1.0" encoding="utf-8"?>
-<p:notes xmlns:a="http://schemas.openxmlformats.org/drawingml/2006/main" xmlns:r="http://schemas.openxmlformats.org/officeDocument/2006/relationships" xmlns:p="http://schemas.openxmlformats.org/presentationml/2006/main">
-  <p:cSld>
-    <p:spTree>
-      <p:nvGrpSpPr>
-        <p:cNvPr id="1" name=""/>
-        <p:cNvGrpSpPr/>
-        <p:nvPr/>
-      </p:nvGrpSpPr>
-      <p:grpSpPr>
-        <a:xfrm>
-          <a:off x="0" y="0"/>
-          <a:ext cx="0" cy="0"/>
-          <a:chOff x="0" y="0"/>
-          <a:chExt cx="0" cy="0"/>
-        </a:xfrm>
-      </p:grpSpPr>
-      <p:sp>
-        <p:nvSpPr>
-          <p:cNvPr id="10" name="Espace réservé de l'image des diapositives 9"/>
-          <p:cNvSpPr>
-            <a:spLocks noGrp="1" noRot="1" noChangeAspect="1"/>
-          </p:cNvSpPr>
-          <p:nvPr>
-            <p:ph type="sldImg"/>
-          </p:nvPr>
-        </p:nvSpPr>
-        <p:spPr/>
-      </p:sp>
-      <p:sp>
-        <p:nvSpPr>
-          <p:cNvPr id="11" name="Espace réservé des commentaires 10"/>
-          <p:cNvSpPr>
-            <a:spLocks noGrp="1"/>
-          </p:cNvSpPr>
-          <p:nvPr>
-            <p:ph type="body" idx="1"/>
-          </p:nvPr>
-        </p:nvSpPr>
-        <p:spPr/>
-        <p:txBody>
-          <a:bodyPr/>
-          <a:lstStyle/>
-          <a:p>
-            <a:pPr marL="0" indent="0">
-              <a:buNone/>
-            </a:pPr>
-            <a:r>
-              <a:rPr lang="fr-FR" dirty="0"/>
-              <a:t>&lt;</a:t>
-            </a:r>
-            <a:r>
-              <a:rPr lang="fr-FR" sz="800" b="1" kern="1200" dirty="0">
-                <a:solidFill>
-                  <a:schemeClr val="tx1"/>
-                </a:solidFill>
-                <a:effectLst/>
-                <a:latin typeface="+mn-lt"/>
-                <a:ea typeface="+mn-ea"/>
-                <a:cs typeface="+mn-cs"/>
-              </a:rPr>
-              <a:t>div</a:t>
-            </a:r>
-            <a:r>
-              <a:rPr lang="fr-FR" dirty="0"/>
-              <a:t>&gt;</a:t>
-            </a:r>
-            <a:r>
-              <a:rPr lang="fr-FR" dirty="0" err="1"/>
-              <a:t>themeId</a:t>
-            </a:r>
-            <a:r>
-              <a:rPr lang="fr-FR" dirty="0"/>
-              <a:t> : {{</a:t>
-            </a:r>
-            <a:r>
-              <a:rPr lang="fr-FR" dirty="0" err="1"/>
-              <a:t>vm.filmFilterForm.themeId</a:t>
-            </a:r>
-            <a:r>
-              <a:rPr lang="fr-FR" dirty="0"/>
-              <a:t>}}&lt;/</a:t>
-            </a:r>
-            <a:r>
-              <a:rPr lang="fr-FR" sz="800" b="1" kern="1200" dirty="0">
-                <a:solidFill>
-                  <a:schemeClr val="tx1"/>
-                </a:solidFill>
-                <a:effectLst/>
-                <a:latin typeface="+mn-lt"/>
-                <a:ea typeface="+mn-ea"/>
-                <a:cs typeface="+mn-cs"/>
-              </a:rPr>
-              <a:t>div</a:t>
-            </a:r>
-            <a:r>
-              <a:rPr lang="fr-FR" dirty="0"/>
-              <a:t>&gt;</a:t>
-            </a:r>
-            <a:br>
-              <a:rPr lang="fr-FR" dirty="0"/>
-            </a:br>
-            <a:r>
-              <a:rPr lang="fr-FR" dirty="0"/>
-              <a:t>&lt;</a:t>
-            </a:r>
-            <a:r>
-              <a:rPr lang="fr-FR" sz="800" b="1" kern="1200" dirty="0">
-                <a:solidFill>
-                  <a:schemeClr val="tx1"/>
-                </a:solidFill>
-                <a:effectLst/>
-                <a:latin typeface="+mn-lt"/>
-                <a:ea typeface="+mn-ea"/>
-                <a:cs typeface="+mn-cs"/>
-              </a:rPr>
-              <a:t>div </a:t>
-            </a:r>
-            <a:r>
-              <a:rPr lang="fr-FR" dirty="0"/>
-              <a:t>class=</a:t>
-            </a:r>
-            <a:r>
-              <a:rPr lang="fr-FR" sz="800" b="1" kern="1200" dirty="0">
-                <a:solidFill>
-                  <a:schemeClr val="tx1"/>
-                </a:solidFill>
-                <a:effectLst/>
-                <a:latin typeface="+mn-lt"/>
-                <a:ea typeface="+mn-ea"/>
-                <a:cs typeface="+mn-cs"/>
-              </a:rPr>
-              <a:t>"</a:t>
-            </a:r>
-            <a:r>
-              <a:rPr lang="fr-FR" sz="800" b="1" kern="1200" dirty="0" err="1">
-                <a:solidFill>
-                  <a:schemeClr val="tx1"/>
-                </a:solidFill>
-                <a:effectLst/>
-                <a:latin typeface="+mn-lt"/>
-                <a:ea typeface="+mn-ea"/>
-                <a:cs typeface="+mn-cs"/>
-              </a:rPr>
-              <a:t>form</a:t>
-            </a:r>
-            <a:r>
-              <a:rPr lang="fr-FR" sz="800" b="1" kern="1200" dirty="0">
-                <a:solidFill>
-                  <a:schemeClr val="tx1"/>
-                </a:solidFill>
-                <a:effectLst/>
-                <a:latin typeface="+mn-lt"/>
-                <a:ea typeface="+mn-ea"/>
-                <a:cs typeface="+mn-cs"/>
-              </a:rPr>
-              <a:t>-group"</a:t>
-            </a:r>
-            <a:r>
-              <a:rPr lang="fr-FR" dirty="0"/>
-              <a:t>&gt;</a:t>
-            </a:r>
-            <a:br>
-              <a:rPr lang="fr-FR" dirty="0"/>
-            </a:br>
-            <a:r>
-              <a:rPr lang="fr-FR" dirty="0"/>
-              <a:t>    &lt;</a:t>
-            </a:r>
-            <a:r>
-              <a:rPr lang="fr-FR" sz="800" b="1" kern="1200" dirty="0">
-                <a:solidFill>
-                  <a:schemeClr val="tx1"/>
-                </a:solidFill>
-                <a:effectLst/>
-                <a:latin typeface="+mn-lt"/>
-                <a:ea typeface="+mn-ea"/>
-                <a:cs typeface="+mn-cs"/>
-              </a:rPr>
-              <a:t>select </a:t>
-            </a:r>
-            <a:r>
-              <a:rPr lang="fr-FR" dirty="0" err="1"/>
-              <a:t>name</a:t>
-            </a:r>
-            <a:r>
-              <a:rPr lang="fr-FR" dirty="0"/>
-              <a:t>=</a:t>
-            </a:r>
-            <a:r>
-              <a:rPr lang="fr-FR" sz="800" b="1" kern="1200" dirty="0">
-                <a:solidFill>
-                  <a:schemeClr val="tx1"/>
-                </a:solidFill>
-                <a:effectLst/>
-                <a:latin typeface="+mn-lt"/>
-                <a:ea typeface="+mn-ea"/>
-                <a:cs typeface="+mn-cs"/>
-              </a:rPr>
-              <a:t>"</a:t>
-            </a:r>
-            <a:r>
-              <a:rPr lang="fr-FR" sz="800" b="1" kern="1200" dirty="0" err="1">
-                <a:solidFill>
-                  <a:schemeClr val="tx1"/>
-                </a:solidFill>
-                <a:effectLst/>
-                <a:latin typeface="+mn-lt"/>
-                <a:ea typeface="+mn-ea"/>
-                <a:cs typeface="+mn-cs"/>
-              </a:rPr>
-              <a:t>theme</a:t>
-            </a:r>
-            <a:r>
-              <a:rPr lang="fr-FR" sz="800" b="1" kern="1200" dirty="0">
-                <a:solidFill>
-                  <a:schemeClr val="tx1"/>
-                </a:solidFill>
-                <a:effectLst/>
-                <a:latin typeface="+mn-lt"/>
-                <a:ea typeface="+mn-ea"/>
-                <a:cs typeface="+mn-cs"/>
-              </a:rPr>
-              <a:t>" </a:t>
-            </a:r>
-            <a:r>
-              <a:rPr lang="fr-FR" dirty="0"/>
-              <a:t>class=</a:t>
-            </a:r>
-            <a:r>
-              <a:rPr lang="fr-FR" sz="800" b="1" kern="1200" dirty="0">
-                <a:solidFill>
-                  <a:schemeClr val="tx1"/>
-                </a:solidFill>
-                <a:effectLst/>
-                <a:latin typeface="+mn-lt"/>
-                <a:ea typeface="+mn-ea"/>
-                <a:cs typeface="+mn-cs"/>
-              </a:rPr>
-              <a:t>"</a:t>
-            </a:r>
-            <a:r>
-              <a:rPr lang="fr-FR" sz="800" b="1" kern="1200" dirty="0" err="1">
-                <a:solidFill>
-                  <a:schemeClr val="tx1"/>
-                </a:solidFill>
-                <a:effectLst/>
-                <a:latin typeface="+mn-lt"/>
-                <a:ea typeface="+mn-ea"/>
-                <a:cs typeface="+mn-cs"/>
-              </a:rPr>
-              <a:t>form</a:t>
-            </a:r>
-            <a:r>
-              <a:rPr lang="fr-FR" sz="800" b="1" kern="1200" dirty="0">
-                <a:solidFill>
-                  <a:schemeClr val="tx1"/>
-                </a:solidFill>
-                <a:effectLst/>
-                <a:latin typeface="+mn-lt"/>
-                <a:ea typeface="+mn-ea"/>
-                <a:cs typeface="+mn-cs"/>
-              </a:rPr>
-              <a:t>-control"</a:t>
-            </a:r>
-            <a:br>
-              <a:rPr lang="fr-FR" sz="800" b="1" kern="1200" dirty="0">
-                <a:solidFill>
-                  <a:schemeClr val="tx1"/>
-                </a:solidFill>
-                <a:effectLst/>
-                <a:latin typeface="+mn-lt"/>
-                <a:ea typeface="+mn-ea"/>
-                <a:cs typeface="+mn-cs"/>
-              </a:rPr>
-            </a:br>
-            <a:r>
-              <a:rPr lang="fr-FR" sz="800" b="1" kern="1200" dirty="0">
-                <a:solidFill>
-                  <a:schemeClr val="tx1"/>
-                </a:solidFill>
-                <a:effectLst/>
-                <a:latin typeface="+mn-lt"/>
-                <a:ea typeface="+mn-ea"/>
-                <a:cs typeface="+mn-cs"/>
-              </a:rPr>
-              <a:t>            </a:t>
-            </a:r>
-            <a:r>
-              <a:rPr lang="fr-FR" dirty="0" err="1"/>
-              <a:t>ng</a:t>
-            </a:r>
-            <a:r>
-              <a:rPr lang="fr-FR" dirty="0"/>
-              <a:t>-model=</a:t>
-            </a:r>
-            <a:r>
-              <a:rPr lang="fr-FR" sz="800" b="1" kern="1200" dirty="0">
-                <a:solidFill>
-                  <a:schemeClr val="tx1"/>
-                </a:solidFill>
-                <a:effectLst/>
-                <a:latin typeface="+mn-lt"/>
-                <a:ea typeface="+mn-ea"/>
-                <a:cs typeface="+mn-cs"/>
-              </a:rPr>
-              <a:t>"vm.</a:t>
-            </a:r>
-            <a:r>
-              <a:rPr lang="fr-FR" sz="800" b="1" kern="1200" dirty="0" err="1">
-                <a:solidFill>
-                  <a:schemeClr val="tx1"/>
-                </a:solidFill>
-                <a:effectLst/>
-                <a:latin typeface="+mn-lt"/>
-                <a:ea typeface="+mn-ea"/>
-                <a:cs typeface="+mn-cs"/>
-              </a:rPr>
-              <a:t>filterFacade</a:t>
-            </a:r>
-            <a:r>
-              <a:rPr lang="fr-FR" sz="800" b="1" kern="1200" dirty="0">
-                <a:solidFill>
-                  <a:schemeClr val="tx1"/>
-                </a:solidFill>
-                <a:effectLst/>
-                <a:latin typeface="+mn-lt"/>
-                <a:ea typeface="+mn-ea"/>
-                <a:cs typeface="+mn-cs"/>
-              </a:rPr>
-              <a:t>._</a:t>
-            </a:r>
-            <a:r>
-              <a:rPr lang="fr-FR" sz="800" b="1" kern="1200" dirty="0" err="1">
-                <a:solidFill>
-                  <a:schemeClr val="tx1"/>
-                </a:solidFill>
-                <a:effectLst/>
-                <a:latin typeface="+mn-lt"/>
-                <a:ea typeface="+mn-ea"/>
-                <a:cs typeface="+mn-cs"/>
-              </a:rPr>
-              <a:t>theme</a:t>
-            </a:r>
-            <a:r>
-              <a:rPr lang="fr-FR" sz="800" b="1" kern="1200" dirty="0">
-                <a:solidFill>
-                  <a:schemeClr val="tx1"/>
-                </a:solidFill>
-                <a:effectLst/>
-                <a:latin typeface="+mn-lt"/>
-                <a:ea typeface="+mn-ea"/>
-                <a:cs typeface="+mn-cs"/>
-              </a:rPr>
-              <a:t>"</a:t>
-            </a:r>
-            <a:br>
-              <a:rPr lang="fr-FR" sz="800" b="1" kern="1200" dirty="0">
-                <a:solidFill>
-                  <a:schemeClr val="tx1"/>
-                </a:solidFill>
-                <a:effectLst/>
-                <a:latin typeface="+mn-lt"/>
-                <a:ea typeface="+mn-ea"/>
-                <a:cs typeface="+mn-cs"/>
-              </a:rPr>
-            </a:br>
-            <a:r>
-              <a:rPr lang="fr-FR" sz="800" b="1" kern="1200" dirty="0">
-                <a:solidFill>
-                  <a:schemeClr val="tx1"/>
-                </a:solidFill>
-                <a:effectLst/>
-                <a:latin typeface="+mn-lt"/>
-                <a:ea typeface="+mn-ea"/>
-                <a:cs typeface="+mn-cs"/>
-              </a:rPr>
-              <a:t>            </a:t>
-            </a:r>
-            <a:r>
-              <a:rPr lang="fr-FR" dirty="0" err="1"/>
-              <a:t>ng-init</a:t>
-            </a:r>
-            <a:r>
-              <a:rPr lang="fr-FR" dirty="0"/>
-              <a:t>=</a:t>
-            </a:r>
-            <a:r>
-              <a:rPr lang="fr-FR" sz="800" b="1" kern="1200" dirty="0">
-                <a:solidFill>
-                  <a:schemeClr val="tx1"/>
-                </a:solidFill>
-                <a:effectLst/>
-                <a:latin typeface="+mn-lt"/>
-                <a:ea typeface="+mn-ea"/>
-                <a:cs typeface="+mn-cs"/>
-              </a:rPr>
-              <a:t>"vm.</a:t>
-            </a:r>
-            <a:r>
-              <a:rPr lang="fr-FR" sz="800" b="1" kern="1200" dirty="0" err="1">
-                <a:solidFill>
-                  <a:schemeClr val="tx1"/>
-                </a:solidFill>
-                <a:effectLst/>
-                <a:latin typeface="+mn-lt"/>
-                <a:ea typeface="+mn-ea"/>
-                <a:cs typeface="+mn-cs"/>
-              </a:rPr>
-              <a:t>filterFacade</a:t>
-            </a:r>
-            <a:r>
-              <a:rPr lang="fr-FR" sz="800" b="1" kern="1200" dirty="0">
-                <a:solidFill>
-                  <a:schemeClr val="tx1"/>
-                </a:solidFill>
-                <a:effectLst/>
-                <a:latin typeface="+mn-lt"/>
-                <a:ea typeface="+mn-ea"/>
-                <a:cs typeface="+mn-cs"/>
-              </a:rPr>
-              <a:t>._</a:t>
-            </a:r>
-            <a:r>
-              <a:rPr lang="fr-FR" sz="800" b="1" kern="1200" dirty="0" err="1">
-                <a:solidFill>
-                  <a:schemeClr val="tx1"/>
-                </a:solidFill>
-                <a:effectLst/>
-                <a:latin typeface="+mn-lt"/>
-                <a:ea typeface="+mn-ea"/>
-                <a:cs typeface="+mn-cs"/>
-              </a:rPr>
-              <a:t>theme</a:t>
-            </a:r>
-            <a:r>
-              <a:rPr lang="fr-FR" sz="800" b="1" kern="1200" dirty="0">
-                <a:solidFill>
-                  <a:schemeClr val="tx1"/>
-                </a:solidFill>
-                <a:effectLst/>
-                <a:latin typeface="+mn-lt"/>
-                <a:ea typeface="+mn-ea"/>
-                <a:cs typeface="+mn-cs"/>
-              </a:rPr>
-              <a:t> = {id: </a:t>
-            </a:r>
-            <a:r>
-              <a:rPr lang="fr-FR" sz="800" b="1" kern="1200" dirty="0" err="1">
-                <a:solidFill>
-                  <a:schemeClr val="tx1"/>
-                </a:solidFill>
-                <a:effectLst/>
-                <a:latin typeface="+mn-lt"/>
-                <a:ea typeface="+mn-ea"/>
-                <a:cs typeface="+mn-cs"/>
-              </a:rPr>
-              <a:t>vm.filmFilterForm.themeId</a:t>
-            </a:r>
-            <a:r>
-              <a:rPr lang="fr-FR" sz="800" b="1" kern="1200" dirty="0">
-                <a:solidFill>
-                  <a:schemeClr val="tx1"/>
-                </a:solidFill>
-                <a:effectLst/>
-                <a:latin typeface="+mn-lt"/>
-                <a:ea typeface="+mn-ea"/>
-                <a:cs typeface="+mn-cs"/>
-              </a:rPr>
-              <a:t>}"</a:t>
-            </a:r>
-            <a:br>
-              <a:rPr lang="fr-FR" sz="800" b="1" kern="1200" dirty="0">
-                <a:solidFill>
-                  <a:schemeClr val="tx1"/>
-                </a:solidFill>
-                <a:effectLst/>
-                <a:latin typeface="+mn-lt"/>
-                <a:ea typeface="+mn-ea"/>
-                <a:cs typeface="+mn-cs"/>
-              </a:rPr>
-            </a:br>
-            <a:r>
-              <a:rPr lang="fr-FR" sz="800" b="1" kern="1200" dirty="0">
-                <a:solidFill>
-                  <a:schemeClr val="tx1"/>
-                </a:solidFill>
-                <a:effectLst/>
-                <a:latin typeface="+mn-lt"/>
-                <a:ea typeface="+mn-ea"/>
-                <a:cs typeface="+mn-cs"/>
-              </a:rPr>
-              <a:t>            </a:t>
-            </a:r>
-            <a:r>
-              <a:rPr lang="fr-FR" dirty="0" err="1"/>
-              <a:t>ng</a:t>
-            </a:r>
-            <a:r>
-              <a:rPr lang="fr-FR" dirty="0"/>
-              <a:t>-change=</a:t>
-            </a:r>
-            <a:r>
-              <a:rPr lang="fr-FR" sz="800" b="1" kern="1200" dirty="0">
-                <a:solidFill>
-                  <a:schemeClr val="tx1"/>
-                </a:solidFill>
-                <a:effectLst/>
-                <a:latin typeface="+mn-lt"/>
-                <a:ea typeface="+mn-ea"/>
-                <a:cs typeface="+mn-cs"/>
-              </a:rPr>
-              <a:t>"</a:t>
-            </a:r>
-            <a:r>
-              <a:rPr lang="fr-FR" sz="800" b="1" kern="1200" dirty="0" err="1">
-                <a:solidFill>
-                  <a:schemeClr val="tx1"/>
-                </a:solidFill>
-                <a:effectLst/>
-                <a:latin typeface="+mn-lt"/>
-                <a:ea typeface="+mn-ea"/>
-                <a:cs typeface="+mn-cs"/>
-              </a:rPr>
-              <a:t>vm.filmFilterForm.themeId</a:t>
-            </a:r>
-            <a:r>
-              <a:rPr lang="fr-FR" sz="800" b="1" kern="1200" dirty="0">
-                <a:solidFill>
-                  <a:schemeClr val="tx1"/>
-                </a:solidFill>
-                <a:effectLst/>
-                <a:latin typeface="+mn-lt"/>
-                <a:ea typeface="+mn-ea"/>
-                <a:cs typeface="+mn-cs"/>
-              </a:rPr>
-              <a:t> = vm.filterFacade._theme.id"</a:t>
-            </a:r>
-            <a:br>
-              <a:rPr lang="fr-FR" sz="800" b="1" kern="1200" dirty="0">
-                <a:solidFill>
-                  <a:schemeClr val="tx1"/>
-                </a:solidFill>
-                <a:effectLst/>
-                <a:latin typeface="+mn-lt"/>
-                <a:ea typeface="+mn-ea"/>
-                <a:cs typeface="+mn-cs"/>
-              </a:rPr>
-            </a:br>
-            <a:r>
-              <a:rPr lang="fr-FR" sz="800" b="1" kern="1200" dirty="0">
-                <a:solidFill>
-                  <a:schemeClr val="tx1"/>
-                </a:solidFill>
-                <a:effectLst/>
-                <a:latin typeface="+mn-lt"/>
-                <a:ea typeface="+mn-ea"/>
-                <a:cs typeface="+mn-cs"/>
-              </a:rPr>
-              <a:t>            </a:t>
-            </a:r>
-            <a:r>
-              <a:rPr lang="fr-FR" dirty="0" err="1"/>
-              <a:t>ng</a:t>
-            </a:r>
-            <a:r>
-              <a:rPr lang="fr-FR" dirty="0"/>
-              <a:t>-options=</a:t>
-            </a:r>
-            <a:r>
-              <a:rPr lang="fr-FR" sz="800" b="1" kern="1200" dirty="0">
-                <a:solidFill>
-                  <a:schemeClr val="tx1"/>
-                </a:solidFill>
-                <a:effectLst/>
-                <a:latin typeface="+mn-lt"/>
-                <a:ea typeface="+mn-ea"/>
-                <a:cs typeface="+mn-cs"/>
-              </a:rPr>
-              <a:t>"</a:t>
-            </a:r>
-            <a:r>
-              <a:rPr lang="fr-FR" sz="800" b="1" kern="1200" dirty="0" err="1">
-                <a:solidFill>
-                  <a:schemeClr val="tx1"/>
-                </a:solidFill>
-                <a:effectLst/>
-                <a:latin typeface="+mn-lt"/>
-                <a:ea typeface="+mn-ea"/>
-                <a:cs typeface="+mn-cs"/>
-              </a:rPr>
-              <a:t>t.shortLabel</a:t>
-            </a:r>
-            <a:r>
-              <a:rPr lang="fr-FR" sz="800" b="1" kern="1200" dirty="0">
-                <a:solidFill>
-                  <a:schemeClr val="tx1"/>
-                </a:solidFill>
-                <a:effectLst/>
-                <a:latin typeface="+mn-lt"/>
-                <a:ea typeface="+mn-ea"/>
-                <a:cs typeface="+mn-cs"/>
-              </a:rPr>
-              <a:t> for t in </a:t>
-            </a:r>
-            <a:r>
-              <a:rPr lang="fr-FR" sz="800" b="1" kern="1200" dirty="0" err="1">
-                <a:solidFill>
-                  <a:schemeClr val="tx1"/>
-                </a:solidFill>
-                <a:effectLst/>
-                <a:latin typeface="+mn-lt"/>
-                <a:ea typeface="+mn-ea"/>
-                <a:cs typeface="+mn-cs"/>
-              </a:rPr>
-              <a:t>vm.themes</a:t>
-            </a:r>
-            <a:r>
-              <a:rPr lang="fr-FR" sz="800" b="1" kern="1200" dirty="0">
-                <a:solidFill>
-                  <a:schemeClr val="tx1"/>
-                </a:solidFill>
-                <a:effectLst/>
-                <a:latin typeface="+mn-lt"/>
-                <a:ea typeface="+mn-ea"/>
-                <a:cs typeface="+mn-cs"/>
-              </a:rPr>
-              <a:t> </a:t>
-            </a:r>
-            <a:r>
-              <a:rPr lang="fr-FR" sz="800" b="1" kern="1200" dirty="0" err="1">
-                <a:solidFill>
-                  <a:schemeClr val="tx1"/>
-                </a:solidFill>
-                <a:effectLst/>
-                <a:latin typeface="+mn-lt"/>
-                <a:ea typeface="+mn-ea"/>
-                <a:cs typeface="+mn-cs"/>
-              </a:rPr>
-              <a:t>track</a:t>
-            </a:r>
-            <a:r>
-              <a:rPr lang="fr-FR" sz="800" b="1" kern="1200" dirty="0">
-                <a:solidFill>
-                  <a:schemeClr val="tx1"/>
-                </a:solidFill>
-                <a:effectLst/>
-                <a:latin typeface="+mn-lt"/>
-                <a:ea typeface="+mn-ea"/>
-                <a:cs typeface="+mn-cs"/>
-              </a:rPr>
-              <a:t> by t.id"</a:t>
-            </a:r>
-            <a:r>
-              <a:rPr lang="fr-FR" dirty="0"/>
-              <a:t>&gt;</a:t>
-            </a:r>
-            <a:br>
-              <a:rPr lang="fr-FR" dirty="0"/>
-            </a:br>
-            <a:r>
-              <a:rPr lang="fr-FR" dirty="0"/>
-              <a:t>        &lt;</a:t>
-            </a:r>
-            <a:r>
-              <a:rPr lang="fr-FR" sz="800" b="1" kern="1200" dirty="0">
-                <a:solidFill>
-                  <a:schemeClr val="tx1"/>
-                </a:solidFill>
-                <a:effectLst/>
-                <a:latin typeface="+mn-lt"/>
-                <a:ea typeface="+mn-ea"/>
-                <a:cs typeface="+mn-cs"/>
-              </a:rPr>
-              <a:t>option </a:t>
-            </a:r>
-            <a:r>
-              <a:rPr lang="fr-FR" dirty="0"/>
-              <a:t>value=</a:t>
-            </a:r>
-            <a:r>
-              <a:rPr lang="fr-FR" sz="800" b="1" kern="1200" dirty="0">
-                <a:solidFill>
-                  <a:schemeClr val="tx1"/>
-                </a:solidFill>
-                <a:effectLst/>
-                <a:latin typeface="+mn-lt"/>
-                <a:ea typeface="+mn-ea"/>
-                <a:cs typeface="+mn-cs"/>
-              </a:rPr>
-              <a:t>""</a:t>
-            </a:r>
-            <a:r>
-              <a:rPr lang="fr-FR" dirty="0"/>
-              <a:t>&gt;&lt;/</a:t>
-            </a:r>
-            <a:r>
-              <a:rPr lang="fr-FR" sz="800" b="1" kern="1200" dirty="0">
-                <a:solidFill>
-                  <a:schemeClr val="tx1"/>
-                </a:solidFill>
-                <a:effectLst/>
-                <a:latin typeface="+mn-lt"/>
-                <a:ea typeface="+mn-ea"/>
-                <a:cs typeface="+mn-cs"/>
-              </a:rPr>
-              <a:t>option</a:t>
-            </a:r>
-            <a:r>
-              <a:rPr lang="fr-FR" dirty="0"/>
-              <a:t>&gt;</a:t>
-            </a:r>
-            <a:br>
-              <a:rPr lang="fr-FR" dirty="0"/>
-            </a:br>
-            <a:r>
-              <a:rPr lang="fr-FR" dirty="0"/>
-              <a:t>    &lt;/</a:t>
-            </a:r>
-            <a:r>
-              <a:rPr lang="fr-FR" sz="800" b="1" kern="1200" dirty="0">
-                <a:solidFill>
-                  <a:schemeClr val="tx1"/>
-                </a:solidFill>
-                <a:effectLst/>
-                <a:latin typeface="+mn-lt"/>
-                <a:ea typeface="+mn-ea"/>
-                <a:cs typeface="+mn-cs"/>
-              </a:rPr>
-              <a:t>select</a:t>
-            </a:r>
-            <a:r>
-              <a:rPr lang="fr-FR" dirty="0"/>
-              <a:t>&gt;</a:t>
-            </a:r>
-            <a:br>
-              <a:rPr lang="fr-FR" dirty="0"/>
-            </a:br>
-            <a:r>
-              <a:rPr lang="fr-FR" dirty="0"/>
-              <a:t>&lt;/</a:t>
-            </a:r>
-            <a:r>
-              <a:rPr lang="fr-FR" sz="800" b="1" kern="1200" dirty="0">
-                <a:solidFill>
-                  <a:schemeClr val="tx1"/>
-                </a:solidFill>
-                <a:effectLst/>
-                <a:latin typeface="+mn-lt"/>
-                <a:ea typeface="+mn-ea"/>
-                <a:cs typeface="+mn-cs"/>
-              </a:rPr>
-              <a:t>div</a:t>
-            </a:r>
-            <a:r>
-              <a:rPr lang="fr-FR" dirty="0"/>
-              <a:t>&gt;</a:t>
-            </a:r>
-          </a:p>
-        </p:txBody>
-      </p:sp>
-      <p:sp>
-        <p:nvSpPr>
-          <p:cNvPr id="14" name="Espace réservé du pied de page 13"/>
-          <p:cNvSpPr>
-            <a:spLocks noGrp="1"/>
-          </p:cNvSpPr>
-          <p:nvPr>
-            <p:ph type="ftr" sz="quarter" idx="12"/>
-          </p:nvPr>
-        </p:nvSpPr>
-        <p:spPr/>
-        <p:txBody>
-          <a:bodyPr/>
-          <a:lstStyle/>
-          <a:p>
-            <a:r>
-              <a:rPr lang="en-GB" sz="1100"/>
-              <a:t>Titre de la présentation</a:t>
-            </a:r>
-            <a:endParaRPr lang="en-GB" sz="1100" dirty="0"/>
-          </a:p>
-        </p:txBody>
-      </p:sp>
-      <p:sp>
-        <p:nvSpPr>
-          <p:cNvPr id="15" name="Espace réservé du numéro de diapositive 14"/>
-          <p:cNvSpPr>
-            <a:spLocks noGrp="1"/>
-          </p:cNvSpPr>
-          <p:nvPr>
-            <p:ph type="sldNum" sz="quarter" idx="13"/>
-          </p:nvPr>
-        </p:nvSpPr>
-        <p:spPr/>
-        <p:txBody>
-          <a:bodyPr/>
-          <a:lstStyle/>
-          <a:p>
-            <a:fld id="{305287CA-3E72-4A91-B59B-B69F40801570}" type="slidenum">
-              <a:rPr lang="en-GB" sz="1100" smtClean="0"/>
-              <a:pPr/>
-              <a:t>27</a:t>
-            </a:fld>
-            <a:endParaRPr lang="en-GB" sz="1100" dirty="0"/>
-          </a:p>
-        </p:txBody>
-      </p:sp>
-      <p:sp>
-        <p:nvSpPr>
-          <p:cNvPr id="2" name="Espace réservé de la date 1"/>
-          <p:cNvSpPr>
-            <a:spLocks noGrp="1"/>
-          </p:cNvSpPr>
-          <p:nvPr>
-            <p:ph type="dt" idx="14"/>
-          </p:nvPr>
-        </p:nvSpPr>
-        <p:spPr/>
-        <p:txBody>
-          <a:bodyPr/>
-          <a:lstStyle/>
-          <a:p>
-            <a:fld id="{973B10A7-8A2B-4F39-8160-83B51E5E9C07}" type="datetime1">
-              <a:rPr lang="fr-FR" smtClean="0"/>
-              <a:pPr/>
-              <a:t>16/11/2016</a:t>
-            </a:fld>
-            <a:endParaRPr lang="fr-FR"/>
-          </a:p>
-        </p:txBody>
-      </p:sp>
-    </p:spTree>
-    <p:extLst>
-      <p:ext uri="{BB962C8B-B14F-4D97-AF65-F5344CB8AC3E}">
-        <p14:creationId xmlns:p14="http://schemas.microsoft.com/office/powerpoint/2010/main" val="2302474330"/>
+        <p14:creationId xmlns:p14="http://schemas.microsoft.com/office/powerpoint/2010/main" val="1840899168"/>
       </p:ext>
     </p:extLst>
   </p:cSld>
@@ -5475,224 +5425,7 @@
           <a:bodyPr/>
           <a:lstStyle/>
           <a:p>
-            <a:r>
-              <a:rPr lang="fr-FR" dirty="0"/>
-              <a:t>on the </a:t>
-            </a:r>
-            <a:r>
-              <a:rPr lang="fr-FR" dirty="0" err="1"/>
-              <a:t>plunk</a:t>
-            </a:r>
-            <a:r>
-              <a:rPr lang="fr-FR" baseline="0" dirty="0"/>
-              <a:t> </a:t>
-            </a:r>
-          </a:p>
-          <a:p>
-            <a:r>
-              <a:rPr lang="fr-FR" baseline="0" dirty="0" err="1"/>
-              <a:t>We</a:t>
-            </a:r>
-            <a:r>
-              <a:rPr lang="fr-FR" baseline="0" dirty="0"/>
-              <a:t> </a:t>
-            </a:r>
-            <a:r>
-              <a:rPr lang="fr-FR" baseline="0" dirty="0" err="1"/>
-              <a:t>see</a:t>
-            </a:r>
-            <a:r>
-              <a:rPr lang="fr-FR" baseline="0" dirty="0"/>
-              <a:t> how to use the </a:t>
-            </a:r>
-            <a:r>
-              <a:rPr lang="fr-FR" sz="800" b="0" i="0" kern="1200" dirty="0" err="1">
-                <a:solidFill>
-                  <a:schemeClr val="tx1"/>
-                </a:solidFill>
-                <a:latin typeface="+mn-lt"/>
-                <a:ea typeface="+mn-ea"/>
-                <a:cs typeface="+mn-cs"/>
-              </a:rPr>
-              <a:t>ng</a:t>
-            </a:r>
-            <a:r>
-              <a:rPr lang="fr-FR" sz="800" b="0" i="0" kern="1200" dirty="0">
-                <a:solidFill>
-                  <a:schemeClr val="tx1"/>
-                </a:solidFill>
-                <a:latin typeface="+mn-lt"/>
-                <a:ea typeface="+mn-ea"/>
-                <a:cs typeface="+mn-cs"/>
-              </a:rPr>
-              <a:t>-</a:t>
-            </a:r>
-            <a:r>
-              <a:rPr lang="fr-FR" sz="800" b="0" i="0" kern="1200" dirty="0" err="1">
-                <a:solidFill>
-                  <a:schemeClr val="tx1"/>
-                </a:solidFill>
-                <a:latin typeface="+mn-lt"/>
-                <a:ea typeface="+mn-ea"/>
-                <a:cs typeface="+mn-cs"/>
-              </a:rPr>
-              <a:t>valid</a:t>
-            </a:r>
-            <a:r>
-              <a:rPr lang="fr-FR" sz="800" b="0" i="0" kern="1200" dirty="0">
-                <a:solidFill>
-                  <a:schemeClr val="tx1"/>
-                </a:solidFill>
-                <a:latin typeface="+mn-lt"/>
-                <a:ea typeface="+mn-ea"/>
-                <a:cs typeface="+mn-cs"/>
-              </a:rPr>
-              <a:t>   </a:t>
-            </a:r>
-            <a:r>
-              <a:rPr lang="fr-FR" sz="800" b="0" i="0" kern="1200" dirty="0" err="1">
-                <a:solidFill>
-                  <a:schemeClr val="tx1"/>
-                </a:solidFill>
-                <a:latin typeface="+mn-lt"/>
-                <a:ea typeface="+mn-ea"/>
-                <a:cs typeface="+mn-cs"/>
-              </a:rPr>
-              <a:t>ng</a:t>
-            </a:r>
-            <a:r>
-              <a:rPr lang="fr-FR" sz="800" b="0" i="0" kern="1200" dirty="0">
-                <a:solidFill>
-                  <a:schemeClr val="tx1"/>
-                </a:solidFill>
-                <a:latin typeface="+mn-lt"/>
-                <a:ea typeface="+mn-ea"/>
-                <a:cs typeface="+mn-cs"/>
-              </a:rPr>
-              <a:t>-</a:t>
-            </a:r>
-            <a:r>
-              <a:rPr lang="fr-FR" sz="800" b="0" i="0" kern="1200" dirty="0" err="1">
-                <a:solidFill>
-                  <a:schemeClr val="tx1"/>
-                </a:solidFill>
-                <a:latin typeface="+mn-lt"/>
-                <a:ea typeface="+mn-ea"/>
-                <a:cs typeface="+mn-cs"/>
-              </a:rPr>
-              <a:t>invalid</a:t>
-            </a:r>
-            <a:r>
-              <a:rPr lang="fr-FR" sz="800" b="0" i="0" kern="1200" dirty="0">
-                <a:solidFill>
-                  <a:schemeClr val="tx1"/>
-                </a:solidFill>
-                <a:latin typeface="+mn-lt"/>
-                <a:ea typeface="+mn-ea"/>
-                <a:cs typeface="+mn-cs"/>
-              </a:rPr>
-              <a:t>  </a:t>
-            </a:r>
-            <a:r>
-              <a:rPr lang="fr-FR" sz="800" b="0" i="0" kern="1200" dirty="0" err="1">
-                <a:solidFill>
-                  <a:schemeClr val="tx1"/>
-                </a:solidFill>
-                <a:latin typeface="+mn-lt"/>
-                <a:ea typeface="+mn-ea"/>
-                <a:cs typeface="+mn-cs"/>
-              </a:rPr>
-              <a:t>ng</a:t>
-            </a:r>
-            <a:r>
-              <a:rPr lang="fr-FR" sz="800" b="0" i="0" kern="1200" dirty="0">
-                <a:solidFill>
-                  <a:schemeClr val="tx1"/>
-                </a:solidFill>
-                <a:latin typeface="+mn-lt"/>
-                <a:ea typeface="+mn-ea"/>
-                <a:cs typeface="+mn-cs"/>
-              </a:rPr>
-              <a:t>-</a:t>
-            </a:r>
-            <a:r>
-              <a:rPr lang="fr-FR" sz="800" b="0" i="0" kern="1200" dirty="0" err="1">
-                <a:solidFill>
-                  <a:schemeClr val="tx1"/>
-                </a:solidFill>
-                <a:latin typeface="+mn-lt"/>
-                <a:ea typeface="+mn-ea"/>
-                <a:cs typeface="+mn-cs"/>
-              </a:rPr>
-              <a:t>touched</a:t>
-            </a:r>
-            <a:r>
-              <a:rPr lang="fr-FR" sz="800" b="0" i="0" kern="1200" dirty="0">
-                <a:solidFill>
-                  <a:schemeClr val="tx1"/>
-                </a:solidFill>
-                <a:latin typeface="+mn-lt"/>
-                <a:ea typeface="+mn-ea"/>
-                <a:cs typeface="+mn-cs"/>
-              </a:rPr>
-              <a:t> </a:t>
-            </a:r>
-            <a:r>
-              <a:rPr lang="fr-FR" sz="800" b="0" i="0" kern="1200" dirty="0" err="1">
-                <a:solidFill>
-                  <a:schemeClr val="tx1"/>
-                </a:solidFill>
-                <a:latin typeface="+mn-lt"/>
-                <a:ea typeface="+mn-ea"/>
-                <a:cs typeface="+mn-cs"/>
-              </a:rPr>
-              <a:t>etc</a:t>
-            </a:r>
-            <a:r>
-              <a:rPr lang="fr-FR" sz="800" b="0" i="0" kern="1200" dirty="0">
-                <a:solidFill>
-                  <a:schemeClr val="tx1"/>
-                </a:solidFill>
-                <a:latin typeface="+mn-lt"/>
-                <a:ea typeface="+mn-ea"/>
-                <a:cs typeface="+mn-cs"/>
-              </a:rPr>
-              <a:t> class </a:t>
-            </a:r>
-            <a:r>
-              <a:rPr lang="fr-FR" sz="800" b="0" i="0" kern="1200" dirty="0" err="1">
-                <a:solidFill>
-                  <a:schemeClr val="tx1"/>
-                </a:solidFill>
-                <a:latin typeface="+mn-lt"/>
-                <a:ea typeface="+mn-ea"/>
-                <a:cs typeface="+mn-cs"/>
-              </a:rPr>
-              <a:t>that</a:t>
-            </a:r>
-            <a:r>
-              <a:rPr lang="fr-FR" sz="800" b="0" i="0" kern="1200" dirty="0">
-                <a:solidFill>
-                  <a:schemeClr val="tx1"/>
-                </a:solidFill>
-                <a:latin typeface="+mn-lt"/>
-                <a:ea typeface="+mn-ea"/>
-                <a:cs typeface="+mn-cs"/>
-              </a:rPr>
-              <a:t> NG sets on the </a:t>
-            </a:r>
-            <a:r>
-              <a:rPr lang="fr-FR" sz="800" b="0" i="0" kern="1200" dirty="0" err="1">
-                <a:solidFill>
-                  <a:schemeClr val="tx1"/>
-                </a:solidFill>
-                <a:latin typeface="+mn-lt"/>
-                <a:ea typeface="+mn-ea"/>
-                <a:cs typeface="+mn-cs"/>
-              </a:rPr>
-              <a:t>fields</a:t>
-            </a:r>
-            <a:endParaRPr lang="fr-FR" dirty="0"/>
+            <a:endParaRPr lang="fr-FR"/>
           </a:p>
         </p:txBody>
       </p:sp>
@@ -6529,7 +6262,7 @@
             <a:fld id="{305287CA-3E72-4A91-B59B-B69F40801570}" type="slidenum">
               <a:rPr lang="en-GB" sz="1100" smtClean="0"/>
               <a:pPr/>
-              <a:t>9</a:t>
+              <a:t>10</a:t>
             </a:fld>
             <a:endParaRPr lang="en-GB" sz="1100" dirty="0"/>
           </a:p>
@@ -14432,8 +14165,16 @@
           <a:lstStyle/>
           <a:p>
             <a:r>
-              <a:rPr lang="fr-FR"/>
-              <a:t>Nom de la présentation</a:t>
+              <a:rPr lang="fr-FR" dirty="0" err="1" smtClean="0"/>
+              <a:t>Angular</a:t>
+            </a:r>
+            <a:r>
+              <a:rPr lang="fr-FR" dirty="0" smtClean="0"/>
+              <a:t> JS 1: </a:t>
+            </a:r>
+            <a:r>
+              <a:rPr lang="fr-FR" dirty="0" err="1" smtClean="0"/>
+              <a:t>Forms</a:t>
             </a:r>
             <a:endParaRPr lang="fr-FR" dirty="0"/>
           </a:p>
@@ -14471,173 +14212,6 @@
       </p:grpSpPr>
       <p:sp>
         <p:nvSpPr>
-          <p:cNvPr id="2" name="Espace réservé du contenu 1"/>
-          <p:cNvSpPr>
-            <a:spLocks noGrp="1"/>
-          </p:cNvSpPr>
-          <p:nvPr>
-            <p:ph idx="1"/>
-          </p:nvPr>
-        </p:nvSpPr>
-        <p:spPr bwMode="gray">
-          <a:xfrm>
-            <a:off x="401638" y="1179512"/>
-            <a:ext cx="8237537" cy="4681537"/>
-          </a:xfrm>
-        </p:spPr>
-        <p:txBody>
-          <a:bodyPr/>
-          <a:lstStyle/>
-          <a:p>
-            <a:r>
-              <a:rPr lang="en-US" sz="1800" dirty="0"/>
-              <a:t>Setup : </a:t>
-            </a:r>
-            <a:r>
-              <a:rPr lang="en-US" sz="1800" dirty="0" err="1"/>
-              <a:t>ngMessages</a:t>
-            </a:r>
-            <a:r>
-              <a:rPr lang="en-US" sz="1800" dirty="0"/>
-              <a:t> should be added to modules deps :</a:t>
-            </a:r>
-            <a:br>
-              <a:rPr lang="en-US" sz="1800" dirty="0"/>
-            </a:br>
-            <a:r>
-              <a:rPr lang="en-US" sz="1800" dirty="0"/>
-              <a:t>And also as an added script : </a:t>
-            </a:r>
-          </a:p>
-          <a:p>
-            <a:pPr lvl="1"/>
-            <a:r>
-              <a:rPr lang="en-US" sz="1600" dirty="0"/>
-              <a:t> </a:t>
-            </a:r>
-          </a:p>
-          <a:p>
-            <a:r>
-              <a:rPr lang="en-US" sz="1800" dirty="0"/>
-              <a:t>Showing error message : ng-message </a:t>
-            </a:r>
-          </a:p>
-          <a:p>
-            <a:pPr lvl="1"/>
-            <a:r>
-              <a:rPr lang="en-US" sz="1600" dirty="0"/>
-              <a:t>By default, ng-message  shows only one message at a time and this depending on the priority of the messages within the template. </a:t>
-            </a:r>
-            <a:br>
-              <a:rPr lang="en-US" sz="1600" dirty="0"/>
-            </a:br>
-            <a:r>
-              <a:rPr lang="en-US" sz="1600" dirty="0"/>
-              <a:t>Change this behavior by </a:t>
-            </a:r>
-            <a:r>
-              <a:rPr lang="en-US" sz="1600" dirty="0">
-                <a:solidFill>
-                  <a:srgbClr val="00B050"/>
-                </a:solidFill>
-              </a:rPr>
-              <a:t>adding</a:t>
-            </a:r>
-            <a:r>
-              <a:rPr lang="en-US" sz="1600" dirty="0"/>
-              <a:t> the </a:t>
-            </a:r>
-            <a:r>
-              <a:rPr lang="en-US" sz="1600" dirty="0">
-                <a:solidFill>
-                  <a:srgbClr val="FF0000"/>
-                </a:solidFill>
-              </a:rPr>
-              <a:t>ng-messages-multiple</a:t>
-            </a:r>
-            <a:r>
-              <a:rPr lang="en-US" sz="1600" dirty="0"/>
-              <a:t> or </a:t>
-            </a:r>
-            <a:r>
-              <a:rPr lang="en-US" sz="1600" dirty="0">
-                <a:solidFill>
-                  <a:srgbClr val="FF0000"/>
-                </a:solidFill>
-              </a:rPr>
-              <a:t>multiple</a:t>
-            </a:r>
-            <a:r>
-              <a:rPr lang="en-US" sz="1600" dirty="0"/>
-              <a:t> </a:t>
-            </a:r>
-            <a:r>
-              <a:rPr lang="en-US" sz="1600" dirty="0">
-                <a:solidFill>
-                  <a:srgbClr val="00B050"/>
-                </a:solidFill>
-              </a:rPr>
-              <a:t>attribute</a:t>
-            </a:r>
-            <a:r>
-              <a:rPr lang="en-US" sz="1600" dirty="0"/>
-              <a:t> on the directive container.</a:t>
-            </a:r>
-          </a:p>
-          <a:p>
-            <a:pPr lvl="1"/>
-            <a:endParaRPr lang="en-US" sz="1600" dirty="0"/>
-          </a:p>
-          <a:p>
-            <a:pPr lvl="1"/>
-            <a:endParaRPr lang="en-US" sz="1600" dirty="0"/>
-          </a:p>
-          <a:p>
-            <a:pPr lvl="1"/>
-            <a:endParaRPr lang="en-US" sz="1600" dirty="0"/>
-          </a:p>
-          <a:p>
-            <a:pPr lvl="1"/>
-            <a:endParaRPr lang="en-US" sz="1600" dirty="0"/>
-          </a:p>
-          <a:p>
-            <a:pPr lvl="1"/>
-            <a:r>
-              <a:rPr lang="en-US" sz="1600" dirty="0"/>
-              <a:t>For a specific field  : ng-messages="&lt;</a:t>
-            </a:r>
-            <a:r>
-              <a:rPr lang="en-US" sz="1600" dirty="0" err="1"/>
-              <a:t>formName</a:t>
-            </a:r>
-            <a:r>
-              <a:rPr lang="en-US" sz="1600" dirty="0"/>
-              <a:t>&gt;.&lt;fieldname&gt;.$error</a:t>
-            </a:r>
-          </a:p>
-          <a:p>
-            <a:pPr lvl="1"/>
-            <a:r>
-              <a:rPr lang="en-US" sz="1600" dirty="0"/>
-              <a:t>For the entire form errors : ng-messages="&lt;</a:t>
-            </a:r>
-            <a:r>
-              <a:rPr lang="en-US" sz="1600" dirty="0" err="1"/>
-              <a:t>formName</a:t>
-            </a:r>
-            <a:r>
-              <a:rPr lang="en-US" sz="1600" dirty="0"/>
-              <a:t>&gt;.$error</a:t>
-            </a:r>
-          </a:p>
-          <a:p>
-            <a:pPr lvl="1"/>
-            <a:endParaRPr lang="en-US" sz="1600" dirty="0"/>
-          </a:p>
-        </p:txBody>
-      </p:sp>
-      <p:sp>
-        <p:nvSpPr>
           <p:cNvPr id="3" name="Titre 2"/>
           <p:cNvSpPr>
             <a:spLocks noGrp="1"/>
@@ -14656,10 +14230,6 @@
           <a:bodyPr/>
           <a:lstStyle/>
           <a:p>
-            <a:r>
-              <a:rPr lang="fr-FR" cap="none" dirty="0" err="1"/>
-              <a:t>ngMessages</a:t>
-            </a:r>
             <a:endParaRPr lang="en-GB" cap="none" dirty="0"/>
           </a:p>
         </p:txBody>
@@ -14703,478 +14273,6 @@
           <a:bodyPr/>
           <a:lstStyle/>
           <a:p>
-            <a:endParaRPr lang="en-GB" cap="none" dirty="0"/>
-          </a:p>
-        </p:txBody>
-      </p:sp>
-      <p:sp>
-        <p:nvSpPr>
-          <p:cNvPr id="6" name="Espace réservé du pied de page 5"/>
-          <p:cNvSpPr>
-            <a:spLocks noGrp="1"/>
-          </p:cNvSpPr>
-          <p:nvPr>
-            <p:ph type="ftr" sz="quarter" idx="11"/>
-          </p:nvPr>
-        </p:nvSpPr>
-        <p:spPr/>
-        <p:txBody>
-          <a:bodyPr/>
-          <a:lstStyle/>
-          <a:p>
-            <a:r>
-              <a:rPr lang="fr-FR"/>
-              <a:t>Nom de la présentation</a:t>
-            </a:r>
-            <a:endParaRPr lang="fr-FR" dirty="0"/>
-          </a:p>
-        </p:txBody>
-      </p:sp>
-      <p:pic>
-        <p:nvPicPr>
-          <p:cNvPr id="6147" name="Picture 3"/>
-          <p:cNvPicPr>
-            <a:picLocks noChangeAspect="1" noChangeArrowheads="1"/>
-          </p:cNvPicPr>
-          <p:nvPr/>
-        </p:nvPicPr>
-        <p:blipFill>
-          <a:blip r:embed="rId3"/>
-          <a:srcRect/>
-          <a:stretch>
-            <a:fillRect/>
-          </a:stretch>
-        </p:blipFill>
-        <p:spPr bwMode="auto">
-          <a:xfrm>
-            <a:off x="5913664" y="1257419"/>
-            <a:ext cx="3067050" cy="152400"/>
-          </a:xfrm>
-          <a:prstGeom prst="rect">
-            <a:avLst/>
-          </a:prstGeom>
-          <a:noFill/>
-          <a:ln w="9525">
-            <a:noFill/>
-            <a:miter lim="800000"/>
-            <a:headEnd/>
-            <a:tailEnd/>
-          </a:ln>
-          <a:effectLst/>
-        </p:spPr>
-      </p:pic>
-      <p:pic>
-        <p:nvPicPr>
-          <p:cNvPr id="11" name="Picture 3"/>
-          <p:cNvPicPr>
-            <a:picLocks noChangeAspect="1" noChangeArrowheads="1"/>
-          </p:cNvPicPr>
-          <p:nvPr/>
-        </p:nvPicPr>
-        <p:blipFill>
-          <a:blip r:embed="rId4"/>
-          <a:srcRect/>
-          <a:stretch>
-            <a:fillRect/>
-          </a:stretch>
-        </p:blipFill>
-        <p:spPr bwMode="auto">
-          <a:xfrm>
-            <a:off x="1001484" y="3664404"/>
-            <a:ext cx="6696075" cy="847725"/>
-          </a:xfrm>
-          <a:prstGeom prst="rect">
-            <a:avLst/>
-          </a:prstGeom>
-          <a:noFill/>
-          <a:ln w="9525">
-            <a:noFill/>
-            <a:miter lim="800000"/>
-            <a:headEnd/>
-            <a:tailEnd/>
-          </a:ln>
-          <a:effectLst/>
-        </p:spPr>
-      </p:pic>
-      <p:pic>
-        <p:nvPicPr>
-          <p:cNvPr id="4" name="Image 3"/>
-          <p:cNvPicPr>
-            <a:picLocks noChangeAspect="1"/>
-          </p:cNvPicPr>
-          <p:nvPr/>
-        </p:nvPicPr>
-        <p:blipFill>
-          <a:blip r:embed="rId5"/>
-          <a:stretch>
-            <a:fillRect/>
-          </a:stretch>
-        </p:blipFill>
-        <p:spPr>
-          <a:xfrm>
-            <a:off x="781049" y="1767537"/>
-            <a:ext cx="7267575" cy="228600"/>
-          </a:xfrm>
-          <a:prstGeom prst="rect">
-            <a:avLst/>
-          </a:prstGeom>
-        </p:spPr>
-      </p:pic>
-    </p:spTree>
-    <p:extLst>
-      <p:ext uri="{BB962C8B-B14F-4D97-AF65-F5344CB8AC3E}">
-        <p14:creationId xmlns:p14="http://schemas.microsoft.com/office/powerpoint/2010/main" val="2526031973"/>
-      </p:ext>
-    </p:extLst>
-  </p:cSld>
-  <p:clrMapOvr>
-    <a:masterClrMapping/>
-  </p:clrMapOvr>
-</p:sld>
-</file>
-
-<file path=ppt/slides/slide11.xml><?xml version="1.0" encoding="utf-8"?>
-<p:sld xmlns:a="http://schemas.openxmlformats.org/drawingml/2006/main" xmlns:r="http://schemas.openxmlformats.org/officeDocument/2006/relationships" xmlns:p="http://schemas.openxmlformats.org/presentationml/2006/main">
-  <p:cSld>
-    <p:spTree>
-      <p:nvGrpSpPr>
-        <p:cNvPr id="1" name=""/>
-        <p:cNvGrpSpPr/>
-        <p:nvPr/>
-      </p:nvGrpSpPr>
-      <p:grpSpPr>
-        <a:xfrm>
-          <a:off x="0" y="0"/>
-          <a:ext cx="0" cy="0"/>
-          <a:chOff x="0" y="0"/>
-          <a:chExt cx="0" cy="0"/>
-        </a:xfrm>
-      </p:grpSpPr>
-      <p:sp>
-        <p:nvSpPr>
-          <p:cNvPr id="2" name="Espace réservé du contenu 1"/>
-          <p:cNvSpPr>
-            <a:spLocks noGrp="1"/>
-          </p:cNvSpPr>
-          <p:nvPr>
-            <p:ph idx="1"/>
-          </p:nvPr>
-        </p:nvSpPr>
-        <p:spPr>
-          <a:xfrm>
-            <a:off x="418356" y="1120858"/>
-            <a:ext cx="8088511" cy="4681537"/>
-          </a:xfrm>
-        </p:spPr>
-        <p:txBody>
-          <a:bodyPr/>
-          <a:lstStyle/>
-          <a:p>
-            <a:r>
-              <a:rPr lang="fr-FR" dirty="0"/>
-              <a:t>(</a:t>
-            </a:r>
-            <a:r>
-              <a:rPr lang="fr-FR" dirty="0" err="1"/>
-              <a:t>modified</a:t>
-            </a:r>
-            <a:r>
-              <a:rPr lang="fr-FR" dirty="0"/>
-              <a:t>) </a:t>
-            </a:r>
-            <a:r>
-              <a:rPr lang="fr-FR" dirty="0" err="1"/>
-              <a:t>angular</a:t>
-            </a:r>
-            <a:r>
-              <a:rPr lang="fr-FR" dirty="0"/>
-              <a:t> doc </a:t>
-            </a:r>
-            <a:r>
-              <a:rPr lang="fr-FR" dirty="0" err="1"/>
-              <a:t>plunk</a:t>
-            </a:r>
-            <a:r>
-              <a:rPr lang="fr-FR" dirty="0"/>
-              <a:t> </a:t>
-            </a:r>
-            <a:r>
-              <a:rPr lang="fr-FR" dirty="0" err="1"/>
-              <a:t>example</a:t>
-            </a:r>
-            <a:r>
-              <a:rPr lang="fr-FR" dirty="0"/>
-              <a:t> </a:t>
-            </a:r>
-            <a:r>
-              <a:rPr lang="fr-FR" dirty="0" err="1"/>
-              <a:t>from</a:t>
-            </a:r>
-            <a:r>
-              <a:rPr lang="fr-FR" dirty="0"/>
-              <a:t> :</a:t>
-            </a:r>
-          </a:p>
-          <a:p>
-            <a:pPr lvl="1"/>
-            <a:r>
-              <a:rPr lang="fr-FR" dirty="0">
-                <a:hlinkClick r:id="rId2"/>
-              </a:rPr>
-              <a:t>https://docs.angularjs.org/api/ngMessages/directive/ngMessages</a:t>
-            </a:r>
-            <a:endParaRPr lang="fr-FR" dirty="0"/>
-          </a:p>
-          <a:p>
-            <a:pPr lvl="1"/>
-            <a:endParaRPr lang="fr-FR" dirty="0"/>
-          </a:p>
-        </p:txBody>
-      </p:sp>
-      <p:sp>
-        <p:nvSpPr>
-          <p:cNvPr id="3" name="Titre 2"/>
-          <p:cNvSpPr>
-            <a:spLocks noGrp="1"/>
-          </p:cNvSpPr>
-          <p:nvPr>
-            <p:ph type="title"/>
-          </p:nvPr>
-        </p:nvSpPr>
-        <p:spPr/>
-        <p:txBody>
-          <a:bodyPr/>
-          <a:lstStyle/>
-          <a:p>
-            <a:r>
-              <a:rPr lang="fr-FR" dirty="0" err="1"/>
-              <a:t>Example</a:t>
-            </a:r>
-            <a:endParaRPr lang="fr-FR" dirty="0"/>
-          </a:p>
-        </p:txBody>
-      </p:sp>
-      <p:sp>
-        <p:nvSpPr>
-          <p:cNvPr id="4" name="Espace réservé du pied de page 3"/>
-          <p:cNvSpPr>
-            <a:spLocks noGrp="1"/>
-          </p:cNvSpPr>
-          <p:nvPr>
-            <p:ph type="ftr" sz="quarter" idx="11"/>
-          </p:nvPr>
-        </p:nvSpPr>
-        <p:spPr/>
-        <p:txBody>
-          <a:bodyPr/>
-          <a:lstStyle/>
-          <a:p>
-            <a:r>
-              <a:rPr lang="fr-FR"/>
-              <a:t>Java Config</a:t>
-            </a:r>
-            <a:endParaRPr lang="fr-FR" dirty="0"/>
-          </a:p>
-        </p:txBody>
-      </p:sp>
-      <p:sp>
-        <p:nvSpPr>
-          <p:cNvPr id="5" name="Espace réservé du numéro de diapositive 4"/>
-          <p:cNvSpPr>
-            <a:spLocks noGrp="1"/>
-          </p:cNvSpPr>
-          <p:nvPr>
-            <p:ph type="sldNum" sz="quarter" idx="12"/>
-          </p:nvPr>
-        </p:nvSpPr>
-        <p:spPr/>
-        <p:txBody>
-          <a:bodyPr/>
-          <a:lstStyle/>
-          <a:p>
-            <a:fld id="{AF43E6FD-AB27-4108-A2FC-346BB5F75E3F}" type="slidenum">
-              <a:rPr lang="fr-FR" smtClean="0"/>
-              <a:pPr/>
-              <a:t>11</a:t>
-            </a:fld>
-            <a:endParaRPr lang="fr-FR" dirty="0"/>
-          </a:p>
-        </p:txBody>
-      </p:sp>
-      <p:sp>
-        <p:nvSpPr>
-          <p:cNvPr id="6" name="Espace réservé du texte 5"/>
-          <p:cNvSpPr>
-            <a:spLocks noGrp="1"/>
-          </p:cNvSpPr>
-          <p:nvPr>
-            <p:ph type="body" sz="quarter" idx="13"/>
-          </p:nvPr>
-        </p:nvSpPr>
-        <p:spPr/>
-        <p:txBody>
-          <a:bodyPr/>
-          <a:lstStyle/>
-          <a:p>
-            <a:endParaRPr lang="fr-FR"/>
-          </a:p>
-        </p:txBody>
-      </p:sp>
-      <p:pic>
-        <p:nvPicPr>
-          <p:cNvPr id="8" name="Image 7"/>
-          <p:cNvPicPr>
-            <a:picLocks noChangeAspect="1"/>
-          </p:cNvPicPr>
-          <p:nvPr/>
-        </p:nvPicPr>
-        <p:blipFill>
-          <a:blip r:embed="rId3"/>
-          <a:stretch>
-            <a:fillRect/>
-          </a:stretch>
-        </p:blipFill>
-        <p:spPr>
-          <a:xfrm>
-            <a:off x="180302" y="2395798"/>
-            <a:ext cx="7664688" cy="3734414"/>
-          </a:xfrm>
-          <a:prstGeom prst="rect">
-            <a:avLst/>
-          </a:prstGeom>
-          <a:ln>
-            <a:solidFill>
-              <a:schemeClr val="tx1"/>
-            </a:solidFill>
-          </a:ln>
-        </p:spPr>
-      </p:pic>
-      <p:pic>
-        <p:nvPicPr>
-          <p:cNvPr id="9" name="Image 8"/>
-          <p:cNvPicPr>
-            <a:picLocks noChangeAspect="1"/>
-          </p:cNvPicPr>
-          <p:nvPr/>
-        </p:nvPicPr>
-        <p:blipFill>
-          <a:blip r:embed="rId4"/>
-          <a:stretch>
-            <a:fillRect/>
-          </a:stretch>
-        </p:blipFill>
-        <p:spPr>
-          <a:xfrm>
-            <a:off x="6132401" y="2192938"/>
-            <a:ext cx="2762250" cy="1685925"/>
-          </a:xfrm>
-          <a:prstGeom prst="rect">
-            <a:avLst/>
-          </a:prstGeom>
-          <a:ln>
-            <a:solidFill>
-              <a:schemeClr val="tx1"/>
-            </a:solidFill>
-          </a:ln>
-        </p:spPr>
-      </p:pic>
-    </p:spTree>
-    <p:extLst>
-      <p:ext uri="{BB962C8B-B14F-4D97-AF65-F5344CB8AC3E}">
-        <p14:creationId xmlns:p14="http://schemas.microsoft.com/office/powerpoint/2010/main" val="1103947474"/>
-      </p:ext>
-    </p:extLst>
-  </p:cSld>
-  <p:clrMapOvr>
-    <a:masterClrMapping/>
-  </p:clrMapOvr>
-</p:sld>
-</file>
-
-<file path=ppt/slides/slide12.xml><?xml version="1.0" encoding="utf-8"?>
-<p:sld xmlns:a="http://schemas.openxmlformats.org/drawingml/2006/main" xmlns:r="http://schemas.openxmlformats.org/officeDocument/2006/relationships" xmlns:p="http://schemas.openxmlformats.org/presentationml/2006/main">
-  <p:cSld>
-    <p:spTree>
-      <p:nvGrpSpPr>
-        <p:cNvPr id="1" name=""/>
-        <p:cNvGrpSpPr/>
-        <p:nvPr/>
-      </p:nvGrpSpPr>
-      <p:grpSpPr>
-        <a:xfrm>
-          <a:off x="0" y="0"/>
-          <a:ext cx="0" cy="0"/>
-          <a:chOff x="0" y="0"/>
-          <a:chExt cx="0" cy="0"/>
-        </a:xfrm>
-      </p:grpSpPr>
-      <p:sp>
-        <p:nvSpPr>
-          <p:cNvPr id="3" name="Titre 2"/>
-          <p:cNvSpPr>
-            <a:spLocks noGrp="1"/>
-          </p:cNvSpPr>
-          <p:nvPr>
-            <p:ph type="title"/>
-          </p:nvPr>
-        </p:nvSpPr>
-        <p:spPr bwMode="gray">
-          <a:xfrm>
-            <a:off x="544439" y="260648"/>
-            <a:ext cx="8045374" cy="332546"/>
-          </a:xfrm>
-        </p:spPr>
-        <p:txBody>
-          <a:bodyPr/>
-          <a:lstStyle/>
-          <a:p>
-            <a:r>
-              <a:rPr lang="fr-FR" cap="none" dirty="0"/>
-              <a:t>AngularJS</a:t>
-            </a:r>
-            <a:endParaRPr lang="en-GB" cap="none" dirty="0"/>
-          </a:p>
-        </p:txBody>
-      </p:sp>
-      <p:sp>
-        <p:nvSpPr>
-          <p:cNvPr id="5" name="Espace réservé du numéro de diapositive 4"/>
-          <p:cNvSpPr>
-            <a:spLocks noGrp="1"/>
-          </p:cNvSpPr>
-          <p:nvPr>
-            <p:ph type="sldNum" sz="quarter" idx="12"/>
-          </p:nvPr>
-        </p:nvSpPr>
-        <p:spPr bwMode="gray"/>
-        <p:txBody>
-          <a:bodyPr/>
-          <a:lstStyle/>
-          <a:p>
-            <a:fld id="{AF43E6FD-AB27-4108-A2FC-346BB5F75E3F}" type="slidenum">
-              <a:rPr lang="fr-FR" smtClean="0"/>
-              <a:pPr/>
-              <a:t>12</a:t>
-            </a:fld>
-            <a:endParaRPr lang="fr-FR" dirty="0"/>
-          </a:p>
-        </p:txBody>
-      </p:sp>
-      <p:sp>
-        <p:nvSpPr>
-          <p:cNvPr id="10" name="Espace réservé du texte 9"/>
-          <p:cNvSpPr>
-            <a:spLocks noGrp="1"/>
-          </p:cNvSpPr>
-          <p:nvPr>
-            <p:ph type="body" sz="quarter" idx="13"/>
-          </p:nvPr>
-        </p:nvSpPr>
-        <p:spPr bwMode="gray"/>
-        <p:txBody>
-          <a:bodyPr/>
-          <a:lstStyle/>
-          <a:p>
             <a:r>
               <a:rPr lang="en-GB" cap="none" dirty="0"/>
               <a:t>BETTER factorisation : </a:t>
@@ -15206,8 +14304,16 @@
           <a:lstStyle/>
           <a:p>
             <a:r>
-              <a:rPr lang="fr-FR"/>
-              <a:t>Nom de la présentation</a:t>
+              <a:rPr lang="fr-FR" dirty="0" err="1"/>
+              <a:t>Angular</a:t>
+            </a:r>
+            <a:r>
+              <a:rPr lang="fr-FR" dirty="0"/>
+              <a:t> JS 1: </a:t>
+            </a:r>
+            <a:r>
+              <a:rPr lang="fr-FR" dirty="0" err="1"/>
+              <a:t>Forms</a:t>
             </a:r>
             <a:endParaRPr lang="fr-FR" dirty="0"/>
           </a:p>
@@ -15316,7 +14422,7 @@
 </p:sld>
 </file>
 
-<file path=ppt/slides/slide13.xml><?xml version="1.0" encoding="utf-8"?>
+<file path=ppt/slides/slide11.xml><?xml version="1.0" encoding="utf-8"?>
 <p:sld xmlns:a="http://schemas.openxmlformats.org/drawingml/2006/main" xmlns:r="http://schemas.openxmlformats.org/officeDocument/2006/relationships" xmlns:p="http://schemas.openxmlformats.org/presentationml/2006/main">
   <p:cSld>
     <p:spTree>
@@ -15375,10 +14481,6 @@
           <a:bodyPr/>
           <a:lstStyle/>
           <a:p>
-            <a:r>
-              <a:rPr lang="fr-FR" cap="none" dirty="0"/>
-              <a:t>AngularJS</a:t>
-            </a:r>
             <a:endParaRPr lang="en-GB" cap="none" dirty="0"/>
           </a:p>
         </p:txBody>
@@ -15401,7 +14503,7 @@
             <a:fld id="{AF43E6FD-AB27-4108-A2FC-346BB5F75E3F}" type="slidenum">
               <a:rPr lang="fr-FR" smtClean="0"/>
               <a:pPr/>
-              <a:t>13</a:t>
+              <a:t>11</a:t>
             </a:fld>
             <a:endParaRPr lang="fr-FR" dirty="0"/>
           </a:p>
@@ -15449,8 +14551,16 @@
           <a:lstStyle/>
           <a:p>
             <a:r>
-              <a:rPr lang="fr-FR"/>
-              <a:t>Nom de la présentation</a:t>
+              <a:rPr lang="fr-FR" dirty="0" err="1"/>
+              <a:t>Angular</a:t>
+            </a:r>
+            <a:r>
+              <a:rPr lang="fr-FR" dirty="0"/>
+              <a:t> JS 1: </a:t>
+            </a:r>
+            <a:r>
+              <a:rPr lang="fr-FR" dirty="0" err="1"/>
+              <a:t>Forms</a:t>
             </a:r>
             <a:endParaRPr lang="fr-FR" dirty="0"/>
           </a:p>
@@ -15502,7 +14612,7 @@
 </p:sld>
 </file>
 
-<file path=ppt/slides/slide14.xml><?xml version="1.0" encoding="utf-8"?>
+<file path=ppt/slides/slide12.xml><?xml version="1.0" encoding="utf-8"?>
 <p:sld xmlns:a="http://schemas.openxmlformats.org/drawingml/2006/main" xmlns:r="http://schemas.openxmlformats.org/officeDocument/2006/relationships" xmlns:p="http://schemas.openxmlformats.org/presentationml/2006/main">
   <p:cSld>
     <p:spTree>
@@ -15582,10 +14692,6 @@
           <a:bodyPr/>
           <a:lstStyle/>
           <a:p>
-            <a:r>
-              <a:rPr lang="fr-FR" cap="none" dirty="0"/>
-              <a:t>AngularJS</a:t>
-            </a:r>
             <a:endParaRPr lang="en-GB" cap="none" dirty="0"/>
           </a:p>
         </p:txBody>
@@ -15608,7 +14714,7 @@
             <a:fld id="{AF43E6FD-AB27-4108-A2FC-346BB5F75E3F}" type="slidenum">
               <a:rPr lang="fr-FR" smtClean="0"/>
               <a:pPr/>
-              <a:t>14</a:t>
+              <a:t>12</a:t>
             </a:fld>
             <a:endParaRPr lang="fr-FR" dirty="0"/>
           </a:p>
@@ -15652,9 +14758,18 @@
           <a:lstStyle/>
           <a:p>
             <a:r>
+              <a:rPr lang="fr-FR" dirty="0" err="1"/>
+              <a:t>Angular</a:t>
+            </a:r>
+            <a:r>
               <a:rPr lang="fr-FR" dirty="0"/>
-              <a:t>Nom de la présentation</a:t>
-            </a:r>
+              <a:t> JS 1: </a:t>
+            </a:r>
+            <a:r>
+              <a:rPr lang="fr-FR" dirty="0" err="1"/>
+              <a:t>Forms</a:t>
+            </a:r>
+            <a:endParaRPr lang="fr-FR" dirty="0"/>
           </a:p>
         </p:txBody>
       </p:sp>
@@ -15743,7 +14858,7 @@
 </p:sld>
 </file>
 
-<file path=ppt/slides/slide15.xml><?xml version="1.0" encoding="utf-8"?>
+<file path=ppt/slides/slide13.xml><?xml version="1.0" encoding="utf-8"?>
 <p:sld xmlns:a="http://schemas.openxmlformats.org/drawingml/2006/main" xmlns:r="http://schemas.openxmlformats.org/officeDocument/2006/relationships" xmlns:p="http://schemas.openxmlformats.org/presentationml/2006/main">
   <p:cSld>
     <p:spTree>
@@ -15893,10 +15008,6 @@
           <a:bodyPr/>
           <a:lstStyle/>
           <a:p>
-            <a:r>
-              <a:rPr lang="fr-FR" cap="none" dirty="0"/>
-              <a:t>AngularJS</a:t>
-            </a:r>
             <a:endParaRPr lang="en-GB" cap="none" dirty="0"/>
           </a:p>
         </p:txBody>
@@ -15919,7 +15030,7 @@
             <a:fld id="{AF43E6FD-AB27-4108-A2FC-346BB5F75E3F}" type="slidenum">
               <a:rPr lang="fr-FR" smtClean="0"/>
               <a:pPr/>
-              <a:t>15</a:t>
+              <a:t>13</a:t>
             </a:fld>
             <a:endParaRPr lang="fr-FR" dirty="0"/>
           </a:p>
@@ -15963,8 +15074,16 @@
           <a:lstStyle/>
           <a:p>
             <a:r>
-              <a:rPr lang="fr-FR"/>
-              <a:t>Nom de la présentation</a:t>
+              <a:rPr lang="fr-FR" dirty="0" err="1"/>
+              <a:t>Angular</a:t>
+            </a:r>
+            <a:r>
+              <a:rPr lang="fr-FR" dirty="0"/>
+              <a:t> JS 1: </a:t>
+            </a:r>
+            <a:r>
+              <a:rPr lang="fr-FR" dirty="0" err="1"/>
+              <a:t>Forms</a:t>
             </a:r>
             <a:endParaRPr lang="fr-FR" dirty="0"/>
           </a:p>
@@ -16016,7 +15135,7 @@
 </p:sld>
 </file>
 
-<file path=ppt/slides/slide16.xml><?xml version="1.0" encoding="utf-8"?>
+<file path=ppt/slides/slide14.xml><?xml version="1.0" encoding="utf-8"?>
 <p:sld xmlns:a="http://schemas.openxmlformats.org/drawingml/2006/main" xmlns:r="http://schemas.openxmlformats.org/officeDocument/2006/relationships" xmlns:p="http://schemas.openxmlformats.org/presentationml/2006/main">
   <p:cSld>
     <p:spTree>
@@ -16035,163 +15154,6 @@
       </p:grpSpPr>
       <p:sp>
         <p:nvSpPr>
-          <p:cNvPr id="4" name="Espace réservé du numéro de diapositive 3"/>
-          <p:cNvSpPr>
-            <a:spLocks noGrp="1"/>
-          </p:cNvSpPr>
-          <p:nvPr>
-            <p:ph type="sldNum" sz="quarter" idx="14"/>
-          </p:nvPr>
-        </p:nvSpPr>
-        <p:spPr/>
-        <p:txBody>
-          <a:bodyPr/>
-          <a:lstStyle/>
-          <a:p>
-            <a:fld id="{AF43E6FD-AB27-4108-A2FC-346BB5F75E3F}" type="slidenum">
-              <a:rPr lang="fr-FR" smtClean="0"/>
-              <a:pPr/>
-              <a:t>16</a:t>
-            </a:fld>
-            <a:endParaRPr lang="fr-FR" dirty="0"/>
-          </a:p>
-        </p:txBody>
-      </p:sp>
-      <p:sp>
-        <p:nvSpPr>
-          <p:cNvPr id="5" name="Titre 4"/>
-          <p:cNvSpPr>
-            <a:spLocks noGrp="1"/>
-          </p:cNvSpPr>
-          <p:nvPr>
-            <p:ph type="ctrTitle"/>
-          </p:nvPr>
-        </p:nvSpPr>
-        <p:spPr/>
-        <p:txBody>
-          <a:bodyPr/>
-          <a:lstStyle/>
-          <a:p>
-            <a:r>
-              <a:rPr lang="fr-FR" dirty="0"/>
-              <a:t> </a:t>
-            </a:r>
-            <a:r>
-              <a:rPr lang="fr-FR" dirty="0" err="1"/>
-              <a:t>Bootstrap</a:t>
-            </a:r>
-            <a:r>
-              <a:rPr lang="fr-FR" dirty="0"/>
-              <a:t> styles </a:t>
-            </a:r>
-          </a:p>
-        </p:txBody>
-      </p:sp>
-      <p:sp>
-        <p:nvSpPr>
-          <p:cNvPr id="6" name="Sous-titre 5"/>
-          <p:cNvSpPr>
-            <a:spLocks noGrp="1"/>
-          </p:cNvSpPr>
-          <p:nvPr>
-            <p:ph type="subTitle" idx="1"/>
-          </p:nvPr>
-        </p:nvSpPr>
-        <p:spPr>
-          <a:xfrm>
-            <a:off x="546100" y="4654553"/>
-            <a:ext cx="6457215" cy="307777"/>
-          </a:xfrm>
-        </p:spPr>
-        <p:txBody>
-          <a:bodyPr/>
-          <a:lstStyle/>
-          <a:p>
-            <a:r>
-              <a:rPr lang="fr-FR" dirty="0" err="1"/>
-              <a:t>Forms</a:t>
-            </a:r>
-            <a:r>
-              <a:rPr lang="fr-FR" dirty="0"/>
-              <a:t> styles</a:t>
-            </a:r>
-          </a:p>
-        </p:txBody>
-      </p:sp>
-      <p:sp>
-        <p:nvSpPr>
-          <p:cNvPr id="2" name="Espace réservé du pied de page 1"/>
-          <p:cNvSpPr>
-            <a:spLocks noGrp="1"/>
-          </p:cNvSpPr>
-          <p:nvPr>
-            <p:ph type="ftr" sz="quarter" idx="13"/>
-          </p:nvPr>
-        </p:nvSpPr>
-        <p:spPr/>
-        <p:txBody>
-          <a:bodyPr/>
-          <a:lstStyle/>
-          <a:p>
-            <a:r>
-              <a:rPr lang="fr-FR"/>
-              <a:t>Nom de la présentation</a:t>
-            </a:r>
-            <a:endParaRPr lang="fr-FR" dirty="0"/>
-          </a:p>
-        </p:txBody>
-      </p:sp>
-      <p:pic>
-        <p:nvPicPr>
-          <p:cNvPr id="7" name="Espace réservé pour une image  6"/>
-          <p:cNvPicPr>
-            <a:picLocks noGrp="1" noChangeAspect="1"/>
-          </p:cNvPicPr>
-          <p:nvPr>
-            <p:ph type="pic" sz="quarter" idx="15"/>
-          </p:nvPr>
-        </p:nvPicPr>
-        <p:blipFill>
-          <a:blip r:embed="rId2"/>
-          <a:srcRect t="22106" b="22106"/>
-          <a:stretch>
-            <a:fillRect/>
-          </a:stretch>
-        </p:blipFill>
-        <p:spPr/>
-      </p:pic>
-    </p:spTree>
-    <p:extLst>
-      <p:ext uri="{BB962C8B-B14F-4D97-AF65-F5344CB8AC3E}">
-        <p14:creationId xmlns:p14="http://schemas.microsoft.com/office/powerpoint/2010/main" val="1806273576"/>
-      </p:ext>
-    </p:extLst>
-  </p:cSld>
-  <p:clrMapOvr>
-    <a:masterClrMapping/>
-  </p:clrMapOvr>
-</p:sld>
-</file>
-
-<file path=ppt/slides/slide17.xml><?xml version="1.0" encoding="utf-8"?>
-<p:sld xmlns:a="http://schemas.openxmlformats.org/drawingml/2006/main" xmlns:r="http://schemas.openxmlformats.org/officeDocument/2006/relationships" xmlns:p="http://schemas.openxmlformats.org/presentationml/2006/main">
-  <p:cSld>
-    <p:spTree>
-      <p:nvGrpSpPr>
-        <p:cNvPr id="1" name=""/>
-        <p:cNvGrpSpPr/>
-        <p:nvPr/>
-      </p:nvGrpSpPr>
-      <p:grpSpPr>
-        <a:xfrm>
-          <a:off x="0" y="0"/>
-          <a:ext cx="0" cy="0"/>
-          <a:chOff x="0" y="0"/>
-          <a:chExt cx="0" cy="0"/>
-        </a:xfrm>
-      </p:grpSpPr>
-      <p:sp>
-        <p:nvSpPr>
           <p:cNvPr id="2" name="Espace réservé du contenu 1"/>
           <p:cNvSpPr>
             <a:spLocks noGrp="1"/>
@@ -16240,10 +15202,7 @@
           <a:bodyPr/>
           <a:lstStyle/>
           <a:p>
-            <a:r>
-              <a:rPr lang="en-GB" cap="none" dirty="0"/>
-              <a:t>Bootstrap </a:t>
-            </a:r>
+            <a:endParaRPr lang="en-GB" cap="none" dirty="0"/>
           </a:p>
         </p:txBody>
       </p:sp>
@@ -16265,7 +15224,7 @@
             <a:fld id="{AF43E6FD-AB27-4108-A2FC-346BB5F75E3F}" type="slidenum">
               <a:rPr lang="fr-FR" smtClean="0"/>
               <a:pPr/>
-              <a:t>17</a:t>
+              <a:t>14</a:t>
             </a:fld>
             <a:endParaRPr lang="fr-FR" dirty="0"/>
           </a:p>
@@ -16288,7 +15247,15 @@
           <a:p>
             <a:r>
               <a:rPr lang="en-GB" cap="none" dirty="0"/>
-              <a:t>Adding styles to your FORMS !</a:t>
+              <a:t>Adding </a:t>
+            </a:r>
+            <a:r>
+              <a:rPr lang="en-GB" cap="none" dirty="0" smtClean="0"/>
+              <a:t>Bootstrap styles </a:t>
+            </a:r>
+            <a:r>
+              <a:rPr lang="en-GB" cap="none" dirty="0"/>
+              <a:t>to your FORMS !</a:t>
             </a:r>
           </a:p>
         </p:txBody>
@@ -16309,8 +15276,16 @@
           <a:lstStyle/>
           <a:p>
             <a:r>
-              <a:rPr lang="fr-FR"/>
-              <a:t>Nom de la présentation</a:t>
+              <a:rPr lang="fr-FR" dirty="0" err="1"/>
+              <a:t>Angular</a:t>
+            </a:r>
+            <a:r>
+              <a:rPr lang="fr-FR" dirty="0"/>
+              <a:t> JS 1: </a:t>
+            </a:r>
+            <a:r>
+              <a:rPr lang="fr-FR" dirty="0" err="1"/>
+              <a:t>Forms</a:t>
             </a:r>
             <a:endParaRPr lang="fr-FR" dirty="0"/>
           </a:p>
@@ -16338,14 +15313,14 @@
                 <a:gridCol w="3048000">
                   <a:extLst>
                     <a:ext uri="{9D8B030D-6E8A-4147-A177-3AD203B41FA5}">
-                      <a16:colId xmlns:a16="http://schemas.microsoft.com/office/drawing/2014/main" xmlns="" val="20000"/>
+                      <a16:colId xmlns="" xmlns:a16="http://schemas.microsoft.com/office/drawing/2014/main" val="20000"/>
                     </a:ext>
                   </a:extLst>
                 </a:gridCol>
                 <a:gridCol w="3048000">
                   <a:extLst>
                     <a:ext uri="{9D8B030D-6E8A-4147-A177-3AD203B41FA5}">
-                      <a16:colId xmlns:a16="http://schemas.microsoft.com/office/drawing/2014/main" xmlns="" val="20001"/>
+                      <a16:colId xmlns="" xmlns:a16="http://schemas.microsoft.com/office/drawing/2014/main" val="20001"/>
                     </a:ext>
                   </a:extLst>
                 </a:gridCol>
@@ -16379,7 +15354,7 @@
                 </a:tc>
                 <a:extLst>
                   <a:ext uri="{0D108BD9-81ED-4DB2-BD59-A6C34878D82A}">
-                    <a16:rowId xmlns:a16="http://schemas.microsoft.com/office/drawing/2014/main" xmlns="" val="10000"/>
+                    <a16:rowId xmlns="" xmlns:a16="http://schemas.microsoft.com/office/drawing/2014/main" val="10000"/>
                   </a:ext>
                 </a:extLst>
               </a:tr>
@@ -16417,7 +15392,7 @@
                 </a:tc>
                 <a:extLst>
                   <a:ext uri="{0D108BD9-81ED-4DB2-BD59-A6C34878D82A}">
-                    <a16:rowId xmlns:a16="http://schemas.microsoft.com/office/drawing/2014/main" xmlns="" val="10001"/>
+                    <a16:rowId xmlns="" xmlns:a16="http://schemas.microsoft.com/office/drawing/2014/main" val="10001"/>
                   </a:ext>
                 </a:extLst>
               </a:tr>
@@ -16455,7 +15430,7 @@
                 </a:tc>
                 <a:extLst>
                   <a:ext uri="{0D108BD9-81ED-4DB2-BD59-A6C34878D82A}">
-                    <a16:rowId xmlns:a16="http://schemas.microsoft.com/office/drawing/2014/main" xmlns="" val="10002"/>
+                    <a16:rowId xmlns="" xmlns:a16="http://schemas.microsoft.com/office/drawing/2014/main" val="10002"/>
                   </a:ext>
                 </a:extLst>
               </a:tr>
@@ -16488,7 +15463,7 @@
                 </a:tc>
                 <a:extLst>
                   <a:ext uri="{0D108BD9-81ED-4DB2-BD59-A6C34878D82A}">
-                    <a16:rowId xmlns:a16="http://schemas.microsoft.com/office/drawing/2014/main" xmlns="" val="10003"/>
+                    <a16:rowId xmlns="" xmlns:a16="http://schemas.microsoft.com/office/drawing/2014/main" val="10003"/>
                   </a:ext>
                 </a:extLst>
               </a:tr>
@@ -16534,7 +15509,7 @@
                 </a:tc>
                 <a:extLst>
                   <a:ext uri="{0D108BD9-81ED-4DB2-BD59-A6C34878D82A}">
-                    <a16:rowId xmlns:a16="http://schemas.microsoft.com/office/drawing/2014/main" xmlns="" val="10004"/>
+                    <a16:rowId xmlns="" xmlns:a16="http://schemas.microsoft.com/office/drawing/2014/main" val="10004"/>
                   </a:ext>
                 </a:extLst>
               </a:tr>
@@ -16588,7 +15563,7 @@
 </p:sld>
 </file>
 
-<file path=ppt/slides/slide18.xml><?xml version="1.0" encoding="utf-8"?>
+<file path=ppt/slides/slide15.xml><?xml version="1.0" encoding="utf-8"?>
 <p:sld xmlns:a="http://schemas.openxmlformats.org/drawingml/2006/main" xmlns:r="http://schemas.openxmlformats.org/officeDocument/2006/relationships" xmlns:p="http://schemas.openxmlformats.org/presentationml/2006/main">
   <p:cSld>
     <p:spTree>
@@ -16607,6 +15582,28 @@
       </p:grpSpPr>
       <p:sp>
         <p:nvSpPr>
+          <p:cNvPr id="2" name="Espace réservé du contenu 1"/>
+          <p:cNvSpPr>
+            <a:spLocks noGrp="1"/>
+          </p:cNvSpPr>
+          <p:nvPr>
+            <p:ph idx="1"/>
+          </p:nvPr>
+        </p:nvSpPr>
+        <p:spPr bwMode="gray"/>
+        <p:txBody>
+          <a:bodyPr/>
+          <a:lstStyle/>
+          <a:p>
+            <a:r>
+              <a:rPr lang="en-US" dirty="0"/>
+              <a:t> </a:t>
+            </a:r>
+          </a:p>
+        </p:txBody>
+      </p:sp>
+      <p:sp>
+        <p:nvSpPr>
           <p:cNvPr id="3" name="Titre 2"/>
           <p:cNvSpPr>
             <a:spLocks noGrp="1"/>
@@ -16625,10 +15622,6 @@
           <a:bodyPr/>
           <a:lstStyle/>
           <a:p>
-            <a:r>
-              <a:rPr lang="fr-FR" cap="none" dirty="0"/>
-              <a:t>AngularJS</a:t>
-            </a:r>
             <a:endParaRPr lang="en-GB" cap="none" dirty="0"/>
           </a:p>
         </p:txBody>
@@ -16651,7 +15644,7 @@
             <a:fld id="{AF43E6FD-AB27-4108-A2FC-346BB5F75E3F}" type="slidenum">
               <a:rPr lang="fr-FR" smtClean="0"/>
               <a:pPr/>
-              <a:t>18</a:t>
+              <a:t>15</a:t>
             </a:fld>
             <a:endParaRPr lang="fr-FR" dirty="0"/>
           </a:p>
@@ -16674,7 +15667,7 @@
           <a:p>
             <a:r>
               <a:rPr lang="en-GB" cap="none" dirty="0"/>
-              <a:t>Example</a:t>
+              <a:t>FORM Update events</a:t>
             </a:r>
           </a:p>
         </p:txBody>
@@ -16695,439 +15688,16 @@
           <a:lstStyle/>
           <a:p>
             <a:r>
-              <a:rPr lang="fr-FR"/>
-              <a:t>Nom de la présentation</a:t>
-            </a:r>
-            <a:endParaRPr lang="fr-FR" dirty="0"/>
-          </a:p>
-        </p:txBody>
-      </p:sp>
-      <p:pic>
-        <p:nvPicPr>
-          <p:cNvPr id="2051" name="Picture 3"/>
-          <p:cNvPicPr>
-            <a:picLocks noChangeAspect="1" noChangeArrowheads="1"/>
-          </p:cNvPicPr>
-          <p:nvPr/>
-        </p:nvPicPr>
-        <p:blipFill>
-          <a:blip r:embed="rId3"/>
-          <a:srcRect/>
-          <a:stretch>
-            <a:fillRect/>
-          </a:stretch>
-        </p:blipFill>
-        <p:spPr bwMode="auto">
-          <a:xfrm>
-            <a:off x="1532748" y="5510845"/>
-            <a:ext cx="5457825" cy="790575"/>
-          </a:xfrm>
-          <a:prstGeom prst="rect">
-            <a:avLst/>
-          </a:prstGeom>
-          <a:noFill/>
-          <a:ln w="9525">
-            <a:noFill/>
-            <a:miter lim="800000"/>
-            <a:headEnd/>
-            <a:tailEnd/>
-          </a:ln>
-        </p:spPr>
-      </p:pic>
-      <p:sp>
-        <p:nvSpPr>
-          <p:cNvPr id="9" name="ZoneTexte 8"/>
-          <p:cNvSpPr txBox="1"/>
-          <p:nvPr/>
-        </p:nvSpPr>
-        <p:spPr>
-          <a:xfrm>
-            <a:off x="1532748" y="5177540"/>
-            <a:ext cx="3227230" cy="369332"/>
-          </a:xfrm>
-          <a:prstGeom prst="rect">
-            <a:avLst/>
-          </a:prstGeom>
-          <a:noFill/>
-        </p:spPr>
-        <p:txBody>
-          <a:bodyPr wrap="none" rtlCol="0">
-            <a:spAutoFit/>
-          </a:bodyPr>
-          <a:lstStyle/>
-          <a:p>
-            <a:r>
-              <a:rPr lang="en-GB" dirty="0"/>
-              <a:t>the file templates/message.html</a:t>
-            </a:r>
-          </a:p>
-        </p:txBody>
-      </p:sp>
-      <p:pic>
-        <p:nvPicPr>
-          <p:cNvPr id="2" name="Image 1"/>
-          <p:cNvPicPr>
-            <a:picLocks noChangeAspect="1"/>
-          </p:cNvPicPr>
-          <p:nvPr/>
-        </p:nvPicPr>
-        <p:blipFill>
-          <a:blip r:embed="rId4"/>
-          <a:stretch>
-            <a:fillRect/>
-          </a:stretch>
-        </p:blipFill>
-        <p:spPr>
-          <a:xfrm>
-            <a:off x="633039" y="1127287"/>
-            <a:ext cx="7956774" cy="3295705"/>
-          </a:xfrm>
-          <a:prstGeom prst="rect">
-            <a:avLst/>
-          </a:prstGeom>
-          <a:ln>
-            <a:solidFill>
-              <a:schemeClr val="tx1"/>
-            </a:solidFill>
-          </a:ln>
-        </p:spPr>
-      </p:pic>
-      <p:sp>
-        <p:nvSpPr>
-          <p:cNvPr id="4" name="Rectangle à coins arrondis 3"/>
-          <p:cNvSpPr/>
-          <p:nvPr/>
-        </p:nvSpPr>
-        <p:spPr>
-          <a:xfrm>
-            <a:off x="3528646" y="1664677"/>
-            <a:ext cx="2227385" cy="269631"/>
-          </a:xfrm>
-          <a:prstGeom prst="roundRect">
-            <a:avLst/>
-          </a:prstGeom>
-          <a:solidFill>
-            <a:srgbClr val="00B050">
-              <a:alpha val="20000"/>
-            </a:srgbClr>
-          </a:solidFill>
-          <a:ln>
-            <a:noFill/>
-          </a:ln>
-        </p:spPr>
-        <p:style>
-          <a:lnRef idx="2">
-            <a:schemeClr val="accent1">
-              <a:shade val="50000"/>
-            </a:schemeClr>
-          </a:lnRef>
-          <a:fillRef idx="1">
-            <a:schemeClr val="accent1"/>
-          </a:fillRef>
-          <a:effectRef idx="0">
-            <a:schemeClr val="accent1"/>
-          </a:effectRef>
-          <a:fontRef idx="minor">
-            <a:schemeClr val="lt1"/>
-          </a:fontRef>
-        </p:style>
-        <p:txBody>
-          <a:bodyPr rtlCol="0" anchor="ctr"/>
-          <a:lstStyle/>
-          <a:p>
-            <a:pPr algn="ctr"/>
-            <a:endParaRPr lang="fr-FR" dirty="0"/>
-          </a:p>
-        </p:txBody>
-      </p:sp>
-      <p:sp>
-        <p:nvSpPr>
-          <p:cNvPr id="11" name="Rectangle à coins arrondis 10"/>
-          <p:cNvSpPr/>
-          <p:nvPr/>
-        </p:nvSpPr>
-        <p:spPr>
-          <a:xfrm>
-            <a:off x="918978" y="1404752"/>
-            <a:ext cx="2750345" cy="259925"/>
-          </a:xfrm>
-          <a:prstGeom prst="roundRect">
-            <a:avLst/>
-          </a:prstGeom>
-          <a:solidFill>
-            <a:srgbClr val="00B050">
-              <a:alpha val="20000"/>
-            </a:srgbClr>
-          </a:solidFill>
-          <a:ln>
-            <a:noFill/>
-          </a:ln>
-        </p:spPr>
-        <p:style>
-          <a:lnRef idx="2">
-            <a:schemeClr val="accent1">
-              <a:shade val="50000"/>
-            </a:schemeClr>
-          </a:lnRef>
-          <a:fillRef idx="1">
-            <a:schemeClr val="accent1"/>
-          </a:fillRef>
-          <a:effectRef idx="0">
-            <a:schemeClr val="accent1"/>
-          </a:effectRef>
-          <a:fontRef idx="minor">
-            <a:schemeClr val="lt1"/>
-          </a:fontRef>
-        </p:style>
-        <p:txBody>
-          <a:bodyPr rtlCol="0" anchor="ctr"/>
-          <a:lstStyle/>
-          <a:p>
-            <a:pPr algn="ctr"/>
-            <a:endParaRPr lang="fr-FR" dirty="0"/>
-          </a:p>
-        </p:txBody>
-      </p:sp>
-      <p:sp>
-        <p:nvSpPr>
-          <p:cNvPr id="12" name="Rectangle à coins arrondis 11"/>
-          <p:cNvSpPr/>
-          <p:nvPr/>
-        </p:nvSpPr>
-        <p:spPr>
-          <a:xfrm>
-            <a:off x="1875692" y="2159118"/>
-            <a:ext cx="2227385" cy="269631"/>
-          </a:xfrm>
-          <a:prstGeom prst="roundRect">
-            <a:avLst/>
-          </a:prstGeom>
-          <a:solidFill>
-            <a:srgbClr val="00B050">
-              <a:alpha val="20000"/>
-            </a:srgbClr>
-          </a:solidFill>
-          <a:ln>
-            <a:noFill/>
-          </a:ln>
-        </p:spPr>
-        <p:style>
-          <a:lnRef idx="2">
-            <a:schemeClr val="accent1">
-              <a:shade val="50000"/>
-            </a:schemeClr>
-          </a:lnRef>
-          <a:fillRef idx="1">
-            <a:schemeClr val="accent1"/>
-          </a:fillRef>
-          <a:effectRef idx="0">
-            <a:schemeClr val="accent1"/>
-          </a:effectRef>
-          <a:fontRef idx="minor">
-            <a:schemeClr val="lt1"/>
-          </a:fontRef>
-        </p:style>
-        <p:txBody>
-          <a:bodyPr rtlCol="0" anchor="ctr"/>
-          <a:lstStyle/>
-          <a:p>
-            <a:pPr algn="ctr"/>
-            <a:endParaRPr lang="fr-FR" dirty="0"/>
-          </a:p>
-        </p:txBody>
-      </p:sp>
-      <p:sp>
-        <p:nvSpPr>
-          <p:cNvPr id="13" name="Rectangle à coins arrondis 12"/>
-          <p:cNvSpPr/>
-          <p:nvPr/>
-        </p:nvSpPr>
-        <p:spPr>
-          <a:xfrm>
-            <a:off x="1701791" y="2639387"/>
-            <a:ext cx="1979255" cy="283803"/>
-          </a:xfrm>
-          <a:prstGeom prst="roundRect">
-            <a:avLst/>
-          </a:prstGeom>
-          <a:solidFill>
-            <a:srgbClr val="00B050">
-              <a:alpha val="20000"/>
-            </a:srgbClr>
-          </a:solidFill>
-          <a:ln>
-            <a:noFill/>
-          </a:ln>
-        </p:spPr>
-        <p:style>
-          <a:lnRef idx="2">
-            <a:schemeClr val="accent1">
-              <a:shade val="50000"/>
-            </a:schemeClr>
-          </a:lnRef>
-          <a:fillRef idx="1">
-            <a:schemeClr val="accent1"/>
-          </a:fillRef>
-          <a:effectRef idx="0">
-            <a:schemeClr val="accent1"/>
-          </a:effectRef>
-          <a:fontRef idx="minor">
-            <a:schemeClr val="lt1"/>
-          </a:fontRef>
-        </p:style>
-        <p:txBody>
-          <a:bodyPr rtlCol="0" anchor="ctr"/>
-          <a:lstStyle/>
-          <a:p>
-            <a:pPr algn="ctr"/>
-            <a:endParaRPr lang="fr-FR" dirty="0"/>
-          </a:p>
-        </p:txBody>
-      </p:sp>
-    </p:spTree>
-    <p:extLst>
-      <p:ext uri="{BB962C8B-B14F-4D97-AF65-F5344CB8AC3E}">
-        <p14:creationId xmlns:p14="http://schemas.microsoft.com/office/powerpoint/2010/main" val="366559794"/>
-      </p:ext>
-    </p:extLst>
-  </p:cSld>
-  <p:clrMapOvr>
-    <a:masterClrMapping/>
-  </p:clrMapOvr>
-</p:sld>
-</file>
-
-<file path=ppt/slides/slide19.xml><?xml version="1.0" encoding="utf-8"?>
-<p:sld xmlns:a="http://schemas.openxmlformats.org/drawingml/2006/main" xmlns:r="http://schemas.openxmlformats.org/officeDocument/2006/relationships" xmlns:p="http://schemas.openxmlformats.org/presentationml/2006/main">
-  <p:cSld>
-    <p:spTree>
-      <p:nvGrpSpPr>
-        <p:cNvPr id="1" name=""/>
-        <p:cNvGrpSpPr/>
-        <p:nvPr/>
-      </p:nvGrpSpPr>
-      <p:grpSpPr>
-        <a:xfrm>
-          <a:off x="0" y="0"/>
-          <a:ext cx="0" cy="0"/>
-          <a:chOff x="0" y="0"/>
-          <a:chExt cx="0" cy="0"/>
-        </a:xfrm>
-      </p:grpSpPr>
-      <p:sp>
-        <p:nvSpPr>
-          <p:cNvPr id="2" name="Espace réservé du contenu 1"/>
-          <p:cNvSpPr>
-            <a:spLocks noGrp="1"/>
-          </p:cNvSpPr>
-          <p:nvPr>
-            <p:ph idx="1"/>
-          </p:nvPr>
-        </p:nvSpPr>
-        <p:spPr bwMode="gray"/>
-        <p:txBody>
-          <a:bodyPr/>
-          <a:lstStyle/>
-          <a:p>
-            <a:r>
-              <a:rPr lang="en-US" dirty="0"/>
-              <a:t> </a:t>
-            </a:r>
-          </a:p>
-        </p:txBody>
-      </p:sp>
-      <p:sp>
-        <p:nvSpPr>
-          <p:cNvPr id="3" name="Titre 2"/>
-          <p:cNvSpPr>
-            <a:spLocks noGrp="1"/>
-          </p:cNvSpPr>
-          <p:nvPr>
-            <p:ph type="title"/>
-          </p:nvPr>
-        </p:nvSpPr>
-        <p:spPr bwMode="gray">
-          <a:xfrm>
-            <a:off x="544439" y="260648"/>
-            <a:ext cx="8045374" cy="332546"/>
-          </a:xfrm>
-        </p:spPr>
-        <p:txBody>
-          <a:bodyPr/>
-          <a:lstStyle/>
-          <a:p>
-            <a:r>
-              <a:rPr lang="fr-FR" cap="none" dirty="0"/>
-              <a:t>AngularJS</a:t>
-            </a:r>
-            <a:endParaRPr lang="en-GB" cap="none" dirty="0"/>
-          </a:p>
-        </p:txBody>
-      </p:sp>
-      <p:sp>
-        <p:nvSpPr>
-          <p:cNvPr id="5" name="Espace réservé du numéro de diapositive 4"/>
-          <p:cNvSpPr>
-            <a:spLocks noGrp="1"/>
-          </p:cNvSpPr>
-          <p:nvPr>
-            <p:ph type="sldNum" sz="quarter" idx="12"/>
-          </p:nvPr>
-        </p:nvSpPr>
-        <p:spPr bwMode="gray"/>
-        <p:txBody>
-          <a:bodyPr/>
-          <a:lstStyle/>
-          <a:p>
-            <a:fld id="{AF43E6FD-AB27-4108-A2FC-346BB5F75E3F}" type="slidenum">
-              <a:rPr lang="fr-FR" smtClean="0"/>
-              <a:pPr/>
-              <a:t>19</a:t>
-            </a:fld>
-            <a:endParaRPr lang="fr-FR" dirty="0"/>
-          </a:p>
-        </p:txBody>
-      </p:sp>
-      <p:sp>
-        <p:nvSpPr>
-          <p:cNvPr id="10" name="Espace réservé du texte 9"/>
-          <p:cNvSpPr>
-            <a:spLocks noGrp="1"/>
-          </p:cNvSpPr>
-          <p:nvPr>
-            <p:ph type="body" sz="quarter" idx="13"/>
-          </p:nvPr>
-        </p:nvSpPr>
-        <p:spPr bwMode="gray"/>
-        <p:txBody>
-          <a:bodyPr/>
-          <a:lstStyle/>
-          <a:p>
-            <a:r>
-              <a:rPr lang="en-GB" cap="none" dirty="0"/>
-              <a:t>FORM Update events</a:t>
-            </a:r>
-          </a:p>
-        </p:txBody>
-      </p:sp>
-      <p:sp>
-        <p:nvSpPr>
-          <p:cNvPr id="6" name="Espace réservé du pied de page 5"/>
-          <p:cNvSpPr>
-            <a:spLocks noGrp="1"/>
-          </p:cNvSpPr>
-          <p:nvPr>
-            <p:ph type="ftr" sz="quarter" idx="11"/>
-          </p:nvPr>
-        </p:nvSpPr>
-        <p:spPr/>
-        <p:txBody>
-          <a:bodyPr/>
-          <a:lstStyle/>
-          <a:p>
-            <a:r>
-              <a:rPr lang="fr-FR"/>
-              <a:t>Nom de la présentation</a:t>
+              <a:rPr lang="fr-FR" dirty="0" err="1"/>
+              <a:t>Angular</a:t>
+            </a:r>
+            <a:r>
+              <a:rPr lang="fr-FR" dirty="0"/>
+              <a:t> JS 1: </a:t>
+            </a:r>
+            <a:r>
+              <a:rPr lang="fr-FR" dirty="0" err="1"/>
+              <a:t>Forms</a:t>
             </a:r>
             <a:endParaRPr lang="fr-FR" dirty="0"/>
           </a:p>
@@ -17341,271 +15911,7 @@
 </p:sld>
 </file>
 
-<file path=ppt/slides/slide2.xml><?xml version="1.0" encoding="utf-8"?>
-<p:sld xmlns:a="http://schemas.openxmlformats.org/drawingml/2006/main" xmlns:r="http://schemas.openxmlformats.org/officeDocument/2006/relationships" xmlns:p="http://schemas.openxmlformats.org/presentationml/2006/main" show="0">
-  <p:cSld>
-    <p:spTree>
-      <p:nvGrpSpPr>
-        <p:cNvPr id="1" name=""/>
-        <p:cNvGrpSpPr/>
-        <p:nvPr/>
-      </p:nvGrpSpPr>
-      <p:grpSpPr>
-        <a:xfrm>
-          <a:off x="0" y="0"/>
-          <a:ext cx="0" cy="0"/>
-          <a:chOff x="0" y="0"/>
-          <a:chExt cx="0" cy="0"/>
-        </a:xfrm>
-      </p:grpSpPr>
-      <p:sp>
-        <p:nvSpPr>
-          <p:cNvPr id="2" name="Espace réservé du contenu 1"/>
-          <p:cNvSpPr>
-            <a:spLocks noGrp="1"/>
-          </p:cNvSpPr>
-          <p:nvPr>
-            <p:ph idx="1"/>
-          </p:nvPr>
-        </p:nvSpPr>
-        <p:spPr bwMode="gray"/>
-        <p:txBody>
-          <a:bodyPr/>
-          <a:lstStyle/>
-          <a:p>
-            <a:r>
-              <a:rPr lang="en-US" dirty="0" err="1"/>
-              <a:t>PluralSight</a:t>
-            </a:r>
-            <a:r>
-              <a:rPr lang="en-US" dirty="0"/>
-              <a:t> AngularJS </a:t>
-            </a:r>
-            <a:r>
-              <a:rPr lang="en-US" dirty="0" err="1"/>
-              <a:t>PlayBook</a:t>
-            </a:r>
-            <a:r>
-              <a:rPr lang="en-US" dirty="0"/>
-              <a:t> : </a:t>
-            </a:r>
-          </a:p>
-          <a:p>
-            <a:pPr lvl="1"/>
-            <a:r>
-              <a:rPr lang="en-US" dirty="0"/>
-              <a:t>by Scott Allen</a:t>
-            </a:r>
-          </a:p>
-          <a:p>
-            <a:pPr lvl="1"/>
-            <a:r>
-              <a:rPr lang="en-US" dirty="0"/>
-              <a:t>chapter 5 : FORMS   </a:t>
-            </a:r>
-          </a:p>
-          <a:p>
-            <a:pPr lvl="2"/>
-            <a:r>
-              <a:rPr lang="en-US" dirty="0"/>
-              <a:t>=&gt; ng-messages , custom error messages directive, custom validation directive, custom </a:t>
-            </a:r>
-            <a:r>
-              <a:rPr lang="en-US" dirty="0" err="1"/>
-              <a:t>async</a:t>
-            </a:r>
-            <a:r>
-              <a:rPr lang="en-US" dirty="0"/>
-              <a:t> validation directive</a:t>
-            </a:r>
-          </a:p>
-          <a:p>
-            <a:r>
-              <a:rPr lang="en-US" dirty="0"/>
-              <a:t> </a:t>
-            </a:r>
-            <a:r>
-              <a:rPr lang="en-US" dirty="0" err="1"/>
-              <a:t>PLuralSight</a:t>
-            </a:r>
-            <a:r>
-              <a:rPr lang="en-US" dirty="0"/>
-              <a:t> : Angular Fundamentals</a:t>
-            </a:r>
-          </a:p>
-          <a:p>
-            <a:pPr lvl="1"/>
-            <a:r>
-              <a:rPr lang="en-US" dirty="0"/>
-              <a:t>by </a:t>
-            </a:r>
-            <a:r>
-              <a:rPr lang="en-US" dirty="0">
-                <a:hlinkClick r:id="rId3"/>
-              </a:rPr>
-              <a:t>Joe Eames</a:t>
-            </a:r>
-            <a:r>
-              <a:rPr lang="en-US" dirty="0"/>
-              <a:t> and </a:t>
-            </a:r>
-            <a:r>
-              <a:rPr lang="en-US" dirty="0">
-                <a:hlinkClick r:id="rId4"/>
-              </a:rPr>
-              <a:t>Jim Cooper</a:t>
-            </a:r>
-            <a:endParaRPr lang="en-US" dirty="0"/>
-          </a:p>
-          <a:p>
-            <a:pPr lvl="1"/>
-            <a:r>
-              <a:rPr lang="en-US" dirty="0"/>
-              <a:t>ch2-last-video</a:t>
-            </a:r>
-          </a:p>
-          <a:p>
-            <a:pPr lvl="2"/>
-            <a:r>
-              <a:rPr lang="en-US" dirty="0"/>
-              <a:t>simple validation : </a:t>
-            </a:r>
-            <a:r>
-              <a:rPr lang="en-US" dirty="0" err="1"/>
-              <a:t>ngPattern</a:t>
-            </a:r>
-            <a:r>
-              <a:rPr lang="en-US" dirty="0"/>
-              <a:t>, required, </a:t>
-            </a:r>
-            <a:r>
-              <a:rPr lang="en-US" dirty="0" err="1"/>
-              <a:t>ngDisabled</a:t>
-            </a:r>
-            <a:r>
-              <a:rPr lang="en-US" dirty="0"/>
-              <a:t>, $valid, </a:t>
-            </a:r>
-            <a:r>
-              <a:rPr lang="en-US"/>
-              <a:t>$untouched</a:t>
-            </a:r>
-            <a:endParaRPr lang="en-US" dirty="0"/>
-          </a:p>
-          <a:p>
-            <a:endParaRPr lang="en-US" dirty="0"/>
-          </a:p>
-        </p:txBody>
-      </p:sp>
-      <p:sp>
-        <p:nvSpPr>
-          <p:cNvPr id="3" name="Titre 2"/>
-          <p:cNvSpPr>
-            <a:spLocks noGrp="1"/>
-          </p:cNvSpPr>
-          <p:nvPr>
-            <p:ph type="title"/>
-          </p:nvPr>
-        </p:nvSpPr>
-        <p:spPr bwMode="gray">
-          <a:xfrm>
-            <a:off x="544439" y="260648"/>
-            <a:ext cx="8045374" cy="332546"/>
-          </a:xfrm>
-        </p:spPr>
-        <p:txBody>
-          <a:bodyPr/>
-          <a:lstStyle/>
-          <a:p>
-            <a:r>
-              <a:rPr lang="fr-FR" cap="none" dirty="0"/>
-              <a:t>AngularJS</a:t>
-            </a:r>
-            <a:endParaRPr lang="en-GB" cap="none" dirty="0"/>
-          </a:p>
-        </p:txBody>
-      </p:sp>
-      <p:sp>
-        <p:nvSpPr>
-          <p:cNvPr id="5" name="Espace réservé du numéro de diapositive 4"/>
-          <p:cNvSpPr>
-            <a:spLocks noGrp="1"/>
-          </p:cNvSpPr>
-          <p:nvPr>
-            <p:ph type="sldNum" sz="quarter" idx="12"/>
-          </p:nvPr>
-        </p:nvSpPr>
-        <p:spPr bwMode="gray"/>
-        <p:txBody>
-          <a:bodyPr/>
-          <a:lstStyle/>
-          <a:p>
-            <a:fld id="{AF43E6FD-AB27-4108-A2FC-346BB5F75E3F}" type="slidenum">
-              <a:rPr lang="fr-FR" smtClean="0"/>
-              <a:pPr/>
-              <a:t>2</a:t>
-            </a:fld>
-            <a:endParaRPr lang="fr-FR" dirty="0"/>
-          </a:p>
-        </p:txBody>
-      </p:sp>
-      <p:sp>
-        <p:nvSpPr>
-          <p:cNvPr id="10" name="Espace réservé du texte 9"/>
-          <p:cNvSpPr>
-            <a:spLocks noGrp="1"/>
-          </p:cNvSpPr>
-          <p:nvPr>
-            <p:ph type="body" sz="quarter" idx="13"/>
-          </p:nvPr>
-        </p:nvSpPr>
-        <p:spPr bwMode="gray"/>
-        <p:txBody>
-          <a:bodyPr/>
-          <a:lstStyle/>
-          <a:p>
-            <a:endParaRPr lang="en-GB" cap="none" dirty="0"/>
-          </a:p>
-        </p:txBody>
-      </p:sp>
-      <p:sp>
-        <p:nvSpPr>
-          <p:cNvPr id="6" name="Espace réservé du pied de page 5"/>
-          <p:cNvSpPr>
-            <a:spLocks noGrp="1"/>
-          </p:cNvSpPr>
-          <p:nvPr>
-            <p:ph type="ftr" sz="quarter" idx="11"/>
-          </p:nvPr>
-        </p:nvSpPr>
-        <p:spPr/>
-        <p:txBody>
-          <a:bodyPr/>
-          <a:lstStyle/>
-          <a:p>
-            <a:r>
-              <a:rPr lang="fr-FR"/>
-              <a:t>Nom de la présentation</a:t>
-            </a:r>
-            <a:endParaRPr lang="fr-FR" dirty="0"/>
-          </a:p>
-        </p:txBody>
-      </p:sp>
-    </p:spTree>
-    <p:extLst>
-      <p:ext uri="{BB962C8B-B14F-4D97-AF65-F5344CB8AC3E}">
-        <p14:creationId xmlns:p14="http://schemas.microsoft.com/office/powerpoint/2010/main" val="2526031973"/>
-      </p:ext>
-    </p:extLst>
-  </p:cSld>
-  <p:clrMapOvr>
-    <a:masterClrMapping/>
-  </p:clrMapOvr>
-  <p:transition/>
-</p:sld>
-</file>
-
-<file path=ppt/slides/slide20.xml><?xml version="1.0" encoding="utf-8"?>
+<file path=ppt/slides/slide16.xml><?xml version="1.0" encoding="utf-8"?>
 <p:sld xmlns:a="http://schemas.openxmlformats.org/drawingml/2006/main" xmlns:r="http://schemas.openxmlformats.org/officeDocument/2006/relationships" xmlns:p="http://schemas.openxmlformats.org/presentationml/2006/main">
   <p:cSld>
     <p:spTree>
@@ -17726,10 +16032,6 @@
           <a:bodyPr/>
           <a:lstStyle/>
           <a:p>
-            <a:r>
-              <a:rPr lang="fr-FR" cap="none" dirty="0"/>
-              <a:t>AngularJS</a:t>
-            </a:r>
             <a:endParaRPr lang="en-GB" cap="none" dirty="0"/>
           </a:p>
         </p:txBody>
@@ -17752,7 +16054,7 @@
             <a:fld id="{AF43E6FD-AB27-4108-A2FC-346BB5F75E3F}" type="slidenum">
               <a:rPr lang="fr-FR" smtClean="0"/>
               <a:pPr/>
-              <a:t>20</a:t>
+              <a:t>16</a:t>
             </a:fld>
             <a:endParaRPr lang="fr-FR" dirty="0"/>
           </a:p>
@@ -17816,8 +16118,16 @@
           <a:lstStyle/>
           <a:p>
             <a:r>
-              <a:rPr lang="fr-FR"/>
-              <a:t>Nom de la présentation</a:t>
+              <a:rPr lang="fr-FR" dirty="0" err="1"/>
+              <a:t>Angular</a:t>
+            </a:r>
+            <a:r>
+              <a:rPr lang="fr-FR" dirty="0"/>
+              <a:t> JS 1: </a:t>
+            </a:r>
+            <a:r>
+              <a:rPr lang="fr-FR" dirty="0" err="1"/>
+              <a:t>Forms</a:t>
             </a:r>
             <a:endParaRPr lang="fr-FR" dirty="0"/>
           </a:p>
@@ -17836,7 +16146,7 @@
 </p:sld>
 </file>
 
-<file path=ppt/slides/slide21.xml><?xml version="1.0" encoding="utf-8"?>
+<file path=ppt/slides/slide17.xml><?xml version="1.0" encoding="utf-8"?>
 <p:sld xmlns:a="http://schemas.openxmlformats.org/drawingml/2006/main" xmlns:r="http://schemas.openxmlformats.org/officeDocument/2006/relationships" xmlns:p="http://schemas.openxmlformats.org/presentationml/2006/main">
   <p:cSld>
     <p:spTree>
@@ -17871,7 +16181,7 @@
             <a:fld id="{AF43E6FD-AB27-4108-A2FC-346BB5F75E3F}" type="slidenum">
               <a:rPr lang="fr-FR" smtClean="0"/>
               <a:pPr/>
-              <a:t>21</a:t>
+              <a:t>17</a:t>
             </a:fld>
             <a:endParaRPr lang="fr-FR" dirty="0"/>
           </a:p>
@@ -17939,8 +16249,16 @@
           <a:lstStyle/>
           <a:p>
             <a:r>
-              <a:rPr lang="fr-FR"/>
-              <a:t>Nom de la présentation</a:t>
+              <a:rPr lang="fr-FR" dirty="0" err="1"/>
+              <a:t>Angular</a:t>
+            </a:r>
+            <a:r>
+              <a:rPr lang="fr-FR" dirty="0"/>
+              <a:t> JS 1: </a:t>
+            </a:r>
+            <a:r>
+              <a:rPr lang="fr-FR" dirty="0" err="1"/>
+              <a:t>Forms</a:t>
             </a:r>
             <a:endParaRPr lang="fr-FR" dirty="0"/>
           </a:p>
@@ -17978,7 +16296,7 @@
 </p:sld>
 </file>
 
-<file path=ppt/slides/slide22.xml><?xml version="1.0" encoding="utf-8"?>
+<file path=ppt/slides/slide18.xml><?xml version="1.0" encoding="utf-8"?>
 <p:sld xmlns:a="http://schemas.openxmlformats.org/drawingml/2006/main" xmlns:r="http://schemas.openxmlformats.org/officeDocument/2006/relationships" xmlns:p="http://schemas.openxmlformats.org/presentationml/2006/main">
   <p:cSld>
     <p:spTree>
@@ -18037,10 +16355,6 @@
           <a:bodyPr/>
           <a:lstStyle/>
           <a:p>
-            <a:r>
-              <a:rPr lang="fr-FR" cap="none" dirty="0"/>
-              <a:t>AngularJS</a:t>
-            </a:r>
             <a:endParaRPr lang="en-GB" cap="none" dirty="0"/>
           </a:p>
         </p:txBody>
@@ -18063,7 +16377,7 @@
             <a:fld id="{AF43E6FD-AB27-4108-A2FC-346BB5F75E3F}" type="slidenum">
               <a:rPr lang="fr-FR" smtClean="0"/>
               <a:pPr/>
-              <a:t>22</a:t>
+              <a:t>18</a:t>
             </a:fld>
             <a:endParaRPr lang="fr-FR" dirty="0"/>
           </a:p>
@@ -18104,8 +16418,16 @@
           <a:lstStyle/>
           <a:p>
             <a:r>
-              <a:rPr lang="fr-FR"/>
-              <a:t>Nom de la présentation</a:t>
+              <a:rPr lang="fr-FR" dirty="0" err="1"/>
+              <a:t>Angular</a:t>
+            </a:r>
+            <a:r>
+              <a:rPr lang="fr-FR" dirty="0"/>
+              <a:t> JS 1: </a:t>
+            </a:r>
+            <a:r>
+              <a:rPr lang="fr-FR" dirty="0" err="1"/>
+              <a:t>Forms</a:t>
             </a:r>
             <a:endParaRPr lang="fr-FR" dirty="0"/>
           </a:p>
@@ -18298,7 +16620,7 @@
 </p:sld>
 </file>
 
-<file path=ppt/slides/slide23.xml><?xml version="1.0" encoding="utf-8"?>
+<file path=ppt/slides/slide19.xml><?xml version="1.0" encoding="utf-8"?>
 <p:sld xmlns:a="http://schemas.openxmlformats.org/drawingml/2006/main" xmlns:r="http://schemas.openxmlformats.org/officeDocument/2006/relationships" xmlns:p="http://schemas.openxmlformats.org/presentationml/2006/main">
   <p:cSld>
     <p:spTree>
@@ -18491,7 +16813,7 @@
             <a:fld id="{AF43E6FD-AB27-4108-A2FC-346BB5F75E3F}" type="slidenum">
               <a:rPr lang="fr-FR" smtClean="0"/>
               <a:pPr/>
-              <a:t>23</a:t>
+              <a:t>19</a:t>
             </a:fld>
             <a:endParaRPr lang="fr-FR" dirty="0"/>
           </a:p>
@@ -18532,8 +16854,16 @@
           <a:lstStyle/>
           <a:p>
             <a:r>
-              <a:rPr lang="fr-FR"/>
-              <a:t>Nom de la présentation</a:t>
+              <a:rPr lang="fr-FR" dirty="0" err="1"/>
+              <a:t>Angular</a:t>
+            </a:r>
+            <a:r>
+              <a:rPr lang="fr-FR" dirty="0"/>
+              <a:t> JS 1: </a:t>
+            </a:r>
+            <a:r>
+              <a:rPr lang="fr-FR" dirty="0" err="1"/>
+              <a:t>Forms</a:t>
             </a:r>
             <a:endParaRPr lang="fr-FR" dirty="0"/>
           </a:p>
@@ -18631,7 +16961,7 @@
 </p:sld>
 </file>
 
-<file path=ppt/slides/slide24.xml><?xml version="1.0" encoding="utf-8"?>
+<file path=ppt/slides/slide2.xml><?xml version="1.0" encoding="utf-8"?>
 <p:sld xmlns:a="http://schemas.openxmlformats.org/drawingml/2006/main" xmlns:r="http://schemas.openxmlformats.org/officeDocument/2006/relationships" xmlns:p="http://schemas.openxmlformats.org/presentationml/2006/main">
   <p:cSld>
     <p:spTree>
@@ -18660,45 +16990,75 @@
         </p:nvSpPr>
         <p:spPr bwMode="gray">
           <a:xfrm>
-            <a:off x="544439" y="1330779"/>
-            <a:ext cx="8088511" cy="2679699"/>
+            <a:off x="515938" y="4276725"/>
+            <a:ext cx="8088511" cy="1889124"/>
           </a:xfrm>
         </p:spPr>
         <p:txBody>
           <a:bodyPr>
-            <a:normAutofit/>
+            <a:normAutofit fontScale="85000" lnSpcReduction="10000"/>
           </a:bodyPr>
           <a:lstStyle/>
           <a:p>
             <a:r>
+              <a:rPr lang="en-US" dirty="0" err="1" smtClean="0"/>
+              <a:t>Utilisation</a:t>
+            </a:r>
+            <a:r>
+              <a:rPr lang="en-US" dirty="0" smtClean="0"/>
+              <a:t> de </a:t>
+            </a:r>
+            <a:r>
+              <a:rPr lang="en-US" dirty="0" smtClean="0">
+                <a:solidFill>
+                  <a:srgbClr val="FF0000"/>
+                </a:solidFill>
+              </a:rPr>
+              <a:t>ng-model</a:t>
+            </a:r>
+            <a:r>
+              <a:rPr lang="en-US" dirty="0" smtClean="0"/>
+              <a:t> pour le double </a:t>
+            </a:r>
+            <a:r>
+              <a:rPr lang="en-US" dirty="0" err="1" smtClean="0"/>
+              <a:t>bindning</a:t>
+            </a:r>
+            <a:endParaRPr lang="en-US" dirty="0"/>
+          </a:p>
+          <a:p>
+            <a:r>
+              <a:rPr lang="en-US" dirty="0" err="1">
+                <a:solidFill>
+                  <a:srgbClr val="FF0000"/>
+                </a:solidFill>
+              </a:rPr>
+              <a:t>novalidate</a:t>
+            </a:r>
+            <a:r>
               <a:rPr lang="en-US" dirty="0"/>
-              <a:t>You choose your theme</a:t>
-            </a:r>
-          </a:p>
-          <a:p>
-            <a:pPr lvl="1"/>
-            <a:endParaRPr lang="en-US" dirty="0"/>
-          </a:p>
-          <a:p>
-            <a:pPr lvl="1"/>
-            <a:endParaRPr lang="en-US" dirty="0"/>
-          </a:p>
-          <a:p>
-            <a:pPr lvl="1"/>
-            <a:endParaRPr lang="en-US" dirty="0"/>
-          </a:p>
-          <a:p>
-            <a:pPr lvl="1"/>
-            <a:endParaRPr lang="en-US" dirty="0"/>
-          </a:p>
-          <a:p>
-            <a:endParaRPr lang="en-US" dirty="0"/>
-          </a:p>
-          <a:p>
-            <a:endParaRPr lang="en-US" dirty="0"/>
-          </a:p>
-          <a:p>
-            <a:endParaRPr lang="en-US" dirty="0"/>
+              <a:t> (attributes defined in HTML 5) =&gt;  disables the browser automatic validation</a:t>
+            </a:r>
+          </a:p>
+          <a:p>
+            <a:r>
+              <a:rPr lang="en-US" dirty="0" smtClean="0"/>
+              <a:t>Check the HTML5 types : text, email, number …</a:t>
+            </a:r>
+          </a:p>
+          <a:p>
+            <a:r>
+              <a:rPr lang="en-US" dirty="0" smtClean="0"/>
+              <a:t>type="mail"  prevents an invalid value to be synced with the binding data defined in ng-model </a:t>
+            </a:r>
+            <a:r>
+              <a:rPr lang="en-US" dirty="0" err="1" smtClean="0"/>
+              <a:t>user.mail</a:t>
+            </a:r>
+            <a:r>
+              <a:rPr lang="en-US" dirty="0" smtClean="0"/>
+              <a:t> if not valid</a:t>
+            </a:r>
           </a:p>
           <a:p>
             <a:endParaRPr lang="en-US" dirty="0"/>
@@ -18725,10 +17085,6 @@
           <a:bodyPr/>
           <a:lstStyle/>
           <a:p>
-            <a:r>
-              <a:rPr lang="fr-FR" cap="none" dirty="0"/>
-              <a:t>AngularJS</a:t>
-            </a:r>
             <a:endParaRPr lang="en-GB" cap="none" dirty="0"/>
           </a:p>
         </p:txBody>
@@ -18751,7 +17107,7 @@
             <a:fld id="{AF43E6FD-AB27-4108-A2FC-346BB5F75E3F}" type="slidenum">
               <a:rPr lang="fr-FR" smtClean="0"/>
               <a:pPr/>
-              <a:t>24</a:t>
+              <a:t>2</a:t>
             </a:fld>
             <a:endParaRPr lang="fr-FR" dirty="0"/>
           </a:p>
@@ -18773,6 +17129,332 @@
           <a:lstStyle/>
           <a:p>
             <a:r>
+              <a:rPr lang="en-GB" cap="none" dirty="0" smtClean="0"/>
+              <a:t>Un </a:t>
+            </a:r>
+            <a:r>
+              <a:rPr lang="en-GB" cap="none" dirty="0" err="1" smtClean="0"/>
+              <a:t>formulaire</a:t>
+            </a:r>
+            <a:endParaRPr lang="en-GB" cap="none" dirty="0"/>
+          </a:p>
+        </p:txBody>
+      </p:sp>
+      <p:sp>
+        <p:nvSpPr>
+          <p:cNvPr id="6" name="Espace réservé du pied de page 5"/>
+          <p:cNvSpPr>
+            <a:spLocks noGrp="1"/>
+          </p:cNvSpPr>
+          <p:nvPr>
+            <p:ph type="ftr" sz="quarter" idx="11"/>
+          </p:nvPr>
+        </p:nvSpPr>
+        <p:spPr/>
+        <p:txBody>
+          <a:bodyPr/>
+          <a:lstStyle/>
+          <a:p>
+            <a:r>
+              <a:rPr lang="fr-FR" dirty="0" err="1"/>
+              <a:t>Angular</a:t>
+            </a:r>
+            <a:r>
+              <a:rPr lang="fr-FR" dirty="0"/>
+              <a:t> JS 1: </a:t>
+            </a:r>
+            <a:r>
+              <a:rPr lang="fr-FR" dirty="0" err="1"/>
+              <a:t>Forms</a:t>
+            </a:r>
+            <a:endParaRPr lang="fr-FR" dirty="0"/>
+          </a:p>
+        </p:txBody>
+      </p:sp>
+      <p:pic>
+        <p:nvPicPr>
+          <p:cNvPr id="1026" name="Picture 2"/>
+          <p:cNvPicPr>
+            <a:picLocks noChangeAspect="1" noChangeArrowheads="1"/>
+          </p:cNvPicPr>
+          <p:nvPr/>
+        </p:nvPicPr>
+        <p:blipFill>
+          <a:blip r:embed="rId3"/>
+          <a:srcRect/>
+          <a:stretch>
+            <a:fillRect/>
+          </a:stretch>
+        </p:blipFill>
+        <p:spPr bwMode="auto">
+          <a:xfrm>
+            <a:off x="1496949" y="989929"/>
+            <a:ext cx="7494392" cy="3043839"/>
+          </a:xfrm>
+          <a:prstGeom prst="rect">
+            <a:avLst/>
+          </a:prstGeom>
+          <a:noFill/>
+          <a:ln w="9525">
+            <a:noFill/>
+            <a:miter lim="800000"/>
+            <a:headEnd/>
+            <a:tailEnd/>
+          </a:ln>
+          <a:effectLst/>
+        </p:spPr>
+      </p:pic>
+      <p:sp>
+        <p:nvSpPr>
+          <p:cNvPr id="4" name="Rectangle à coins arrondis 3"/>
+          <p:cNvSpPr/>
+          <p:nvPr/>
+        </p:nvSpPr>
+        <p:spPr>
+          <a:xfrm>
+            <a:off x="3162271" y="1572565"/>
+            <a:ext cx="1065686" cy="240571"/>
+          </a:xfrm>
+          <a:prstGeom prst="roundRect">
+            <a:avLst/>
+          </a:prstGeom>
+          <a:solidFill>
+            <a:srgbClr val="CF022B">
+              <a:alpha val="30000"/>
+            </a:srgbClr>
+          </a:solidFill>
+          <a:ln>
+            <a:noFill/>
+          </a:ln>
+        </p:spPr>
+        <p:style>
+          <a:lnRef idx="2">
+            <a:schemeClr val="accent1">
+              <a:shade val="50000"/>
+            </a:schemeClr>
+          </a:lnRef>
+          <a:fillRef idx="1">
+            <a:schemeClr val="accent1"/>
+          </a:fillRef>
+          <a:effectRef idx="0">
+            <a:schemeClr val="accent1"/>
+          </a:effectRef>
+          <a:fontRef idx="minor">
+            <a:schemeClr val="lt1"/>
+          </a:fontRef>
+        </p:style>
+        <p:txBody>
+          <a:bodyPr rtlCol="0" anchor="ctr"/>
+          <a:lstStyle/>
+          <a:p>
+            <a:pPr algn="ctr"/>
+            <a:endParaRPr lang="fr-FR" dirty="0"/>
+          </a:p>
+        </p:txBody>
+      </p:sp>
+      <p:sp>
+        <p:nvSpPr>
+          <p:cNvPr id="9" name="Rectangle à coins arrondis 8"/>
+          <p:cNvSpPr/>
+          <p:nvPr/>
+        </p:nvSpPr>
+        <p:spPr>
+          <a:xfrm>
+            <a:off x="3339054" y="1856962"/>
+            <a:ext cx="1175795" cy="240571"/>
+          </a:xfrm>
+          <a:prstGeom prst="roundRect">
+            <a:avLst/>
+          </a:prstGeom>
+          <a:solidFill>
+            <a:srgbClr val="CF022B">
+              <a:alpha val="30000"/>
+            </a:srgbClr>
+          </a:solidFill>
+          <a:ln>
+            <a:noFill/>
+          </a:ln>
+        </p:spPr>
+        <p:style>
+          <a:lnRef idx="2">
+            <a:schemeClr val="accent1">
+              <a:shade val="50000"/>
+            </a:schemeClr>
+          </a:lnRef>
+          <a:fillRef idx="1">
+            <a:schemeClr val="accent1"/>
+          </a:fillRef>
+          <a:effectRef idx="0">
+            <a:schemeClr val="accent1"/>
+          </a:effectRef>
+          <a:fontRef idx="minor">
+            <a:schemeClr val="lt1"/>
+          </a:fontRef>
+        </p:style>
+        <p:txBody>
+          <a:bodyPr rtlCol="0" anchor="ctr"/>
+          <a:lstStyle/>
+          <a:p>
+            <a:pPr algn="ctr"/>
+            <a:endParaRPr lang="fr-FR" dirty="0"/>
+          </a:p>
+        </p:txBody>
+      </p:sp>
+    </p:spTree>
+    <p:extLst>
+      <p:ext uri="{BB962C8B-B14F-4D97-AF65-F5344CB8AC3E}">
+        <p14:creationId xmlns:p14="http://schemas.microsoft.com/office/powerpoint/2010/main" val="2526031973"/>
+      </p:ext>
+    </p:extLst>
+  </p:cSld>
+  <p:clrMapOvr>
+    <a:masterClrMapping/>
+  </p:clrMapOvr>
+</p:sld>
+</file>
+
+<file path=ppt/slides/slide20.xml><?xml version="1.0" encoding="utf-8"?>
+<p:sld xmlns:a="http://schemas.openxmlformats.org/drawingml/2006/main" xmlns:r="http://schemas.openxmlformats.org/officeDocument/2006/relationships" xmlns:p="http://schemas.openxmlformats.org/presentationml/2006/main">
+  <p:cSld>
+    <p:spTree>
+      <p:nvGrpSpPr>
+        <p:cNvPr id="1" name=""/>
+        <p:cNvGrpSpPr/>
+        <p:nvPr/>
+      </p:nvGrpSpPr>
+      <p:grpSpPr>
+        <a:xfrm>
+          <a:off x="0" y="0"/>
+          <a:ext cx="0" cy="0"/>
+          <a:chOff x="0" y="0"/>
+          <a:chExt cx="0" cy="0"/>
+        </a:xfrm>
+      </p:grpSpPr>
+      <p:sp>
+        <p:nvSpPr>
+          <p:cNvPr id="2" name="Espace réservé du contenu 1"/>
+          <p:cNvSpPr>
+            <a:spLocks noGrp="1"/>
+          </p:cNvSpPr>
+          <p:nvPr>
+            <p:ph idx="1"/>
+          </p:nvPr>
+        </p:nvSpPr>
+        <p:spPr bwMode="gray">
+          <a:xfrm>
+            <a:off x="544439" y="1330779"/>
+            <a:ext cx="8088511" cy="2679699"/>
+          </a:xfrm>
+        </p:spPr>
+        <p:txBody>
+          <a:bodyPr>
+            <a:normAutofit/>
+          </a:bodyPr>
+          <a:lstStyle/>
+          <a:p>
+            <a:r>
+              <a:rPr lang="en-US" dirty="0"/>
+              <a:t>You choose your theme</a:t>
+            </a:r>
+          </a:p>
+          <a:p>
+            <a:pPr lvl="1"/>
+            <a:endParaRPr lang="en-US" dirty="0"/>
+          </a:p>
+          <a:p>
+            <a:pPr lvl="1"/>
+            <a:endParaRPr lang="en-US" dirty="0"/>
+          </a:p>
+          <a:p>
+            <a:pPr lvl="1"/>
+            <a:endParaRPr lang="en-US" dirty="0"/>
+          </a:p>
+          <a:p>
+            <a:pPr lvl="1"/>
+            <a:endParaRPr lang="en-US" dirty="0"/>
+          </a:p>
+          <a:p>
+            <a:endParaRPr lang="en-US" dirty="0"/>
+          </a:p>
+          <a:p>
+            <a:endParaRPr lang="en-US" dirty="0"/>
+          </a:p>
+          <a:p>
+            <a:endParaRPr lang="en-US" dirty="0"/>
+          </a:p>
+          <a:p>
+            <a:endParaRPr lang="en-US" dirty="0"/>
+          </a:p>
+        </p:txBody>
+      </p:sp>
+      <p:sp>
+        <p:nvSpPr>
+          <p:cNvPr id="3" name="Titre 2"/>
+          <p:cNvSpPr>
+            <a:spLocks noGrp="1"/>
+          </p:cNvSpPr>
+          <p:nvPr>
+            <p:ph type="title"/>
+          </p:nvPr>
+        </p:nvSpPr>
+        <p:spPr bwMode="gray">
+          <a:xfrm>
+            <a:off x="544439" y="260648"/>
+            <a:ext cx="8045374" cy="332546"/>
+          </a:xfrm>
+        </p:spPr>
+        <p:txBody>
+          <a:bodyPr/>
+          <a:lstStyle/>
+          <a:p>
+            <a:r>
+              <a:rPr lang="fr-FR" cap="none" dirty="0"/>
+              <a:t>AngularJS</a:t>
+            </a:r>
+            <a:endParaRPr lang="en-GB" cap="none" dirty="0"/>
+          </a:p>
+        </p:txBody>
+      </p:sp>
+      <p:sp>
+        <p:nvSpPr>
+          <p:cNvPr id="5" name="Espace réservé du numéro de diapositive 4"/>
+          <p:cNvSpPr>
+            <a:spLocks noGrp="1"/>
+          </p:cNvSpPr>
+          <p:nvPr>
+            <p:ph type="sldNum" sz="quarter" idx="12"/>
+          </p:nvPr>
+        </p:nvSpPr>
+        <p:spPr bwMode="gray"/>
+        <p:txBody>
+          <a:bodyPr/>
+          <a:lstStyle/>
+          <a:p>
+            <a:fld id="{AF43E6FD-AB27-4108-A2FC-346BB5F75E3F}" type="slidenum">
+              <a:rPr lang="fr-FR" smtClean="0"/>
+              <a:pPr/>
+              <a:t>20</a:t>
+            </a:fld>
+            <a:endParaRPr lang="fr-FR" dirty="0"/>
+          </a:p>
+        </p:txBody>
+      </p:sp>
+      <p:sp>
+        <p:nvSpPr>
+          <p:cNvPr id="10" name="Espace réservé du texte 9"/>
+          <p:cNvSpPr>
+            <a:spLocks noGrp="1"/>
+          </p:cNvSpPr>
+          <p:nvPr>
+            <p:ph type="body" sz="quarter" idx="13"/>
+          </p:nvPr>
+        </p:nvSpPr>
+        <p:spPr bwMode="gray"/>
+        <p:txBody>
+          <a:bodyPr/>
+          <a:lstStyle/>
+          <a:p>
+            <a:r>
               <a:rPr lang="en-GB" cap="none" dirty="0"/>
               <a:t>Combo usual problem : selected item when going back with different data</a:t>
             </a:r>
@@ -18795,8 +17477,16 @@
           <a:lstStyle/>
           <a:p>
             <a:r>
-              <a:rPr lang="fr-FR"/>
-              <a:t>Nom de la présentation</a:t>
+              <a:rPr lang="fr-FR" dirty="0" err="1"/>
+              <a:t>Angular</a:t>
+            </a:r>
+            <a:r>
+              <a:rPr lang="fr-FR" dirty="0"/>
+              <a:t> JS 1: </a:t>
+            </a:r>
+            <a:r>
+              <a:rPr lang="fr-FR" dirty="0" err="1"/>
+              <a:t>Forms</a:t>
             </a:r>
             <a:endParaRPr lang="fr-FR" dirty="0"/>
           </a:p>
@@ -18873,7 +17563,7 @@
 </p:sld>
 </file>
 
-<file path=ppt/slides/slide25.xml><?xml version="1.0" encoding="utf-8"?>
+<file path=ppt/slides/slide21.xml><?xml version="1.0" encoding="utf-8"?>
 <p:sld xmlns:a="http://schemas.openxmlformats.org/drawingml/2006/main" xmlns:r="http://schemas.openxmlformats.org/officeDocument/2006/relationships" xmlns:p="http://schemas.openxmlformats.org/presentationml/2006/main">
   <p:cSld>
     <p:spTree>
@@ -19070,7 +17760,7 @@
             <a:fld id="{AF43E6FD-AB27-4108-A2FC-346BB5F75E3F}" type="slidenum">
               <a:rPr lang="fr-FR" smtClean="0"/>
               <a:pPr/>
-              <a:t>25</a:t>
+              <a:t>21</a:t>
             </a:fld>
             <a:endParaRPr lang="fr-FR" dirty="0"/>
           </a:p>
@@ -19114,8 +17804,16 @@
           <a:lstStyle/>
           <a:p>
             <a:r>
-              <a:rPr lang="fr-FR"/>
-              <a:t>Nom de la présentation</a:t>
+              <a:rPr lang="fr-FR" dirty="0" err="1"/>
+              <a:t>Angular</a:t>
+            </a:r>
+            <a:r>
+              <a:rPr lang="fr-FR" dirty="0"/>
+              <a:t> JS 1: </a:t>
+            </a:r>
+            <a:r>
+              <a:rPr lang="fr-FR" dirty="0" err="1"/>
+              <a:t>Forms</a:t>
             </a:r>
             <a:endParaRPr lang="fr-FR" dirty="0"/>
           </a:p>
@@ -19221,7 +17919,7 @@
 </p:sld>
 </file>
 
-<file path=ppt/slides/slide26.xml><?xml version="1.0" encoding="utf-8"?>
+<file path=ppt/slides/slide22.xml><?xml version="1.0" encoding="utf-8"?>
 <p:sld xmlns:a="http://schemas.openxmlformats.org/drawingml/2006/main" xmlns:r="http://schemas.openxmlformats.org/officeDocument/2006/relationships" xmlns:p="http://schemas.openxmlformats.org/presentationml/2006/main">
   <p:cSld>
     <p:spTree>
@@ -19319,7 +18017,7 @@
             <a:fld id="{AF43E6FD-AB27-4108-A2FC-346BB5F75E3F}" type="slidenum">
               <a:rPr lang="fr-FR" smtClean="0"/>
               <a:pPr/>
-              <a:t>26</a:t>
+              <a:t>22</a:t>
             </a:fld>
             <a:endParaRPr lang="fr-FR" dirty="0"/>
           </a:p>
@@ -19363,8 +18061,16 @@
           <a:lstStyle/>
           <a:p>
             <a:r>
-              <a:rPr lang="fr-FR"/>
-              <a:t>Nom de la présentation</a:t>
+              <a:rPr lang="fr-FR" dirty="0" err="1"/>
+              <a:t>Angular</a:t>
+            </a:r>
+            <a:r>
+              <a:rPr lang="fr-FR" dirty="0"/>
+              <a:t> JS 1: </a:t>
+            </a:r>
+            <a:r>
+              <a:rPr lang="fr-FR" dirty="0" err="1"/>
+              <a:t>Forms</a:t>
             </a:r>
             <a:endParaRPr lang="fr-FR" dirty="0"/>
           </a:p>
@@ -19407,7 +18113,7 @@
 </p:sld>
 </file>
 
-<file path=ppt/slides/slide27.xml><?xml version="1.0" encoding="utf-8"?>
+<file path=ppt/slides/slide23.xml><?xml version="1.0" encoding="utf-8"?>
 <p:sld xmlns:a="http://schemas.openxmlformats.org/drawingml/2006/main" xmlns:r="http://schemas.openxmlformats.org/officeDocument/2006/relationships" xmlns:p="http://schemas.openxmlformats.org/presentationml/2006/main">
   <p:cSld>
     <p:spTree>
@@ -19505,7 +18211,7 @@
             <a:fld id="{AF43E6FD-AB27-4108-A2FC-346BB5F75E3F}" type="slidenum">
               <a:rPr lang="fr-FR" smtClean="0"/>
               <a:pPr/>
-              <a:t>27</a:t>
+              <a:t>23</a:t>
             </a:fld>
             <a:endParaRPr lang="fr-FR" dirty="0"/>
           </a:p>
@@ -19549,8 +18255,16 @@
           <a:lstStyle/>
           <a:p>
             <a:r>
-              <a:rPr lang="fr-FR"/>
-              <a:t>Nom de la présentation</a:t>
+              <a:rPr lang="fr-FR" dirty="0" err="1"/>
+              <a:t>Angular</a:t>
+            </a:r>
+            <a:r>
+              <a:rPr lang="fr-FR" dirty="0"/>
+              <a:t> JS 1: </a:t>
+            </a:r>
+            <a:r>
+              <a:rPr lang="fr-FR" dirty="0" err="1"/>
+              <a:t>Forms</a:t>
             </a:r>
             <a:endParaRPr lang="fr-FR" dirty="0"/>
           </a:p>
@@ -19593,6 +18307,271 @@
 </p:sld>
 </file>
 
+<file path=ppt/slides/slide24.xml><?xml version="1.0" encoding="utf-8"?>
+<p:sld xmlns:a="http://schemas.openxmlformats.org/drawingml/2006/main" xmlns:r="http://schemas.openxmlformats.org/officeDocument/2006/relationships" xmlns:p="http://schemas.openxmlformats.org/presentationml/2006/main" show="0">
+  <p:cSld>
+    <p:spTree>
+      <p:nvGrpSpPr>
+        <p:cNvPr id="1" name=""/>
+        <p:cNvGrpSpPr/>
+        <p:nvPr/>
+      </p:nvGrpSpPr>
+      <p:grpSpPr>
+        <a:xfrm>
+          <a:off x="0" y="0"/>
+          <a:ext cx="0" cy="0"/>
+          <a:chOff x="0" y="0"/>
+          <a:chExt cx="0" cy="0"/>
+        </a:xfrm>
+      </p:grpSpPr>
+      <p:sp>
+        <p:nvSpPr>
+          <p:cNvPr id="2" name="Espace réservé du contenu 1"/>
+          <p:cNvSpPr>
+            <a:spLocks noGrp="1"/>
+          </p:cNvSpPr>
+          <p:nvPr>
+            <p:ph idx="1"/>
+          </p:nvPr>
+        </p:nvSpPr>
+        <p:spPr bwMode="gray"/>
+        <p:txBody>
+          <a:bodyPr/>
+          <a:lstStyle/>
+          <a:p>
+            <a:r>
+              <a:rPr lang="en-US" dirty="0" err="1"/>
+              <a:t>PluralSight</a:t>
+            </a:r>
+            <a:r>
+              <a:rPr lang="en-US" dirty="0"/>
+              <a:t> AngularJS </a:t>
+            </a:r>
+            <a:r>
+              <a:rPr lang="en-US" dirty="0" err="1"/>
+              <a:t>PlayBook</a:t>
+            </a:r>
+            <a:r>
+              <a:rPr lang="en-US" dirty="0"/>
+              <a:t> : </a:t>
+            </a:r>
+          </a:p>
+          <a:p>
+            <a:pPr lvl="1"/>
+            <a:r>
+              <a:rPr lang="en-US" dirty="0"/>
+              <a:t>by Scott Allen</a:t>
+            </a:r>
+          </a:p>
+          <a:p>
+            <a:pPr lvl="1"/>
+            <a:r>
+              <a:rPr lang="en-US" dirty="0"/>
+              <a:t>chapter 5 : FORMS   </a:t>
+            </a:r>
+          </a:p>
+          <a:p>
+            <a:pPr lvl="2"/>
+            <a:r>
+              <a:rPr lang="en-US" dirty="0"/>
+              <a:t>=&gt; ng-messages , custom error messages directive, custom validation directive, custom </a:t>
+            </a:r>
+            <a:r>
+              <a:rPr lang="en-US" dirty="0" err="1"/>
+              <a:t>async</a:t>
+            </a:r>
+            <a:r>
+              <a:rPr lang="en-US" dirty="0"/>
+              <a:t> validation directive</a:t>
+            </a:r>
+          </a:p>
+          <a:p>
+            <a:r>
+              <a:rPr lang="en-US" dirty="0"/>
+              <a:t> </a:t>
+            </a:r>
+            <a:r>
+              <a:rPr lang="en-US" dirty="0" err="1"/>
+              <a:t>PLuralSight</a:t>
+            </a:r>
+            <a:r>
+              <a:rPr lang="en-US" dirty="0"/>
+              <a:t> : Angular Fundamentals</a:t>
+            </a:r>
+          </a:p>
+          <a:p>
+            <a:pPr lvl="1"/>
+            <a:r>
+              <a:rPr lang="en-US" dirty="0"/>
+              <a:t>by </a:t>
+            </a:r>
+            <a:r>
+              <a:rPr lang="en-US" dirty="0">
+                <a:hlinkClick r:id="rId3"/>
+              </a:rPr>
+              <a:t>Joe Eames</a:t>
+            </a:r>
+            <a:r>
+              <a:rPr lang="en-US" dirty="0"/>
+              <a:t> and </a:t>
+            </a:r>
+            <a:r>
+              <a:rPr lang="en-US" dirty="0">
+                <a:hlinkClick r:id="rId4"/>
+              </a:rPr>
+              <a:t>Jim Cooper</a:t>
+            </a:r>
+            <a:endParaRPr lang="en-US" dirty="0"/>
+          </a:p>
+          <a:p>
+            <a:pPr lvl="1"/>
+            <a:r>
+              <a:rPr lang="en-US" dirty="0"/>
+              <a:t>ch2-last-video</a:t>
+            </a:r>
+          </a:p>
+          <a:p>
+            <a:pPr lvl="2"/>
+            <a:r>
+              <a:rPr lang="en-US" dirty="0"/>
+              <a:t>simple validation : </a:t>
+            </a:r>
+            <a:r>
+              <a:rPr lang="en-US" dirty="0" err="1"/>
+              <a:t>ngPattern</a:t>
+            </a:r>
+            <a:r>
+              <a:rPr lang="en-US" dirty="0"/>
+              <a:t>, required, </a:t>
+            </a:r>
+            <a:r>
+              <a:rPr lang="en-US" dirty="0" err="1"/>
+              <a:t>ngDisabled</a:t>
+            </a:r>
+            <a:r>
+              <a:rPr lang="en-US" dirty="0"/>
+              <a:t>, $valid, </a:t>
+            </a:r>
+            <a:r>
+              <a:rPr lang="en-US"/>
+              <a:t>$untouched</a:t>
+            </a:r>
+            <a:endParaRPr lang="en-US" dirty="0"/>
+          </a:p>
+          <a:p>
+            <a:endParaRPr lang="en-US" dirty="0"/>
+          </a:p>
+        </p:txBody>
+      </p:sp>
+      <p:sp>
+        <p:nvSpPr>
+          <p:cNvPr id="3" name="Titre 2"/>
+          <p:cNvSpPr>
+            <a:spLocks noGrp="1"/>
+          </p:cNvSpPr>
+          <p:nvPr>
+            <p:ph type="title"/>
+          </p:nvPr>
+        </p:nvSpPr>
+        <p:spPr bwMode="gray">
+          <a:xfrm>
+            <a:off x="544439" y="651173"/>
+            <a:ext cx="8045374" cy="332546"/>
+          </a:xfrm>
+        </p:spPr>
+        <p:txBody>
+          <a:bodyPr/>
+          <a:lstStyle/>
+          <a:p>
+            <a:r>
+              <a:rPr lang="fr-FR" cap="none" dirty="0" err="1" smtClean="0"/>
+              <a:t>Angular</a:t>
+            </a:r>
+            <a:r>
+              <a:rPr lang="fr-FR" cap="none" dirty="0" smtClean="0"/>
+              <a:t> </a:t>
+            </a:r>
+            <a:r>
+              <a:rPr lang="fr-FR" cap="none" dirty="0" err="1" smtClean="0"/>
+              <a:t>Forms</a:t>
+            </a:r>
+            <a:r>
+              <a:rPr lang="fr-FR" cap="none" dirty="0" smtClean="0"/>
+              <a:t> on MOOC</a:t>
+            </a:r>
+            <a:endParaRPr lang="en-GB" cap="none" dirty="0"/>
+          </a:p>
+        </p:txBody>
+      </p:sp>
+      <p:sp>
+        <p:nvSpPr>
+          <p:cNvPr id="5" name="Espace réservé du numéro de diapositive 4"/>
+          <p:cNvSpPr>
+            <a:spLocks noGrp="1"/>
+          </p:cNvSpPr>
+          <p:nvPr>
+            <p:ph type="sldNum" sz="quarter" idx="12"/>
+          </p:nvPr>
+        </p:nvSpPr>
+        <p:spPr bwMode="gray"/>
+        <p:txBody>
+          <a:bodyPr/>
+          <a:lstStyle/>
+          <a:p>
+            <a:fld id="{AF43E6FD-AB27-4108-A2FC-346BB5F75E3F}" type="slidenum">
+              <a:rPr lang="fr-FR" smtClean="0"/>
+              <a:pPr/>
+              <a:t>24</a:t>
+            </a:fld>
+            <a:endParaRPr lang="fr-FR" dirty="0"/>
+          </a:p>
+        </p:txBody>
+      </p:sp>
+      <p:sp>
+        <p:nvSpPr>
+          <p:cNvPr id="6" name="Espace réservé du pied de page 5"/>
+          <p:cNvSpPr>
+            <a:spLocks noGrp="1"/>
+          </p:cNvSpPr>
+          <p:nvPr>
+            <p:ph type="ftr" sz="quarter" idx="11"/>
+          </p:nvPr>
+        </p:nvSpPr>
+        <p:spPr/>
+        <p:txBody>
+          <a:bodyPr/>
+          <a:lstStyle/>
+          <a:p>
+            <a:r>
+              <a:rPr lang="fr-FR" dirty="0" err="1"/>
+              <a:t>Angular</a:t>
+            </a:r>
+            <a:r>
+              <a:rPr lang="fr-FR" dirty="0"/>
+              <a:t> JS 1: </a:t>
+            </a:r>
+            <a:r>
+              <a:rPr lang="fr-FR" dirty="0" err="1"/>
+              <a:t>Forms</a:t>
+            </a:r>
+            <a:endParaRPr lang="fr-FR" dirty="0"/>
+          </a:p>
+        </p:txBody>
+      </p:sp>
+    </p:spTree>
+    <p:extLst>
+      <p:ext uri="{BB962C8B-B14F-4D97-AF65-F5344CB8AC3E}">
+        <p14:creationId xmlns:p14="http://schemas.microsoft.com/office/powerpoint/2010/main" val="4140355552"/>
+      </p:ext>
+    </p:extLst>
+  </p:cSld>
+  <p:clrMapOvr>
+    <a:masterClrMapping/>
+  </p:clrMapOvr>
+  <p:transition/>
+</p:sld>
+</file>
+
 <file path=ppt/slides/slide3.xml><?xml version="1.0" encoding="utf-8"?>
 <p:sld xmlns:a="http://schemas.openxmlformats.org/drawingml/2006/main" xmlns:r="http://schemas.openxmlformats.org/officeDocument/2006/relationships" xmlns:p="http://schemas.openxmlformats.org/presentationml/2006/main">
   <p:cSld>
@@ -19612,92 +18591,6 @@
       </p:grpSpPr>
       <p:sp>
         <p:nvSpPr>
-          <p:cNvPr id="2" name="Espace réservé du contenu 1"/>
-          <p:cNvSpPr>
-            <a:spLocks noGrp="1"/>
-          </p:cNvSpPr>
-          <p:nvPr>
-            <p:ph idx="1"/>
-          </p:nvPr>
-        </p:nvSpPr>
-        <p:spPr bwMode="gray">
-          <a:xfrm>
-            <a:off x="515938" y="4276725"/>
-            <a:ext cx="8088511" cy="1889124"/>
-          </a:xfrm>
-        </p:spPr>
-        <p:txBody>
-          <a:bodyPr>
-            <a:normAutofit fontScale="85000" lnSpcReduction="10000"/>
-          </a:bodyPr>
-          <a:lstStyle/>
-          <a:p>
-            <a:r>
-              <a:rPr lang="en-US" dirty="0">
-                <a:solidFill>
-                  <a:srgbClr val="FF0000"/>
-                </a:solidFill>
-              </a:rPr>
-              <a:t>ng-model</a:t>
-            </a:r>
-            <a:r>
-              <a:rPr lang="en-US" dirty="0"/>
-              <a:t> is the 2 way data binding Angular is so famous about ! </a:t>
-            </a:r>
-          </a:p>
-          <a:p>
-            <a:r>
-              <a:rPr lang="en-US" dirty="0" err="1">
-                <a:solidFill>
-                  <a:srgbClr val="FF0000"/>
-                </a:solidFill>
-              </a:rPr>
-              <a:t>novalidate</a:t>
-            </a:r>
-            <a:r>
-              <a:rPr lang="en-US" dirty="0"/>
-              <a:t> (attributes defined in HTML 5) =&gt;  disables the browser automatic validation</a:t>
-            </a:r>
-          </a:p>
-          <a:p>
-            <a:r>
-              <a:rPr lang="en-US" dirty="0"/>
-              <a:t>Check the HTML5 types : text, email, number …</a:t>
-            </a:r>
-          </a:p>
-          <a:p>
-            <a:r>
-              <a:rPr lang="en-US" dirty="0">
-                <a:solidFill>
-                  <a:srgbClr val="00B050"/>
-                </a:solidFill>
-              </a:rPr>
-              <a:t>type="mail"  prevents an invalid value to be synced with the binding data defined in ng-model </a:t>
-            </a:r>
-            <a:r>
-              <a:rPr lang="en-US" dirty="0" err="1">
-                <a:solidFill>
-                  <a:srgbClr val="00B050"/>
-                </a:solidFill>
-              </a:rPr>
-              <a:t>user.mail</a:t>
-            </a:r>
-            <a:r>
-              <a:rPr lang="en-US" dirty="0">
-                <a:solidFill>
-                  <a:srgbClr val="00B050"/>
-                </a:solidFill>
-              </a:rPr>
-              <a:t> if not valid</a:t>
-            </a:r>
-          </a:p>
-          <a:p>
-            <a:endParaRPr lang="en-US" dirty="0"/>
-          </a:p>
-        </p:txBody>
-      </p:sp>
-      <p:sp>
-        <p:nvSpPr>
           <p:cNvPr id="3" name="Titre 2"/>
           <p:cNvSpPr>
             <a:spLocks noGrp="1"/>
@@ -19716,10 +18609,6 @@
           <a:bodyPr/>
           <a:lstStyle/>
           <a:p>
-            <a:r>
-              <a:rPr lang="fr-FR" cap="none" dirty="0"/>
-              <a:t>AngularJS</a:t>
-            </a:r>
             <a:endParaRPr lang="en-GB" cap="none" dirty="0"/>
           </a:p>
         </p:txBody>
@@ -19764,9 +18653,26 @@
           <a:lstStyle/>
           <a:p>
             <a:r>
-              <a:rPr lang="en-GB" cap="none" dirty="0"/>
-              <a:t>FORM</a:t>
-            </a:r>
+              <a:rPr lang="en-GB" cap="none" dirty="0" smtClean="0"/>
+              <a:t>Les </a:t>
+            </a:r>
+            <a:r>
+              <a:rPr lang="en-GB" cap="none" dirty="0" smtClean="0"/>
+              <a:t>classes CSS </a:t>
+            </a:r>
+            <a:r>
+              <a:rPr lang="en-GB" cap="none" dirty="0" err="1" smtClean="0"/>
+              <a:t>associées</a:t>
+            </a:r>
+            <a:r>
+              <a:rPr lang="en-GB" cap="none" dirty="0" smtClean="0"/>
+              <a:t> à un </a:t>
+            </a:r>
+            <a:r>
+              <a:rPr lang="en-GB" cap="none" dirty="0" err="1" smtClean="0"/>
+              <a:t>formulaire</a:t>
+            </a:r>
+            <a:endParaRPr lang="en-GB" cap="none" dirty="0"/>
           </a:p>
         </p:txBody>
       </p:sp>
@@ -19786,261 +18692,16 @@
           <a:lstStyle/>
           <a:p>
             <a:r>
-              <a:rPr lang="fr-FR"/>
-              <a:t>Nom de la présentation</a:t>
-            </a:r>
-            <a:endParaRPr lang="fr-FR" dirty="0"/>
-          </a:p>
-        </p:txBody>
-      </p:sp>
-      <p:pic>
-        <p:nvPicPr>
-          <p:cNvPr id="1026" name="Picture 2"/>
-          <p:cNvPicPr>
-            <a:picLocks noChangeAspect="1" noChangeArrowheads="1"/>
-          </p:cNvPicPr>
-          <p:nvPr/>
-        </p:nvPicPr>
-        <p:blipFill>
-          <a:blip r:embed="rId3"/>
-          <a:srcRect/>
-          <a:stretch>
-            <a:fillRect/>
-          </a:stretch>
-        </p:blipFill>
-        <p:spPr bwMode="auto">
-          <a:xfrm>
-            <a:off x="1506474" y="593194"/>
-            <a:ext cx="7494392" cy="3043839"/>
-          </a:xfrm>
-          <a:prstGeom prst="rect">
-            <a:avLst/>
-          </a:prstGeom>
-          <a:noFill/>
-          <a:ln w="9525">
-            <a:noFill/>
-            <a:miter lim="800000"/>
-            <a:headEnd/>
-            <a:tailEnd/>
-          </a:ln>
-          <a:effectLst/>
-        </p:spPr>
-      </p:pic>
-      <p:sp>
-        <p:nvSpPr>
-          <p:cNvPr id="4" name="Rectangle à coins arrondis 3"/>
-          <p:cNvSpPr/>
-          <p:nvPr/>
-        </p:nvSpPr>
-        <p:spPr>
-          <a:xfrm>
-            <a:off x="3152746" y="1161508"/>
-            <a:ext cx="1065686" cy="240571"/>
-          </a:xfrm>
-          <a:prstGeom prst="roundRect">
-            <a:avLst/>
-          </a:prstGeom>
-          <a:solidFill>
-            <a:srgbClr val="CF022B">
-              <a:alpha val="30000"/>
-            </a:srgbClr>
-          </a:solidFill>
-          <a:ln>
-            <a:noFill/>
-          </a:ln>
-        </p:spPr>
-        <p:style>
-          <a:lnRef idx="2">
-            <a:schemeClr val="accent1">
-              <a:shade val="50000"/>
-            </a:schemeClr>
-          </a:lnRef>
-          <a:fillRef idx="1">
-            <a:schemeClr val="accent1"/>
-          </a:fillRef>
-          <a:effectRef idx="0">
-            <a:schemeClr val="accent1"/>
-          </a:effectRef>
-          <a:fontRef idx="minor">
-            <a:schemeClr val="lt1"/>
-          </a:fontRef>
-        </p:style>
-        <p:txBody>
-          <a:bodyPr rtlCol="0" anchor="ctr"/>
-          <a:lstStyle/>
-          <a:p>
-            <a:pPr algn="ctr"/>
-            <a:endParaRPr lang="fr-FR" dirty="0"/>
-          </a:p>
-        </p:txBody>
-      </p:sp>
-      <p:sp>
-        <p:nvSpPr>
-          <p:cNvPr id="9" name="Rectangle à coins arrondis 8"/>
-          <p:cNvSpPr/>
-          <p:nvPr/>
-        </p:nvSpPr>
-        <p:spPr>
-          <a:xfrm>
-            <a:off x="3329530" y="1445905"/>
-            <a:ext cx="1065686" cy="240571"/>
-          </a:xfrm>
-          <a:prstGeom prst="roundRect">
-            <a:avLst/>
-          </a:prstGeom>
-          <a:solidFill>
-            <a:srgbClr val="CF022B">
-              <a:alpha val="30000"/>
-            </a:srgbClr>
-          </a:solidFill>
-          <a:ln>
-            <a:noFill/>
-          </a:ln>
-        </p:spPr>
-        <p:style>
-          <a:lnRef idx="2">
-            <a:schemeClr val="accent1">
-              <a:shade val="50000"/>
-            </a:schemeClr>
-          </a:lnRef>
-          <a:fillRef idx="1">
-            <a:schemeClr val="accent1"/>
-          </a:fillRef>
-          <a:effectRef idx="0">
-            <a:schemeClr val="accent1"/>
-          </a:effectRef>
-          <a:fontRef idx="minor">
-            <a:schemeClr val="lt1"/>
-          </a:fontRef>
-        </p:style>
-        <p:txBody>
-          <a:bodyPr rtlCol="0" anchor="ctr"/>
-          <a:lstStyle/>
-          <a:p>
-            <a:pPr algn="ctr"/>
-            <a:endParaRPr lang="fr-FR" dirty="0"/>
-          </a:p>
-        </p:txBody>
-      </p:sp>
-    </p:spTree>
-    <p:extLst>
-      <p:ext uri="{BB962C8B-B14F-4D97-AF65-F5344CB8AC3E}">
-        <p14:creationId xmlns:p14="http://schemas.microsoft.com/office/powerpoint/2010/main" val="2526031973"/>
-      </p:ext>
-    </p:extLst>
-  </p:cSld>
-  <p:clrMapOvr>
-    <a:masterClrMapping/>
-  </p:clrMapOvr>
-</p:sld>
-</file>
-
-<file path=ppt/slides/slide4.xml><?xml version="1.0" encoding="utf-8"?>
-<p:sld xmlns:a="http://schemas.openxmlformats.org/drawingml/2006/main" xmlns:r="http://schemas.openxmlformats.org/officeDocument/2006/relationships" xmlns:p="http://schemas.openxmlformats.org/presentationml/2006/main">
-  <p:cSld>
-    <p:spTree>
-      <p:nvGrpSpPr>
-        <p:cNvPr id="1" name=""/>
-        <p:cNvGrpSpPr/>
-        <p:nvPr/>
-      </p:nvGrpSpPr>
-      <p:grpSpPr>
-        <a:xfrm>
-          <a:off x="0" y="0"/>
-          <a:ext cx="0" cy="0"/>
-          <a:chOff x="0" y="0"/>
-          <a:chExt cx="0" cy="0"/>
-        </a:xfrm>
-      </p:grpSpPr>
-      <p:sp>
-        <p:nvSpPr>
-          <p:cNvPr id="3" name="Titre 2"/>
-          <p:cNvSpPr>
-            <a:spLocks noGrp="1"/>
-          </p:cNvSpPr>
-          <p:nvPr>
-            <p:ph type="title"/>
-          </p:nvPr>
-        </p:nvSpPr>
-        <p:spPr bwMode="gray">
-          <a:xfrm>
-            <a:off x="544439" y="260648"/>
-            <a:ext cx="8045374" cy="332546"/>
-          </a:xfrm>
-        </p:spPr>
-        <p:txBody>
-          <a:bodyPr/>
-          <a:lstStyle/>
-          <a:p>
-            <a:r>
-              <a:rPr lang="fr-FR" cap="none" dirty="0"/>
-              <a:t>AngularJS</a:t>
-            </a:r>
-            <a:endParaRPr lang="en-GB" cap="none" dirty="0"/>
-          </a:p>
-        </p:txBody>
-      </p:sp>
-      <p:sp>
-        <p:nvSpPr>
-          <p:cNvPr id="5" name="Espace réservé du numéro de diapositive 4"/>
-          <p:cNvSpPr>
-            <a:spLocks noGrp="1"/>
-          </p:cNvSpPr>
-          <p:nvPr>
-            <p:ph type="sldNum" sz="quarter" idx="12"/>
-          </p:nvPr>
-        </p:nvSpPr>
-        <p:spPr bwMode="gray"/>
-        <p:txBody>
-          <a:bodyPr/>
-          <a:lstStyle/>
-          <a:p>
-            <a:fld id="{AF43E6FD-AB27-4108-A2FC-346BB5F75E3F}" type="slidenum">
-              <a:rPr lang="fr-FR" smtClean="0"/>
-              <a:pPr/>
-              <a:t>4</a:t>
-            </a:fld>
-            <a:endParaRPr lang="fr-FR" dirty="0"/>
-          </a:p>
-        </p:txBody>
-      </p:sp>
-      <p:sp>
-        <p:nvSpPr>
-          <p:cNvPr id="10" name="Espace réservé du texte 9"/>
-          <p:cNvSpPr>
-            <a:spLocks noGrp="1"/>
-          </p:cNvSpPr>
-          <p:nvPr>
-            <p:ph type="body" sz="quarter" idx="13"/>
-          </p:nvPr>
-        </p:nvSpPr>
-        <p:spPr bwMode="gray"/>
-        <p:txBody>
-          <a:bodyPr/>
-          <a:lstStyle/>
-          <a:p>
-            <a:endParaRPr lang="en-GB" cap="none" dirty="0"/>
-          </a:p>
-        </p:txBody>
-      </p:sp>
-      <p:sp>
-        <p:nvSpPr>
-          <p:cNvPr id="6" name="Espace réservé du pied de page 5"/>
-          <p:cNvSpPr>
-            <a:spLocks noGrp="1"/>
-          </p:cNvSpPr>
-          <p:nvPr>
-            <p:ph type="ftr" sz="quarter" idx="11"/>
-          </p:nvPr>
-        </p:nvSpPr>
-        <p:spPr/>
-        <p:txBody>
-          <a:bodyPr/>
-          <a:lstStyle/>
-          <a:p>
-            <a:r>
-              <a:rPr lang="fr-FR"/>
-              <a:t>Nom de la présentation</a:t>
+              <a:rPr lang="fr-FR" dirty="0" err="1"/>
+              <a:t>Angular</a:t>
+            </a:r>
+            <a:r>
+              <a:rPr lang="fr-FR" dirty="0"/>
+              <a:t> JS 1: </a:t>
+            </a:r>
+            <a:r>
+              <a:rPr lang="fr-FR" dirty="0" err="1"/>
+              <a:t>Forms</a:t>
             </a:r>
             <a:endParaRPr lang="fr-FR" dirty="0"/>
           </a:p>
@@ -20215,7 +18876,7 @@
 </p:sld>
 </file>
 
-<file path=ppt/slides/slide5.xml><?xml version="1.0" encoding="utf-8"?>
+<file path=ppt/slides/slide4.xml><?xml version="1.0" encoding="utf-8"?>
 <p:sld xmlns:a="http://schemas.openxmlformats.org/drawingml/2006/main" xmlns:r="http://schemas.openxmlformats.org/officeDocument/2006/relationships" xmlns:p="http://schemas.openxmlformats.org/presentationml/2006/main">
   <p:cSld>
     <p:spTree>
@@ -20384,10 +19045,6 @@
           <a:bodyPr/>
           <a:lstStyle/>
           <a:p>
-            <a:r>
-              <a:rPr lang="fr-FR" cap="none" dirty="0"/>
-              <a:t>AngularJS</a:t>
-            </a:r>
             <a:endParaRPr lang="en-GB" cap="none" dirty="0"/>
           </a:p>
         </p:txBody>
@@ -20410,7 +19067,7 @@
             <a:fld id="{AF43E6FD-AB27-4108-A2FC-346BB5F75E3F}" type="slidenum">
               <a:rPr lang="fr-FR" smtClean="0"/>
               <a:pPr/>
-              <a:t>5</a:t>
+              <a:t>4</a:t>
             </a:fld>
             <a:endParaRPr lang="fr-FR" dirty="0"/>
           </a:p>
@@ -20431,6 +19088,22 @@
           <a:bodyPr/>
           <a:lstStyle/>
           <a:p>
+            <a:r>
+              <a:rPr lang="en-GB" cap="none" dirty="0" smtClean="0"/>
+              <a:t>La </a:t>
+            </a:r>
+            <a:r>
+              <a:rPr lang="en-GB" cap="none" dirty="0" err="1" smtClean="0"/>
+              <a:t>méca</a:t>
+            </a:r>
+            <a:r>
+              <a:rPr lang="en-GB" cap="none" dirty="0" err="1" smtClean="0"/>
+              <a:t>nique</a:t>
+            </a:r>
+            <a:r>
+              <a:rPr lang="en-GB" cap="none" dirty="0" smtClean="0"/>
+              <a:t> interne</a:t>
+            </a:r>
             <a:endParaRPr lang="en-GB" cap="none" dirty="0"/>
           </a:p>
         </p:txBody>
@@ -20451,8 +19124,16 @@
           <a:lstStyle/>
           <a:p>
             <a:r>
-              <a:rPr lang="fr-FR"/>
-              <a:t>Nom de la présentation</a:t>
+              <a:rPr lang="fr-FR" dirty="0" err="1"/>
+              <a:t>Angular</a:t>
+            </a:r>
+            <a:r>
+              <a:rPr lang="fr-FR" dirty="0"/>
+              <a:t> JS 1: </a:t>
+            </a:r>
+            <a:r>
+              <a:rPr lang="fr-FR" dirty="0" err="1"/>
+              <a:t>Forms</a:t>
             </a:r>
             <a:endParaRPr lang="fr-FR" dirty="0"/>
           </a:p>
@@ -20576,7 +19257,7 @@
 </p:sld>
 </file>
 
-<file path=ppt/slides/slide6.xml><?xml version="1.0" encoding="utf-8"?>
+<file path=ppt/slides/slide5.xml><?xml version="1.0" encoding="utf-8"?>
 <p:sld xmlns:a="http://schemas.openxmlformats.org/drawingml/2006/main" xmlns:r="http://schemas.openxmlformats.org/officeDocument/2006/relationships" xmlns:p="http://schemas.openxmlformats.org/presentationml/2006/main">
   <p:cSld>
     <p:spTree>
@@ -20626,34 +19307,6 @@
       </p:sp>
       <p:sp>
         <p:nvSpPr>
-          <p:cNvPr id="3" name="Titre 2"/>
-          <p:cNvSpPr>
-            <a:spLocks noGrp="1"/>
-          </p:cNvSpPr>
-          <p:nvPr>
-            <p:ph type="title"/>
-          </p:nvPr>
-        </p:nvSpPr>
-        <p:spPr bwMode="gray">
-          <a:xfrm>
-            <a:off x="544439" y="260648"/>
-            <a:ext cx="8045374" cy="332546"/>
-          </a:xfrm>
-        </p:spPr>
-        <p:txBody>
-          <a:bodyPr/>
-          <a:lstStyle/>
-          <a:p>
-            <a:r>
-              <a:rPr lang="fr-FR" cap="none" dirty="0"/>
-              <a:t>AngularJS</a:t>
-            </a:r>
-            <a:endParaRPr lang="en-GB" cap="none" dirty="0"/>
-          </a:p>
-        </p:txBody>
-      </p:sp>
-      <p:sp>
-        <p:nvSpPr>
           <p:cNvPr id="5" name="Espace réservé du numéro de diapositive 4"/>
           <p:cNvSpPr>
             <a:spLocks noGrp="1"/>
@@ -20670,7 +19323,7 @@
             <a:fld id="{AF43E6FD-AB27-4108-A2FC-346BB5F75E3F}" type="slidenum">
               <a:rPr lang="fr-FR" smtClean="0"/>
               <a:pPr/>
-              <a:t>6</a:t>
+              <a:t>5</a:t>
             </a:fld>
             <a:endParaRPr lang="fr-FR" dirty="0"/>
           </a:p>
@@ -20714,8 +19367,16 @@
           <a:lstStyle/>
           <a:p>
             <a:r>
-              <a:rPr lang="fr-FR"/>
-              <a:t>Nom de la présentation</a:t>
+              <a:rPr lang="fr-FR" dirty="0" err="1"/>
+              <a:t>Angular</a:t>
+            </a:r>
+            <a:r>
+              <a:rPr lang="fr-FR" dirty="0"/>
+              <a:t> JS 1: </a:t>
+            </a:r>
+            <a:r>
+              <a:rPr lang="fr-FR" dirty="0" err="1"/>
+              <a:t>Forms</a:t>
             </a:r>
             <a:endParaRPr lang="fr-FR" dirty="0"/>
           </a:p>
@@ -20829,7 +19490,7 @@
 </p:sld>
 </file>
 
-<file path=ppt/slides/slide7.xml><?xml version="1.0" encoding="utf-8"?>
+<file path=ppt/slides/slide6.xml><?xml version="1.0" encoding="utf-8"?>
 <p:sld xmlns:a="http://schemas.openxmlformats.org/drawingml/2006/main" xmlns:r="http://schemas.openxmlformats.org/officeDocument/2006/relationships" xmlns:p="http://schemas.openxmlformats.org/presentationml/2006/main">
   <p:cSld>
     <p:spTree>
@@ -20897,10 +19558,6 @@
           <a:bodyPr/>
           <a:lstStyle/>
           <a:p>
-            <a:r>
-              <a:rPr lang="fr-FR" cap="none" dirty="0"/>
-              <a:t>AngularJS</a:t>
-            </a:r>
             <a:endParaRPr lang="en-GB" cap="none" dirty="0"/>
           </a:p>
         </p:txBody>
@@ -20923,7 +19580,7 @@
             <a:fld id="{AF43E6FD-AB27-4108-A2FC-346BB5F75E3F}" type="slidenum">
               <a:rPr lang="fr-FR" smtClean="0"/>
               <a:pPr/>
-              <a:t>7</a:t>
+              <a:t>6</a:t>
             </a:fld>
             <a:endParaRPr lang="fr-FR" dirty="0"/>
           </a:p>
@@ -20967,8 +19624,16 @@
           <a:lstStyle/>
           <a:p>
             <a:r>
-              <a:rPr lang="fr-FR"/>
-              <a:t>Nom de la présentation</a:t>
+              <a:rPr lang="fr-FR" dirty="0" err="1"/>
+              <a:t>Angular</a:t>
+            </a:r>
+            <a:r>
+              <a:rPr lang="fr-FR" dirty="0"/>
+              <a:t> JS 1: </a:t>
+            </a:r>
+            <a:r>
+              <a:rPr lang="fr-FR" dirty="0" err="1"/>
+              <a:t>Forms</a:t>
             </a:r>
             <a:endParaRPr lang="fr-FR" dirty="0"/>
           </a:p>
@@ -21097,10 +19762,17 @@
   <p:clrMapOvr>
     <a:masterClrMapping/>
   </p:clrMapOvr>
+  <p:timing>
+    <p:tnLst>
+      <p:par>
+        <p:cTn id="1" dur="indefinite" restart="never" nodeType="tmRoot"/>
+      </p:par>
+    </p:tnLst>
+  </p:timing>
 </p:sld>
 </file>
 
-<file path=ppt/slides/slide8.xml><?xml version="1.0" encoding="utf-8"?>
+<file path=ppt/slides/slide7.xml><?xml version="1.0" encoding="utf-8"?>
 <p:sld xmlns:a="http://schemas.openxmlformats.org/drawingml/2006/main" xmlns:r="http://schemas.openxmlformats.org/officeDocument/2006/relationships" xmlns:p="http://schemas.openxmlformats.org/presentationml/2006/main">
   <p:cSld>
     <p:spTree>
@@ -21133,48 +19805,44 @@
           <a:lstStyle/>
           <a:p>
             <a:r>
+              <a:rPr lang="en-US" dirty="0" smtClean="0"/>
+              <a:t>Comment </a:t>
+            </a:r>
+            <a:r>
+              <a:rPr lang="en-US" dirty="0" err="1" smtClean="0"/>
+              <a:t>afficher</a:t>
+            </a:r>
+            <a:r>
+              <a:rPr lang="en-US" dirty="0" smtClean="0"/>
+              <a:t> un message</a:t>
+            </a:r>
+            <a:endParaRPr lang="en-US" dirty="0"/>
+          </a:p>
+          <a:p>
+            <a:endParaRPr lang="en-US" dirty="0"/>
+          </a:p>
+          <a:p>
+            <a:endParaRPr lang="en-US" dirty="0"/>
+          </a:p>
+          <a:p>
+            <a:endParaRPr lang="en-US" dirty="0"/>
+          </a:p>
+          <a:p>
+            <a:r>
+              <a:rPr lang="en-US" dirty="0" smtClean="0"/>
+              <a:t>Et </a:t>
+            </a:r>
+            <a:r>
+              <a:rPr lang="en-US" dirty="0" err="1" smtClean="0"/>
+              <a:t>en</a:t>
+            </a:r>
+            <a:r>
+              <a:rPr lang="en-US" dirty="0" smtClean="0"/>
+              <a:t> version simple avec ng-message </a:t>
+            </a:r>
+            <a:r>
               <a:rPr lang="en-US" dirty="0"/>
-              <a:t>How to show a message</a:t>
-            </a:r>
-          </a:p>
-          <a:p>
-            <a:endParaRPr lang="en-US" dirty="0"/>
-          </a:p>
-          <a:p>
-            <a:endParaRPr lang="en-US" dirty="0"/>
-          </a:p>
-          <a:p>
-            <a:endParaRPr lang="en-US" dirty="0"/>
-          </a:p>
-          <a:p>
-            <a:r>
-              <a:rPr lang="en-US" dirty="0"/>
-              <a:t>Factorize  </a:t>
-            </a:r>
-            <a:r>
-              <a:rPr lang="en-US" sz="1600" dirty="0">
-                <a:latin typeface="Courier New" panose="02070309020205020404" pitchFamily="49" charset="0"/>
-                <a:cs typeface="Courier New" panose="02070309020205020404" pitchFamily="49" charset="0"/>
-              </a:rPr>
-              <a:t>'form.</a:t>
-            </a:r>
-            <a:r>
-              <a:rPr lang="en-US" sz="1600" dirty="0" err="1">
-                <a:latin typeface="Courier New" panose="02070309020205020404" pitchFamily="49" charset="0"/>
-                <a:cs typeface="Courier New" panose="02070309020205020404" pitchFamily="49" charset="0"/>
-              </a:rPr>
-              <a:t>uEmail</a:t>
-            </a:r>
-            <a:r>
-              <a:rPr lang="en-US" sz="1600" dirty="0">
-                <a:latin typeface="Courier New" panose="02070309020205020404" pitchFamily="49" charset="0"/>
-                <a:cs typeface="Courier New" panose="02070309020205020404" pitchFamily="49" charset="0"/>
-              </a:rPr>
-              <a:t>.$error'</a:t>
-            </a:r>
-            <a:r>
-              <a:rPr lang="en-US" dirty="0"/>
-              <a:t> definition with ng-message :</a:t>
+              <a:t>:</a:t>
             </a:r>
           </a:p>
         </p:txBody>
@@ -21199,10 +19867,6 @@
           <a:bodyPr/>
           <a:lstStyle/>
           <a:p>
-            <a:r>
-              <a:rPr lang="fr-FR" cap="none" dirty="0"/>
-              <a:t>AngularJS</a:t>
-            </a:r>
             <a:endParaRPr lang="en-GB" cap="none" dirty="0"/>
           </a:p>
         </p:txBody>
@@ -21225,7 +19889,7 @@
             <a:fld id="{AF43E6FD-AB27-4108-A2FC-346BB5F75E3F}" type="slidenum">
               <a:rPr lang="fr-FR" smtClean="0"/>
               <a:pPr/>
-              <a:t>8</a:t>
+              <a:t>7</a:t>
             </a:fld>
             <a:endParaRPr lang="fr-FR" dirty="0"/>
           </a:p>
@@ -21246,6 +19910,18 @@
           <a:bodyPr/>
           <a:lstStyle/>
           <a:p>
+            <a:r>
+              <a:rPr lang="en-GB" cap="none" dirty="0" err="1" smtClean="0"/>
+              <a:t>Affichage</a:t>
+            </a:r>
+            <a:r>
+              <a:rPr lang="en-GB" cap="none" dirty="0" smtClean="0"/>
+              <a:t> de message </a:t>
+            </a:r>
+            <a:r>
+              <a:rPr lang="en-GB" cap="none" dirty="0" err="1" smtClean="0"/>
+              <a:t>d’erreur</a:t>
+            </a:r>
             <a:endParaRPr lang="en-GB" cap="none" dirty="0"/>
           </a:p>
         </p:txBody>
@@ -21266,8 +19942,16 @@
           <a:lstStyle/>
           <a:p>
             <a:r>
-              <a:rPr lang="fr-FR"/>
-              <a:t>Nom de la présentation</a:t>
+              <a:rPr lang="fr-FR" dirty="0" err="1"/>
+              <a:t>Angular</a:t>
+            </a:r>
+            <a:r>
+              <a:rPr lang="fr-FR" dirty="0"/>
+              <a:t> JS 1: </a:t>
+            </a:r>
+            <a:r>
+              <a:rPr lang="fr-FR" dirty="0" err="1"/>
+              <a:t>Forms</a:t>
             </a:r>
             <a:endParaRPr lang="fr-FR" dirty="0"/>
           </a:p>
@@ -21352,8 +20036,8 @@
 </p:sld>
 </file>
 
-<file path=ppt/slides/slide9.xml><?xml version="1.0" encoding="utf-8"?>
-<p:sld xmlns:a="http://schemas.openxmlformats.org/drawingml/2006/main" xmlns:r="http://schemas.openxmlformats.org/officeDocument/2006/relationships" xmlns:p="http://schemas.openxmlformats.org/presentationml/2006/main" show="0">
+<file path=ppt/slides/slide8.xml><?xml version="1.0" encoding="utf-8"?>
+<p:sld xmlns:a="http://schemas.openxmlformats.org/drawingml/2006/main" xmlns:r="http://schemas.openxmlformats.org/officeDocument/2006/relationships" xmlns:p="http://schemas.openxmlformats.org/presentationml/2006/main">
   <p:cSld>
     <p:spTree>
       <p:nvGrpSpPr>
@@ -21379,38 +20063,160 @@
             <p:ph idx="1"/>
           </p:nvPr>
         </p:nvSpPr>
-        <p:spPr bwMode="gray"/>
-        <p:txBody>
-          <a:bodyPr/>
-          <a:lstStyle/>
-          <a:p>
-            <a:r>
-              <a:rPr lang="en-US" dirty="0"/>
-              <a:t> Showing message : </a:t>
-            </a:r>
-            <a:r>
-              <a:rPr lang="en-US" dirty="0" err="1"/>
-              <a:t>ng</a:t>
-            </a:r>
-            <a:r>
-              <a:rPr lang="en-US" dirty="0"/>
-              <a:t>-show ok but ….</a:t>
-            </a:r>
-          </a:p>
-          <a:p>
-            <a:endParaRPr lang="en-US" dirty="0"/>
-          </a:p>
-          <a:p>
-            <a:endParaRPr lang="en-US" dirty="0"/>
-          </a:p>
-          <a:p>
-            <a:endParaRPr lang="en-US" dirty="0"/>
-          </a:p>
-          <a:p>
-            <a:r>
-              <a:rPr lang="en-US" dirty="0"/>
-              <a:t>CSS is better !</a:t>
-            </a:r>
+        <p:spPr bwMode="gray">
+          <a:xfrm>
+            <a:off x="401638" y="1179512"/>
+            <a:ext cx="8237537" cy="4681537"/>
+          </a:xfrm>
+        </p:spPr>
+        <p:txBody>
+          <a:bodyPr/>
+          <a:lstStyle/>
+          <a:p>
+            <a:r>
+              <a:rPr lang="en-US" sz="1800" dirty="0"/>
+              <a:t>Setup : </a:t>
+            </a:r>
+            <a:r>
+              <a:rPr lang="en-US" sz="1800" dirty="0" err="1"/>
+              <a:t>ngMessages</a:t>
+            </a:r>
+            <a:r>
+              <a:rPr lang="en-US" sz="1800" dirty="0"/>
+              <a:t> should be added to modules deps :</a:t>
+            </a:r>
+            <a:br>
+              <a:rPr lang="en-US" sz="1800" dirty="0"/>
+            </a:br>
+            <a:r>
+              <a:rPr lang="en-US" sz="1800" dirty="0"/>
+              <a:t>And also as an added script : </a:t>
+            </a:r>
+          </a:p>
+          <a:p>
+            <a:pPr lvl="1"/>
+            <a:r>
+              <a:rPr lang="en-US" sz="1600" dirty="0"/>
+              <a:t> </a:t>
+            </a:r>
+          </a:p>
+          <a:p>
+            <a:r>
+              <a:rPr lang="en-US" sz="1800" dirty="0"/>
+              <a:t>Showing error message : ng-message </a:t>
+            </a:r>
+          </a:p>
+          <a:p>
+            <a:pPr lvl="1"/>
+            <a:r>
+              <a:rPr lang="en-US" sz="1600" dirty="0"/>
+              <a:t>By default, ng-message  shows only one message at a time and this depending on the priority of the messages within the template. </a:t>
+            </a:r>
+            <a:br>
+              <a:rPr lang="en-US" sz="1600" dirty="0"/>
+            </a:br>
+            <a:r>
+              <a:rPr lang="en-US" sz="1600" dirty="0"/>
+              <a:t>Change this behavior by </a:t>
+            </a:r>
+            <a:r>
+              <a:rPr lang="en-US" sz="1600" dirty="0">
+                <a:solidFill>
+                  <a:srgbClr val="00B050"/>
+                </a:solidFill>
+              </a:rPr>
+              <a:t>adding</a:t>
+            </a:r>
+            <a:r>
+              <a:rPr lang="en-US" sz="1600" dirty="0"/>
+              <a:t> the </a:t>
+            </a:r>
+            <a:r>
+              <a:rPr lang="en-US" sz="1600" dirty="0">
+                <a:solidFill>
+                  <a:srgbClr val="FF0000"/>
+                </a:solidFill>
+              </a:rPr>
+              <a:t>ng-messages-multiple</a:t>
+            </a:r>
+            <a:r>
+              <a:rPr lang="en-US" sz="1600" dirty="0"/>
+              <a:t> or </a:t>
+            </a:r>
+            <a:r>
+              <a:rPr lang="en-US" sz="1600" dirty="0">
+                <a:solidFill>
+                  <a:srgbClr val="FF0000"/>
+                </a:solidFill>
+              </a:rPr>
+              <a:t>multiple</a:t>
+            </a:r>
+            <a:r>
+              <a:rPr lang="en-US" sz="1600" dirty="0"/>
+              <a:t> </a:t>
+            </a:r>
+            <a:r>
+              <a:rPr lang="en-US" sz="1600" dirty="0">
+                <a:solidFill>
+                  <a:srgbClr val="00B050"/>
+                </a:solidFill>
+              </a:rPr>
+              <a:t>attribute</a:t>
+            </a:r>
+            <a:r>
+              <a:rPr lang="en-US" sz="1600" dirty="0"/>
+              <a:t> on the directive container.</a:t>
+            </a:r>
+          </a:p>
+          <a:p>
+            <a:pPr lvl="1"/>
+            <a:endParaRPr lang="en-US" sz="1600" dirty="0"/>
+          </a:p>
+          <a:p>
+            <a:pPr lvl="1"/>
+            <a:endParaRPr lang="en-US" sz="1600" dirty="0"/>
+          </a:p>
+          <a:p>
+            <a:pPr lvl="1"/>
+            <a:endParaRPr lang="en-US" sz="1600" dirty="0"/>
+          </a:p>
+          <a:p>
+            <a:pPr lvl="1"/>
+            <a:endParaRPr lang="en-US" sz="1600" dirty="0"/>
+          </a:p>
+          <a:p>
+            <a:pPr lvl="1"/>
+            <a:r>
+              <a:rPr lang="en-US" sz="1600" dirty="0"/>
+              <a:t>For a specific field  : ng-messages="&lt;</a:t>
+            </a:r>
+            <a:r>
+              <a:rPr lang="en-US" sz="1600" dirty="0" err="1"/>
+              <a:t>formName</a:t>
+            </a:r>
+            <a:r>
+              <a:rPr lang="en-US" sz="1600" dirty="0"/>
+              <a:t>&gt;.&lt;fieldname&gt;.$error</a:t>
+            </a:r>
+          </a:p>
+          <a:p>
+            <a:pPr lvl="1"/>
+            <a:r>
+              <a:rPr lang="en-US" sz="1600" dirty="0"/>
+              <a:t>For the entire form errors : ng-messages="&lt;</a:t>
+            </a:r>
+            <a:r>
+              <a:rPr lang="en-US" sz="1600" dirty="0" err="1"/>
+              <a:t>formName</a:t>
+            </a:r>
+            <a:r>
+              <a:rPr lang="en-US" sz="1600" dirty="0"/>
+              <a:t>&gt;.$error</a:t>
+            </a:r>
+          </a:p>
+          <a:p>
+            <a:pPr lvl="1"/>
+            <a:endParaRPr lang="en-US" sz="1600" dirty="0"/>
           </a:p>
         </p:txBody>
       </p:sp>
@@ -21435,8 +20241,8 @@
           <a:lstStyle/>
           <a:p>
             <a:r>
-              <a:rPr lang="fr-FR" cap="none" dirty="0"/>
-              <a:t>AngularJS</a:t>
+              <a:rPr lang="fr-FR" cap="none" dirty="0" err="1"/>
+              <a:t>ngMessages</a:t>
             </a:r>
             <a:endParaRPr lang="en-GB" cap="none" dirty="0"/>
           </a:p>
@@ -21460,7 +20266,7 @@
             <a:fld id="{AF43E6FD-AB27-4108-A2FC-346BB5F75E3F}" type="slidenum">
               <a:rPr lang="fr-FR" smtClean="0"/>
               <a:pPr/>
-              <a:t>9</a:t>
+              <a:t>8</a:t>
             </a:fld>
             <a:endParaRPr lang="fr-FR" dirty="0"/>
           </a:p>
@@ -21501,8 +20307,16 @@
           <a:lstStyle/>
           <a:p>
             <a:r>
-              <a:rPr lang="fr-FR"/>
-              <a:t>Nom de la présentation</a:t>
+              <a:rPr lang="fr-FR" dirty="0" err="1"/>
+              <a:t>Angular</a:t>
+            </a:r>
+            <a:r>
+              <a:rPr lang="fr-FR" dirty="0"/>
+              <a:t> JS 1: </a:t>
+            </a:r>
+            <a:r>
+              <a:rPr lang="fr-FR" dirty="0" err="1"/>
+              <a:t>Forms</a:t>
             </a:r>
             <a:endParaRPr lang="fr-FR" dirty="0"/>
           </a:p>
@@ -21510,7 +20324,7 @@
       </p:sp>
       <p:pic>
         <p:nvPicPr>
-          <p:cNvPr id="5122" name="Picture 2"/>
+          <p:cNvPr id="6147" name="Picture 3"/>
           <p:cNvPicPr>
             <a:picLocks noChangeAspect="1" noChangeArrowheads="1"/>
           </p:cNvPicPr>
@@ -21525,8 +20339,8 @@
         </p:blipFill>
         <p:spPr bwMode="auto">
           <a:xfrm>
-            <a:off x="947738" y="1971675"/>
-            <a:ext cx="7233934" cy="1047750"/>
+            <a:off x="5913664" y="1257419"/>
+            <a:ext cx="3067050" cy="152400"/>
           </a:xfrm>
           <a:prstGeom prst="rect">
             <a:avLst/>
@@ -21543,7 +20357,7 @@
       </p:pic>
       <p:pic>
         <p:nvPicPr>
-          <p:cNvPr id="2051" name="Picture 3"/>
+          <p:cNvPr id="11" name="Picture 3"/>
           <p:cNvPicPr>
             <a:picLocks noChangeAspect="1" noChangeArrowheads="1"/>
           </p:cNvPicPr>
@@ -21558,8 +20372,8 @@
         </p:blipFill>
         <p:spPr bwMode="auto">
           <a:xfrm>
-            <a:off x="1181100" y="4291013"/>
-            <a:ext cx="6924770" cy="1023937"/>
+            <a:off x="1001484" y="3664404"/>
+            <a:ext cx="6696075" cy="847725"/>
           </a:xfrm>
           <a:prstGeom prst="rect">
             <a:avLst/>
@@ -21574,81 +20388,30 @@
           <a:effectLst/>
         </p:spPr>
       </p:pic>
-      <p:sp>
-        <p:nvSpPr>
-          <p:cNvPr id="11" name="Flèche droite 10"/>
-          <p:cNvSpPr/>
+      <p:pic>
+        <p:nvPicPr>
+          <p:cNvPr id="4" name="Image 3"/>
+          <p:cNvPicPr>
+            <a:picLocks noChangeAspect="1"/>
+          </p:cNvPicPr>
           <p:nvPr/>
-        </p:nvSpPr>
+        </p:nvPicPr>
+        <p:blipFill>
+          <a:blip r:embed="rId5"/>
+          <a:stretch>
+            <a:fillRect/>
+          </a:stretch>
+        </p:blipFill>
         <p:spPr>
           <a:xfrm>
-            <a:off x="2524125" y="5705475"/>
-            <a:ext cx="666750" cy="200025"/>
-          </a:xfrm>
-          <a:prstGeom prst="rightArrow">
-            <a:avLst/>
-          </a:prstGeom>
-          <a:solidFill>
-            <a:srgbClr val="CF022B"/>
-          </a:solidFill>
-          <a:ln>
-            <a:noFill/>
-          </a:ln>
-        </p:spPr>
-        <p:style>
-          <a:lnRef idx="2">
-            <a:schemeClr val="accent1">
-              <a:shade val="50000"/>
-            </a:schemeClr>
-          </a:lnRef>
-          <a:fillRef idx="1">
-            <a:schemeClr val="accent1"/>
-          </a:fillRef>
-          <a:effectRef idx="0">
-            <a:schemeClr val="accent1"/>
-          </a:effectRef>
-          <a:fontRef idx="minor">
-            <a:schemeClr val="lt1"/>
-          </a:fontRef>
-        </p:style>
-        <p:txBody>
-          <a:bodyPr rtlCol="0" anchor="ctr"/>
-          <a:lstStyle/>
-          <a:p>
-            <a:pPr algn="ctr"/>
-            <a:endParaRPr lang="en-GB" dirty="0"/>
-          </a:p>
-        </p:txBody>
-      </p:sp>
-      <p:sp>
-        <p:nvSpPr>
-          <p:cNvPr id="12" name="ZoneTexte 11"/>
-          <p:cNvSpPr txBox="1"/>
-          <p:nvPr/>
-        </p:nvSpPr>
-        <p:spPr>
-          <a:xfrm>
-            <a:off x="3476625" y="5610225"/>
-            <a:ext cx="1066189" cy="369332"/>
+            <a:off x="781049" y="1767537"/>
+            <a:ext cx="7267575" cy="228600"/>
           </a:xfrm>
           <a:prstGeom prst="rect">
             <a:avLst/>
           </a:prstGeom>
-          <a:noFill/>
         </p:spPr>
-        <p:txBody>
-          <a:bodyPr wrap="none" rtlCol="0">
-            <a:spAutoFit/>
-          </a:bodyPr>
-          <a:lstStyle/>
-          <a:p>
-            <a:r>
-              <a:rPr lang="en-GB" dirty="0"/>
-              <a:t>exercise !</a:t>
-            </a:r>
-          </a:p>
-        </p:txBody>
-      </p:sp>
+      </p:pic>
     </p:spTree>
     <p:extLst>
       <p:ext uri="{BB962C8B-B14F-4D97-AF65-F5344CB8AC3E}">
@@ -21659,14 +20422,280 @@
   <p:clrMapOvr>
     <a:masterClrMapping/>
   </p:clrMapOvr>
-  <mc:AlternateContent xmlns:mc="http://schemas.openxmlformats.org/markup-compatibility/2006">
-    <mc:Choice xmlns:p14="http://schemas.microsoft.com/office/powerpoint/2010/main" Requires="p14">
-      <p:transition spd="slow" p14:dur="2000"/>
-    </mc:Choice>
-    <mc:Fallback>
-      <p:transition spd="slow"/>
-    </mc:Fallback>
-  </mc:AlternateContent>
+</p:sld>
+</file>
+
+<file path=ppt/slides/slide9.xml><?xml version="1.0" encoding="utf-8"?>
+<p:sld xmlns:a="http://schemas.openxmlformats.org/drawingml/2006/main" xmlns:r="http://schemas.openxmlformats.org/officeDocument/2006/relationships" xmlns:p="http://schemas.openxmlformats.org/presentationml/2006/main">
+  <p:cSld>
+    <p:spTree>
+      <p:nvGrpSpPr>
+        <p:cNvPr id="1" name=""/>
+        <p:cNvGrpSpPr/>
+        <p:nvPr/>
+      </p:nvGrpSpPr>
+      <p:grpSpPr>
+        <a:xfrm>
+          <a:off x="0" y="0"/>
+          <a:ext cx="0" cy="0"/>
+          <a:chOff x="0" y="0"/>
+          <a:chExt cx="0" cy="0"/>
+        </a:xfrm>
+      </p:grpSpPr>
+      <p:sp>
+        <p:nvSpPr>
+          <p:cNvPr id="2" name="Espace réservé du contenu 1"/>
+          <p:cNvSpPr>
+            <a:spLocks noGrp="1"/>
+          </p:cNvSpPr>
+          <p:nvPr>
+            <p:ph idx="1"/>
+          </p:nvPr>
+        </p:nvSpPr>
+        <p:spPr>
+          <a:xfrm>
+            <a:off x="418356" y="1120858"/>
+            <a:ext cx="8088511" cy="4681537"/>
+          </a:xfrm>
+        </p:spPr>
+        <p:txBody>
+          <a:bodyPr/>
+          <a:lstStyle/>
+          <a:p>
+            <a:r>
+              <a:rPr lang="fr-FR" dirty="0"/>
+              <a:t>(</a:t>
+            </a:r>
+            <a:r>
+              <a:rPr lang="fr-FR" dirty="0" err="1"/>
+              <a:t>modified</a:t>
+            </a:r>
+            <a:r>
+              <a:rPr lang="fr-FR" dirty="0"/>
+              <a:t>) </a:t>
+            </a:r>
+            <a:r>
+              <a:rPr lang="fr-FR" dirty="0" err="1"/>
+              <a:t>angular</a:t>
+            </a:r>
+            <a:r>
+              <a:rPr lang="fr-FR" dirty="0"/>
+              <a:t> doc </a:t>
+            </a:r>
+            <a:r>
+              <a:rPr lang="fr-FR" dirty="0" err="1"/>
+              <a:t>plunk</a:t>
+            </a:r>
+            <a:r>
+              <a:rPr lang="fr-FR" dirty="0"/>
+              <a:t> </a:t>
+            </a:r>
+            <a:r>
+              <a:rPr lang="fr-FR" dirty="0" err="1"/>
+              <a:t>example</a:t>
+            </a:r>
+            <a:r>
+              <a:rPr lang="fr-FR" dirty="0"/>
+              <a:t> </a:t>
+            </a:r>
+            <a:r>
+              <a:rPr lang="fr-FR" dirty="0" err="1"/>
+              <a:t>from</a:t>
+            </a:r>
+            <a:r>
+              <a:rPr lang="fr-FR" dirty="0"/>
+              <a:t> :</a:t>
+            </a:r>
+          </a:p>
+          <a:p>
+            <a:pPr lvl="1"/>
+            <a:r>
+              <a:rPr lang="fr-FR" dirty="0">
+                <a:hlinkClick r:id="rId2"/>
+              </a:rPr>
+              <a:t>https://docs.angularjs.org/api/ngMessages/directive/ngMessages</a:t>
+            </a:r>
+            <a:endParaRPr lang="fr-FR" dirty="0"/>
+          </a:p>
+          <a:p>
+            <a:pPr lvl="1"/>
+            <a:endParaRPr lang="fr-FR" dirty="0"/>
+          </a:p>
+        </p:txBody>
+      </p:sp>
+      <p:sp>
+        <p:nvSpPr>
+          <p:cNvPr id="3" name="Titre 2"/>
+          <p:cNvSpPr>
+            <a:spLocks noGrp="1"/>
+          </p:cNvSpPr>
+          <p:nvPr>
+            <p:ph type="title"/>
+          </p:nvPr>
+        </p:nvSpPr>
+        <p:spPr/>
+        <p:txBody>
+          <a:bodyPr/>
+          <a:lstStyle/>
+          <a:p>
+            <a:endParaRPr lang="fr-FR" dirty="0"/>
+          </a:p>
+        </p:txBody>
+      </p:sp>
+      <p:sp>
+        <p:nvSpPr>
+          <p:cNvPr id="4" name="Espace réservé du pied de page 3"/>
+          <p:cNvSpPr>
+            <a:spLocks noGrp="1"/>
+          </p:cNvSpPr>
+          <p:nvPr>
+            <p:ph type="ftr" sz="quarter" idx="11"/>
+          </p:nvPr>
+        </p:nvSpPr>
+        <p:spPr/>
+        <p:txBody>
+          <a:bodyPr/>
+          <a:lstStyle/>
+          <a:p>
+            <a:r>
+              <a:rPr lang="fr-FR" dirty="0" err="1"/>
+              <a:t>Angular</a:t>
+            </a:r>
+            <a:r>
+              <a:rPr lang="fr-FR" dirty="0"/>
+              <a:t> JS 1: </a:t>
+            </a:r>
+            <a:r>
+              <a:rPr lang="fr-FR" dirty="0" err="1"/>
+              <a:t>Forms</a:t>
+            </a:r>
+            <a:endParaRPr lang="fr-FR" dirty="0"/>
+          </a:p>
+        </p:txBody>
+      </p:sp>
+      <p:sp>
+        <p:nvSpPr>
+          <p:cNvPr id="5" name="Espace réservé du numéro de diapositive 4"/>
+          <p:cNvSpPr>
+            <a:spLocks noGrp="1"/>
+          </p:cNvSpPr>
+          <p:nvPr>
+            <p:ph type="sldNum" sz="quarter" idx="12"/>
+          </p:nvPr>
+        </p:nvSpPr>
+        <p:spPr/>
+        <p:txBody>
+          <a:bodyPr/>
+          <a:lstStyle/>
+          <a:p>
+            <a:fld id="{AF43E6FD-AB27-4108-A2FC-346BB5F75E3F}" type="slidenum">
+              <a:rPr lang="fr-FR" smtClean="0"/>
+              <a:pPr/>
+              <a:t>9</a:t>
+            </a:fld>
+            <a:endParaRPr lang="fr-FR" dirty="0"/>
+          </a:p>
+        </p:txBody>
+      </p:sp>
+      <p:sp>
+        <p:nvSpPr>
+          <p:cNvPr id="6" name="Espace réservé du texte 5"/>
+          <p:cNvSpPr>
+            <a:spLocks noGrp="1"/>
+          </p:cNvSpPr>
+          <p:nvPr>
+            <p:ph type="body" sz="quarter" idx="13"/>
+          </p:nvPr>
+        </p:nvSpPr>
+        <p:spPr/>
+        <p:txBody>
+          <a:bodyPr/>
+          <a:lstStyle/>
+          <a:p>
+            <a:r>
+              <a:rPr lang="fr-FR" dirty="0" smtClean="0"/>
+              <a:t>Exemple </a:t>
+            </a:r>
+            <a:r>
+              <a:rPr lang="fr-FR" dirty="0" err="1" smtClean="0"/>
+              <a:t>MultiPLE</a:t>
+            </a:r>
+            <a:r>
+              <a:rPr lang="fr-FR" dirty="0" smtClean="0"/>
+              <a:t> message</a:t>
+            </a:r>
+            <a:endParaRPr lang="fr-FR" dirty="0"/>
+          </a:p>
+        </p:txBody>
+      </p:sp>
+      <p:pic>
+        <p:nvPicPr>
+          <p:cNvPr id="8" name="Image 7"/>
+          <p:cNvPicPr>
+            <a:picLocks noChangeAspect="1"/>
+          </p:cNvPicPr>
+          <p:nvPr/>
+        </p:nvPicPr>
+        <p:blipFill>
+          <a:blip r:embed="rId3"/>
+          <a:stretch>
+            <a:fillRect/>
+          </a:stretch>
+        </p:blipFill>
+        <p:spPr>
+          <a:xfrm>
+            <a:off x="180302" y="2395798"/>
+            <a:ext cx="7664688" cy="3734414"/>
+          </a:xfrm>
+          <a:prstGeom prst="rect">
+            <a:avLst/>
+          </a:prstGeom>
+          <a:ln>
+            <a:solidFill>
+              <a:schemeClr val="tx1"/>
+            </a:solidFill>
+          </a:ln>
+        </p:spPr>
+      </p:pic>
+      <p:pic>
+        <p:nvPicPr>
+          <p:cNvPr id="9" name="Image 8"/>
+          <p:cNvPicPr>
+            <a:picLocks noChangeAspect="1"/>
+          </p:cNvPicPr>
+          <p:nvPr/>
+        </p:nvPicPr>
+        <p:blipFill>
+          <a:blip r:embed="rId4"/>
+          <a:stretch>
+            <a:fillRect/>
+          </a:stretch>
+        </p:blipFill>
+        <p:spPr>
+          <a:xfrm>
+            <a:off x="6132401" y="2192938"/>
+            <a:ext cx="2762250" cy="1685925"/>
+          </a:xfrm>
+          <a:prstGeom prst="rect">
+            <a:avLst/>
+          </a:prstGeom>
+          <a:ln>
+            <a:solidFill>
+              <a:schemeClr val="tx1"/>
+            </a:solidFill>
+          </a:ln>
+        </p:spPr>
+      </p:pic>
+    </p:spTree>
+    <p:extLst>
+      <p:ext uri="{BB962C8B-B14F-4D97-AF65-F5344CB8AC3E}">
+        <p14:creationId xmlns:p14="http://schemas.microsoft.com/office/powerpoint/2010/main" val="1103947474"/>
+      </p:ext>
+    </p:extLst>
+  </p:cSld>
+  <p:clrMapOvr>
+    <a:masterClrMapping/>
+  </p:clrMapOvr>
 </p:sld>
 </file>
 

--- a/Jour1/06 Forms/FORMS.pptx
+++ b/Jour1/06 Forms/FORMS.pptx
@@ -5,10 +5,10 @@
     <p:sldMasterId id="2147483648" r:id="rId1"/>
   </p:sldMasterIdLst>
   <p:notesMasterIdLst>
-    <p:notesMasterId r:id="rId26"/>
+    <p:notesMasterId r:id="rId27"/>
   </p:notesMasterIdLst>
   <p:handoutMasterIdLst>
-    <p:handoutMasterId r:id="rId27"/>
+    <p:handoutMasterId r:id="rId28"/>
   </p:handoutMasterIdLst>
   <p:sldIdLst>
     <p:sldId id="339" r:id="rId2"/>
@@ -27,14 +27,15 @@
     <p:sldId id="458" r:id="rId15"/>
     <p:sldId id="454" r:id="rId16"/>
     <p:sldId id="436" r:id="rId17"/>
-    <p:sldId id="463" r:id="rId18"/>
-    <p:sldId id="464" r:id="rId19"/>
-    <p:sldId id="465" r:id="rId20"/>
-    <p:sldId id="474" r:id="rId21"/>
-    <p:sldId id="476" r:id="rId22"/>
-    <p:sldId id="475" r:id="rId23"/>
-    <p:sldId id="477" r:id="rId24"/>
-    <p:sldId id="478" r:id="rId25"/>
+    <p:sldId id="479" r:id="rId18"/>
+    <p:sldId id="463" r:id="rId19"/>
+    <p:sldId id="464" r:id="rId20"/>
+    <p:sldId id="465" r:id="rId21"/>
+    <p:sldId id="474" r:id="rId22"/>
+    <p:sldId id="476" r:id="rId23"/>
+    <p:sldId id="475" r:id="rId24"/>
+    <p:sldId id="477" r:id="rId25"/>
+    <p:sldId id="478" r:id="rId26"/>
   </p:sldIdLst>
   <p:sldSz cx="9144000" cy="6858000" type="screen4x3"/>
   <p:notesSz cx="6797675" cy="9926638"/>
@@ -1933,7 +1934,7 @@
             <a:fld id="{305287CA-3E72-4A91-B59B-B69F40801570}" type="slidenum">
               <a:rPr lang="en-GB" sz="1100" smtClean="0"/>
               <a:pPr/>
-              <a:t>18</a:t>
+              <a:t>19</a:t>
             </a:fld>
             <a:endParaRPr lang="en-GB" sz="1100" dirty="0"/>
           </a:p>
@@ -2065,7 +2066,7 @@
             <a:fld id="{305287CA-3E72-4A91-B59B-B69F40801570}" type="slidenum">
               <a:rPr lang="en-GB" sz="1100" smtClean="0"/>
               <a:pPr/>
-              <a:t>19</a:t>
+              <a:t>20</a:t>
             </a:fld>
             <a:endParaRPr lang="en-GB" sz="1100" dirty="0"/>
           </a:p>
@@ -2197,7 +2198,7 @@
             <a:fld id="{305287CA-3E72-4A91-B59B-B69F40801570}" type="slidenum">
               <a:rPr lang="en-GB" sz="1100" smtClean="0"/>
               <a:pPr/>
-              <a:t>20</a:t>
+              <a:t>21</a:t>
             </a:fld>
             <a:endParaRPr lang="en-GB" sz="1100" dirty="0"/>
           </a:p>
@@ -3308,7 +3309,7 @@
             <a:fld id="{305287CA-3E72-4A91-B59B-B69F40801570}" type="slidenum">
               <a:rPr lang="en-GB" sz="1100" smtClean="0"/>
               <a:pPr/>
-              <a:t>21</a:t>
+              <a:t>22</a:t>
             </a:fld>
             <a:endParaRPr lang="en-GB" sz="1100" dirty="0"/>
           </a:p>
@@ -4361,7 +4362,7 @@
             <a:fld id="{305287CA-3E72-4A91-B59B-B69F40801570}" type="slidenum">
               <a:rPr lang="en-GB" sz="1100" smtClean="0"/>
               <a:pPr/>
-              <a:t>22</a:t>
+              <a:t>23</a:t>
             </a:fld>
             <a:endParaRPr lang="en-GB" sz="1100" dirty="0"/>
           </a:p>
@@ -5206,7 +5207,7 @@
             <a:fld id="{305287CA-3E72-4A91-B59B-B69F40801570}" type="slidenum">
               <a:rPr lang="en-GB" sz="1100" smtClean="0"/>
               <a:pPr/>
-              <a:t>23</a:t>
+              <a:t>24</a:t>
             </a:fld>
             <a:endParaRPr lang="en-GB" sz="1100" dirty="0"/>
           </a:p>
@@ -5338,7 +5339,7 @@
             <a:fld id="{305287CA-3E72-4A91-B59B-B69F40801570}" type="slidenum">
               <a:rPr lang="en-GB" sz="1100" smtClean="0"/>
               <a:pPr/>
-              <a:t>24</a:t>
+              <a:t>25</a:t>
             </a:fld>
             <a:endParaRPr lang="en-GB" sz="1100" dirty="0"/>
           </a:p>
@@ -15313,14 +15314,14 @@
                 <a:gridCol w="3048000">
                   <a:extLst>
                     <a:ext uri="{9D8B030D-6E8A-4147-A177-3AD203B41FA5}">
-                      <a16:colId xmlns="" xmlns:a16="http://schemas.microsoft.com/office/drawing/2014/main" val="20000"/>
+                      <a16:colId xmlns:a16="http://schemas.microsoft.com/office/drawing/2014/main" xmlns="" val="20000"/>
                     </a:ext>
                   </a:extLst>
                 </a:gridCol>
                 <a:gridCol w="3048000">
                   <a:extLst>
                     <a:ext uri="{9D8B030D-6E8A-4147-A177-3AD203B41FA5}">
-                      <a16:colId xmlns="" xmlns:a16="http://schemas.microsoft.com/office/drawing/2014/main" val="20001"/>
+                      <a16:colId xmlns:a16="http://schemas.microsoft.com/office/drawing/2014/main" xmlns="" val="20001"/>
                     </a:ext>
                   </a:extLst>
                 </a:gridCol>
@@ -15354,7 +15355,7 @@
                 </a:tc>
                 <a:extLst>
                   <a:ext uri="{0D108BD9-81ED-4DB2-BD59-A6C34878D82A}">
-                    <a16:rowId xmlns="" xmlns:a16="http://schemas.microsoft.com/office/drawing/2014/main" val="10000"/>
+                    <a16:rowId xmlns:a16="http://schemas.microsoft.com/office/drawing/2014/main" xmlns="" val="10000"/>
                   </a:ext>
                 </a:extLst>
               </a:tr>
@@ -15392,7 +15393,7 @@
                 </a:tc>
                 <a:extLst>
                   <a:ext uri="{0D108BD9-81ED-4DB2-BD59-A6C34878D82A}">
-                    <a16:rowId xmlns="" xmlns:a16="http://schemas.microsoft.com/office/drawing/2014/main" val="10001"/>
+                    <a16:rowId xmlns:a16="http://schemas.microsoft.com/office/drawing/2014/main" xmlns="" val="10001"/>
                   </a:ext>
                 </a:extLst>
               </a:tr>
@@ -15430,7 +15431,7 @@
                 </a:tc>
                 <a:extLst>
                   <a:ext uri="{0D108BD9-81ED-4DB2-BD59-A6C34878D82A}">
-                    <a16:rowId xmlns="" xmlns:a16="http://schemas.microsoft.com/office/drawing/2014/main" val="10002"/>
+                    <a16:rowId xmlns:a16="http://schemas.microsoft.com/office/drawing/2014/main" xmlns="" val="10002"/>
                   </a:ext>
                 </a:extLst>
               </a:tr>
@@ -15463,7 +15464,7 @@
                 </a:tc>
                 <a:extLst>
                   <a:ext uri="{0D108BD9-81ED-4DB2-BD59-A6C34878D82A}">
-                    <a16:rowId xmlns="" xmlns:a16="http://schemas.microsoft.com/office/drawing/2014/main" val="10003"/>
+                    <a16:rowId xmlns:a16="http://schemas.microsoft.com/office/drawing/2014/main" xmlns="" val="10003"/>
                   </a:ext>
                 </a:extLst>
               </a:tr>
@@ -15509,7 +15510,7 @@
                 </a:tc>
                 <a:extLst>
                   <a:ext uri="{0D108BD9-81ED-4DB2-BD59-A6C34878D82A}">
-                    <a16:rowId xmlns="" xmlns:a16="http://schemas.microsoft.com/office/drawing/2014/main" val="10004"/>
+                    <a16:rowId xmlns:a16="http://schemas.microsoft.com/office/drawing/2014/main" xmlns="" val="10004"/>
                   </a:ext>
                 </a:extLst>
               </a:tr>
@@ -16165,12 +16166,99 @@
       </p:grpSpPr>
       <p:sp>
         <p:nvSpPr>
-          <p:cNvPr id="4" name="Espace réservé du numéro de diapositive 3"/>
-          <p:cNvSpPr>
-            <a:spLocks noGrp="1"/>
-          </p:cNvSpPr>
-          <p:nvPr>
-            <p:ph type="sldNum" sz="quarter" idx="14"/>
+          <p:cNvPr id="2" name="Espace réservé du contenu 1"/>
+          <p:cNvSpPr>
+            <a:spLocks noGrp="1"/>
+          </p:cNvSpPr>
+          <p:nvPr>
+            <p:ph idx="1"/>
+          </p:nvPr>
+        </p:nvSpPr>
+        <p:spPr/>
+        <p:txBody>
+          <a:bodyPr/>
+          <a:lstStyle/>
+          <a:p>
+            <a:r>
+              <a:rPr lang="fr-FR" dirty="0" smtClean="0"/>
+              <a:t>Comment choisir entre </a:t>
+            </a:r>
+            <a:r>
+              <a:rPr lang="fr-FR" dirty="0" err="1" smtClean="0"/>
+              <a:t>ng</a:t>
+            </a:r>
+            <a:r>
+              <a:rPr lang="fr-FR" dirty="0" smtClean="0"/>
+              <a:t>-show et </a:t>
+            </a:r>
+            <a:r>
+              <a:rPr lang="fr-FR" dirty="0" err="1" smtClean="0"/>
+              <a:t>ng-hide</a:t>
+            </a:r>
+            <a:r>
+              <a:rPr lang="fr-FR" dirty="0" smtClean="0"/>
+              <a:t> ?</a:t>
+            </a:r>
+          </a:p>
+          <a:p>
+            <a:endParaRPr lang="fr-FR" dirty="0"/>
+          </a:p>
+        </p:txBody>
+      </p:sp>
+      <p:sp>
+        <p:nvSpPr>
+          <p:cNvPr id="3" name="Titre 2"/>
+          <p:cNvSpPr>
+            <a:spLocks noGrp="1"/>
+          </p:cNvSpPr>
+          <p:nvPr>
+            <p:ph type="title"/>
+          </p:nvPr>
+        </p:nvSpPr>
+        <p:spPr/>
+        <p:txBody>
+          <a:bodyPr/>
+          <a:lstStyle/>
+          <a:p>
+            <a:r>
+              <a:rPr lang="fr-FR" dirty="0" smtClean="0"/>
+              <a:t>QUIZ</a:t>
+            </a:r>
+            <a:endParaRPr lang="fr-FR" dirty="0"/>
+          </a:p>
+        </p:txBody>
+      </p:sp>
+      <p:sp>
+        <p:nvSpPr>
+          <p:cNvPr id="4" name="Espace réservé du pied de page 3"/>
+          <p:cNvSpPr>
+            <a:spLocks noGrp="1"/>
+          </p:cNvSpPr>
+          <p:nvPr>
+            <p:ph type="ftr" sz="quarter" idx="11"/>
+          </p:nvPr>
+        </p:nvSpPr>
+        <p:spPr/>
+        <p:txBody>
+          <a:bodyPr/>
+          <a:lstStyle/>
+          <a:p>
+            <a:r>
+              <a:rPr lang="fr-FR" smtClean="0"/>
+              <a:t>Java Config</a:t>
+            </a:r>
+            <a:endParaRPr lang="fr-FR" dirty="0"/>
+          </a:p>
+        </p:txBody>
+      </p:sp>
+      <p:sp>
+        <p:nvSpPr>
+          <p:cNvPr id="5" name="Espace réservé du numéro de diapositive 4"/>
+          <p:cNvSpPr>
+            <a:spLocks noGrp="1"/>
+          </p:cNvSpPr>
+          <p:nvPr>
+            <p:ph type="sldNum" sz="quarter" idx="12"/>
           </p:nvPr>
         </p:nvSpPr>
         <p:spPr/>
@@ -16189,12 +16277,12 @@
       </p:sp>
       <p:sp>
         <p:nvSpPr>
-          <p:cNvPr id="5" name="Titre 4"/>
-          <p:cNvSpPr>
-            <a:spLocks noGrp="1"/>
-          </p:cNvSpPr>
-          <p:nvPr>
-            <p:ph type="ctrTitle"/>
+          <p:cNvPr id="6" name="Espace réservé du texte 5"/>
+          <p:cNvSpPr>
+            <a:spLocks noGrp="1"/>
+          </p:cNvSpPr>
+          <p:nvPr>
+            <p:ph type="body" sz="quarter" idx="13"/>
           </p:nvPr>
         </p:nvSpPr>
         <p:spPr/>
@@ -16202,91 +16290,14 @@
           <a:bodyPr/>
           <a:lstStyle/>
           <a:p>
-            <a:r>
-              <a:rPr lang="fr-FR" dirty="0"/>
-              <a:t> Combo</a:t>
-            </a:r>
-          </a:p>
-        </p:txBody>
-      </p:sp>
-      <p:sp>
-        <p:nvSpPr>
-          <p:cNvPr id="6" name="Sous-titre 5"/>
-          <p:cNvSpPr>
-            <a:spLocks noGrp="1"/>
-          </p:cNvSpPr>
-          <p:nvPr>
-            <p:ph type="subTitle" idx="1"/>
-          </p:nvPr>
-        </p:nvSpPr>
-        <p:spPr>
-          <a:xfrm>
-            <a:off x="546100" y="4654553"/>
-            <a:ext cx="6457215" cy="307777"/>
-          </a:xfrm>
-        </p:spPr>
-        <p:txBody>
-          <a:bodyPr/>
-          <a:lstStyle/>
-          <a:p>
-            <a:endParaRPr lang="fr-FR" dirty="0"/>
-          </a:p>
-        </p:txBody>
-      </p:sp>
-      <p:sp>
-        <p:nvSpPr>
-          <p:cNvPr id="2" name="Espace réservé du pied de page 1"/>
-          <p:cNvSpPr>
-            <a:spLocks noGrp="1"/>
-          </p:cNvSpPr>
-          <p:nvPr>
-            <p:ph type="ftr" sz="quarter" idx="13"/>
-          </p:nvPr>
-        </p:nvSpPr>
-        <p:spPr/>
-        <p:txBody>
-          <a:bodyPr/>
-          <a:lstStyle/>
-          <a:p>
-            <a:r>
-              <a:rPr lang="fr-FR" dirty="0" err="1"/>
-              <a:t>Angular</a:t>
-            </a:r>
-            <a:r>
-              <a:rPr lang="fr-FR" dirty="0"/>
-              <a:t> JS 1: </a:t>
-            </a:r>
-            <a:r>
-              <a:rPr lang="fr-FR" dirty="0" err="1"/>
-              <a:t>Forms</a:t>
-            </a:r>
-            <a:endParaRPr lang="fr-FR" dirty="0"/>
-          </a:p>
-        </p:txBody>
-      </p:sp>
-      <p:pic>
-        <p:nvPicPr>
-          <p:cNvPr id="13" name="Espace réservé pour une image  12" descr="ScreenShot010.jpg"/>
-          <p:cNvPicPr>
-            <a:picLocks noGrp="1" noChangeAspect="1"/>
-          </p:cNvPicPr>
-          <p:nvPr>
-            <p:ph type="pic" sz="quarter" idx="15"/>
-          </p:nvPr>
-        </p:nvPicPr>
-        <p:blipFill>
-          <a:blip r:embed="rId2"/>
-          <a:srcRect t="14630" b="14630"/>
-          <a:stretch>
-            <a:fillRect/>
-          </a:stretch>
-        </p:blipFill>
-        <p:spPr/>
-      </p:pic>
+            <a:endParaRPr lang="fr-FR"/>
+          </a:p>
+        </p:txBody>
+      </p:sp>
     </p:spTree>
     <p:extLst>
       <p:ext uri="{BB962C8B-B14F-4D97-AF65-F5344CB8AC3E}">
-        <p14:creationId xmlns:p14="http://schemas.microsoft.com/office/powerpoint/2010/main" val="1806273576"/>
+        <p14:creationId xmlns:p14="http://schemas.microsoft.com/office/powerpoint/2010/main" val="496007374"/>
       </p:ext>
     </p:extLst>
   </p:cSld>
@@ -16315,6 +16326,156 @@
       </p:grpSpPr>
       <p:sp>
         <p:nvSpPr>
+          <p:cNvPr id="4" name="Espace réservé du numéro de diapositive 3"/>
+          <p:cNvSpPr>
+            <a:spLocks noGrp="1"/>
+          </p:cNvSpPr>
+          <p:nvPr>
+            <p:ph type="sldNum" sz="quarter" idx="14"/>
+          </p:nvPr>
+        </p:nvSpPr>
+        <p:spPr/>
+        <p:txBody>
+          <a:bodyPr/>
+          <a:lstStyle/>
+          <a:p>
+            <a:fld id="{AF43E6FD-AB27-4108-A2FC-346BB5F75E3F}" type="slidenum">
+              <a:rPr lang="fr-FR" smtClean="0"/>
+              <a:pPr/>
+              <a:t>18</a:t>
+            </a:fld>
+            <a:endParaRPr lang="fr-FR" dirty="0"/>
+          </a:p>
+        </p:txBody>
+      </p:sp>
+      <p:sp>
+        <p:nvSpPr>
+          <p:cNvPr id="5" name="Titre 4"/>
+          <p:cNvSpPr>
+            <a:spLocks noGrp="1"/>
+          </p:cNvSpPr>
+          <p:nvPr>
+            <p:ph type="ctrTitle"/>
+          </p:nvPr>
+        </p:nvSpPr>
+        <p:spPr/>
+        <p:txBody>
+          <a:bodyPr/>
+          <a:lstStyle/>
+          <a:p>
+            <a:r>
+              <a:rPr lang="fr-FR" dirty="0"/>
+              <a:t> Combo</a:t>
+            </a:r>
+          </a:p>
+        </p:txBody>
+      </p:sp>
+      <p:sp>
+        <p:nvSpPr>
+          <p:cNvPr id="6" name="Sous-titre 5"/>
+          <p:cNvSpPr>
+            <a:spLocks noGrp="1"/>
+          </p:cNvSpPr>
+          <p:nvPr>
+            <p:ph type="subTitle" idx="1"/>
+          </p:nvPr>
+        </p:nvSpPr>
+        <p:spPr>
+          <a:xfrm>
+            <a:off x="546100" y="4654553"/>
+            <a:ext cx="6457215" cy="307777"/>
+          </a:xfrm>
+        </p:spPr>
+        <p:txBody>
+          <a:bodyPr/>
+          <a:lstStyle/>
+          <a:p>
+            <a:endParaRPr lang="fr-FR" dirty="0"/>
+          </a:p>
+        </p:txBody>
+      </p:sp>
+      <p:sp>
+        <p:nvSpPr>
+          <p:cNvPr id="2" name="Espace réservé du pied de page 1"/>
+          <p:cNvSpPr>
+            <a:spLocks noGrp="1"/>
+          </p:cNvSpPr>
+          <p:nvPr>
+            <p:ph type="ftr" sz="quarter" idx="13"/>
+          </p:nvPr>
+        </p:nvSpPr>
+        <p:spPr/>
+        <p:txBody>
+          <a:bodyPr/>
+          <a:lstStyle/>
+          <a:p>
+            <a:r>
+              <a:rPr lang="fr-FR" dirty="0" err="1"/>
+              <a:t>Angular</a:t>
+            </a:r>
+            <a:r>
+              <a:rPr lang="fr-FR" dirty="0"/>
+              <a:t> JS 1: </a:t>
+            </a:r>
+            <a:r>
+              <a:rPr lang="fr-FR" dirty="0" err="1"/>
+              <a:t>Forms</a:t>
+            </a:r>
+            <a:endParaRPr lang="fr-FR" dirty="0"/>
+          </a:p>
+        </p:txBody>
+      </p:sp>
+      <p:pic>
+        <p:nvPicPr>
+          <p:cNvPr id="13" name="Espace réservé pour une image  12" descr="ScreenShot010.jpg"/>
+          <p:cNvPicPr>
+            <a:picLocks noGrp="1" noChangeAspect="1"/>
+          </p:cNvPicPr>
+          <p:nvPr>
+            <p:ph type="pic" sz="quarter" idx="15"/>
+          </p:nvPr>
+        </p:nvPicPr>
+        <p:blipFill>
+          <a:blip r:embed="rId2"/>
+          <a:srcRect t="14630" b="14630"/>
+          <a:stretch>
+            <a:fillRect/>
+          </a:stretch>
+        </p:blipFill>
+        <p:spPr/>
+      </p:pic>
+    </p:spTree>
+    <p:extLst>
+      <p:ext uri="{BB962C8B-B14F-4D97-AF65-F5344CB8AC3E}">
+        <p14:creationId xmlns:p14="http://schemas.microsoft.com/office/powerpoint/2010/main" val="1806273576"/>
+      </p:ext>
+    </p:extLst>
+  </p:cSld>
+  <p:clrMapOvr>
+    <a:masterClrMapping/>
+  </p:clrMapOvr>
+</p:sld>
+</file>
+
+<file path=ppt/slides/slide19.xml><?xml version="1.0" encoding="utf-8"?>
+<p:sld xmlns:a="http://schemas.openxmlformats.org/drawingml/2006/main" xmlns:r="http://schemas.openxmlformats.org/officeDocument/2006/relationships" xmlns:p="http://schemas.openxmlformats.org/presentationml/2006/main">
+  <p:cSld>
+    <p:spTree>
+      <p:nvGrpSpPr>
+        <p:cNvPr id="1" name=""/>
+        <p:cNvGrpSpPr/>
+        <p:nvPr/>
+      </p:nvGrpSpPr>
+      <p:grpSpPr>
+        <a:xfrm>
+          <a:off x="0" y="0"/>
+          <a:ext cx="0" cy="0"/>
+          <a:chOff x="0" y="0"/>
+          <a:chExt cx="0" cy="0"/>
+        </a:xfrm>
+      </p:grpSpPr>
+      <p:sp>
+        <p:nvSpPr>
           <p:cNvPr id="2" name="Espace réservé du contenu 1"/>
           <p:cNvSpPr>
             <a:spLocks noGrp="1"/>
@@ -16377,7 +16538,7 @@
             <a:fld id="{AF43E6FD-AB27-4108-A2FC-346BB5F75E3F}" type="slidenum">
               <a:rPr lang="fr-FR" smtClean="0"/>
               <a:pPr/>
-              <a:t>18</a:t>
+              <a:t>19</a:t>
             </a:fld>
             <a:endParaRPr lang="fr-FR" dirty="0"/>
           </a:p>
@@ -16620,7 +16781,7 @@
 </p:sld>
 </file>
 
-<file path=ppt/slides/slide19.xml><?xml version="1.0" encoding="utf-8"?>
+<file path=ppt/slides/slide2.xml><?xml version="1.0" encoding="utf-8"?>
 <p:sld xmlns:a="http://schemas.openxmlformats.org/drawingml/2006/main" xmlns:r="http://schemas.openxmlformats.org/officeDocument/2006/relationships" xmlns:p="http://schemas.openxmlformats.org/presentationml/2006/main">
   <p:cSld>
     <p:spTree>
@@ -16649,121 +16810,78 @@
         </p:nvSpPr>
         <p:spPr bwMode="gray">
           <a:xfrm>
-            <a:off x="515938" y="3486150"/>
-            <a:ext cx="8088511" cy="2679699"/>
+            <a:off x="515938" y="4276725"/>
+            <a:ext cx="8088511" cy="1889124"/>
           </a:xfrm>
         </p:spPr>
         <p:txBody>
           <a:bodyPr>
-            <a:normAutofit fontScale="92500" lnSpcReduction="20000"/>
+            <a:normAutofit fontScale="85000" lnSpcReduction="10000"/>
           </a:bodyPr>
           <a:lstStyle/>
           <a:p>
             <a:r>
+              <a:rPr lang="en-US" dirty="0" err="1" smtClean="0"/>
+              <a:t>Utilisation</a:t>
+            </a:r>
+            <a:r>
+              <a:rPr lang="en-US" dirty="0" smtClean="0"/>
+              <a:t> de </a:t>
+            </a:r>
+            <a:r>
+              <a:rPr lang="en-US" dirty="0" smtClean="0">
+                <a:solidFill>
+                  <a:srgbClr val="FF0000"/>
+                </a:solidFill>
+              </a:rPr>
+              <a:t>ng-model</a:t>
+            </a:r>
+            <a:r>
+              <a:rPr lang="en-US" dirty="0" smtClean="0"/>
+              <a:t> pour le double </a:t>
+            </a:r>
+            <a:r>
+              <a:rPr lang="en-US" dirty="0" err="1" smtClean="0"/>
+              <a:t>bindning</a:t>
+            </a:r>
+            <a:endParaRPr lang="en-US" dirty="0"/>
+          </a:p>
+          <a:p>
+            <a:r>
+              <a:rPr lang="en-US" dirty="0" err="1">
+                <a:solidFill>
+                  <a:srgbClr val="FF0000"/>
+                </a:solidFill>
+              </a:rPr>
+              <a:t>novalidate</a:t>
+            </a:r>
+            <a:r>
               <a:rPr lang="en-US" dirty="0"/>
-              <a:t>Should be understood :</a:t>
-            </a:r>
-          </a:p>
-          <a:p>
-            <a:pPr lvl="1"/>
-            <a:r>
-              <a:rPr lang="en-US" dirty="0"/>
-              <a:t>'label' means the text shown to the user in the combo, and the code should give a value instead of the placeholder 'label' in the spec :</a:t>
-            </a:r>
-          </a:p>
-          <a:p>
-            <a:pPr lvl="2"/>
-            <a:r>
-              <a:rPr lang="en-US" sz="1300" dirty="0">
-                <a:latin typeface="Courier New" pitchFamily="49" charset="0"/>
-                <a:cs typeface="Courier New" pitchFamily="49" charset="0"/>
-              </a:rPr>
-              <a:t>person.name </a:t>
-            </a:r>
-            <a:r>
-              <a:rPr lang="en-US" dirty="0"/>
-              <a:t>for person in </a:t>
-            </a:r>
-            <a:r>
-              <a:rPr lang="en-US" dirty="0" err="1"/>
-              <a:t>vm.personArray</a:t>
-            </a:r>
+              <a:t> (attributes defined in HTML 5) =&gt;  disables the browser automatic validation</a:t>
+            </a:r>
+          </a:p>
+          <a:p>
+            <a:r>
+              <a:rPr lang="en-US" dirty="0" smtClean="0"/>
+              <a:t>Check the HTML5 types : text, email, number …</a:t>
+            </a:r>
+          </a:p>
+          <a:p>
+            <a:r>
+              <a:rPr lang="en-US" dirty="0" smtClean="0"/>
+              <a:t>type="mail"  prevents an invalid value to be synced with the binding data defined in ng-model </a:t>
+            </a:r>
+            <a:r>
+              <a:rPr lang="en-US" dirty="0" err="1" smtClean="0"/>
+              <a:t>user.mail</a:t>
+            </a:r>
+            <a:r>
+              <a:rPr lang="en-US" dirty="0" smtClean="0"/>
+              <a:t> if not valid</a:t>
+            </a:r>
+          </a:p>
+          <a:p>
             <a:endParaRPr lang="en-US" dirty="0"/>
-          </a:p>
-          <a:p>
-            <a:pPr lvl="1"/>
-            <a:r>
-              <a:rPr lang="en-US" dirty="0"/>
-              <a:t>'value' means the name of a variable loop  value of an item from the  array : </a:t>
-            </a:r>
-            <a:r>
-              <a:rPr lang="en-US" sz="1300" dirty="0">
-                <a:latin typeface="Courier New" pitchFamily="49" charset="0"/>
-                <a:cs typeface="Courier New" pitchFamily="49" charset="0"/>
-              </a:rPr>
-              <a:t>person</a:t>
-            </a:r>
-          </a:p>
-          <a:p>
-            <a:pPr lvl="1"/>
-            <a:r>
-              <a:rPr lang="en-US" dirty="0"/>
-              <a:t>select' means the value returns when submitted  : </a:t>
-            </a:r>
-            <a:r>
-              <a:rPr lang="en-US" sz="1300" dirty="0">
-                <a:latin typeface="Courier New" pitchFamily="49" charset="0"/>
-                <a:cs typeface="Courier New" pitchFamily="49" charset="0"/>
-              </a:rPr>
-              <a:t>person</a:t>
-            </a:r>
-            <a:r>
-              <a:rPr lang="en-US" dirty="0"/>
-              <a:t>, or </a:t>
-            </a:r>
-            <a:r>
-              <a:rPr lang="en-US" sz="1300" dirty="0">
-                <a:latin typeface="Courier New" pitchFamily="49" charset="0"/>
-                <a:cs typeface="Courier New" pitchFamily="49" charset="0"/>
-              </a:rPr>
-              <a:t>person.id</a:t>
-            </a:r>
-            <a:r>
-              <a:rPr lang="en-US" dirty="0"/>
-              <a:t/>
-            </a:r>
-            <a:br>
-              <a:rPr lang="en-US" dirty="0"/>
-            </a:br>
-            <a:r>
-              <a:rPr lang="en-US" dirty="0"/>
-              <a:t>value could either be the FK (id) or the full object</a:t>
-            </a:r>
-          </a:p>
-          <a:p>
-            <a:pPr lvl="1"/>
-            <a:r>
-              <a:rPr lang="en-US" dirty="0"/>
-              <a:t>Even if the full sentence is strange, </a:t>
-            </a:r>
-            <a:br>
-              <a:rPr lang="en-US" dirty="0"/>
-            </a:br>
-            <a:r>
-              <a:rPr lang="en-US" dirty="0"/>
-              <a:t>we just have to replace 'label' 'value' and 'select' by code.</a:t>
-            </a:r>
-          </a:p>
-          <a:p>
-            <a:pPr lvl="1"/>
-            <a:r>
-              <a:rPr lang="en-US" dirty="0">
-                <a:solidFill>
-                  <a:srgbClr val="FF0000"/>
-                </a:solidFill>
-              </a:rPr>
-              <a:t>In short the words "select' 'value' and 'select' should NOT appear in the options parameter</a:t>
-            </a:r>
           </a:p>
         </p:txBody>
       </p:sp>
@@ -16787,10 +16905,6 @@
           <a:bodyPr/>
           <a:lstStyle/>
           <a:p>
-            <a:r>
-              <a:rPr lang="fr-FR" cap="none" dirty="0"/>
-              <a:t>AngularJS</a:t>
-            </a:r>
             <a:endParaRPr lang="en-GB" cap="none" dirty="0"/>
           </a:p>
         </p:txBody>
@@ -16813,7 +16927,406 @@
             <a:fld id="{AF43E6FD-AB27-4108-A2FC-346BB5F75E3F}" type="slidenum">
               <a:rPr lang="fr-FR" smtClean="0"/>
               <a:pPr/>
-              <a:t>19</a:t>
+              <a:t>2</a:t>
+            </a:fld>
+            <a:endParaRPr lang="fr-FR" dirty="0"/>
+          </a:p>
+        </p:txBody>
+      </p:sp>
+      <p:sp>
+        <p:nvSpPr>
+          <p:cNvPr id="10" name="Espace réservé du texte 9"/>
+          <p:cNvSpPr>
+            <a:spLocks noGrp="1"/>
+          </p:cNvSpPr>
+          <p:nvPr>
+            <p:ph type="body" sz="quarter" idx="13"/>
+          </p:nvPr>
+        </p:nvSpPr>
+        <p:spPr bwMode="gray"/>
+        <p:txBody>
+          <a:bodyPr/>
+          <a:lstStyle/>
+          <a:p>
+            <a:r>
+              <a:rPr lang="en-GB" cap="none" dirty="0" smtClean="0"/>
+              <a:t>Un </a:t>
+            </a:r>
+            <a:r>
+              <a:rPr lang="en-GB" cap="none" dirty="0" err="1" smtClean="0"/>
+              <a:t>formulaire</a:t>
+            </a:r>
+            <a:endParaRPr lang="en-GB" cap="none" dirty="0"/>
+          </a:p>
+        </p:txBody>
+      </p:sp>
+      <p:sp>
+        <p:nvSpPr>
+          <p:cNvPr id="6" name="Espace réservé du pied de page 5"/>
+          <p:cNvSpPr>
+            <a:spLocks noGrp="1"/>
+          </p:cNvSpPr>
+          <p:nvPr>
+            <p:ph type="ftr" sz="quarter" idx="11"/>
+          </p:nvPr>
+        </p:nvSpPr>
+        <p:spPr/>
+        <p:txBody>
+          <a:bodyPr/>
+          <a:lstStyle/>
+          <a:p>
+            <a:r>
+              <a:rPr lang="fr-FR" dirty="0" err="1"/>
+              <a:t>Angular</a:t>
+            </a:r>
+            <a:r>
+              <a:rPr lang="fr-FR" dirty="0"/>
+              <a:t> JS 1: </a:t>
+            </a:r>
+            <a:r>
+              <a:rPr lang="fr-FR" dirty="0" err="1"/>
+              <a:t>Forms</a:t>
+            </a:r>
+            <a:endParaRPr lang="fr-FR" dirty="0"/>
+          </a:p>
+        </p:txBody>
+      </p:sp>
+      <p:pic>
+        <p:nvPicPr>
+          <p:cNvPr id="1026" name="Picture 2"/>
+          <p:cNvPicPr>
+            <a:picLocks noChangeAspect="1" noChangeArrowheads="1"/>
+          </p:cNvPicPr>
+          <p:nvPr/>
+        </p:nvPicPr>
+        <p:blipFill>
+          <a:blip r:embed="rId3"/>
+          <a:srcRect/>
+          <a:stretch>
+            <a:fillRect/>
+          </a:stretch>
+        </p:blipFill>
+        <p:spPr bwMode="auto">
+          <a:xfrm>
+            <a:off x="1496949" y="989929"/>
+            <a:ext cx="7494392" cy="3043839"/>
+          </a:xfrm>
+          <a:prstGeom prst="rect">
+            <a:avLst/>
+          </a:prstGeom>
+          <a:noFill/>
+          <a:ln w="9525">
+            <a:noFill/>
+            <a:miter lim="800000"/>
+            <a:headEnd/>
+            <a:tailEnd/>
+          </a:ln>
+          <a:effectLst/>
+        </p:spPr>
+      </p:pic>
+      <p:sp>
+        <p:nvSpPr>
+          <p:cNvPr id="4" name="Rectangle à coins arrondis 3"/>
+          <p:cNvSpPr/>
+          <p:nvPr/>
+        </p:nvSpPr>
+        <p:spPr>
+          <a:xfrm>
+            <a:off x="3162271" y="1572565"/>
+            <a:ext cx="1065686" cy="240571"/>
+          </a:xfrm>
+          <a:prstGeom prst="roundRect">
+            <a:avLst/>
+          </a:prstGeom>
+          <a:solidFill>
+            <a:srgbClr val="CF022B">
+              <a:alpha val="30000"/>
+            </a:srgbClr>
+          </a:solidFill>
+          <a:ln>
+            <a:noFill/>
+          </a:ln>
+        </p:spPr>
+        <p:style>
+          <a:lnRef idx="2">
+            <a:schemeClr val="accent1">
+              <a:shade val="50000"/>
+            </a:schemeClr>
+          </a:lnRef>
+          <a:fillRef idx="1">
+            <a:schemeClr val="accent1"/>
+          </a:fillRef>
+          <a:effectRef idx="0">
+            <a:schemeClr val="accent1"/>
+          </a:effectRef>
+          <a:fontRef idx="minor">
+            <a:schemeClr val="lt1"/>
+          </a:fontRef>
+        </p:style>
+        <p:txBody>
+          <a:bodyPr rtlCol="0" anchor="ctr"/>
+          <a:lstStyle/>
+          <a:p>
+            <a:pPr algn="ctr"/>
+            <a:endParaRPr lang="fr-FR" dirty="0"/>
+          </a:p>
+        </p:txBody>
+      </p:sp>
+      <p:sp>
+        <p:nvSpPr>
+          <p:cNvPr id="9" name="Rectangle à coins arrondis 8"/>
+          <p:cNvSpPr/>
+          <p:nvPr/>
+        </p:nvSpPr>
+        <p:spPr>
+          <a:xfrm>
+            <a:off x="3339054" y="1856962"/>
+            <a:ext cx="1175795" cy="240571"/>
+          </a:xfrm>
+          <a:prstGeom prst="roundRect">
+            <a:avLst/>
+          </a:prstGeom>
+          <a:solidFill>
+            <a:srgbClr val="CF022B">
+              <a:alpha val="30000"/>
+            </a:srgbClr>
+          </a:solidFill>
+          <a:ln>
+            <a:noFill/>
+          </a:ln>
+        </p:spPr>
+        <p:style>
+          <a:lnRef idx="2">
+            <a:schemeClr val="accent1">
+              <a:shade val="50000"/>
+            </a:schemeClr>
+          </a:lnRef>
+          <a:fillRef idx="1">
+            <a:schemeClr val="accent1"/>
+          </a:fillRef>
+          <a:effectRef idx="0">
+            <a:schemeClr val="accent1"/>
+          </a:effectRef>
+          <a:fontRef idx="minor">
+            <a:schemeClr val="lt1"/>
+          </a:fontRef>
+        </p:style>
+        <p:txBody>
+          <a:bodyPr rtlCol="0" anchor="ctr"/>
+          <a:lstStyle/>
+          <a:p>
+            <a:pPr algn="ctr"/>
+            <a:endParaRPr lang="fr-FR" dirty="0"/>
+          </a:p>
+        </p:txBody>
+      </p:sp>
+    </p:spTree>
+    <p:extLst>
+      <p:ext uri="{BB962C8B-B14F-4D97-AF65-F5344CB8AC3E}">
+        <p14:creationId xmlns:p14="http://schemas.microsoft.com/office/powerpoint/2010/main" val="2526031973"/>
+      </p:ext>
+    </p:extLst>
+  </p:cSld>
+  <p:clrMapOvr>
+    <a:masterClrMapping/>
+  </p:clrMapOvr>
+</p:sld>
+</file>
+
+<file path=ppt/slides/slide20.xml><?xml version="1.0" encoding="utf-8"?>
+<p:sld xmlns:a="http://schemas.openxmlformats.org/drawingml/2006/main" xmlns:r="http://schemas.openxmlformats.org/officeDocument/2006/relationships" xmlns:p="http://schemas.openxmlformats.org/presentationml/2006/main">
+  <p:cSld>
+    <p:spTree>
+      <p:nvGrpSpPr>
+        <p:cNvPr id="1" name=""/>
+        <p:cNvGrpSpPr/>
+        <p:nvPr/>
+      </p:nvGrpSpPr>
+      <p:grpSpPr>
+        <a:xfrm>
+          <a:off x="0" y="0"/>
+          <a:ext cx="0" cy="0"/>
+          <a:chOff x="0" y="0"/>
+          <a:chExt cx="0" cy="0"/>
+        </a:xfrm>
+      </p:grpSpPr>
+      <p:sp>
+        <p:nvSpPr>
+          <p:cNvPr id="2" name="Espace réservé du contenu 1"/>
+          <p:cNvSpPr>
+            <a:spLocks noGrp="1"/>
+          </p:cNvSpPr>
+          <p:nvPr>
+            <p:ph idx="1"/>
+          </p:nvPr>
+        </p:nvSpPr>
+        <p:spPr bwMode="gray">
+          <a:xfrm>
+            <a:off x="515938" y="3486150"/>
+            <a:ext cx="8088511" cy="2679699"/>
+          </a:xfrm>
+        </p:spPr>
+        <p:txBody>
+          <a:bodyPr>
+            <a:normAutofit fontScale="92500" lnSpcReduction="20000"/>
+          </a:bodyPr>
+          <a:lstStyle/>
+          <a:p>
+            <a:r>
+              <a:rPr lang="en-US" dirty="0"/>
+              <a:t>Should be understood :</a:t>
+            </a:r>
+          </a:p>
+          <a:p>
+            <a:pPr lvl="1"/>
+            <a:r>
+              <a:rPr lang="en-US" dirty="0"/>
+              <a:t>'label' means the text shown to the user in the combo, and the code should give a value instead of the placeholder 'label' in the spec :</a:t>
+            </a:r>
+          </a:p>
+          <a:p>
+            <a:pPr lvl="2"/>
+            <a:r>
+              <a:rPr lang="en-US" sz="1300" dirty="0">
+                <a:latin typeface="Courier New" pitchFamily="49" charset="0"/>
+                <a:cs typeface="Courier New" pitchFamily="49" charset="0"/>
+              </a:rPr>
+              <a:t>person.name </a:t>
+            </a:r>
+            <a:r>
+              <a:rPr lang="en-US" dirty="0"/>
+              <a:t>for person in </a:t>
+            </a:r>
+            <a:r>
+              <a:rPr lang="en-US" dirty="0" err="1"/>
+              <a:t>vm.personArray</a:t>
+            </a:r>
+            <a:endParaRPr lang="en-US" dirty="0"/>
+          </a:p>
+          <a:p>
+            <a:pPr lvl="1"/>
+            <a:r>
+              <a:rPr lang="en-US" dirty="0"/>
+              <a:t>'value' means the name of a variable loop  value of an item from the  array : </a:t>
+            </a:r>
+            <a:r>
+              <a:rPr lang="en-US" sz="1300" dirty="0">
+                <a:latin typeface="Courier New" pitchFamily="49" charset="0"/>
+                <a:cs typeface="Courier New" pitchFamily="49" charset="0"/>
+              </a:rPr>
+              <a:t>person</a:t>
+            </a:r>
+          </a:p>
+          <a:p>
+            <a:pPr lvl="1"/>
+            <a:r>
+              <a:rPr lang="en-US" dirty="0"/>
+              <a:t>select' means the value returns when submitted  : </a:t>
+            </a:r>
+            <a:r>
+              <a:rPr lang="en-US" sz="1300" dirty="0">
+                <a:latin typeface="Courier New" pitchFamily="49" charset="0"/>
+                <a:cs typeface="Courier New" pitchFamily="49" charset="0"/>
+              </a:rPr>
+              <a:t>person</a:t>
+            </a:r>
+            <a:r>
+              <a:rPr lang="en-US" dirty="0"/>
+              <a:t>, or </a:t>
+            </a:r>
+            <a:r>
+              <a:rPr lang="en-US" sz="1300" dirty="0">
+                <a:latin typeface="Courier New" pitchFamily="49" charset="0"/>
+                <a:cs typeface="Courier New" pitchFamily="49" charset="0"/>
+              </a:rPr>
+              <a:t>person.id</a:t>
+            </a:r>
+            <a:r>
+              <a:rPr lang="en-US" dirty="0"/>
+              <a:t/>
+            </a:r>
+            <a:br>
+              <a:rPr lang="en-US" dirty="0"/>
+            </a:br>
+            <a:r>
+              <a:rPr lang="en-US" dirty="0"/>
+              <a:t>value could either be the FK (id) or the full object</a:t>
+            </a:r>
+          </a:p>
+          <a:p>
+            <a:pPr lvl="1"/>
+            <a:r>
+              <a:rPr lang="en-US" dirty="0"/>
+              <a:t>Even if the full sentence is strange, </a:t>
+            </a:r>
+            <a:br>
+              <a:rPr lang="en-US" dirty="0"/>
+            </a:br>
+            <a:r>
+              <a:rPr lang="en-US" dirty="0"/>
+              <a:t>we just have to replace 'label' 'value' and 'select' by code.</a:t>
+            </a:r>
+          </a:p>
+          <a:p>
+            <a:pPr lvl="1"/>
+            <a:r>
+              <a:rPr lang="en-US" dirty="0">
+                <a:solidFill>
+                  <a:srgbClr val="FF0000"/>
+                </a:solidFill>
+              </a:rPr>
+              <a:t>In short the words "select' 'value' and 'select' should NOT appear in the options parameter</a:t>
+            </a:r>
+          </a:p>
+        </p:txBody>
+      </p:sp>
+      <p:sp>
+        <p:nvSpPr>
+          <p:cNvPr id="3" name="Titre 2"/>
+          <p:cNvSpPr>
+            <a:spLocks noGrp="1"/>
+          </p:cNvSpPr>
+          <p:nvPr>
+            <p:ph type="title"/>
+          </p:nvPr>
+        </p:nvSpPr>
+        <p:spPr bwMode="gray">
+          <a:xfrm>
+            <a:off x="544439" y="260648"/>
+            <a:ext cx="8045374" cy="332546"/>
+          </a:xfrm>
+        </p:spPr>
+        <p:txBody>
+          <a:bodyPr/>
+          <a:lstStyle/>
+          <a:p>
+            <a:r>
+              <a:rPr lang="fr-FR" cap="none" dirty="0"/>
+              <a:t>AngularJS</a:t>
+            </a:r>
+            <a:endParaRPr lang="en-GB" cap="none" dirty="0"/>
+          </a:p>
+        </p:txBody>
+      </p:sp>
+      <p:sp>
+        <p:nvSpPr>
+          <p:cNvPr id="5" name="Espace réservé du numéro de diapositive 4"/>
+          <p:cNvSpPr>
+            <a:spLocks noGrp="1"/>
+          </p:cNvSpPr>
+          <p:nvPr>
+            <p:ph type="sldNum" sz="quarter" idx="12"/>
+          </p:nvPr>
+        </p:nvSpPr>
+        <p:spPr bwMode="gray"/>
+        <p:txBody>
+          <a:bodyPr/>
+          <a:lstStyle/>
+          <a:p>
+            <a:fld id="{AF43E6FD-AB27-4108-A2FC-346BB5F75E3F}" type="slidenum">
+              <a:rPr lang="fr-FR" smtClean="0"/>
+              <a:pPr/>
+              <a:t>20</a:t>
             </a:fld>
             <a:endParaRPr lang="fr-FR" dirty="0"/>
           </a:p>
@@ -16961,7 +17474,7 @@
 </p:sld>
 </file>
 
-<file path=ppt/slides/slide2.xml><?xml version="1.0" encoding="utf-8"?>
+<file path=ppt/slides/slide21.xml><?xml version="1.0" encoding="utf-8"?>
 <p:sld xmlns:a="http://schemas.openxmlformats.org/drawingml/2006/main" xmlns:r="http://schemas.openxmlformats.org/officeDocument/2006/relationships" xmlns:p="http://schemas.openxmlformats.org/presentationml/2006/main">
   <p:cSld>
     <p:spTree>
@@ -16990,75 +17503,45 @@
         </p:nvSpPr>
         <p:spPr bwMode="gray">
           <a:xfrm>
-            <a:off x="515938" y="4276725"/>
-            <a:ext cx="8088511" cy="1889124"/>
+            <a:off x="544439" y="1330779"/>
+            <a:ext cx="8088511" cy="2679699"/>
           </a:xfrm>
         </p:spPr>
         <p:txBody>
           <a:bodyPr>
-            <a:normAutofit fontScale="85000" lnSpcReduction="10000"/>
+            <a:normAutofit/>
           </a:bodyPr>
           <a:lstStyle/>
           <a:p>
             <a:r>
-              <a:rPr lang="en-US" dirty="0" err="1" smtClean="0"/>
-              <a:t>Utilisation</a:t>
-            </a:r>
-            <a:r>
-              <a:rPr lang="en-US" dirty="0" smtClean="0"/>
-              <a:t> de </a:t>
-            </a:r>
-            <a:r>
-              <a:rPr lang="en-US" dirty="0" smtClean="0">
-                <a:solidFill>
-                  <a:srgbClr val="FF0000"/>
-                </a:solidFill>
-              </a:rPr>
-              <a:t>ng-model</a:t>
-            </a:r>
-            <a:r>
-              <a:rPr lang="en-US" dirty="0" smtClean="0"/>
-              <a:t> pour le double </a:t>
-            </a:r>
-            <a:r>
-              <a:rPr lang="en-US" dirty="0" err="1" smtClean="0"/>
-              <a:t>bindning</a:t>
-            </a:r>
+              <a:rPr lang="en-US" dirty="0"/>
+              <a:t>You choose your theme</a:t>
+            </a:r>
+          </a:p>
+          <a:p>
+            <a:pPr lvl="1"/>
             <a:endParaRPr lang="en-US" dirty="0"/>
           </a:p>
           <a:p>
-            <a:r>
-              <a:rPr lang="en-US" dirty="0" err="1">
-                <a:solidFill>
-                  <a:srgbClr val="FF0000"/>
-                </a:solidFill>
-              </a:rPr>
-              <a:t>novalidate</a:t>
-            </a:r>
-            <a:r>
-              <a:rPr lang="en-US" dirty="0"/>
-              <a:t> (attributes defined in HTML 5) =&gt;  disables the browser automatic validation</a:t>
-            </a:r>
-          </a:p>
-          <a:p>
-            <a:r>
-              <a:rPr lang="en-US" dirty="0" smtClean="0"/>
-              <a:t>Check the HTML5 types : text, email, number …</a:t>
-            </a:r>
-          </a:p>
-          <a:p>
-            <a:r>
-              <a:rPr lang="en-US" dirty="0" smtClean="0"/>
-              <a:t>type="mail"  prevents an invalid value to be synced with the binding data defined in ng-model </a:t>
-            </a:r>
-            <a:r>
-              <a:rPr lang="en-US" dirty="0" err="1" smtClean="0"/>
-              <a:t>user.mail</a:t>
-            </a:r>
-            <a:r>
-              <a:rPr lang="en-US" dirty="0" smtClean="0"/>
-              <a:t> if not valid</a:t>
-            </a:r>
+            <a:pPr lvl="1"/>
+            <a:endParaRPr lang="en-US" dirty="0"/>
+          </a:p>
+          <a:p>
+            <a:pPr lvl="1"/>
+            <a:endParaRPr lang="en-US" dirty="0"/>
+          </a:p>
+          <a:p>
+            <a:pPr lvl="1"/>
+            <a:endParaRPr lang="en-US" dirty="0"/>
+          </a:p>
+          <a:p>
+            <a:endParaRPr lang="en-US" dirty="0"/>
+          </a:p>
+          <a:p>
+            <a:endParaRPr lang="en-US" dirty="0"/>
+          </a:p>
+          <a:p>
+            <a:endParaRPr lang="en-US" dirty="0"/>
           </a:p>
           <a:p>
             <a:endParaRPr lang="en-US" dirty="0"/>
@@ -17085,6 +17568,10 @@
           <a:bodyPr/>
           <a:lstStyle/>
           <a:p>
+            <a:r>
+              <a:rPr lang="fr-FR" cap="none" dirty="0"/>
+              <a:t>AngularJS</a:t>
+            </a:r>
             <a:endParaRPr lang="en-GB" cap="none" dirty="0"/>
           </a:p>
         </p:txBody>
@@ -17107,333 +17594,7 @@
             <a:fld id="{AF43E6FD-AB27-4108-A2FC-346BB5F75E3F}" type="slidenum">
               <a:rPr lang="fr-FR" smtClean="0"/>
               <a:pPr/>
-              <a:t>2</a:t>
-            </a:fld>
-            <a:endParaRPr lang="fr-FR" dirty="0"/>
-          </a:p>
-        </p:txBody>
-      </p:sp>
-      <p:sp>
-        <p:nvSpPr>
-          <p:cNvPr id="10" name="Espace réservé du texte 9"/>
-          <p:cNvSpPr>
-            <a:spLocks noGrp="1"/>
-          </p:cNvSpPr>
-          <p:nvPr>
-            <p:ph type="body" sz="quarter" idx="13"/>
-          </p:nvPr>
-        </p:nvSpPr>
-        <p:spPr bwMode="gray"/>
-        <p:txBody>
-          <a:bodyPr/>
-          <a:lstStyle/>
-          <a:p>
-            <a:r>
-              <a:rPr lang="en-GB" cap="none" dirty="0" smtClean="0"/>
-              <a:t>Un </a:t>
-            </a:r>
-            <a:r>
-              <a:rPr lang="en-GB" cap="none" dirty="0" err="1" smtClean="0"/>
-              <a:t>formulaire</a:t>
-            </a:r>
-            <a:endParaRPr lang="en-GB" cap="none" dirty="0"/>
-          </a:p>
-        </p:txBody>
-      </p:sp>
-      <p:sp>
-        <p:nvSpPr>
-          <p:cNvPr id="6" name="Espace réservé du pied de page 5"/>
-          <p:cNvSpPr>
-            <a:spLocks noGrp="1"/>
-          </p:cNvSpPr>
-          <p:nvPr>
-            <p:ph type="ftr" sz="quarter" idx="11"/>
-          </p:nvPr>
-        </p:nvSpPr>
-        <p:spPr/>
-        <p:txBody>
-          <a:bodyPr/>
-          <a:lstStyle/>
-          <a:p>
-            <a:r>
-              <a:rPr lang="fr-FR" dirty="0" err="1"/>
-              <a:t>Angular</a:t>
-            </a:r>
-            <a:r>
-              <a:rPr lang="fr-FR" dirty="0"/>
-              <a:t> JS 1: </a:t>
-            </a:r>
-            <a:r>
-              <a:rPr lang="fr-FR" dirty="0" err="1"/>
-              <a:t>Forms</a:t>
-            </a:r>
-            <a:endParaRPr lang="fr-FR" dirty="0"/>
-          </a:p>
-        </p:txBody>
-      </p:sp>
-      <p:pic>
-        <p:nvPicPr>
-          <p:cNvPr id="1026" name="Picture 2"/>
-          <p:cNvPicPr>
-            <a:picLocks noChangeAspect="1" noChangeArrowheads="1"/>
-          </p:cNvPicPr>
-          <p:nvPr/>
-        </p:nvPicPr>
-        <p:blipFill>
-          <a:blip r:embed="rId3"/>
-          <a:srcRect/>
-          <a:stretch>
-            <a:fillRect/>
-          </a:stretch>
-        </p:blipFill>
-        <p:spPr bwMode="auto">
-          <a:xfrm>
-            <a:off x="1496949" y="989929"/>
-            <a:ext cx="7494392" cy="3043839"/>
-          </a:xfrm>
-          <a:prstGeom prst="rect">
-            <a:avLst/>
-          </a:prstGeom>
-          <a:noFill/>
-          <a:ln w="9525">
-            <a:noFill/>
-            <a:miter lim="800000"/>
-            <a:headEnd/>
-            <a:tailEnd/>
-          </a:ln>
-          <a:effectLst/>
-        </p:spPr>
-      </p:pic>
-      <p:sp>
-        <p:nvSpPr>
-          <p:cNvPr id="4" name="Rectangle à coins arrondis 3"/>
-          <p:cNvSpPr/>
-          <p:nvPr/>
-        </p:nvSpPr>
-        <p:spPr>
-          <a:xfrm>
-            <a:off x="3162271" y="1572565"/>
-            <a:ext cx="1065686" cy="240571"/>
-          </a:xfrm>
-          <a:prstGeom prst="roundRect">
-            <a:avLst/>
-          </a:prstGeom>
-          <a:solidFill>
-            <a:srgbClr val="CF022B">
-              <a:alpha val="30000"/>
-            </a:srgbClr>
-          </a:solidFill>
-          <a:ln>
-            <a:noFill/>
-          </a:ln>
-        </p:spPr>
-        <p:style>
-          <a:lnRef idx="2">
-            <a:schemeClr val="accent1">
-              <a:shade val="50000"/>
-            </a:schemeClr>
-          </a:lnRef>
-          <a:fillRef idx="1">
-            <a:schemeClr val="accent1"/>
-          </a:fillRef>
-          <a:effectRef idx="0">
-            <a:schemeClr val="accent1"/>
-          </a:effectRef>
-          <a:fontRef idx="minor">
-            <a:schemeClr val="lt1"/>
-          </a:fontRef>
-        </p:style>
-        <p:txBody>
-          <a:bodyPr rtlCol="0" anchor="ctr"/>
-          <a:lstStyle/>
-          <a:p>
-            <a:pPr algn="ctr"/>
-            <a:endParaRPr lang="fr-FR" dirty="0"/>
-          </a:p>
-        </p:txBody>
-      </p:sp>
-      <p:sp>
-        <p:nvSpPr>
-          <p:cNvPr id="9" name="Rectangle à coins arrondis 8"/>
-          <p:cNvSpPr/>
-          <p:nvPr/>
-        </p:nvSpPr>
-        <p:spPr>
-          <a:xfrm>
-            <a:off x="3339054" y="1856962"/>
-            <a:ext cx="1175795" cy="240571"/>
-          </a:xfrm>
-          <a:prstGeom prst="roundRect">
-            <a:avLst/>
-          </a:prstGeom>
-          <a:solidFill>
-            <a:srgbClr val="CF022B">
-              <a:alpha val="30000"/>
-            </a:srgbClr>
-          </a:solidFill>
-          <a:ln>
-            <a:noFill/>
-          </a:ln>
-        </p:spPr>
-        <p:style>
-          <a:lnRef idx="2">
-            <a:schemeClr val="accent1">
-              <a:shade val="50000"/>
-            </a:schemeClr>
-          </a:lnRef>
-          <a:fillRef idx="1">
-            <a:schemeClr val="accent1"/>
-          </a:fillRef>
-          <a:effectRef idx="0">
-            <a:schemeClr val="accent1"/>
-          </a:effectRef>
-          <a:fontRef idx="minor">
-            <a:schemeClr val="lt1"/>
-          </a:fontRef>
-        </p:style>
-        <p:txBody>
-          <a:bodyPr rtlCol="0" anchor="ctr"/>
-          <a:lstStyle/>
-          <a:p>
-            <a:pPr algn="ctr"/>
-            <a:endParaRPr lang="fr-FR" dirty="0"/>
-          </a:p>
-        </p:txBody>
-      </p:sp>
-    </p:spTree>
-    <p:extLst>
-      <p:ext uri="{BB962C8B-B14F-4D97-AF65-F5344CB8AC3E}">
-        <p14:creationId xmlns:p14="http://schemas.microsoft.com/office/powerpoint/2010/main" val="2526031973"/>
-      </p:ext>
-    </p:extLst>
-  </p:cSld>
-  <p:clrMapOvr>
-    <a:masterClrMapping/>
-  </p:clrMapOvr>
-</p:sld>
-</file>
-
-<file path=ppt/slides/slide20.xml><?xml version="1.0" encoding="utf-8"?>
-<p:sld xmlns:a="http://schemas.openxmlformats.org/drawingml/2006/main" xmlns:r="http://schemas.openxmlformats.org/officeDocument/2006/relationships" xmlns:p="http://schemas.openxmlformats.org/presentationml/2006/main">
-  <p:cSld>
-    <p:spTree>
-      <p:nvGrpSpPr>
-        <p:cNvPr id="1" name=""/>
-        <p:cNvGrpSpPr/>
-        <p:nvPr/>
-      </p:nvGrpSpPr>
-      <p:grpSpPr>
-        <a:xfrm>
-          <a:off x="0" y="0"/>
-          <a:ext cx="0" cy="0"/>
-          <a:chOff x="0" y="0"/>
-          <a:chExt cx="0" cy="0"/>
-        </a:xfrm>
-      </p:grpSpPr>
-      <p:sp>
-        <p:nvSpPr>
-          <p:cNvPr id="2" name="Espace réservé du contenu 1"/>
-          <p:cNvSpPr>
-            <a:spLocks noGrp="1"/>
-          </p:cNvSpPr>
-          <p:nvPr>
-            <p:ph idx="1"/>
-          </p:nvPr>
-        </p:nvSpPr>
-        <p:spPr bwMode="gray">
-          <a:xfrm>
-            <a:off x="544439" y="1330779"/>
-            <a:ext cx="8088511" cy="2679699"/>
-          </a:xfrm>
-        </p:spPr>
-        <p:txBody>
-          <a:bodyPr>
-            <a:normAutofit/>
-          </a:bodyPr>
-          <a:lstStyle/>
-          <a:p>
-            <a:r>
-              <a:rPr lang="en-US" dirty="0"/>
-              <a:t>You choose your theme</a:t>
-            </a:r>
-          </a:p>
-          <a:p>
-            <a:pPr lvl="1"/>
-            <a:endParaRPr lang="en-US" dirty="0"/>
-          </a:p>
-          <a:p>
-            <a:pPr lvl="1"/>
-            <a:endParaRPr lang="en-US" dirty="0"/>
-          </a:p>
-          <a:p>
-            <a:pPr lvl="1"/>
-            <a:endParaRPr lang="en-US" dirty="0"/>
-          </a:p>
-          <a:p>
-            <a:pPr lvl="1"/>
-            <a:endParaRPr lang="en-US" dirty="0"/>
-          </a:p>
-          <a:p>
-            <a:endParaRPr lang="en-US" dirty="0"/>
-          </a:p>
-          <a:p>
-            <a:endParaRPr lang="en-US" dirty="0"/>
-          </a:p>
-          <a:p>
-            <a:endParaRPr lang="en-US" dirty="0"/>
-          </a:p>
-          <a:p>
-            <a:endParaRPr lang="en-US" dirty="0"/>
-          </a:p>
-        </p:txBody>
-      </p:sp>
-      <p:sp>
-        <p:nvSpPr>
-          <p:cNvPr id="3" name="Titre 2"/>
-          <p:cNvSpPr>
-            <a:spLocks noGrp="1"/>
-          </p:cNvSpPr>
-          <p:nvPr>
-            <p:ph type="title"/>
-          </p:nvPr>
-        </p:nvSpPr>
-        <p:spPr bwMode="gray">
-          <a:xfrm>
-            <a:off x="544439" y="260648"/>
-            <a:ext cx="8045374" cy="332546"/>
-          </a:xfrm>
-        </p:spPr>
-        <p:txBody>
-          <a:bodyPr/>
-          <a:lstStyle/>
-          <a:p>
-            <a:r>
-              <a:rPr lang="fr-FR" cap="none" dirty="0"/>
-              <a:t>AngularJS</a:t>
-            </a:r>
-            <a:endParaRPr lang="en-GB" cap="none" dirty="0"/>
-          </a:p>
-        </p:txBody>
-      </p:sp>
-      <p:sp>
-        <p:nvSpPr>
-          <p:cNvPr id="5" name="Espace réservé du numéro de diapositive 4"/>
-          <p:cNvSpPr>
-            <a:spLocks noGrp="1"/>
-          </p:cNvSpPr>
-          <p:nvPr>
-            <p:ph type="sldNum" sz="quarter" idx="12"/>
-          </p:nvPr>
-        </p:nvSpPr>
-        <p:spPr bwMode="gray"/>
-        <p:txBody>
-          <a:bodyPr/>
-          <a:lstStyle/>
-          <a:p>
-            <a:fld id="{AF43E6FD-AB27-4108-A2FC-346BB5F75E3F}" type="slidenum">
-              <a:rPr lang="fr-FR" smtClean="0"/>
-              <a:pPr/>
-              <a:t>20</a:t>
+              <a:t>21</a:t>
             </a:fld>
             <a:endParaRPr lang="fr-FR" dirty="0"/>
           </a:p>
@@ -17563,7 +17724,7 @@
 </p:sld>
 </file>
 
-<file path=ppt/slides/slide21.xml><?xml version="1.0" encoding="utf-8"?>
+<file path=ppt/slides/slide22.xml><?xml version="1.0" encoding="utf-8"?>
 <p:sld xmlns:a="http://schemas.openxmlformats.org/drawingml/2006/main" xmlns:r="http://schemas.openxmlformats.org/officeDocument/2006/relationships" xmlns:p="http://schemas.openxmlformats.org/presentationml/2006/main">
   <p:cSld>
     <p:spTree>
@@ -17760,7 +17921,7 @@
             <a:fld id="{AF43E6FD-AB27-4108-A2FC-346BB5F75E3F}" type="slidenum">
               <a:rPr lang="fr-FR" smtClean="0"/>
               <a:pPr/>
-              <a:t>21</a:t>
+              <a:t>22</a:t>
             </a:fld>
             <a:endParaRPr lang="fr-FR" dirty="0"/>
           </a:p>
@@ -17919,7 +18080,7 @@
 </p:sld>
 </file>
 
-<file path=ppt/slides/slide22.xml><?xml version="1.0" encoding="utf-8"?>
+<file path=ppt/slides/slide23.xml><?xml version="1.0" encoding="utf-8"?>
 <p:sld xmlns:a="http://schemas.openxmlformats.org/drawingml/2006/main" xmlns:r="http://schemas.openxmlformats.org/officeDocument/2006/relationships" xmlns:p="http://schemas.openxmlformats.org/presentationml/2006/main">
   <p:cSld>
     <p:spTree>
@@ -18017,7 +18178,7 @@
             <a:fld id="{AF43E6FD-AB27-4108-A2FC-346BB5F75E3F}" type="slidenum">
               <a:rPr lang="fr-FR" smtClean="0"/>
               <a:pPr/>
-              <a:t>22</a:t>
+              <a:t>23</a:t>
             </a:fld>
             <a:endParaRPr lang="fr-FR" dirty="0"/>
           </a:p>
@@ -18113,7 +18274,7 @@
 </p:sld>
 </file>
 
-<file path=ppt/slides/slide23.xml><?xml version="1.0" encoding="utf-8"?>
+<file path=ppt/slides/slide24.xml><?xml version="1.0" encoding="utf-8"?>
 <p:sld xmlns:a="http://schemas.openxmlformats.org/drawingml/2006/main" xmlns:r="http://schemas.openxmlformats.org/officeDocument/2006/relationships" xmlns:p="http://schemas.openxmlformats.org/presentationml/2006/main">
   <p:cSld>
     <p:spTree>
@@ -18211,7 +18372,7 @@
             <a:fld id="{AF43E6FD-AB27-4108-A2FC-346BB5F75E3F}" type="slidenum">
               <a:rPr lang="fr-FR" smtClean="0"/>
               <a:pPr/>
-              <a:t>23</a:t>
+              <a:t>24</a:t>
             </a:fld>
             <a:endParaRPr lang="fr-FR" dirty="0"/>
           </a:p>
@@ -18307,7 +18468,7 @@
 </p:sld>
 </file>
 
-<file path=ppt/slides/slide24.xml><?xml version="1.0" encoding="utf-8"?>
+<file path=ppt/slides/slide25.xml><?xml version="1.0" encoding="utf-8"?>
 <p:sld xmlns:a="http://schemas.openxmlformats.org/drawingml/2006/main" xmlns:r="http://schemas.openxmlformats.org/officeDocument/2006/relationships" xmlns:p="http://schemas.openxmlformats.org/presentationml/2006/main" show="0">
   <p:cSld>
     <p:spTree>
@@ -18521,7 +18682,7 @@
             <a:fld id="{AF43E6FD-AB27-4108-A2FC-346BB5F75E3F}" type="slidenum">
               <a:rPr lang="fr-FR" smtClean="0"/>
               <a:pPr/>
-              <a:t>24</a:t>
+              <a:t>25</a:t>
             </a:fld>
             <a:endParaRPr lang="fr-FR" dirty="0"/>
           </a:p>
@@ -18654,11 +18815,7 @@
           <a:p>
             <a:r>
               <a:rPr lang="en-GB" cap="none" dirty="0" smtClean="0"/>
-              <a:t>Les </a:t>
-            </a:r>
-            <a:r>
-              <a:rPr lang="en-GB" cap="none" dirty="0" smtClean="0"/>
-              <a:t>classes CSS </a:t>
+              <a:t>Les classes CSS </a:t>
             </a:r>
             <a:r>
               <a:rPr lang="en-GB" cap="none" dirty="0" err="1" smtClean="0"/>
@@ -19094,11 +19251,7 @@
             </a:r>
             <a:r>
               <a:rPr lang="en-GB" cap="none" dirty="0" err="1" smtClean="0"/>
-              <a:t>méca</a:t>
-            </a:r>
-            <a:r>
-              <a:rPr lang="en-GB" cap="none" dirty="0" err="1" smtClean="0"/>
-              <a:t>nique</a:t>
+              <a:t>mécanique</a:t>
             </a:r>
             <a:r>
               <a:rPr lang="en-GB" cap="none" dirty="0" smtClean="0"/>
